--- a/slides/Tag-2_4-Bestandteile_Ajax.pptx
+++ b/slides/Tag-2_4-Bestandteile_Ajax.pptx
@@ -183,10 +183,6 @@
     </p:ext>
   </p:extLst>
 </p:presentation>
-</file>
-
-<file path=ppt/revisionInfo.xml><?xml version="1.0" encoding="utf-8"?>
-<p1510:revInfo xmlns:a="http://schemas.openxmlformats.org/drawingml/2006/main" xmlns:r="http://schemas.openxmlformats.org/officeDocument/2006/relationships" xmlns:p1510="http://schemas.microsoft.com/office/powerpoint/2015/10/main"/>
 </file>
 
 <file path=ppt/handoutMasters/handoutMaster1.xml><?xml version="1.0" encoding="utf-8"?>
@@ -4936,7 +4932,7 @@
               <a:pPr algn="ctr">
                 <a:defRPr/>
               </a:pPr>
-              <a:t>16.06.2017</a:t>
+              <a:t>14.03.2019</a:t>
             </a:fld>
             <a:endParaRPr lang="de-DE" sz="1000" dirty="0">
               <a:solidFill>
@@ -7364,7 +7360,7 @@
               <a:buNone/>
             </a:pPr>
             <a:r>
-              <a:rPr lang="de-DE" altLang="de-DE" sz="1200" b="1" dirty="0" err="1">
+              <a:rPr lang="de-DE" altLang="de-DE" sz="1100" b="1" dirty="0" err="1">
                 <a:solidFill>
                   <a:srgbClr val="000080"/>
                 </a:solidFill>
@@ -7374,7 +7370,7 @@
               <a:t>public</a:t>
             </a:r>
             <a:r>
-              <a:rPr lang="de-DE" altLang="de-DE" sz="1200" b="1" dirty="0">
+              <a:rPr lang="de-DE" altLang="de-DE" sz="1100" b="1" dirty="0">
                 <a:solidFill>
                   <a:srgbClr val="000080"/>
                 </a:solidFill>
@@ -7384,7 +7380,7 @@
               <a:t> </a:t>
             </a:r>
             <a:r>
-              <a:rPr lang="de-DE" altLang="de-DE" sz="1200" b="1" dirty="0" err="1">
+              <a:rPr lang="de-DE" altLang="de-DE" sz="1100" b="1" dirty="0" err="1">
                 <a:solidFill>
                   <a:srgbClr val="000080"/>
                 </a:solidFill>
@@ -7394,7 +7390,7 @@
               <a:t>class</a:t>
             </a:r>
             <a:r>
-              <a:rPr lang="de-DE" altLang="de-DE" sz="1200" b="1" dirty="0">
+              <a:rPr lang="de-DE" altLang="de-DE" sz="1100" b="1" dirty="0">
                 <a:solidFill>
                   <a:srgbClr val="000080"/>
                 </a:solidFill>
@@ -7404,7 +7400,7 @@
               <a:t> </a:t>
             </a:r>
             <a:r>
-              <a:rPr lang="de-DE" altLang="de-DE" sz="1200" dirty="0" err="1">
+              <a:rPr lang="de-DE" altLang="de-DE" sz="1100" dirty="0" err="1">
                 <a:solidFill>
                   <a:srgbClr val="000000"/>
                 </a:solidFill>
@@ -7414,7 +7410,7 @@
               <a:t>AjaxPage</a:t>
             </a:r>
             <a:r>
-              <a:rPr lang="de-DE" altLang="de-DE" sz="1200" dirty="0">
+              <a:rPr lang="de-DE" altLang="de-DE" sz="1100" dirty="0">
                 <a:solidFill>
                   <a:srgbClr val="000000"/>
                 </a:solidFill>
@@ -7424,7 +7420,7 @@
               <a:t> </a:t>
             </a:r>
             <a:r>
-              <a:rPr lang="de-DE" altLang="de-DE" sz="1200" b="1" dirty="0" err="1">
+              <a:rPr lang="de-DE" altLang="de-DE" sz="1100" b="1" dirty="0" err="1">
                 <a:solidFill>
                   <a:srgbClr val="000080"/>
                 </a:solidFill>
@@ -7434,7 +7430,7 @@
               <a:t>extends</a:t>
             </a:r>
             <a:r>
-              <a:rPr lang="de-DE" altLang="de-DE" sz="1200" b="1" dirty="0">
+              <a:rPr lang="de-DE" altLang="de-DE" sz="1100" b="1" dirty="0">
                 <a:solidFill>
                   <a:srgbClr val="000080"/>
                 </a:solidFill>
@@ -7444,7 +7440,7 @@
               <a:t> </a:t>
             </a:r>
             <a:r>
-              <a:rPr lang="de-DE" altLang="de-DE" sz="1200" dirty="0" err="1">
+              <a:rPr lang="de-DE" altLang="de-DE" sz="1100" dirty="0" err="1">
                 <a:solidFill>
                   <a:srgbClr val="000000"/>
                 </a:solidFill>
@@ -7454,7 +7450,7 @@
               <a:t>WebPage</a:t>
             </a:r>
             <a:r>
-              <a:rPr lang="de-DE" altLang="de-DE" sz="1200" dirty="0">
+              <a:rPr lang="de-DE" altLang="de-DE" sz="1100" dirty="0">
                 <a:solidFill>
                   <a:srgbClr val="000000"/>
                 </a:solidFill>
@@ -7464,7 +7460,7 @@
               <a:t> {</a:t>
             </a:r>
             <a:br>
-              <a:rPr lang="de-DE" altLang="de-DE" sz="1200" dirty="0">
+              <a:rPr lang="de-DE" altLang="de-DE" sz="1100" dirty="0">
                 <a:solidFill>
                   <a:srgbClr val="000000"/>
                 </a:solidFill>
@@ -7473,7 +7469,7 @@
               </a:rPr>
             </a:br>
             <a:r>
-              <a:rPr lang="de-DE" altLang="de-DE" sz="1200" dirty="0">
+              <a:rPr lang="de-DE" altLang="de-DE" sz="1100" dirty="0">
                 <a:solidFill>
                   <a:srgbClr val="000000"/>
                 </a:solidFill>
@@ -7483,7 +7479,7 @@
               <a:t>    </a:t>
             </a:r>
             <a:br>
-              <a:rPr lang="de-DE" altLang="de-DE" sz="1200" dirty="0">
+              <a:rPr lang="de-DE" altLang="de-DE" sz="1100" dirty="0">
                 <a:solidFill>
                   <a:srgbClr val="000000"/>
                 </a:solidFill>
@@ -7492,7 +7488,7 @@
               </a:rPr>
             </a:br>
             <a:r>
-              <a:rPr lang="de-DE" altLang="de-DE" sz="1200" dirty="0">
+              <a:rPr lang="de-DE" altLang="de-DE" sz="1100" dirty="0">
                 <a:solidFill>
                   <a:srgbClr val="000000"/>
                 </a:solidFill>
@@ -7502,7 +7498,7 @@
               <a:t>    </a:t>
             </a:r>
             <a:r>
-              <a:rPr lang="de-DE" altLang="de-DE" sz="1200" b="1" dirty="0" err="1">
+              <a:rPr lang="de-DE" altLang="de-DE" sz="1100" b="1" dirty="0" err="1">
                 <a:solidFill>
                   <a:srgbClr val="000080"/>
                 </a:solidFill>
@@ -7512,7 +7508,7 @@
               <a:t>public</a:t>
             </a:r>
             <a:r>
-              <a:rPr lang="de-DE" altLang="de-DE" sz="1200" b="1" dirty="0">
+              <a:rPr lang="de-DE" altLang="de-DE" sz="1100" b="1" dirty="0">
                 <a:solidFill>
                   <a:srgbClr val="000080"/>
                 </a:solidFill>
@@ -7522,7 +7518,7 @@
               <a:t> </a:t>
             </a:r>
             <a:r>
-              <a:rPr lang="de-DE" altLang="de-DE" sz="1200" dirty="0" err="1">
+              <a:rPr lang="de-DE" altLang="de-DE" sz="1100" dirty="0" err="1">
                 <a:solidFill>
                   <a:srgbClr val="000000"/>
                 </a:solidFill>
@@ -7532,7 +7528,7 @@
               <a:t>AjaxPage</a:t>
             </a:r>
             <a:r>
-              <a:rPr lang="de-DE" altLang="de-DE" sz="1200" dirty="0">
+              <a:rPr lang="de-DE" altLang="de-DE" sz="1100" dirty="0">
                 <a:solidFill>
                   <a:srgbClr val="000000"/>
                 </a:solidFill>
@@ -7542,7 +7538,7 @@
               <a:t>(</a:t>
             </a:r>
             <a:r>
-              <a:rPr lang="de-DE" altLang="de-DE" sz="1200" b="1" dirty="0">
+              <a:rPr lang="de-DE" altLang="de-DE" sz="1100" b="1" dirty="0">
                 <a:solidFill>
                   <a:srgbClr val="000080"/>
                 </a:solidFill>
@@ -7552,7 +7548,7 @@
               <a:t>final </a:t>
             </a:r>
             <a:r>
-              <a:rPr lang="de-DE" altLang="de-DE" sz="1200" dirty="0" err="1">
+              <a:rPr lang="de-DE" altLang="de-DE" sz="1100" dirty="0" err="1">
                 <a:solidFill>
                   <a:srgbClr val="000000"/>
                 </a:solidFill>
@@ -7562,7 +7558,7 @@
               <a:t>PageParameters</a:t>
             </a:r>
             <a:r>
-              <a:rPr lang="de-DE" altLang="de-DE" sz="1200" dirty="0">
+              <a:rPr lang="de-DE" altLang="de-DE" sz="1100" dirty="0">
                 <a:solidFill>
                   <a:srgbClr val="000000"/>
                 </a:solidFill>
@@ -7572,7 +7568,7 @@
               <a:t> </a:t>
             </a:r>
             <a:r>
-              <a:rPr lang="de-DE" altLang="de-DE" sz="1200" dirty="0" err="1">
+              <a:rPr lang="de-DE" altLang="de-DE" sz="1100" dirty="0" err="1">
                 <a:solidFill>
                   <a:srgbClr val="000000"/>
                 </a:solidFill>
@@ -7582,7 +7578,7 @@
               <a:t>parameters</a:t>
             </a:r>
             <a:r>
-              <a:rPr lang="de-DE" altLang="de-DE" sz="1200" dirty="0">
+              <a:rPr lang="de-DE" altLang="de-DE" sz="1100" dirty="0">
                 <a:solidFill>
                   <a:srgbClr val="000000"/>
                 </a:solidFill>
@@ -7592,7 +7588,7 @@
               <a:t>) {</a:t>
             </a:r>
             <a:br>
-              <a:rPr lang="de-DE" altLang="de-DE" sz="1200" dirty="0">
+              <a:rPr lang="de-DE" altLang="de-DE" sz="1100" dirty="0">
                 <a:solidFill>
                   <a:srgbClr val="000000"/>
                 </a:solidFill>
@@ -7601,7 +7597,7 @@
               </a:rPr>
             </a:br>
             <a:r>
-              <a:rPr lang="de-DE" altLang="de-DE" sz="1200" dirty="0">
+              <a:rPr lang="de-DE" altLang="de-DE" sz="1100" dirty="0">
                 <a:solidFill>
                   <a:srgbClr val="000000"/>
                 </a:solidFill>
@@ -7611,7 +7607,7 @@
               <a:t>        </a:t>
             </a:r>
             <a:r>
-              <a:rPr lang="de-DE" altLang="de-DE" sz="1200" b="1" dirty="0">
+              <a:rPr lang="de-DE" altLang="de-DE" sz="1100" b="1" dirty="0">
                 <a:solidFill>
                   <a:srgbClr val="000080"/>
                 </a:solidFill>
@@ -7621,7 +7617,7 @@
               <a:t>super</a:t>
             </a:r>
             <a:r>
-              <a:rPr lang="de-DE" altLang="de-DE" sz="1200" dirty="0">
+              <a:rPr lang="de-DE" altLang="de-DE" sz="1100" dirty="0">
                 <a:solidFill>
                   <a:srgbClr val="000000"/>
                 </a:solidFill>
@@ -7631,7 +7627,7 @@
               <a:t>(</a:t>
             </a:r>
             <a:r>
-              <a:rPr lang="de-DE" altLang="de-DE" sz="1200" dirty="0" err="1">
+              <a:rPr lang="de-DE" altLang="de-DE" sz="1100" dirty="0" err="1">
                 <a:solidFill>
                   <a:srgbClr val="000000"/>
                 </a:solidFill>
@@ -7641,7 +7637,7 @@
               <a:t>parameters</a:t>
             </a:r>
             <a:r>
-              <a:rPr lang="de-DE" altLang="de-DE" sz="1200" dirty="0">
+              <a:rPr lang="de-DE" altLang="de-DE" sz="1100" dirty="0">
                 <a:solidFill>
                   <a:srgbClr val="000000"/>
                 </a:solidFill>
@@ -7651,7 +7647,7 @@
               <a:t>);</a:t>
             </a:r>
             <a:br>
-              <a:rPr lang="de-DE" altLang="de-DE" sz="1200" dirty="0">
+              <a:rPr lang="de-DE" altLang="de-DE" sz="1100" dirty="0">
                 <a:solidFill>
                   <a:srgbClr val="000000"/>
                 </a:solidFill>
@@ -7660,7 +7656,7 @@
               </a:rPr>
             </a:br>
             <a:br>
-              <a:rPr lang="de-DE" altLang="de-DE" sz="1200" dirty="0">
+              <a:rPr lang="de-DE" altLang="de-DE" sz="1100" dirty="0">
                 <a:solidFill>
                   <a:srgbClr val="000000"/>
                 </a:solidFill>
@@ -7669,7 +7665,7 @@
               </a:rPr>
             </a:br>
             <a:r>
-              <a:rPr lang="de-DE" altLang="de-DE" sz="1200" dirty="0">
+              <a:rPr lang="de-DE" altLang="de-DE" sz="1100" dirty="0">
                 <a:solidFill>
                   <a:srgbClr val="000000"/>
                 </a:solidFill>
@@ -7679,17 +7675,86 @@
               <a:t>        </a:t>
             </a:r>
             <a:r>
-              <a:rPr lang="de-DE" altLang="de-DE" sz="1200" b="1" dirty="0">
+              <a:rPr lang="de-DE" altLang="de-DE" sz="1100" dirty="0" err="1">
+                <a:solidFill>
+                  <a:srgbClr val="000000"/>
+                </a:solidFill>
+                <a:latin typeface="Consolas" panose="020B0609020204030204" pitchFamily="49" charset="0"/>
+                <a:cs typeface="Consolas" panose="020B0609020204030204" pitchFamily="49" charset="0"/>
+              </a:rPr>
+              <a:t>ClickCounterLabel</a:t>
+            </a:r>
+            <a:r>
+              <a:rPr lang="de-DE" altLang="de-DE" sz="1100" dirty="0">
+                <a:solidFill>
+                  <a:srgbClr val="000000"/>
+                </a:solidFill>
+                <a:latin typeface="Consolas" panose="020B0609020204030204" pitchFamily="49" charset="0"/>
+                <a:cs typeface="Consolas" panose="020B0609020204030204" pitchFamily="49" charset="0"/>
+              </a:rPr>
+              <a:t> </a:t>
+            </a:r>
+            <a:r>
+              <a:rPr lang="de-DE" altLang="de-DE" sz="1100" dirty="0" err="1">
+                <a:solidFill>
+                  <a:srgbClr val="000000"/>
+                </a:solidFill>
+                <a:latin typeface="Consolas" panose="020B0609020204030204" pitchFamily="49" charset="0"/>
+                <a:cs typeface="Consolas" panose="020B0609020204030204" pitchFamily="49" charset="0"/>
+              </a:rPr>
+              <a:t>clickCounterLabel</a:t>
+            </a:r>
+            <a:r>
+              <a:rPr lang="de-DE" altLang="de-DE" sz="1100" dirty="0">
+                <a:solidFill>
+                  <a:srgbClr val="000000"/>
+                </a:solidFill>
+                <a:latin typeface="Consolas" panose="020B0609020204030204" pitchFamily="49" charset="0"/>
+                <a:cs typeface="Consolas" panose="020B0609020204030204" pitchFamily="49" charset="0"/>
+              </a:rPr>
+              <a:t> =</a:t>
+            </a:r>
+            <a:br>
+              <a:rPr lang="de-DE" altLang="de-DE" sz="1100" dirty="0">
+                <a:solidFill>
+                  <a:srgbClr val="000000"/>
+                </a:solidFill>
+                <a:latin typeface="Consolas" panose="020B0609020204030204" pitchFamily="49" charset="0"/>
+                <a:cs typeface="Consolas" panose="020B0609020204030204" pitchFamily="49" charset="0"/>
+              </a:rPr>
+            </a:br>
+            <a:r>
+              <a:rPr lang="de-DE" altLang="de-DE" sz="1100" dirty="0">
+                <a:solidFill>
+                  <a:srgbClr val="000000"/>
+                </a:solidFill>
+                <a:latin typeface="Consolas" panose="020B0609020204030204" pitchFamily="49" charset="0"/>
+                <a:cs typeface="Consolas" panose="020B0609020204030204" pitchFamily="49" charset="0"/>
+              </a:rPr>
+              <a:t>                </a:t>
+            </a:r>
+            <a:r>
+              <a:rPr lang="de-DE" altLang="de-DE" sz="1100" b="1" dirty="0" err="1">
                 <a:solidFill>
                   <a:srgbClr val="000080"/>
                 </a:solidFill>
                 <a:latin typeface="Consolas" panose="020B0609020204030204" pitchFamily="49" charset="0"/>
                 <a:cs typeface="Consolas" panose="020B0609020204030204" pitchFamily="49" charset="0"/>
               </a:rPr>
-              <a:t>final </a:t>
-            </a:r>
-            <a:r>
-              <a:rPr lang="de-DE" altLang="de-DE" sz="1200" dirty="0" err="1">
+              <a:t>new</a:t>
+            </a:r>
+            <a:r>
+              <a:rPr lang="de-DE" altLang="de-DE" sz="1100" b="1" dirty="0">
+                <a:solidFill>
+                  <a:srgbClr val="000080"/>
+                </a:solidFill>
+                <a:latin typeface="Consolas" panose="020B0609020204030204" pitchFamily="49" charset="0"/>
+                <a:cs typeface="Consolas" panose="020B0609020204030204" pitchFamily="49" charset="0"/>
+              </a:rPr>
+              <a:t> </a:t>
+            </a:r>
+            <a:r>
+              <a:rPr lang="de-DE" altLang="de-DE" sz="1100" dirty="0" err="1">
                 <a:solidFill>
                   <a:srgbClr val="000000"/>
                 </a:solidFill>
@@ -7699,9 +7764,147 @@
               <a:t>ClickCounterLabel</a:t>
             </a:r>
             <a:r>
-              <a:rPr lang="de-DE" altLang="de-DE" sz="1200" dirty="0">
-                <a:solidFill>
-                  <a:srgbClr val="000000"/>
+              <a:rPr lang="de-DE" altLang="de-DE" sz="1100" dirty="0">
+                <a:solidFill>
+                  <a:srgbClr val="000000"/>
+                </a:solidFill>
+                <a:latin typeface="Consolas" panose="020B0609020204030204" pitchFamily="49" charset="0"/>
+                <a:cs typeface="Consolas" panose="020B0609020204030204" pitchFamily="49" charset="0"/>
+              </a:rPr>
+              <a:t>(</a:t>
+            </a:r>
+            <a:r>
+              <a:rPr lang="de-DE" altLang="de-DE" sz="1100" b="1" dirty="0">
+                <a:solidFill>
+                  <a:srgbClr val="008000"/>
+                </a:solidFill>
+                <a:latin typeface="Consolas" panose="020B0609020204030204" pitchFamily="49" charset="0"/>
+                <a:cs typeface="Consolas" panose="020B0609020204030204" pitchFamily="49" charset="0"/>
+              </a:rPr>
+              <a:t>"</a:t>
+            </a:r>
+            <a:r>
+              <a:rPr lang="de-DE" altLang="de-DE" sz="1100" b="1" dirty="0" err="1">
+                <a:solidFill>
+                  <a:srgbClr val="008000"/>
+                </a:solidFill>
+                <a:latin typeface="Consolas" panose="020B0609020204030204" pitchFamily="49" charset="0"/>
+                <a:cs typeface="Consolas" panose="020B0609020204030204" pitchFamily="49" charset="0"/>
+              </a:rPr>
+              <a:t>clickCounterLabel</a:t>
+            </a:r>
+            <a:r>
+              <a:rPr lang="de-DE" altLang="de-DE" sz="1100" b="1" dirty="0">
+                <a:solidFill>
+                  <a:srgbClr val="008000"/>
+                </a:solidFill>
+                <a:latin typeface="Consolas" panose="020B0609020204030204" pitchFamily="49" charset="0"/>
+                <a:cs typeface="Consolas" panose="020B0609020204030204" pitchFamily="49" charset="0"/>
+              </a:rPr>
+              <a:t>"</a:t>
+            </a:r>
+            <a:r>
+              <a:rPr lang="de-DE" altLang="de-DE" sz="1100" dirty="0">
+                <a:solidFill>
+                  <a:srgbClr val="000000"/>
+                </a:solidFill>
+                <a:latin typeface="Consolas" panose="020B0609020204030204" pitchFamily="49" charset="0"/>
+                <a:cs typeface="Consolas" panose="020B0609020204030204" pitchFamily="49" charset="0"/>
+              </a:rPr>
+              <a:t>, </a:t>
+            </a:r>
+            <a:r>
+              <a:rPr lang="de-DE" altLang="de-DE" sz="1100" b="1" dirty="0">
+                <a:solidFill>
+                  <a:srgbClr val="008000"/>
+                </a:solidFill>
+                <a:latin typeface="Consolas" panose="020B0609020204030204" pitchFamily="49" charset="0"/>
+                <a:cs typeface="Consolas" panose="020B0609020204030204" pitchFamily="49" charset="0"/>
+              </a:rPr>
+              <a:t>"Bitte klicken!"</a:t>
+            </a:r>
+            <a:r>
+              <a:rPr lang="de-DE" altLang="de-DE" sz="1100" dirty="0">
+                <a:solidFill>
+                  <a:srgbClr val="000000"/>
+                </a:solidFill>
+                <a:latin typeface="Consolas" panose="020B0609020204030204" pitchFamily="49" charset="0"/>
+                <a:cs typeface="Consolas" panose="020B0609020204030204" pitchFamily="49" charset="0"/>
+              </a:rPr>
+              <a:t>);</a:t>
+            </a:r>
+            <a:br>
+              <a:rPr lang="de-DE" altLang="de-DE" sz="1100" dirty="0">
+                <a:solidFill>
+                  <a:srgbClr val="000000"/>
+                </a:solidFill>
+                <a:latin typeface="Consolas" panose="020B0609020204030204" pitchFamily="49" charset="0"/>
+                <a:cs typeface="Consolas" panose="020B0609020204030204" pitchFamily="49" charset="0"/>
+              </a:rPr>
+            </a:br>
+            <a:r>
+              <a:rPr lang="de-DE" altLang="de-DE" sz="1100" dirty="0">
+                <a:solidFill>
+                  <a:srgbClr val="000000"/>
+                </a:solidFill>
+                <a:latin typeface="Consolas" panose="020B0609020204030204" pitchFamily="49" charset="0"/>
+                <a:cs typeface="Consolas" panose="020B0609020204030204" pitchFamily="49" charset="0"/>
+              </a:rPr>
+              <a:t>        Label </a:t>
+            </a:r>
+            <a:r>
+              <a:rPr lang="de-DE" altLang="de-DE" sz="1100" dirty="0" err="1">
+                <a:solidFill>
+                  <a:srgbClr val="000000"/>
+                </a:solidFill>
+                <a:latin typeface="Consolas" panose="020B0609020204030204" pitchFamily="49" charset="0"/>
+                <a:cs typeface="Consolas" panose="020B0609020204030204" pitchFamily="49" charset="0"/>
+              </a:rPr>
+              <a:t>clickCounter</a:t>
+            </a:r>
+            <a:r>
+              <a:rPr lang="de-DE" altLang="de-DE" sz="1100" dirty="0">
+                <a:solidFill>
+                  <a:srgbClr val="000000"/>
+                </a:solidFill>
+                <a:latin typeface="Consolas" panose="020B0609020204030204" pitchFamily="49" charset="0"/>
+                <a:cs typeface="Consolas" panose="020B0609020204030204" pitchFamily="49" charset="0"/>
+              </a:rPr>
+              <a:t> =</a:t>
+            </a:r>
+            <a:br>
+              <a:rPr lang="de-DE" altLang="de-DE" sz="1100" dirty="0">
+                <a:solidFill>
+                  <a:srgbClr val="000000"/>
+                </a:solidFill>
+                <a:latin typeface="Consolas" panose="020B0609020204030204" pitchFamily="49" charset="0"/>
+                <a:cs typeface="Consolas" panose="020B0609020204030204" pitchFamily="49" charset="0"/>
+              </a:rPr>
+            </a:br>
+            <a:r>
+              <a:rPr lang="de-DE" altLang="de-DE" sz="1100" dirty="0">
+                <a:solidFill>
+                  <a:srgbClr val="000000"/>
+                </a:solidFill>
+                <a:latin typeface="Consolas" panose="020B0609020204030204" pitchFamily="49" charset="0"/>
+                <a:cs typeface="Consolas" panose="020B0609020204030204" pitchFamily="49" charset="0"/>
+              </a:rPr>
+              <a:t>                </a:t>
+            </a:r>
+            <a:r>
+              <a:rPr lang="de-DE" altLang="de-DE" sz="1100" b="1" dirty="0" err="1">
+                <a:solidFill>
+                  <a:srgbClr val="000080"/>
+                </a:solidFill>
+                <a:latin typeface="Consolas" panose="020B0609020204030204" pitchFamily="49" charset="0"/>
+                <a:cs typeface="Consolas" panose="020B0609020204030204" pitchFamily="49" charset="0"/>
+              </a:rPr>
+              <a:t>new</a:t>
+            </a:r>
+            <a:r>
+              <a:rPr lang="de-DE" altLang="de-DE" sz="1100" b="1" dirty="0">
+                <a:solidFill>
+                  <a:srgbClr val="000080"/>
                 </a:solidFill>
                 <a:latin typeface="Consolas" panose="020B0609020204030204" pitchFamily="49" charset="0"/>
                 <a:cs typeface="Consolas" panose="020B0609020204030204" pitchFamily="49" charset="0"/>
@@ -7709,7 +7912,97 @@
               <a:t> </a:t>
             </a:r>
             <a:r>
-              <a:rPr lang="de-DE" altLang="de-DE" sz="1200" dirty="0" err="1">
+              <a:rPr lang="de-DE" altLang="de-DE" sz="1100" dirty="0">
+                <a:solidFill>
+                  <a:srgbClr val="000000"/>
+                </a:solidFill>
+                <a:latin typeface="Consolas" panose="020B0609020204030204" pitchFamily="49" charset="0"/>
+                <a:cs typeface="Consolas" panose="020B0609020204030204" pitchFamily="49" charset="0"/>
+              </a:rPr>
+              <a:t>Label(</a:t>
+            </a:r>
+            <a:r>
+              <a:rPr lang="de-DE" altLang="de-DE" sz="1100" b="1" dirty="0">
+                <a:solidFill>
+                  <a:srgbClr val="008000"/>
+                </a:solidFill>
+                <a:latin typeface="Consolas" panose="020B0609020204030204" pitchFamily="49" charset="0"/>
+                <a:cs typeface="Consolas" panose="020B0609020204030204" pitchFamily="49" charset="0"/>
+              </a:rPr>
+              <a:t>"</a:t>
+            </a:r>
+            <a:r>
+              <a:rPr lang="de-DE" altLang="de-DE" sz="1100" b="1" dirty="0" err="1">
+                <a:solidFill>
+                  <a:srgbClr val="008000"/>
+                </a:solidFill>
+                <a:latin typeface="Consolas" panose="020B0609020204030204" pitchFamily="49" charset="0"/>
+                <a:cs typeface="Consolas" panose="020B0609020204030204" pitchFamily="49" charset="0"/>
+              </a:rPr>
+              <a:t>clickCounter</a:t>
+            </a:r>
+            <a:r>
+              <a:rPr lang="de-DE" altLang="de-DE" sz="1100" b="1" dirty="0">
+                <a:solidFill>
+                  <a:srgbClr val="008000"/>
+                </a:solidFill>
+                <a:latin typeface="Consolas" panose="020B0609020204030204" pitchFamily="49" charset="0"/>
+                <a:cs typeface="Consolas" panose="020B0609020204030204" pitchFamily="49" charset="0"/>
+              </a:rPr>
+              <a:t>"</a:t>
+            </a:r>
+            <a:r>
+              <a:rPr lang="de-DE" altLang="de-DE" sz="1100" dirty="0">
+                <a:solidFill>
+                  <a:srgbClr val="000000"/>
+                </a:solidFill>
+                <a:latin typeface="Consolas" panose="020B0609020204030204" pitchFamily="49" charset="0"/>
+                <a:cs typeface="Consolas" panose="020B0609020204030204" pitchFamily="49" charset="0"/>
+              </a:rPr>
+              <a:t>, </a:t>
+            </a:r>
+            <a:r>
+              <a:rPr lang="de-DE" altLang="de-DE" sz="1100" b="1" dirty="0" err="1">
+                <a:solidFill>
+                  <a:srgbClr val="000080"/>
+                </a:solidFill>
+                <a:latin typeface="Consolas" panose="020B0609020204030204" pitchFamily="49" charset="0"/>
+                <a:cs typeface="Consolas" panose="020B0609020204030204" pitchFamily="49" charset="0"/>
+              </a:rPr>
+              <a:t>new</a:t>
+            </a:r>
+            <a:r>
+              <a:rPr lang="de-DE" altLang="de-DE" sz="1100" b="1" dirty="0">
+                <a:solidFill>
+                  <a:srgbClr val="000080"/>
+                </a:solidFill>
+                <a:latin typeface="Consolas" panose="020B0609020204030204" pitchFamily="49" charset="0"/>
+                <a:cs typeface="Consolas" panose="020B0609020204030204" pitchFamily="49" charset="0"/>
+              </a:rPr>
+              <a:t> </a:t>
+            </a:r>
+            <a:r>
+              <a:rPr lang="de-DE" altLang="de-DE" sz="1100" dirty="0" err="1">
+                <a:solidFill>
+                  <a:srgbClr val="000000"/>
+                </a:solidFill>
+                <a:latin typeface="Consolas" panose="020B0609020204030204" pitchFamily="49" charset="0"/>
+                <a:cs typeface="Consolas" panose="020B0609020204030204" pitchFamily="49" charset="0"/>
+              </a:rPr>
+              <a:t>PropertyModel</a:t>
+            </a:r>
+            <a:r>
+              <a:rPr lang="de-DE" altLang="de-DE" sz="1100" dirty="0">
+                <a:solidFill>
+                  <a:srgbClr val="000000"/>
+                </a:solidFill>
+                <a:latin typeface="Consolas" panose="020B0609020204030204" pitchFamily="49" charset="0"/>
+                <a:cs typeface="Consolas" panose="020B0609020204030204" pitchFamily="49" charset="0"/>
+              </a:rPr>
+              <a:t>(</a:t>
+            </a:r>
+            <a:r>
+              <a:rPr lang="de-DE" altLang="de-DE" sz="1100" dirty="0" err="1">
                 <a:solidFill>
                   <a:srgbClr val="000000"/>
                 </a:solidFill>
@@ -7719,384 +8012,57 @@
               <a:t>clickCounterLabel</a:t>
             </a:r>
             <a:r>
-              <a:rPr lang="de-DE" altLang="de-DE" sz="1200" dirty="0">
-                <a:solidFill>
-                  <a:srgbClr val="000000"/>
-                </a:solidFill>
-                <a:latin typeface="Consolas" panose="020B0609020204030204" pitchFamily="49" charset="0"/>
-                <a:cs typeface="Consolas" panose="020B0609020204030204" pitchFamily="49" charset="0"/>
-              </a:rPr>
-              <a:t> =</a:t>
+              <a:rPr lang="de-DE" altLang="de-DE" sz="1100" dirty="0">
+                <a:solidFill>
+                  <a:srgbClr val="000000"/>
+                </a:solidFill>
+                <a:latin typeface="Consolas" panose="020B0609020204030204" pitchFamily="49" charset="0"/>
+                <a:cs typeface="Consolas" panose="020B0609020204030204" pitchFamily="49" charset="0"/>
+              </a:rPr>
+              <a:t>, </a:t>
+            </a:r>
+            <a:r>
+              <a:rPr lang="de-DE" altLang="de-DE" sz="1100" b="1" dirty="0">
+                <a:solidFill>
+                  <a:srgbClr val="008000"/>
+                </a:solidFill>
+                <a:latin typeface="Consolas" panose="020B0609020204030204" pitchFamily="49" charset="0"/>
+                <a:cs typeface="Consolas" panose="020B0609020204030204" pitchFamily="49" charset="0"/>
+              </a:rPr>
+              <a:t>"</a:t>
+            </a:r>
+            <a:r>
+              <a:rPr lang="de-DE" altLang="de-DE" sz="1100" b="1" dirty="0" err="1">
+                <a:solidFill>
+                  <a:srgbClr val="008000"/>
+                </a:solidFill>
+                <a:latin typeface="Consolas" panose="020B0609020204030204" pitchFamily="49" charset="0"/>
+                <a:cs typeface="Consolas" panose="020B0609020204030204" pitchFamily="49" charset="0"/>
+              </a:rPr>
+              <a:t>clickCounter</a:t>
+            </a:r>
+            <a:r>
+              <a:rPr lang="de-DE" altLang="de-DE" sz="1100" b="1" dirty="0">
+                <a:solidFill>
+                  <a:srgbClr val="008000"/>
+                </a:solidFill>
+                <a:latin typeface="Consolas" panose="020B0609020204030204" pitchFamily="49" charset="0"/>
+                <a:cs typeface="Consolas" panose="020B0609020204030204" pitchFamily="49" charset="0"/>
+              </a:rPr>
+              <a:t>"</a:t>
+            </a:r>
+            <a:r>
+              <a:rPr lang="de-DE" altLang="de-DE" sz="1100" dirty="0">
+                <a:solidFill>
+                  <a:srgbClr val="000000"/>
+                </a:solidFill>
+                <a:latin typeface="Consolas" panose="020B0609020204030204" pitchFamily="49" charset="0"/>
+                <a:cs typeface="Consolas" panose="020B0609020204030204" pitchFamily="49" charset="0"/>
+              </a:rPr>
+              <a:t>));</a:t>
             </a:r>
             <a:br>
-              <a:rPr lang="de-DE" altLang="de-DE" sz="1200" dirty="0">
-                <a:solidFill>
-                  <a:srgbClr val="000000"/>
-                </a:solidFill>
-                <a:latin typeface="Consolas" panose="020B0609020204030204" pitchFamily="49" charset="0"/>
-                <a:cs typeface="Consolas" panose="020B0609020204030204" pitchFamily="49" charset="0"/>
-              </a:rPr>
-            </a:br>
-            <a:r>
-              <a:rPr lang="de-DE" altLang="de-DE" sz="1200" dirty="0">
-                <a:solidFill>
-                  <a:srgbClr val="000000"/>
-                </a:solidFill>
-                <a:latin typeface="Consolas" panose="020B0609020204030204" pitchFamily="49" charset="0"/>
-                <a:cs typeface="Consolas" panose="020B0609020204030204" pitchFamily="49" charset="0"/>
-              </a:rPr>
-              <a:t>                </a:t>
-            </a:r>
-            <a:r>
-              <a:rPr lang="de-DE" altLang="de-DE" sz="1200" b="1" dirty="0" err="1">
-                <a:solidFill>
-                  <a:srgbClr val="000080"/>
-                </a:solidFill>
-                <a:latin typeface="Consolas" panose="020B0609020204030204" pitchFamily="49" charset="0"/>
-                <a:cs typeface="Consolas" panose="020B0609020204030204" pitchFamily="49" charset="0"/>
-              </a:rPr>
-              <a:t>new</a:t>
-            </a:r>
-            <a:r>
-              <a:rPr lang="de-DE" altLang="de-DE" sz="1200" b="1" dirty="0">
-                <a:solidFill>
-                  <a:srgbClr val="000080"/>
-                </a:solidFill>
-                <a:latin typeface="Consolas" panose="020B0609020204030204" pitchFamily="49" charset="0"/>
-                <a:cs typeface="Consolas" panose="020B0609020204030204" pitchFamily="49" charset="0"/>
-              </a:rPr>
-              <a:t> </a:t>
-            </a:r>
-            <a:r>
-              <a:rPr lang="de-DE" altLang="de-DE" sz="1200" dirty="0" err="1">
-                <a:solidFill>
-                  <a:srgbClr val="000000"/>
-                </a:solidFill>
-                <a:latin typeface="Consolas" panose="020B0609020204030204" pitchFamily="49" charset="0"/>
-                <a:cs typeface="Consolas" panose="020B0609020204030204" pitchFamily="49" charset="0"/>
-              </a:rPr>
-              <a:t>ClickCounterLabel</a:t>
-            </a:r>
-            <a:r>
-              <a:rPr lang="de-DE" altLang="de-DE" sz="1200" dirty="0">
-                <a:solidFill>
-                  <a:srgbClr val="000000"/>
-                </a:solidFill>
-                <a:latin typeface="Consolas" panose="020B0609020204030204" pitchFamily="49" charset="0"/>
-                <a:cs typeface="Consolas" panose="020B0609020204030204" pitchFamily="49" charset="0"/>
-              </a:rPr>
-              <a:t>(</a:t>
-            </a:r>
-            <a:r>
-              <a:rPr lang="de-DE" altLang="de-DE" sz="1200" b="1" dirty="0">
-                <a:solidFill>
-                  <a:srgbClr val="008000"/>
-                </a:solidFill>
-                <a:latin typeface="Consolas" panose="020B0609020204030204" pitchFamily="49" charset="0"/>
-                <a:cs typeface="Consolas" panose="020B0609020204030204" pitchFamily="49" charset="0"/>
-              </a:rPr>
-              <a:t>"</a:t>
-            </a:r>
-            <a:r>
-              <a:rPr lang="de-DE" altLang="de-DE" sz="1200" b="1" dirty="0" err="1">
-                <a:solidFill>
-                  <a:srgbClr val="008000"/>
-                </a:solidFill>
-                <a:latin typeface="Consolas" panose="020B0609020204030204" pitchFamily="49" charset="0"/>
-                <a:cs typeface="Consolas" panose="020B0609020204030204" pitchFamily="49" charset="0"/>
-              </a:rPr>
-              <a:t>clickCounterLabel</a:t>
-            </a:r>
-            <a:r>
-              <a:rPr lang="de-DE" altLang="de-DE" sz="1200" b="1" dirty="0">
-                <a:solidFill>
-                  <a:srgbClr val="008000"/>
-                </a:solidFill>
-                <a:latin typeface="Consolas" panose="020B0609020204030204" pitchFamily="49" charset="0"/>
-                <a:cs typeface="Consolas" panose="020B0609020204030204" pitchFamily="49" charset="0"/>
-              </a:rPr>
-              <a:t>"</a:t>
-            </a:r>
-            <a:r>
-              <a:rPr lang="de-DE" altLang="de-DE" sz="1200" dirty="0">
-                <a:solidFill>
-                  <a:srgbClr val="000000"/>
-                </a:solidFill>
-                <a:latin typeface="Consolas" panose="020B0609020204030204" pitchFamily="49" charset="0"/>
-                <a:cs typeface="Consolas" panose="020B0609020204030204" pitchFamily="49" charset="0"/>
-              </a:rPr>
-              <a:t>, </a:t>
-            </a:r>
-            <a:r>
-              <a:rPr lang="de-DE" altLang="de-DE" sz="1200" b="1" dirty="0">
-                <a:solidFill>
-                  <a:srgbClr val="008000"/>
-                </a:solidFill>
-                <a:latin typeface="Consolas" panose="020B0609020204030204" pitchFamily="49" charset="0"/>
-                <a:cs typeface="Consolas" panose="020B0609020204030204" pitchFamily="49" charset="0"/>
-              </a:rPr>
-              <a:t>"Bitte klicken!"</a:t>
-            </a:r>
-            <a:r>
-              <a:rPr lang="de-DE" altLang="de-DE" sz="1200" dirty="0">
-                <a:solidFill>
-                  <a:srgbClr val="000000"/>
-                </a:solidFill>
-                <a:latin typeface="Consolas" panose="020B0609020204030204" pitchFamily="49" charset="0"/>
-                <a:cs typeface="Consolas" panose="020B0609020204030204" pitchFamily="49" charset="0"/>
-              </a:rPr>
-              <a:t>);</a:t>
-            </a:r>
-            <a:br>
-              <a:rPr lang="de-DE" altLang="de-DE" sz="1200" dirty="0">
-                <a:solidFill>
-                  <a:srgbClr val="000000"/>
-                </a:solidFill>
-                <a:latin typeface="Consolas" panose="020B0609020204030204" pitchFamily="49" charset="0"/>
-                <a:cs typeface="Consolas" panose="020B0609020204030204" pitchFamily="49" charset="0"/>
-              </a:rPr>
-            </a:br>
-            <a:r>
-              <a:rPr lang="de-DE" altLang="de-DE" sz="1200" dirty="0">
-                <a:solidFill>
-                  <a:srgbClr val="000000"/>
-                </a:solidFill>
-                <a:latin typeface="Consolas" panose="020B0609020204030204" pitchFamily="49" charset="0"/>
-                <a:cs typeface="Consolas" panose="020B0609020204030204" pitchFamily="49" charset="0"/>
-              </a:rPr>
-              <a:t>        </a:t>
-            </a:r>
-            <a:r>
-              <a:rPr lang="de-DE" altLang="de-DE" sz="1200" b="1" dirty="0">
-                <a:solidFill>
-                  <a:srgbClr val="000080"/>
-                </a:solidFill>
-                <a:latin typeface="Consolas" panose="020B0609020204030204" pitchFamily="49" charset="0"/>
-                <a:cs typeface="Consolas" panose="020B0609020204030204" pitchFamily="49" charset="0"/>
-              </a:rPr>
-              <a:t>final </a:t>
-            </a:r>
-            <a:r>
-              <a:rPr lang="de-DE" altLang="de-DE" sz="1200" dirty="0">
-                <a:solidFill>
-                  <a:srgbClr val="000000"/>
-                </a:solidFill>
-                <a:latin typeface="Consolas" panose="020B0609020204030204" pitchFamily="49" charset="0"/>
-                <a:cs typeface="Consolas" panose="020B0609020204030204" pitchFamily="49" charset="0"/>
-              </a:rPr>
-              <a:t>Label </a:t>
-            </a:r>
-            <a:r>
-              <a:rPr lang="de-DE" altLang="de-DE" sz="1200" dirty="0" err="1">
-                <a:solidFill>
-                  <a:srgbClr val="000000"/>
-                </a:solidFill>
-                <a:latin typeface="Consolas" panose="020B0609020204030204" pitchFamily="49" charset="0"/>
-                <a:cs typeface="Consolas" panose="020B0609020204030204" pitchFamily="49" charset="0"/>
-              </a:rPr>
-              <a:t>clickCounter</a:t>
-            </a:r>
-            <a:r>
-              <a:rPr lang="de-DE" altLang="de-DE" sz="1200" dirty="0">
-                <a:solidFill>
-                  <a:srgbClr val="000000"/>
-                </a:solidFill>
-                <a:latin typeface="Consolas" panose="020B0609020204030204" pitchFamily="49" charset="0"/>
-                <a:cs typeface="Consolas" panose="020B0609020204030204" pitchFamily="49" charset="0"/>
-              </a:rPr>
-              <a:t> =</a:t>
-            </a:r>
-            <a:br>
-              <a:rPr lang="de-DE" altLang="de-DE" sz="1200" dirty="0">
-                <a:solidFill>
-                  <a:srgbClr val="000000"/>
-                </a:solidFill>
-                <a:latin typeface="Consolas" panose="020B0609020204030204" pitchFamily="49" charset="0"/>
-                <a:cs typeface="Consolas" panose="020B0609020204030204" pitchFamily="49" charset="0"/>
-              </a:rPr>
-            </a:br>
-            <a:r>
-              <a:rPr lang="de-DE" altLang="de-DE" sz="1200" dirty="0">
-                <a:solidFill>
-                  <a:srgbClr val="000000"/>
-                </a:solidFill>
-                <a:latin typeface="Consolas" panose="020B0609020204030204" pitchFamily="49" charset="0"/>
-                <a:cs typeface="Consolas" panose="020B0609020204030204" pitchFamily="49" charset="0"/>
-              </a:rPr>
-              <a:t>                </a:t>
-            </a:r>
-            <a:r>
-              <a:rPr lang="de-DE" altLang="de-DE" sz="1200" b="1" dirty="0" err="1">
-                <a:solidFill>
-                  <a:srgbClr val="000080"/>
-                </a:solidFill>
-                <a:latin typeface="Consolas" panose="020B0609020204030204" pitchFamily="49" charset="0"/>
-                <a:cs typeface="Consolas" panose="020B0609020204030204" pitchFamily="49" charset="0"/>
-              </a:rPr>
-              <a:t>new</a:t>
-            </a:r>
-            <a:r>
-              <a:rPr lang="de-DE" altLang="de-DE" sz="1200" b="1" dirty="0">
-                <a:solidFill>
-                  <a:srgbClr val="000080"/>
-                </a:solidFill>
-                <a:latin typeface="Consolas" panose="020B0609020204030204" pitchFamily="49" charset="0"/>
-                <a:cs typeface="Consolas" panose="020B0609020204030204" pitchFamily="49" charset="0"/>
-              </a:rPr>
-              <a:t> </a:t>
-            </a:r>
-            <a:r>
-              <a:rPr lang="de-DE" altLang="de-DE" sz="1200" dirty="0">
-                <a:solidFill>
-                  <a:srgbClr val="000000"/>
-                </a:solidFill>
-                <a:latin typeface="Consolas" panose="020B0609020204030204" pitchFamily="49" charset="0"/>
-                <a:cs typeface="Consolas" panose="020B0609020204030204" pitchFamily="49" charset="0"/>
-              </a:rPr>
-              <a:t>Label(</a:t>
-            </a:r>
-            <a:r>
-              <a:rPr lang="de-DE" altLang="de-DE" sz="1200" b="1" dirty="0">
-                <a:solidFill>
-                  <a:srgbClr val="008000"/>
-                </a:solidFill>
-                <a:latin typeface="Consolas" panose="020B0609020204030204" pitchFamily="49" charset="0"/>
-                <a:cs typeface="Consolas" panose="020B0609020204030204" pitchFamily="49" charset="0"/>
-              </a:rPr>
-              <a:t>"</a:t>
-            </a:r>
-            <a:r>
-              <a:rPr lang="de-DE" altLang="de-DE" sz="1200" b="1" dirty="0" err="1">
-                <a:solidFill>
-                  <a:srgbClr val="008000"/>
-                </a:solidFill>
-                <a:latin typeface="Consolas" panose="020B0609020204030204" pitchFamily="49" charset="0"/>
-                <a:cs typeface="Consolas" panose="020B0609020204030204" pitchFamily="49" charset="0"/>
-              </a:rPr>
-              <a:t>clickCounter</a:t>
-            </a:r>
-            <a:r>
-              <a:rPr lang="de-DE" altLang="de-DE" sz="1200" b="1" dirty="0">
-                <a:solidFill>
-                  <a:srgbClr val="008000"/>
-                </a:solidFill>
-                <a:latin typeface="Consolas" panose="020B0609020204030204" pitchFamily="49" charset="0"/>
-                <a:cs typeface="Consolas" panose="020B0609020204030204" pitchFamily="49" charset="0"/>
-              </a:rPr>
-              <a:t>"</a:t>
-            </a:r>
-            <a:r>
-              <a:rPr lang="de-DE" altLang="de-DE" sz="1200" dirty="0">
-                <a:solidFill>
-                  <a:srgbClr val="000000"/>
-                </a:solidFill>
-                <a:latin typeface="Consolas" panose="020B0609020204030204" pitchFamily="49" charset="0"/>
-                <a:cs typeface="Consolas" panose="020B0609020204030204" pitchFamily="49" charset="0"/>
-              </a:rPr>
-              <a:t>, </a:t>
-            </a:r>
-            <a:r>
-              <a:rPr lang="de-DE" altLang="de-DE" sz="1200" b="1" dirty="0" err="1">
-                <a:solidFill>
-                  <a:srgbClr val="000080"/>
-                </a:solidFill>
-                <a:latin typeface="Consolas" panose="020B0609020204030204" pitchFamily="49" charset="0"/>
-                <a:cs typeface="Consolas" panose="020B0609020204030204" pitchFamily="49" charset="0"/>
-              </a:rPr>
-              <a:t>new</a:t>
-            </a:r>
-            <a:r>
-              <a:rPr lang="de-DE" altLang="de-DE" sz="1200" b="1" dirty="0">
-                <a:solidFill>
-                  <a:srgbClr val="000080"/>
-                </a:solidFill>
-                <a:latin typeface="Consolas" panose="020B0609020204030204" pitchFamily="49" charset="0"/>
-                <a:cs typeface="Consolas" panose="020B0609020204030204" pitchFamily="49" charset="0"/>
-              </a:rPr>
-              <a:t> </a:t>
-            </a:r>
-            <a:r>
-              <a:rPr lang="de-DE" altLang="de-DE" sz="1200" dirty="0" err="1">
-                <a:solidFill>
-                  <a:srgbClr val="000000"/>
-                </a:solidFill>
-                <a:latin typeface="Consolas" panose="020B0609020204030204" pitchFamily="49" charset="0"/>
-                <a:cs typeface="Consolas" panose="020B0609020204030204" pitchFamily="49" charset="0"/>
-              </a:rPr>
-              <a:t>PropertyModel</a:t>
-            </a:r>
-            <a:r>
-              <a:rPr lang="de-DE" altLang="de-DE" sz="1200" dirty="0">
-                <a:solidFill>
-                  <a:srgbClr val="000000"/>
-                </a:solidFill>
-                <a:latin typeface="Consolas" panose="020B0609020204030204" pitchFamily="49" charset="0"/>
-                <a:cs typeface="Consolas" panose="020B0609020204030204" pitchFamily="49" charset="0"/>
-              </a:rPr>
-              <a:t>(</a:t>
-            </a:r>
-            <a:r>
-              <a:rPr lang="de-DE" altLang="de-DE" sz="1200" dirty="0" err="1">
-                <a:solidFill>
-                  <a:srgbClr val="000000"/>
-                </a:solidFill>
-                <a:latin typeface="Consolas" panose="020B0609020204030204" pitchFamily="49" charset="0"/>
-                <a:cs typeface="Consolas" panose="020B0609020204030204" pitchFamily="49" charset="0"/>
-              </a:rPr>
-              <a:t>clickCounterLabel</a:t>
-            </a:r>
-            <a:r>
-              <a:rPr lang="de-DE" altLang="de-DE" sz="1200" dirty="0">
-                <a:solidFill>
-                  <a:srgbClr val="000000"/>
-                </a:solidFill>
-                <a:latin typeface="Consolas" panose="020B0609020204030204" pitchFamily="49" charset="0"/>
-                <a:cs typeface="Consolas" panose="020B0609020204030204" pitchFamily="49" charset="0"/>
-              </a:rPr>
-              <a:t>, </a:t>
-            </a:r>
-            <a:r>
-              <a:rPr lang="de-DE" altLang="de-DE" sz="1200" b="1" dirty="0">
-                <a:solidFill>
-                  <a:srgbClr val="008000"/>
-                </a:solidFill>
-                <a:latin typeface="Consolas" panose="020B0609020204030204" pitchFamily="49" charset="0"/>
-                <a:cs typeface="Consolas" panose="020B0609020204030204" pitchFamily="49" charset="0"/>
-              </a:rPr>
-              <a:t>"</a:t>
-            </a:r>
-            <a:r>
-              <a:rPr lang="de-DE" altLang="de-DE" sz="1200" b="1" dirty="0" err="1">
-                <a:solidFill>
-                  <a:srgbClr val="008000"/>
-                </a:solidFill>
-                <a:latin typeface="Consolas" panose="020B0609020204030204" pitchFamily="49" charset="0"/>
-                <a:cs typeface="Consolas" panose="020B0609020204030204" pitchFamily="49" charset="0"/>
-              </a:rPr>
-              <a:t>clickCounter</a:t>
-            </a:r>
-            <a:r>
-              <a:rPr lang="de-DE" altLang="de-DE" sz="1200" b="1" dirty="0">
-                <a:solidFill>
-                  <a:srgbClr val="008000"/>
-                </a:solidFill>
-                <a:latin typeface="Consolas" panose="020B0609020204030204" pitchFamily="49" charset="0"/>
-                <a:cs typeface="Consolas" panose="020B0609020204030204" pitchFamily="49" charset="0"/>
-              </a:rPr>
-              <a:t>"</a:t>
-            </a:r>
-            <a:r>
-              <a:rPr lang="de-DE" altLang="de-DE" sz="1200" dirty="0">
-                <a:solidFill>
-                  <a:srgbClr val="000000"/>
-                </a:solidFill>
-                <a:latin typeface="Consolas" panose="020B0609020204030204" pitchFamily="49" charset="0"/>
-                <a:cs typeface="Consolas" panose="020B0609020204030204" pitchFamily="49" charset="0"/>
-              </a:rPr>
-              <a:t>));</a:t>
-            </a:r>
-            <a:br>
-              <a:rPr lang="de-DE" altLang="de-DE" sz="1200" dirty="0">
+              <a:rPr lang="de-DE" altLang="de-DE" sz="1100" dirty="0">
                 <a:solidFill>
                   <a:srgbClr val="000000"/>
                 </a:solidFill>
@@ -8105,7 +8071,7 @@
               </a:rPr>
             </a:br>
             <a:br>
-              <a:rPr lang="de-DE" altLang="de-DE" sz="1200" dirty="0">
+              <a:rPr lang="de-DE" altLang="de-DE" sz="1100" dirty="0">
                 <a:solidFill>
                   <a:srgbClr val="000000"/>
                 </a:solidFill>
@@ -8114,7 +8080,7 @@
               </a:rPr>
             </a:br>
             <a:br>
-              <a:rPr lang="de-DE" altLang="de-DE" sz="1200" dirty="0">
+              <a:rPr lang="de-DE" altLang="de-DE" sz="1100" dirty="0">
                 <a:solidFill>
                   <a:srgbClr val="000000"/>
                 </a:solidFill>
@@ -8123,7 +8089,7 @@
               </a:rPr>
             </a:br>
             <a:r>
-              <a:rPr lang="de-DE" altLang="de-DE" sz="1200" dirty="0">
+              <a:rPr lang="de-DE" altLang="de-DE" sz="1100" dirty="0">
                 <a:solidFill>
                   <a:srgbClr val="000000"/>
                 </a:solidFill>
@@ -8133,7 +8099,7 @@
               <a:t>        </a:t>
             </a:r>
             <a:r>
-              <a:rPr lang="de-DE" altLang="de-DE" sz="1200" dirty="0" err="1">
+              <a:rPr lang="de-DE" altLang="de-DE" sz="1100" dirty="0" err="1">
                 <a:solidFill>
                   <a:srgbClr val="000000"/>
                 </a:solidFill>
@@ -8143,7 +8109,7 @@
               <a:t>clickCounterLabel.setOutputMarkupId</a:t>
             </a:r>
             <a:r>
-              <a:rPr lang="de-DE" altLang="de-DE" sz="1200" dirty="0">
+              <a:rPr lang="de-DE" altLang="de-DE" sz="1100" dirty="0">
                 <a:solidFill>
                   <a:srgbClr val="000000"/>
                 </a:solidFill>
@@ -8153,7 +8119,7 @@
               <a:t>(</a:t>
             </a:r>
             <a:r>
-              <a:rPr lang="de-DE" altLang="de-DE" sz="1200" b="1" dirty="0" err="1">
+              <a:rPr lang="de-DE" altLang="de-DE" sz="1100" b="1" dirty="0" err="1">
                 <a:solidFill>
                   <a:srgbClr val="000080"/>
                 </a:solidFill>
@@ -8163,7 +8129,7 @@
               <a:t>true</a:t>
             </a:r>
             <a:r>
-              <a:rPr lang="de-DE" altLang="de-DE" sz="1200" dirty="0">
+              <a:rPr lang="de-DE" altLang="de-DE" sz="1100" dirty="0">
                 <a:solidFill>
                   <a:srgbClr val="000000"/>
                 </a:solidFill>
@@ -8173,7 +8139,7 @@
               <a:t>);</a:t>
             </a:r>
             <a:br>
-              <a:rPr lang="de-DE" altLang="de-DE" sz="1200" dirty="0">
+              <a:rPr lang="de-DE" altLang="de-DE" sz="1100" dirty="0">
                 <a:solidFill>
                   <a:srgbClr val="000000"/>
                 </a:solidFill>
@@ -8182,7 +8148,7 @@
               </a:rPr>
             </a:br>
             <a:r>
-              <a:rPr lang="de-DE" altLang="de-DE" sz="1200" dirty="0">
+              <a:rPr lang="de-DE" altLang="de-DE" sz="1100" dirty="0">
                 <a:solidFill>
                   <a:srgbClr val="000000"/>
                 </a:solidFill>
@@ -8192,7 +8158,7 @@
               <a:t>        </a:t>
             </a:r>
             <a:r>
-              <a:rPr lang="de-DE" altLang="de-DE" sz="1200" dirty="0" err="1">
+              <a:rPr lang="de-DE" altLang="de-DE" sz="1100" dirty="0" err="1">
                 <a:solidFill>
                   <a:srgbClr val="000000"/>
                 </a:solidFill>
@@ -8202,7 +8168,7 @@
               <a:t>clickCounterLabel.add</a:t>
             </a:r>
             <a:r>
-              <a:rPr lang="de-DE" altLang="de-DE" sz="1200" dirty="0">
+              <a:rPr lang="de-DE" altLang="de-DE" sz="1100" dirty="0">
                 <a:solidFill>
                   <a:srgbClr val="000000"/>
                 </a:solidFill>
@@ -8212,7 +8178,7 @@
               <a:t>(</a:t>
             </a:r>
             <a:r>
-              <a:rPr lang="de-DE" altLang="de-DE" sz="1200" b="1" dirty="0" err="1">
+              <a:rPr lang="de-DE" altLang="de-DE" sz="1100" b="1" dirty="0" err="1">
                 <a:solidFill>
                   <a:srgbClr val="000080"/>
                 </a:solidFill>
@@ -8222,7 +8188,7 @@
               <a:t>new</a:t>
             </a:r>
             <a:r>
-              <a:rPr lang="de-DE" altLang="de-DE" sz="1200" b="1" dirty="0">
+              <a:rPr lang="de-DE" altLang="de-DE" sz="1100" b="1" dirty="0">
                 <a:solidFill>
                   <a:srgbClr val="000080"/>
                 </a:solidFill>
@@ -8232,7 +8198,7 @@
               <a:t> </a:t>
             </a:r>
             <a:r>
-              <a:rPr lang="de-DE" altLang="de-DE" sz="1200" dirty="0" err="1">
+              <a:rPr lang="de-DE" altLang="de-DE" sz="1100" dirty="0" err="1">
                 <a:solidFill>
                   <a:srgbClr val="000000"/>
                 </a:solidFill>
@@ -8242,7 +8208,7 @@
               <a:t>AjaxEventBehavior</a:t>
             </a:r>
             <a:r>
-              <a:rPr lang="de-DE" altLang="de-DE" sz="1200" dirty="0">
+              <a:rPr lang="de-DE" altLang="de-DE" sz="1100" dirty="0">
                 <a:solidFill>
                   <a:srgbClr val="000000"/>
                 </a:solidFill>
@@ -8252,7 +8218,7 @@
               <a:t>(</a:t>
             </a:r>
             <a:r>
-              <a:rPr lang="de-DE" altLang="de-DE" sz="1200" b="1" dirty="0">
+              <a:rPr lang="de-DE" altLang="de-DE" sz="1100" b="1" dirty="0">
                 <a:solidFill>
                   <a:srgbClr val="008000"/>
                 </a:solidFill>
@@ -8262,7 +8228,7 @@
               <a:t>"</a:t>
             </a:r>
             <a:r>
-              <a:rPr lang="de-DE" altLang="de-DE" sz="1200" b="1" dirty="0" err="1">
+              <a:rPr lang="de-DE" altLang="de-DE" sz="1100" b="1" dirty="0" err="1">
                 <a:solidFill>
                   <a:srgbClr val="008000"/>
                 </a:solidFill>
@@ -8272,7 +8238,7 @@
               <a:t>click</a:t>
             </a:r>
             <a:r>
-              <a:rPr lang="de-DE" altLang="de-DE" sz="1200" b="1" dirty="0">
+              <a:rPr lang="de-DE" altLang="de-DE" sz="1100" b="1" dirty="0">
                 <a:solidFill>
                   <a:srgbClr val="008000"/>
                 </a:solidFill>
@@ -8282,7 +8248,7 @@
               <a:t>"</a:t>
             </a:r>
             <a:r>
-              <a:rPr lang="de-DE" altLang="de-DE" sz="1200" dirty="0">
+              <a:rPr lang="de-DE" altLang="de-DE" sz="1100" dirty="0">
                 <a:solidFill>
                   <a:srgbClr val="000000"/>
                 </a:solidFill>
@@ -8292,7 +8258,7 @@
               <a:t>){</a:t>
             </a:r>
             <a:br>
-              <a:rPr lang="de-DE" altLang="de-DE" sz="1200" dirty="0">
+              <a:rPr lang="de-DE" altLang="de-DE" sz="1100" dirty="0">
                 <a:solidFill>
                   <a:srgbClr val="000000"/>
                 </a:solidFill>
@@ -8301,7 +8267,7 @@
               </a:rPr>
             </a:br>
             <a:br>
-              <a:rPr lang="de-DE" altLang="de-DE" sz="1200" dirty="0">
+              <a:rPr lang="de-DE" altLang="de-DE" sz="1100" dirty="0">
                 <a:solidFill>
                   <a:srgbClr val="000000"/>
                 </a:solidFill>
@@ -8310,7 +8276,7 @@
               </a:rPr>
             </a:br>
             <a:r>
-              <a:rPr lang="de-DE" altLang="de-DE" sz="1200" dirty="0">
+              <a:rPr lang="de-DE" altLang="de-DE" sz="1100" dirty="0">
                 <a:solidFill>
                   <a:srgbClr val="000000"/>
                 </a:solidFill>
@@ -8320,7 +8286,7 @@
               <a:t>            @</a:t>
             </a:r>
             <a:r>
-              <a:rPr lang="de-DE" altLang="de-DE" sz="1200" dirty="0" err="1">
+              <a:rPr lang="de-DE" altLang="de-DE" sz="1100" dirty="0" err="1">
                 <a:solidFill>
                   <a:srgbClr val="000000"/>
                 </a:solidFill>
@@ -8330,7 +8296,7 @@
               <a:t>Override</a:t>
             </a:r>
             <a:br>
-              <a:rPr lang="de-DE" altLang="de-DE" sz="1200" dirty="0">
+              <a:rPr lang="de-DE" altLang="de-DE" sz="1100" dirty="0">
                 <a:solidFill>
                   <a:srgbClr val="000000"/>
                 </a:solidFill>
@@ -8339,7 +8305,7 @@
               </a:rPr>
             </a:br>
             <a:r>
-              <a:rPr lang="de-DE" altLang="de-DE" sz="1200" dirty="0">
+              <a:rPr lang="de-DE" altLang="de-DE" sz="1100" dirty="0">
                 <a:solidFill>
                   <a:srgbClr val="000000"/>
                 </a:solidFill>
@@ -8349,7 +8315,7 @@
               <a:t>            </a:t>
             </a:r>
             <a:r>
-              <a:rPr lang="de-DE" altLang="de-DE" sz="1200" b="1" dirty="0" err="1">
+              <a:rPr lang="de-DE" altLang="de-DE" sz="1100" b="1" dirty="0" err="1">
                 <a:solidFill>
                   <a:srgbClr val="000080"/>
                 </a:solidFill>
@@ -8359,7 +8325,7 @@
               <a:t>protected</a:t>
             </a:r>
             <a:r>
-              <a:rPr lang="de-DE" altLang="de-DE" sz="1200" b="1" dirty="0">
+              <a:rPr lang="de-DE" altLang="de-DE" sz="1100" b="1" dirty="0">
                 <a:solidFill>
                   <a:srgbClr val="000080"/>
                 </a:solidFill>
@@ -8369,7 +8335,7 @@
               <a:t> </a:t>
             </a:r>
             <a:r>
-              <a:rPr lang="de-DE" altLang="de-DE" sz="1200" b="1" dirty="0" err="1">
+              <a:rPr lang="de-DE" altLang="de-DE" sz="1100" b="1" dirty="0" err="1">
                 <a:solidFill>
                   <a:srgbClr val="000080"/>
                 </a:solidFill>
@@ -8379,7 +8345,7 @@
               <a:t>void</a:t>
             </a:r>
             <a:r>
-              <a:rPr lang="de-DE" altLang="de-DE" sz="1200" b="1" dirty="0">
+              <a:rPr lang="de-DE" altLang="de-DE" sz="1100" b="1" dirty="0">
                 <a:solidFill>
                   <a:srgbClr val="000080"/>
                 </a:solidFill>
@@ -8389,7 +8355,7 @@
               <a:t> </a:t>
             </a:r>
             <a:r>
-              <a:rPr lang="de-DE" altLang="de-DE" sz="1200" dirty="0" err="1">
+              <a:rPr lang="de-DE" altLang="de-DE" sz="1100" dirty="0" err="1">
                 <a:solidFill>
                   <a:srgbClr val="000000"/>
                 </a:solidFill>
@@ -8399,7 +8365,204 @@
               <a:t>onEvent</a:t>
             </a:r>
             <a:r>
-              <a:rPr lang="de-DE" altLang="de-DE" sz="1200" dirty="0">
+              <a:rPr lang="de-DE" altLang="de-DE" sz="1100" dirty="0">
+                <a:solidFill>
+                  <a:srgbClr val="000000"/>
+                </a:solidFill>
+                <a:latin typeface="Consolas" panose="020B0609020204030204" pitchFamily="49" charset="0"/>
+                <a:cs typeface="Consolas" panose="020B0609020204030204" pitchFamily="49" charset="0"/>
+              </a:rPr>
+              <a:t>(Optional&lt;</a:t>
+            </a:r>
+            <a:r>
+              <a:rPr lang="de-DE" altLang="de-DE" sz="1100" dirty="0" err="1">
+                <a:solidFill>
+                  <a:srgbClr val="000000"/>
+                </a:solidFill>
+                <a:latin typeface="Consolas" panose="020B0609020204030204" pitchFamily="49" charset="0"/>
+                <a:cs typeface="Consolas" panose="020B0609020204030204" pitchFamily="49" charset="0"/>
+              </a:rPr>
+              <a:t>AjaxRequestTarget</a:t>
+            </a:r>
+            <a:r>
+              <a:rPr lang="de-DE" altLang="de-DE" sz="1100" dirty="0">
+                <a:solidFill>
+                  <a:srgbClr val="000000"/>
+                </a:solidFill>
+                <a:latin typeface="Consolas" panose="020B0609020204030204" pitchFamily="49" charset="0"/>
+                <a:cs typeface="Consolas" panose="020B0609020204030204" pitchFamily="49" charset="0"/>
+              </a:rPr>
+              <a:t>&gt; </a:t>
+            </a:r>
+            <a:r>
+              <a:rPr lang="de-DE" altLang="de-DE" sz="1100" dirty="0" err="1">
+                <a:solidFill>
+                  <a:srgbClr val="000000"/>
+                </a:solidFill>
+                <a:latin typeface="Consolas" panose="020B0609020204030204" pitchFamily="49" charset="0"/>
+                <a:cs typeface="Consolas" panose="020B0609020204030204" pitchFamily="49" charset="0"/>
+              </a:rPr>
+              <a:t>target</a:t>
+            </a:r>
+            <a:r>
+              <a:rPr lang="de-DE" altLang="de-DE" sz="1100" dirty="0">
+                <a:solidFill>
+                  <a:srgbClr val="000000"/>
+                </a:solidFill>
+                <a:latin typeface="Consolas" panose="020B0609020204030204" pitchFamily="49" charset="0"/>
+                <a:cs typeface="Consolas" panose="020B0609020204030204" pitchFamily="49" charset="0"/>
+              </a:rPr>
+              <a:t>) {</a:t>
+            </a:r>
+          </a:p>
+          <a:p>
+            <a:pPr marL="0" lvl="0" indent="0">
+              <a:spcBef>
+                <a:spcPct val="0"/>
+              </a:spcBef>
+              <a:buClrTx/>
+              <a:buNone/>
+            </a:pPr>
+            <a:r>
+              <a:rPr lang="de-DE" altLang="de-DE" sz="1100" dirty="0">
+                <a:solidFill>
+                  <a:srgbClr val="000000"/>
+                </a:solidFill>
+                <a:latin typeface="Consolas" panose="020B0609020204030204" pitchFamily="49" charset="0"/>
+                <a:cs typeface="Consolas" panose="020B0609020204030204" pitchFamily="49" charset="0"/>
+              </a:rPr>
+              <a:t>                </a:t>
+            </a:r>
+            <a:r>
+              <a:rPr lang="de-DE" altLang="de-DE" sz="1100" dirty="0" err="1">
+                <a:solidFill>
+                  <a:srgbClr val="000000"/>
+                </a:solidFill>
+                <a:latin typeface="Consolas" panose="020B0609020204030204" pitchFamily="49" charset="0"/>
+                <a:cs typeface="Consolas" panose="020B0609020204030204" pitchFamily="49" charset="0"/>
+              </a:rPr>
+              <a:t>if</a:t>
+            </a:r>
+            <a:r>
+              <a:rPr lang="de-DE" altLang="de-DE" sz="1100" dirty="0">
+                <a:solidFill>
+                  <a:srgbClr val="000000"/>
+                </a:solidFill>
+                <a:latin typeface="Consolas" panose="020B0609020204030204" pitchFamily="49" charset="0"/>
+                <a:cs typeface="Consolas" panose="020B0609020204030204" pitchFamily="49" charset="0"/>
+              </a:rPr>
+              <a:t> (</a:t>
+            </a:r>
+            <a:r>
+              <a:rPr lang="de-DE" altLang="de-DE" sz="1100" dirty="0" err="1">
+                <a:solidFill>
+                  <a:srgbClr val="000000"/>
+                </a:solidFill>
+                <a:latin typeface="Consolas" panose="020B0609020204030204" pitchFamily="49" charset="0"/>
+                <a:cs typeface="Consolas" panose="020B0609020204030204" pitchFamily="49" charset="0"/>
+              </a:rPr>
+              <a:t>target.isPresent</a:t>
+            </a:r>
+            <a:r>
+              <a:rPr lang="de-DE" altLang="de-DE" sz="1100" dirty="0">
+                <a:solidFill>
+                  <a:srgbClr val="000000"/>
+                </a:solidFill>
+                <a:latin typeface="Consolas" panose="020B0609020204030204" pitchFamily="49" charset="0"/>
+                <a:cs typeface="Consolas" panose="020B0609020204030204" pitchFamily="49" charset="0"/>
+              </a:rPr>
+              <a:t>()){</a:t>
+            </a:r>
+            <a:br>
+              <a:rPr lang="de-DE" altLang="de-DE" sz="1100" dirty="0">
+                <a:solidFill>
+                  <a:srgbClr val="000000"/>
+                </a:solidFill>
+                <a:latin typeface="Consolas" panose="020B0609020204030204" pitchFamily="49" charset="0"/>
+                <a:cs typeface="Consolas" panose="020B0609020204030204" pitchFamily="49" charset="0"/>
+              </a:rPr>
+            </a:br>
+            <a:r>
+              <a:rPr lang="de-DE" altLang="de-DE" sz="1100" dirty="0">
+                <a:solidFill>
+                  <a:srgbClr val="000000"/>
+                </a:solidFill>
+                <a:latin typeface="Consolas" panose="020B0609020204030204" pitchFamily="49" charset="0"/>
+                <a:cs typeface="Consolas" panose="020B0609020204030204" pitchFamily="49" charset="0"/>
+              </a:rPr>
+              <a:t>                    </a:t>
+            </a:r>
+            <a:r>
+              <a:rPr lang="de-DE" altLang="de-DE" sz="1100" dirty="0" err="1">
+                <a:solidFill>
+                  <a:srgbClr val="000000"/>
+                </a:solidFill>
+                <a:latin typeface="Consolas" panose="020B0609020204030204" pitchFamily="49" charset="0"/>
+                <a:cs typeface="Consolas" panose="020B0609020204030204" pitchFamily="49" charset="0"/>
+              </a:rPr>
+              <a:t>clickCounterLabel.clickCounter</a:t>
+            </a:r>
+            <a:r>
+              <a:rPr lang="de-DE" altLang="de-DE" sz="1100" dirty="0">
+                <a:solidFill>
+                  <a:srgbClr val="000000"/>
+                </a:solidFill>
+                <a:latin typeface="Consolas" panose="020B0609020204030204" pitchFamily="49" charset="0"/>
+                <a:cs typeface="Consolas" panose="020B0609020204030204" pitchFamily="49" charset="0"/>
+              </a:rPr>
+              <a:t>++;</a:t>
+            </a:r>
+            <a:br>
+              <a:rPr lang="de-DE" altLang="de-DE" sz="1100" dirty="0">
+                <a:solidFill>
+                  <a:srgbClr val="000000"/>
+                </a:solidFill>
+                <a:latin typeface="Consolas" panose="020B0609020204030204" pitchFamily="49" charset="0"/>
+                <a:cs typeface="Consolas" panose="020B0609020204030204" pitchFamily="49" charset="0"/>
+              </a:rPr>
+            </a:br>
+            <a:r>
+              <a:rPr lang="de-DE" altLang="de-DE" sz="1100" dirty="0">
+                <a:solidFill>
+                  <a:srgbClr val="000000"/>
+                </a:solidFill>
+                <a:latin typeface="Consolas" panose="020B0609020204030204" pitchFamily="49" charset="0"/>
+                <a:cs typeface="Consolas" panose="020B0609020204030204" pitchFamily="49" charset="0"/>
+              </a:rPr>
+              <a:t>                    </a:t>
+            </a:r>
+            <a:r>
+              <a:rPr lang="de-DE" altLang="de-DE" sz="1100" dirty="0" err="1">
+                <a:solidFill>
+                  <a:srgbClr val="000000"/>
+                </a:solidFill>
+                <a:latin typeface="Consolas" panose="020B0609020204030204" pitchFamily="49" charset="0"/>
+                <a:cs typeface="Consolas" panose="020B0609020204030204" pitchFamily="49" charset="0"/>
+              </a:rPr>
+              <a:t>target.get</a:t>
+            </a:r>
+            <a:r>
+              <a:rPr lang="de-DE" altLang="de-DE" sz="1100" dirty="0">
+                <a:solidFill>
+                  <a:srgbClr val="000000"/>
+                </a:solidFill>
+                <a:latin typeface="Consolas" panose="020B0609020204030204" pitchFamily="49" charset="0"/>
+                <a:cs typeface="Consolas" panose="020B0609020204030204" pitchFamily="49" charset="0"/>
+              </a:rPr>
+              <a:t>().</a:t>
+            </a:r>
+            <a:r>
+              <a:rPr lang="de-DE" altLang="de-DE" sz="1100" dirty="0" err="1">
+                <a:solidFill>
+                  <a:srgbClr val="000000"/>
+                </a:solidFill>
+                <a:latin typeface="Consolas" panose="020B0609020204030204" pitchFamily="49" charset="0"/>
+                <a:cs typeface="Consolas" panose="020B0609020204030204" pitchFamily="49" charset="0"/>
+              </a:rPr>
+              <a:t>add</a:t>
+            </a:r>
+            <a:r>
+              <a:rPr lang="de-DE" altLang="de-DE" sz="1100" dirty="0">
                 <a:solidFill>
                   <a:srgbClr val="000000"/>
                 </a:solidFill>
@@ -8409,47 +8572,46 @@
               <a:t>(</a:t>
             </a:r>
             <a:r>
-              <a:rPr lang="de-DE" altLang="de-DE" sz="1200" dirty="0" err="1">
-                <a:solidFill>
-                  <a:srgbClr val="000000"/>
-                </a:solidFill>
-                <a:latin typeface="Consolas" panose="020B0609020204030204" pitchFamily="49" charset="0"/>
-                <a:cs typeface="Consolas" panose="020B0609020204030204" pitchFamily="49" charset="0"/>
-              </a:rPr>
-              <a:t>AjaxRequestTarget</a:t>
-            </a:r>
-            <a:r>
-              <a:rPr lang="de-DE" altLang="de-DE" sz="1200" dirty="0">
-                <a:solidFill>
-                  <a:srgbClr val="000000"/>
-                </a:solidFill>
-                <a:latin typeface="Consolas" panose="020B0609020204030204" pitchFamily="49" charset="0"/>
-                <a:cs typeface="Consolas" panose="020B0609020204030204" pitchFamily="49" charset="0"/>
-              </a:rPr>
-              <a:t> </a:t>
-            </a:r>
-            <a:r>
-              <a:rPr lang="de-DE" altLang="de-DE" sz="1200" dirty="0" err="1">
-                <a:solidFill>
-                  <a:srgbClr val="000000"/>
-                </a:solidFill>
-                <a:latin typeface="Consolas" panose="020B0609020204030204" pitchFamily="49" charset="0"/>
-                <a:cs typeface="Consolas" panose="020B0609020204030204" pitchFamily="49" charset="0"/>
-              </a:rPr>
-              <a:t>target</a:t>
-            </a:r>
-            <a:r>
-              <a:rPr lang="de-DE" altLang="de-DE" sz="1200" dirty="0">
-                <a:solidFill>
-                  <a:srgbClr val="000000"/>
-                </a:solidFill>
-                <a:latin typeface="Consolas" panose="020B0609020204030204" pitchFamily="49" charset="0"/>
-                <a:cs typeface="Consolas" panose="020B0609020204030204" pitchFamily="49" charset="0"/>
-              </a:rPr>
-              <a:t>) {</a:t>
+              <a:rPr lang="de-DE" altLang="de-DE" sz="1100" dirty="0" err="1">
+                <a:solidFill>
+                  <a:srgbClr val="000000"/>
+                </a:solidFill>
+                <a:latin typeface="Consolas" panose="020B0609020204030204" pitchFamily="49" charset="0"/>
+                <a:cs typeface="Consolas" panose="020B0609020204030204" pitchFamily="49" charset="0"/>
+              </a:rPr>
+              <a:t>clickCounter</a:t>
+            </a:r>
+            <a:r>
+              <a:rPr lang="de-DE" altLang="de-DE" sz="1100" dirty="0">
+                <a:solidFill>
+                  <a:srgbClr val="000000"/>
+                </a:solidFill>
+                <a:latin typeface="Consolas" panose="020B0609020204030204" pitchFamily="49" charset="0"/>
+                <a:cs typeface="Consolas" panose="020B0609020204030204" pitchFamily="49" charset="0"/>
+              </a:rPr>
+              <a:t>);</a:t>
+            </a:r>
+          </a:p>
+          <a:p>
+            <a:pPr marL="0" lvl="0" indent="0">
+              <a:spcBef>
+                <a:spcPct val="0"/>
+              </a:spcBef>
+              <a:buClrTx/>
+              <a:buNone/>
+            </a:pPr>
+            <a:r>
+              <a:rPr lang="de-DE" altLang="de-DE" sz="1100" dirty="0">
+                <a:solidFill>
+                  <a:srgbClr val="000000"/>
+                </a:solidFill>
+                <a:latin typeface="Consolas" panose="020B0609020204030204" pitchFamily="49" charset="0"/>
+                <a:cs typeface="Consolas" panose="020B0609020204030204" pitchFamily="49" charset="0"/>
+              </a:rPr>
+              <a:t>                }</a:t>
             </a:r>
             <a:br>
-              <a:rPr lang="de-DE" altLang="de-DE" sz="1200" dirty="0">
+              <a:rPr lang="de-DE" altLang="de-DE" sz="1100" dirty="0">
                 <a:solidFill>
                   <a:srgbClr val="000000"/>
                 </a:solidFill>
@@ -8458,37 +8620,17 @@
               </a:rPr>
             </a:br>
             <a:r>
-              <a:rPr lang="de-DE" altLang="de-DE" sz="1200" dirty="0">
-                <a:solidFill>
-                  <a:srgbClr val="000000"/>
-                </a:solidFill>
-                <a:latin typeface="Consolas" panose="020B0609020204030204" pitchFamily="49" charset="0"/>
-                <a:cs typeface="Consolas" panose="020B0609020204030204" pitchFamily="49" charset="0"/>
-              </a:rPr>
-              <a:t>                </a:t>
-            </a:r>
-            <a:r>
-              <a:rPr lang="de-DE" altLang="de-DE" sz="1200" dirty="0" err="1">
-                <a:solidFill>
-                  <a:srgbClr val="000000"/>
-                </a:solidFill>
-                <a:latin typeface="Consolas" panose="020B0609020204030204" pitchFamily="49" charset="0"/>
-                <a:cs typeface="Consolas" panose="020B0609020204030204" pitchFamily="49" charset="0"/>
-              </a:rPr>
-              <a:t>clickCounterLabel.clickCounter</a:t>
-            </a:r>
-            <a:r>
-              <a:rPr lang="de-DE" altLang="de-DE" sz="1200" dirty="0">
-                <a:solidFill>
-                  <a:srgbClr val="000000"/>
-                </a:solidFill>
-                <a:latin typeface="Consolas" panose="020B0609020204030204" pitchFamily="49" charset="0"/>
-                <a:cs typeface="Consolas" panose="020B0609020204030204" pitchFamily="49" charset="0"/>
-              </a:rPr>
-              <a:t>++;</a:t>
+              <a:rPr lang="de-DE" altLang="de-DE" sz="1100" dirty="0">
+                <a:solidFill>
+                  <a:srgbClr val="000000"/>
+                </a:solidFill>
+                <a:latin typeface="Consolas" panose="020B0609020204030204" pitchFamily="49" charset="0"/>
+                <a:cs typeface="Consolas" panose="020B0609020204030204" pitchFamily="49" charset="0"/>
+              </a:rPr>
+              <a:t>            }</a:t>
             </a:r>
             <a:br>
-              <a:rPr lang="de-DE" altLang="de-DE" sz="1200" dirty="0">
+              <a:rPr lang="de-DE" altLang="de-DE" sz="1100" dirty="0">
                 <a:solidFill>
                   <a:srgbClr val="000000"/>
                 </a:solidFill>
@@ -8497,95 +8639,17 @@
               </a:rPr>
             </a:br>
             <a:r>
-              <a:rPr lang="de-DE" altLang="de-DE" sz="1200" dirty="0">
-                <a:solidFill>
-                  <a:srgbClr val="000000"/>
-                </a:solidFill>
-                <a:latin typeface="Consolas" panose="020B0609020204030204" pitchFamily="49" charset="0"/>
-                <a:cs typeface="Consolas" panose="020B0609020204030204" pitchFamily="49" charset="0"/>
-              </a:rPr>
-              <a:t>                </a:t>
-            </a:r>
-            <a:r>
-              <a:rPr lang="de-DE" altLang="de-DE" sz="1200" dirty="0" err="1">
-                <a:solidFill>
-                  <a:srgbClr val="000000"/>
-                </a:solidFill>
-                <a:latin typeface="Consolas" panose="020B0609020204030204" pitchFamily="49" charset="0"/>
-                <a:cs typeface="Consolas" panose="020B0609020204030204" pitchFamily="49" charset="0"/>
-              </a:rPr>
-              <a:t>target.add</a:t>
-            </a:r>
-            <a:r>
-              <a:rPr lang="de-DE" altLang="de-DE" sz="1200" dirty="0">
-                <a:solidFill>
-                  <a:srgbClr val="000000"/>
-                </a:solidFill>
-                <a:latin typeface="Consolas" panose="020B0609020204030204" pitchFamily="49" charset="0"/>
-                <a:cs typeface="Consolas" panose="020B0609020204030204" pitchFamily="49" charset="0"/>
-              </a:rPr>
-              <a:t>(</a:t>
-            </a:r>
-            <a:r>
-              <a:rPr lang="de-DE" altLang="de-DE" sz="1200" dirty="0" err="1">
-                <a:solidFill>
-                  <a:srgbClr val="000000"/>
-                </a:solidFill>
-                <a:latin typeface="Consolas" panose="020B0609020204030204" pitchFamily="49" charset="0"/>
-                <a:cs typeface="Consolas" panose="020B0609020204030204" pitchFamily="49" charset="0"/>
-              </a:rPr>
-              <a:t>clickCounter</a:t>
-            </a:r>
-            <a:r>
-              <a:rPr lang="de-DE" altLang="de-DE" sz="1200" dirty="0">
-                <a:solidFill>
-                  <a:srgbClr val="000000"/>
-                </a:solidFill>
-                <a:latin typeface="Consolas" panose="020B0609020204030204" pitchFamily="49" charset="0"/>
-                <a:cs typeface="Consolas" panose="020B0609020204030204" pitchFamily="49" charset="0"/>
-              </a:rPr>
-              <a:t>);</a:t>
+              <a:rPr lang="de-DE" altLang="de-DE" sz="1100" dirty="0">
+                <a:solidFill>
+                  <a:srgbClr val="000000"/>
+                </a:solidFill>
+                <a:latin typeface="Consolas" panose="020B0609020204030204" pitchFamily="49" charset="0"/>
+                <a:cs typeface="Consolas" panose="020B0609020204030204" pitchFamily="49" charset="0"/>
+              </a:rPr>
+              <a:t>        });</a:t>
             </a:r>
             <a:br>
-              <a:rPr lang="de-DE" altLang="de-DE" sz="1200" dirty="0">
-                <a:solidFill>
-                  <a:srgbClr val="000000"/>
-                </a:solidFill>
-                <a:latin typeface="Consolas" panose="020B0609020204030204" pitchFamily="49" charset="0"/>
-                <a:cs typeface="Consolas" panose="020B0609020204030204" pitchFamily="49" charset="0"/>
-              </a:rPr>
-            </a:br>
-            <a:r>
-              <a:rPr lang="de-DE" altLang="de-DE" sz="1200" dirty="0">
-                <a:solidFill>
-                  <a:srgbClr val="000000"/>
-                </a:solidFill>
-                <a:latin typeface="Consolas" panose="020B0609020204030204" pitchFamily="49" charset="0"/>
-                <a:cs typeface="Consolas" panose="020B0609020204030204" pitchFamily="49" charset="0"/>
-              </a:rPr>
-              <a:t>            }</a:t>
-            </a:r>
-            <a:br>
-              <a:rPr lang="de-DE" altLang="de-DE" sz="1200" dirty="0">
-                <a:solidFill>
-                  <a:srgbClr val="000000"/>
-                </a:solidFill>
-                <a:latin typeface="Consolas" panose="020B0609020204030204" pitchFamily="49" charset="0"/>
-                <a:cs typeface="Consolas" panose="020B0609020204030204" pitchFamily="49" charset="0"/>
-              </a:rPr>
-            </a:br>
-            <a:r>
-              <a:rPr lang="de-DE" altLang="de-DE" sz="1200" dirty="0">
-                <a:solidFill>
-                  <a:srgbClr val="000000"/>
-                </a:solidFill>
-                <a:latin typeface="Consolas" panose="020B0609020204030204" pitchFamily="49" charset="0"/>
-                <a:cs typeface="Consolas" panose="020B0609020204030204" pitchFamily="49" charset="0"/>
-              </a:rPr>
-              <a:t>        });</a:t>
-            </a:r>
-            <a:br>
-              <a:rPr lang="de-DE" altLang="de-DE" sz="1200" dirty="0">
+              <a:rPr lang="de-DE" altLang="de-DE" sz="1100" dirty="0">
                 <a:solidFill>
                   <a:srgbClr val="000000"/>
                 </a:solidFill>
@@ -8594,7 +8658,7 @@
               </a:rPr>
             </a:br>
             <a:br>
-              <a:rPr lang="de-DE" altLang="de-DE" sz="1200" dirty="0">
+              <a:rPr lang="de-DE" altLang="de-DE" sz="1100" dirty="0">
                 <a:solidFill>
                   <a:srgbClr val="000000"/>
                 </a:solidFill>
@@ -8603,7 +8667,7 @@
               </a:rPr>
             </a:br>
             <a:r>
-              <a:rPr lang="de-DE" altLang="de-DE" sz="1200" dirty="0">
+              <a:rPr lang="de-DE" altLang="de-DE" sz="1100" dirty="0">
                 <a:solidFill>
                   <a:srgbClr val="000000"/>
                 </a:solidFill>
@@ -8613,7 +8677,7 @@
               <a:t>        </a:t>
             </a:r>
             <a:r>
-              <a:rPr lang="de-DE" altLang="de-DE" sz="1200" dirty="0" err="1">
+              <a:rPr lang="de-DE" altLang="de-DE" sz="1100" dirty="0" err="1">
                 <a:solidFill>
                   <a:srgbClr val="000000"/>
                 </a:solidFill>
@@ -8623,7 +8687,7 @@
               <a:t>add</a:t>
             </a:r>
             <a:r>
-              <a:rPr lang="de-DE" altLang="de-DE" sz="1200" dirty="0">
+              <a:rPr lang="de-DE" altLang="de-DE" sz="1100" dirty="0">
                 <a:solidFill>
                   <a:srgbClr val="000000"/>
                 </a:solidFill>
@@ -8633,7 +8697,7 @@
               <a:t>(</a:t>
             </a:r>
             <a:r>
-              <a:rPr lang="de-DE" altLang="de-DE" sz="1200" dirty="0" err="1">
+              <a:rPr lang="de-DE" altLang="de-DE" sz="1100" dirty="0" err="1">
                 <a:solidFill>
                   <a:srgbClr val="000000"/>
                 </a:solidFill>
@@ -8643,7 +8707,7 @@
               <a:t>clickCounterLabel</a:t>
             </a:r>
             <a:r>
-              <a:rPr lang="de-DE" altLang="de-DE" sz="1200" dirty="0">
+              <a:rPr lang="de-DE" altLang="de-DE" sz="1100" dirty="0">
                 <a:solidFill>
                   <a:srgbClr val="000000"/>
                 </a:solidFill>
@@ -8653,7 +8717,7 @@
               <a:t>);</a:t>
             </a:r>
             <a:br>
-              <a:rPr lang="de-DE" altLang="de-DE" sz="1200" dirty="0">
+              <a:rPr lang="de-DE" altLang="de-DE" sz="1100" dirty="0">
                 <a:solidFill>
                   <a:srgbClr val="000000"/>
                 </a:solidFill>
@@ -8662,7 +8726,7 @@
               </a:rPr>
             </a:br>
             <a:r>
-              <a:rPr lang="de-DE" altLang="de-DE" sz="1200" dirty="0">
+              <a:rPr lang="de-DE" altLang="de-DE" sz="1100" dirty="0">
                 <a:solidFill>
                   <a:srgbClr val="000000"/>
                 </a:solidFill>
@@ -8672,7 +8736,7 @@
               <a:t>        </a:t>
             </a:r>
             <a:r>
-              <a:rPr lang="de-DE" altLang="de-DE" sz="1200" dirty="0" err="1">
+              <a:rPr lang="de-DE" altLang="de-DE" sz="1100" dirty="0" err="1">
                 <a:solidFill>
                   <a:srgbClr val="000000"/>
                 </a:solidFill>
@@ -8682,7 +8746,7 @@
               <a:t>add</a:t>
             </a:r>
             <a:r>
-              <a:rPr lang="de-DE" altLang="de-DE" sz="1200" dirty="0">
+              <a:rPr lang="de-DE" altLang="de-DE" sz="1100" dirty="0">
                 <a:solidFill>
                   <a:srgbClr val="000000"/>
                 </a:solidFill>
@@ -8692,7 +8756,7 @@
               <a:t>(</a:t>
             </a:r>
             <a:r>
-              <a:rPr lang="de-DE" altLang="de-DE" sz="1200" dirty="0" err="1">
+              <a:rPr lang="de-DE" altLang="de-DE" sz="1100" dirty="0" err="1">
                 <a:solidFill>
                   <a:srgbClr val="000000"/>
                 </a:solidFill>
@@ -8702,7 +8766,7 @@
               <a:t>clickCounter.setOutputMarkupId</a:t>
             </a:r>
             <a:r>
-              <a:rPr lang="de-DE" altLang="de-DE" sz="1200" dirty="0">
+              <a:rPr lang="de-DE" altLang="de-DE" sz="1100" dirty="0">
                 <a:solidFill>
                   <a:srgbClr val="000000"/>
                 </a:solidFill>
@@ -8712,7 +8776,7 @@
               <a:t>(</a:t>
             </a:r>
             <a:r>
-              <a:rPr lang="de-DE" altLang="de-DE" sz="1200" b="1" dirty="0" err="1">
+              <a:rPr lang="de-DE" altLang="de-DE" sz="1100" b="1" dirty="0" err="1">
                 <a:solidFill>
                   <a:srgbClr val="000080"/>
                 </a:solidFill>
@@ -8722,7 +8786,7 @@
               <a:t>true</a:t>
             </a:r>
             <a:r>
-              <a:rPr lang="de-DE" altLang="de-DE" sz="1200" dirty="0">
+              <a:rPr lang="de-DE" altLang="de-DE" sz="1100" dirty="0">
                 <a:solidFill>
                   <a:srgbClr val="000000"/>
                 </a:solidFill>
@@ -8732,7 +8796,7 @@
               <a:t>));</a:t>
             </a:r>
             <a:br>
-              <a:rPr lang="de-DE" altLang="de-DE" sz="1200" dirty="0">
+              <a:rPr lang="de-DE" altLang="de-DE" sz="1100" dirty="0">
                 <a:solidFill>
                   <a:srgbClr val="000000"/>
                 </a:solidFill>
@@ -8741,7 +8805,7 @@
               </a:rPr>
             </a:br>
             <a:r>
-              <a:rPr lang="de-DE" altLang="de-DE" sz="1200" dirty="0">
+              <a:rPr lang="de-DE" altLang="de-DE" sz="1100" dirty="0">
                 <a:solidFill>
                   <a:srgbClr val="000000"/>
                 </a:solidFill>
@@ -9998,6 +10062,46 @@
               <a:buNone/>
             </a:pPr>
             <a:r>
+              <a:rPr lang="de-DE" altLang="de-DE" sz="1600" dirty="0">
+                <a:solidFill>
+                  <a:srgbClr val="000000"/>
+                </a:solidFill>
+                <a:latin typeface="Consolas" panose="020B0609020204030204" pitchFamily="49" charset="0"/>
+                <a:cs typeface="Consolas" panose="020B0609020204030204" pitchFamily="49" charset="0"/>
+              </a:rPr>
+              <a:t>Label </a:t>
+            </a:r>
+            <a:r>
+              <a:rPr lang="de-DE" altLang="de-DE" sz="1600" dirty="0" err="1">
+                <a:solidFill>
+                  <a:srgbClr val="000000"/>
+                </a:solidFill>
+                <a:latin typeface="Consolas" panose="020B0609020204030204" pitchFamily="49" charset="0"/>
+                <a:cs typeface="Consolas" panose="020B0609020204030204" pitchFamily="49" charset="0"/>
+              </a:rPr>
+              <a:t>label</a:t>
+            </a:r>
+            <a:r>
+              <a:rPr lang="de-DE" altLang="de-DE" sz="1600" dirty="0">
+                <a:solidFill>
+                  <a:srgbClr val="000000"/>
+                </a:solidFill>
+                <a:latin typeface="Consolas" panose="020B0609020204030204" pitchFamily="49" charset="0"/>
+                <a:cs typeface="Consolas" panose="020B0609020204030204" pitchFamily="49" charset="0"/>
+              </a:rPr>
+              <a:t> = </a:t>
+            </a:r>
+            <a:r>
+              <a:rPr lang="de-DE" altLang="de-DE" sz="1600" b="1" dirty="0" err="1">
+                <a:solidFill>
+                  <a:srgbClr val="000080"/>
+                </a:solidFill>
+                <a:latin typeface="Consolas" panose="020B0609020204030204" pitchFamily="49" charset="0"/>
+                <a:cs typeface="Consolas" panose="020B0609020204030204" pitchFamily="49" charset="0"/>
+              </a:rPr>
+              <a:t>new</a:t>
+            </a:r>
+            <a:r>
               <a:rPr lang="de-DE" altLang="de-DE" sz="1600" b="1" dirty="0">
                 <a:solidFill>
                   <a:srgbClr val="000080"/>
@@ -10005,7 +10109,7 @@
                 <a:latin typeface="Consolas" panose="020B0609020204030204" pitchFamily="49" charset="0"/>
                 <a:cs typeface="Consolas" panose="020B0609020204030204" pitchFamily="49" charset="0"/>
               </a:rPr>
-              <a:t>final </a:t>
+              <a:t> </a:t>
             </a:r>
             <a:r>
               <a:rPr lang="de-DE" altLang="de-DE" sz="1600" dirty="0">
@@ -10015,12 +10119,22 @@
                 <a:latin typeface="Consolas" panose="020B0609020204030204" pitchFamily="49" charset="0"/>
                 <a:cs typeface="Consolas" panose="020B0609020204030204" pitchFamily="49" charset="0"/>
               </a:rPr>
-              <a:t>Label </a:t>
-            </a:r>
-            <a:r>
-              <a:rPr lang="de-DE" altLang="de-DE" sz="1600" dirty="0" err="1">
-                <a:solidFill>
-                  <a:srgbClr val="000000"/>
+              <a:t>Label(</a:t>
+            </a:r>
+            <a:r>
+              <a:rPr lang="de-DE" altLang="de-DE" sz="1600" b="1" dirty="0">
+                <a:solidFill>
+                  <a:srgbClr val="008000"/>
+                </a:solidFill>
+                <a:latin typeface="Consolas" panose="020B0609020204030204" pitchFamily="49" charset="0"/>
+                <a:cs typeface="Consolas" panose="020B0609020204030204" pitchFamily="49" charset="0"/>
+              </a:rPr>
+              <a:t>"</a:t>
+            </a:r>
+            <a:r>
+              <a:rPr lang="de-DE" altLang="de-DE" sz="1600" b="1" dirty="0" err="1">
+                <a:solidFill>
+                  <a:srgbClr val="008000"/>
                 </a:solidFill>
                 <a:latin typeface="Consolas" panose="020B0609020204030204" pitchFamily="49" charset="0"/>
                 <a:cs typeface="Consolas" panose="020B0609020204030204" pitchFamily="49" charset="0"/>
@@ -10028,6 +10142,16 @@
               <a:t>label</a:t>
             </a:r>
             <a:r>
+              <a:rPr lang="de-DE" altLang="de-DE" sz="1600" b="1" dirty="0">
+                <a:solidFill>
+                  <a:srgbClr val="008000"/>
+                </a:solidFill>
+                <a:latin typeface="Consolas" panose="020B0609020204030204" pitchFamily="49" charset="0"/>
+                <a:cs typeface="Consolas" panose="020B0609020204030204" pitchFamily="49" charset="0"/>
+              </a:rPr>
+              <a:t>"</a:t>
+            </a:r>
+            <a:r>
               <a:rPr lang="de-DE" altLang="de-DE" sz="1600" dirty="0">
                 <a:solidFill>
                   <a:srgbClr val="000000"/>
@@ -10035,27 +10159,37 @@
                 <a:latin typeface="Consolas" panose="020B0609020204030204" pitchFamily="49" charset="0"/>
                 <a:cs typeface="Consolas" panose="020B0609020204030204" pitchFamily="49" charset="0"/>
               </a:rPr>
-              <a:t> = </a:t>
+              <a:t>, </a:t>
+            </a:r>
+            <a:r>
+              <a:rPr lang="de-DE" altLang="de-DE" sz="1600" b="1" dirty="0">
+                <a:solidFill>
+                  <a:srgbClr val="008000"/>
+                </a:solidFill>
+                <a:latin typeface="Consolas" panose="020B0609020204030204" pitchFamily="49" charset="0"/>
+                <a:cs typeface="Consolas" panose="020B0609020204030204" pitchFamily="49" charset="0"/>
+              </a:rPr>
+              <a:t>"Initial </a:t>
             </a:r>
             <a:r>
               <a:rPr lang="de-DE" altLang="de-DE" sz="1600" b="1" dirty="0" err="1">
                 <a:solidFill>
-                  <a:srgbClr val="000080"/>
-                </a:solidFill>
-                <a:latin typeface="Consolas" panose="020B0609020204030204" pitchFamily="49" charset="0"/>
-                <a:cs typeface="Consolas" panose="020B0609020204030204" pitchFamily="49" charset="0"/>
-              </a:rPr>
-              <a:t>new</a:t>
+                  <a:srgbClr val="008000"/>
+                </a:solidFill>
+                <a:latin typeface="Consolas" panose="020B0609020204030204" pitchFamily="49" charset="0"/>
+                <a:cs typeface="Consolas" panose="020B0609020204030204" pitchFamily="49" charset="0"/>
+              </a:rPr>
+              <a:t>value</a:t>
             </a:r>
             <a:r>
               <a:rPr lang="de-DE" altLang="de-DE" sz="1600" b="1" dirty="0">
                 <a:solidFill>
-                  <a:srgbClr val="000080"/>
-                </a:solidFill>
-                <a:latin typeface="Consolas" panose="020B0609020204030204" pitchFamily="49" charset="0"/>
-                <a:cs typeface="Consolas" panose="020B0609020204030204" pitchFamily="49" charset="0"/>
-              </a:rPr>
-              <a:t> </a:t>
+                  <a:srgbClr val="008000"/>
+                </a:solidFill>
+                <a:latin typeface="Consolas" panose="020B0609020204030204" pitchFamily="49" charset="0"/>
+                <a:cs typeface="Consolas" panose="020B0609020204030204" pitchFamily="49" charset="0"/>
+              </a:rPr>
+              <a:t>."</a:t>
             </a:r>
             <a:r>
               <a:rPr lang="de-DE" altLang="de-DE" sz="1600" dirty="0">
@@ -10065,87 +10199,7 @@
                 <a:latin typeface="Consolas" panose="020B0609020204030204" pitchFamily="49" charset="0"/>
                 <a:cs typeface="Consolas" panose="020B0609020204030204" pitchFamily="49" charset="0"/>
               </a:rPr>
-              <a:t>Label(</a:t>
-            </a:r>
-            <a:r>
-              <a:rPr lang="de-DE" altLang="de-DE" sz="1600" b="1" dirty="0">
-                <a:solidFill>
-                  <a:srgbClr val="008000"/>
-                </a:solidFill>
-                <a:latin typeface="Consolas" panose="020B0609020204030204" pitchFamily="49" charset="0"/>
-                <a:cs typeface="Consolas" panose="020B0609020204030204" pitchFamily="49" charset="0"/>
-              </a:rPr>
-              <a:t>"</a:t>
-            </a:r>
-            <a:r>
-              <a:rPr lang="de-DE" altLang="de-DE" sz="1600" b="1" dirty="0" err="1">
-                <a:solidFill>
-                  <a:srgbClr val="008000"/>
-                </a:solidFill>
-                <a:latin typeface="Consolas" panose="020B0609020204030204" pitchFamily="49" charset="0"/>
-                <a:cs typeface="Consolas" panose="020B0609020204030204" pitchFamily="49" charset="0"/>
-              </a:rPr>
-              <a:t>myComponent</a:t>
-            </a:r>
-            <a:r>
-              <a:rPr lang="de-DE" altLang="de-DE" sz="1600" b="1" dirty="0">
-                <a:solidFill>
-                  <a:srgbClr val="008000"/>
-                </a:solidFill>
-                <a:latin typeface="Consolas" panose="020B0609020204030204" pitchFamily="49" charset="0"/>
-                <a:cs typeface="Consolas" panose="020B0609020204030204" pitchFamily="49" charset="0"/>
-              </a:rPr>
-              <a:t>"</a:t>
-            </a:r>
-            <a:r>
-              <a:rPr lang="de-DE" altLang="de-DE" sz="1600" dirty="0">
-                <a:solidFill>
-                  <a:srgbClr val="000000"/>
-                </a:solidFill>
-                <a:latin typeface="Consolas" panose="020B0609020204030204" pitchFamily="49" charset="0"/>
-                <a:cs typeface="Consolas" panose="020B0609020204030204" pitchFamily="49" charset="0"/>
-              </a:rPr>
-              <a:t>, </a:t>
-            </a:r>
-            <a:r>
-              <a:rPr lang="de-DE" altLang="de-DE" sz="1600" b="1" dirty="0">
-                <a:solidFill>
-                  <a:srgbClr val="008000"/>
-                </a:solidFill>
-                <a:latin typeface="Consolas" panose="020B0609020204030204" pitchFamily="49" charset="0"/>
-                <a:cs typeface="Consolas" panose="020B0609020204030204" pitchFamily="49" charset="0"/>
-              </a:rPr>
-              <a:t>"Initial </a:t>
-            </a:r>
-            <a:r>
-              <a:rPr lang="de-DE" altLang="de-DE" sz="1600" b="1" dirty="0" err="1">
-                <a:solidFill>
-                  <a:srgbClr val="008000"/>
-                </a:solidFill>
-                <a:latin typeface="Consolas" panose="020B0609020204030204" pitchFamily="49" charset="0"/>
-                <a:cs typeface="Consolas" panose="020B0609020204030204" pitchFamily="49" charset="0"/>
-              </a:rPr>
-              <a:t>value</a:t>
-            </a:r>
-            <a:r>
-              <a:rPr lang="de-DE" altLang="de-DE" sz="1600" b="1" dirty="0">
-                <a:solidFill>
-                  <a:srgbClr val="008000"/>
-                </a:solidFill>
-                <a:latin typeface="Consolas" panose="020B0609020204030204" pitchFamily="49" charset="0"/>
-                <a:cs typeface="Consolas" panose="020B0609020204030204" pitchFamily="49" charset="0"/>
-              </a:rPr>
-              <a:t>."</a:t>
-            </a:r>
-            <a:r>
-              <a:rPr lang="de-DE" altLang="de-DE" sz="1600" dirty="0">
-                <a:solidFill>
-                  <a:srgbClr val="000000"/>
-                </a:solidFill>
-                <a:latin typeface="Consolas" panose="020B0609020204030204" pitchFamily="49" charset="0"/>
-                <a:cs typeface="Consolas" panose="020B0609020204030204" pitchFamily="49" charset="0"/>
-              </a:rPr>
-              <a:t>);</a:t>
+              <a:t>);       </a:t>
             </a:r>
             <a:br>
               <a:rPr lang="de-DE" altLang="de-DE" sz="1600" dirty="0">
@@ -10157,6 +10211,45 @@
               </a:rPr>
             </a:br>
             <a:r>
+              <a:rPr lang="de-DE" altLang="de-DE" sz="1600" i="1" dirty="0">
+                <a:solidFill>
+                  <a:srgbClr val="808080"/>
+                </a:solidFill>
+                <a:latin typeface="Consolas" panose="020B0609020204030204" pitchFamily="49" charset="0"/>
+                <a:cs typeface="Consolas" panose="020B0609020204030204" pitchFamily="49" charset="0"/>
+              </a:rPr>
+              <a:t>// Komponente benötigt HTML ID, um aktualisiert werden zu können</a:t>
+            </a:r>
+            <a:br>
+              <a:rPr lang="de-DE" altLang="de-DE" sz="1600" i="1" dirty="0">
+                <a:solidFill>
+                  <a:srgbClr val="808080"/>
+                </a:solidFill>
+                <a:latin typeface="Consolas" panose="020B0609020204030204" pitchFamily="49" charset="0"/>
+                <a:cs typeface="Consolas" panose="020B0609020204030204" pitchFamily="49" charset="0"/>
+              </a:rPr>
+            </a:br>
+            <a:r>
+              <a:rPr lang="de-DE" altLang="de-DE" sz="1600" dirty="0" err="1">
+                <a:solidFill>
+                  <a:srgbClr val="000000"/>
+                </a:solidFill>
+                <a:latin typeface="Consolas" panose="020B0609020204030204" pitchFamily="49" charset="0"/>
+                <a:cs typeface="Consolas" panose="020B0609020204030204" pitchFamily="49" charset="0"/>
+              </a:rPr>
+              <a:t>label.</a:t>
+            </a:r>
+            <a:r>
+              <a:rPr lang="de-DE" altLang="de-DE" sz="1600" b="1" dirty="0" err="1">
+                <a:solidFill>
+                  <a:srgbClr val="000000"/>
+                </a:solidFill>
+                <a:latin typeface="Consolas" panose="020B0609020204030204" pitchFamily="49" charset="0"/>
+                <a:cs typeface="Consolas" panose="020B0609020204030204" pitchFamily="49" charset="0"/>
+              </a:rPr>
+              <a:t>setOutputMarkupId</a:t>
+            </a:r>
+            <a:r>
               <a:rPr lang="de-DE" altLang="de-DE" sz="1600" dirty="0">
                 <a:solidFill>
                   <a:srgbClr val="000000"/>
@@ -10164,7 +10257,27 @@
                 <a:latin typeface="Consolas" panose="020B0609020204030204" pitchFamily="49" charset="0"/>
                 <a:cs typeface="Consolas" panose="020B0609020204030204" pitchFamily="49" charset="0"/>
               </a:rPr>
-              <a:t>        </a:t>
+              <a:t>(</a:t>
+            </a:r>
+            <a:r>
+              <a:rPr lang="de-DE" altLang="de-DE" sz="1600" b="1" dirty="0" err="1">
+                <a:solidFill>
+                  <a:srgbClr val="000080"/>
+                </a:solidFill>
+                <a:latin typeface="Consolas" panose="020B0609020204030204" pitchFamily="49" charset="0"/>
+                <a:cs typeface="Consolas" panose="020B0609020204030204" pitchFamily="49" charset="0"/>
+              </a:rPr>
+              <a:t>true</a:t>
+            </a:r>
+            <a:r>
+              <a:rPr lang="de-DE" altLang="de-DE" sz="1600" dirty="0">
+                <a:solidFill>
+                  <a:srgbClr val="000000"/>
+                </a:solidFill>
+                <a:latin typeface="Consolas" panose="020B0609020204030204" pitchFamily="49" charset="0"/>
+                <a:cs typeface="Consolas" panose="020B0609020204030204" pitchFamily="49" charset="0"/>
+              </a:rPr>
+              <a:t>);</a:t>
             </a:r>
             <a:br>
               <a:rPr lang="de-DE" altLang="de-DE" sz="1600" dirty="0">
@@ -10176,6 +10289,74 @@
               </a:rPr>
             </a:br>
             <a:r>
+              <a:rPr lang="de-DE" altLang="de-DE" sz="1600" dirty="0" err="1">
+                <a:solidFill>
+                  <a:srgbClr val="000000"/>
+                </a:solidFill>
+                <a:latin typeface="Consolas" panose="020B0609020204030204" pitchFamily="49" charset="0"/>
+                <a:cs typeface="Consolas" panose="020B0609020204030204" pitchFamily="49" charset="0"/>
+              </a:rPr>
+              <a:t>add</a:t>
+            </a:r>
+            <a:r>
+              <a:rPr lang="de-DE" altLang="de-DE" sz="1600" dirty="0">
+                <a:solidFill>
+                  <a:srgbClr val="000000"/>
+                </a:solidFill>
+                <a:latin typeface="Consolas" panose="020B0609020204030204" pitchFamily="49" charset="0"/>
+                <a:cs typeface="Consolas" panose="020B0609020204030204" pitchFamily="49" charset="0"/>
+              </a:rPr>
+              <a:t>(</a:t>
+            </a:r>
+            <a:r>
+              <a:rPr lang="de-DE" altLang="de-DE" sz="1600" dirty="0" err="1">
+                <a:solidFill>
+                  <a:srgbClr val="000000"/>
+                </a:solidFill>
+                <a:latin typeface="Consolas" panose="020B0609020204030204" pitchFamily="49" charset="0"/>
+                <a:cs typeface="Consolas" panose="020B0609020204030204" pitchFamily="49" charset="0"/>
+              </a:rPr>
+              <a:t>label</a:t>
+            </a:r>
+            <a:r>
+              <a:rPr lang="de-DE" altLang="de-DE" sz="1600" dirty="0">
+                <a:solidFill>
+                  <a:srgbClr val="000000"/>
+                </a:solidFill>
+                <a:latin typeface="Consolas" panose="020B0609020204030204" pitchFamily="49" charset="0"/>
+                <a:cs typeface="Consolas" panose="020B0609020204030204" pitchFamily="49" charset="0"/>
+              </a:rPr>
+              <a:t>);</a:t>
+            </a:r>
+            <a:br>
+              <a:rPr lang="de-DE" altLang="de-DE" sz="1600" dirty="0">
+                <a:solidFill>
+                  <a:srgbClr val="000000"/>
+                </a:solidFill>
+                <a:latin typeface="Consolas" panose="020B0609020204030204" pitchFamily="49" charset="0"/>
+                <a:cs typeface="Consolas" panose="020B0609020204030204" pitchFamily="49" charset="0"/>
+              </a:rPr>
+            </a:br>
+            <a:r>
+              <a:rPr lang="de-DE" altLang="de-DE" sz="1600" dirty="0">
+                <a:solidFill>
+                  <a:srgbClr val="000000"/>
+                </a:solidFill>
+                <a:latin typeface="Consolas" panose="020B0609020204030204" pitchFamily="49" charset="0"/>
+                <a:cs typeface="Consolas" panose="020B0609020204030204" pitchFamily="49" charset="0"/>
+              </a:rPr>
+              <a:t>        </a:t>
+            </a:r>
+            <a:br>
+              <a:rPr lang="de-DE" altLang="de-DE" sz="1600" dirty="0">
+                <a:solidFill>
+                  <a:srgbClr val="000000"/>
+                </a:solidFill>
+                <a:latin typeface="Consolas" panose="020B0609020204030204" pitchFamily="49" charset="0"/>
+                <a:cs typeface="Consolas" panose="020B0609020204030204" pitchFamily="49" charset="0"/>
+              </a:rPr>
+            </a:br>
+            <a:r>
               <a:rPr lang="de-DE" altLang="de-DE" sz="1600" i="1" dirty="0">
                 <a:solidFill>
                   <a:srgbClr val="808080"/>
@@ -10183,7 +10364,354 @@
                 <a:latin typeface="Consolas" panose="020B0609020204030204" pitchFamily="49" charset="0"/>
                 <a:cs typeface="Consolas" panose="020B0609020204030204" pitchFamily="49" charset="0"/>
               </a:rPr>
-              <a:t>// Komponente benötigt HTML ID, um aktualisiert werden zu können</a:t>
+              <a:t>//…  </a:t>
+            </a:r>
+          </a:p>
+          <a:p>
+            <a:pPr lvl="1">
+              <a:buNone/>
+            </a:pPr>
+            <a:r>
+              <a:rPr lang="de-DE" altLang="de-DE" sz="1600" b="1" i="1" dirty="0">
+                <a:solidFill>
+                  <a:srgbClr val="808080"/>
+                </a:solidFill>
+                <a:latin typeface="Consolas" panose="020B0609020204030204" pitchFamily="49" charset="0"/>
+                <a:cs typeface="Consolas" panose="020B0609020204030204" pitchFamily="49" charset="0"/>
+              </a:rPr>
+              <a:t>   </a:t>
+            </a:r>
+            <a:r>
+              <a:rPr lang="de-DE" altLang="de-DE" sz="1600" b="1" dirty="0" err="1">
+                <a:solidFill>
+                  <a:srgbClr val="000080"/>
+                </a:solidFill>
+                <a:latin typeface="Consolas" panose="020B0609020204030204" pitchFamily="49" charset="0"/>
+                <a:cs typeface="Consolas" panose="020B0609020204030204" pitchFamily="49" charset="0"/>
+              </a:rPr>
+              <a:t>new</a:t>
+            </a:r>
+            <a:r>
+              <a:rPr lang="de-DE" altLang="de-DE" sz="1600" b="1" dirty="0">
+                <a:solidFill>
+                  <a:srgbClr val="000080"/>
+                </a:solidFill>
+                <a:latin typeface="Consolas" panose="020B0609020204030204" pitchFamily="49" charset="0"/>
+                <a:cs typeface="Consolas" panose="020B0609020204030204" pitchFamily="49" charset="0"/>
+              </a:rPr>
+              <a:t> </a:t>
+            </a:r>
+            <a:r>
+              <a:rPr lang="de-DE" altLang="de-DE" sz="1600" dirty="0" err="1">
+                <a:solidFill>
+                  <a:srgbClr val="000000"/>
+                </a:solidFill>
+                <a:latin typeface="Consolas" panose="020B0609020204030204" pitchFamily="49" charset="0"/>
+                <a:cs typeface="Consolas" panose="020B0609020204030204" pitchFamily="49" charset="0"/>
+              </a:rPr>
+              <a:t>AjaxLink</a:t>
+            </a:r>
+            <a:r>
+              <a:rPr lang="de-DE" altLang="de-DE" sz="1600" dirty="0">
+                <a:solidFill>
+                  <a:srgbClr val="000000"/>
+                </a:solidFill>
+                <a:latin typeface="Consolas" panose="020B0609020204030204" pitchFamily="49" charset="0"/>
+                <a:cs typeface="Consolas" panose="020B0609020204030204" pitchFamily="49" charset="0"/>
+              </a:rPr>
+              <a:t>(</a:t>
+            </a:r>
+            <a:r>
+              <a:rPr lang="de-DE" altLang="de-DE" sz="1600" b="1" dirty="0">
+                <a:solidFill>
+                  <a:srgbClr val="008000"/>
+                </a:solidFill>
+                <a:latin typeface="Consolas" panose="020B0609020204030204" pitchFamily="49" charset="0"/>
+                <a:cs typeface="Consolas" panose="020B0609020204030204" pitchFamily="49" charset="0"/>
+              </a:rPr>
+              <a:t>"</a:t>
+            </a:r>
+            <a:r>
+              <a:rPr lang="de-DE" altLang="de-DE" sz="1600" b="1" dirty="0" err="1">
+                <a:solidFill>
+                  <a:srgbClr val="008000"/>
+                </a:solidFill>
+                <a:latin typeface="Consolas" panose="020B0609020204030204" pitchFamily="49" charset="0"/>
+                <a:cs typeface="Consolas" panose="020B0609020204030204" pitchFamily="49" charset="0"/>
+              </a:rPr>
+              <a:t>ajaxLink</a:t>
+            </a:r>
+            <a:r>
+              <a:rPr lang="de-DE" altLang="de-DE" sz="1600" b="1" dirty="0">
+                <a:solidFill>
+                  <a:srgbClr val="008000"/>
+                </a:solidFill>
+                <a:latin typeface="Consolas" panose="020B0609020204030204" pitchFamily="49" charset="0"/>
+                <a:cs typeface="Consolas" panose="020B0609020204030204" pitchFamily="49" charset="0"/>
+              </a:rPr>
+              <a:t>"</a:t>
+            </a:r>
+            <a:r>
+              <a:rPr lang="de-DE" altLang="de-DE" sz="1600" dirty="0">
+                <a:solidFill>
+                  <a:srgbClr val="000000"/>
+                </a:solidFill>
+                <a:latin typeface="Consolas" panose="020B0609020204030204" pitchFamily="49" charset="0"/>
+                <a:cs typeface="Consolas" panose="020B0609020204030204" pitchFamily="49" charset="0"/>
+              </a:rPr>
+              <a:t>){</a:t>
+            </a:r>
+            <a:br>
+              <a:rPr lang="de-DE" altLang="de-DE" sz="1600" dirty="0">
+                <a:solidFill>
+                  <a:srgbClr val="000000"/>
+                </a:solidFill>
+                <a:latin typeface="Consolas" panose="020B0609020204030204" pitchFamily="49" charset="0"/>
+                <a:cs typeface="Consolas" panose="020B0609020204030204" pitchFamily="49" charset="0"/>
+              </a:rPr>
+            </a:br>
+            <a:r>
+              <a:rPr lang="de-DE" altLang="de-DE" sz="1600" dirty="0">
+                <a:solidFill>
+                  <a:srgbClr val="000000"/>
+                </a:solidFill>
+                <a:latin typeface="Consolas" panose="020B0609020204030204" pitchFamily="49" charset="0"/>
+                <a:cs typeface="Consolas" panose="020B0609020204030204" pitchFamily="49" charset="0"/>
+              </a:rPr>
+              <a:t>    @</a:t>
+            </a:r>
+            <a:r>
+              <a:rPr lang="de-DE" altLang="de-DE" sz="1600" dirty="0" err="1">
+                <a:solidFill>
+                  <a:srgbClr val="000000"/>
+                </a:solidFill>
+                <a:latin typeface="Consolas" panose="020B0609020204030204" pitchFamily="49" charset="0"/>
+                <a:cs typeface="Consolas" panose="020B0609020204030204" pitchFamily="49" charset="0"/>
+              </a:rPr>
+              <a:t>Override</a:t>
+            </a:r>
+            <a:br>
+              <a:rPr lang="de-DE" altLang="de-DE" sz="1600" dirty="0">
+                <a:solidFill>
+                  <a:srgbClr val="000000"/>
+                </a:solidFill>
+                <a:latin typeface="Consolas" panose="020B0609020204030204" pitchFamily="49" charset="0"/>
+                <a:cs typeface="Consolas" panose="020B0609020204030204" pitchFamily="49" charset="0"/>
+              </a:rPr>
+            </a:br>
+            <a:r>
+              <a:rPr lang="de-DE" altLang="de-DE" sz="1600" dirty="0">
+                <a:solidFill>
+                  <a:srgbClr val="000000"/>
+                </a:solidFill>
+                <a:latin typeface="Consolas" panose="020B0609020204030204" pitchFamily="49" charset="0"/>
+                <a:cs typeface="Consolas" panose="020B0609020204030204" pitchFamily="49" charset="0"/>
+              </a:rPr>
+              <a:t>    </a:t>
+            </a:r>
+            <a:r>
+              <a:rPr lang="de-DE" altLang="de-DE" sz="1600" b="1" dirty="0" err="1">
+                <a:solidFill>
+                  <a:srgbClr val="000080"/>
+                </a:solidFill>
+                <a:latin typeface="Consolas" panose="020B0609020204030204" pitchFamily="49" charset="0"/>
+                <a:cs typeface="Consolas" panose="020B0609020204030204" pitchFamily="49" charset="0"/>
+              </a:rPr>
+              <a:t>public</a:t>
+            </a:r>
+            <a:r>
+              <a:rPr lang="de-DE" altLang="de-DE" sz="1600" b="1" dirty="0">
+                <a:solidFill>
+                  <a:srgbClr val="000080"/>
+                </a:solidFill>
+                <a:latin typeface="Consolas" panose="020B0609020204030204" pitchFamily="49" charset="0"/>
+                <a:cs typeface="Consolas" panose="020B0609020204030204" pitchFamily="49" charset="0"/>
+              </a:rPr>
+              <a:t> </a:t>
+            </a:r>
+            <a:r>
+              <a:rPr lang="de-DE" altLang="de-DE" sz="1600" b="1" dirty="0" err="1">
+                <a:solidFill>
+                  <a:srgbClr val="000080"/>
+                </a:solidFill>
+                <a:latin typeface="Consolas" panose="020B0609020204030204" pitchFamily="49" charset="0"/>
+                <a:cs typeface="Consolas" panose="020B0609020204030204" pitchFamily="49" charset="0"/>
+              </a:rPr>
+              <a:t>void</a:t>
+            </a:r>
+            <a:r>
+              <a:rPr lang="de-DE" altLang="de-DE" sz="1600" b="1" dirty="0">
+                <a:solidFill>
+                  <a:srgbClr val="000080"/>
+                </a:solidFill>
+                <a:latin typeface="Consolas" panose="020B0609020204030204" pitchFamily="49" charset="0"/>
+                <a:cs typeface="Consolas" panose="020B0609020204030204" pitchFamily="49" charset="0"/>
+              </a:rPr>
+              <a:t> </a:t>
+            </a:r>
+            <a:r>
+              <a:rPr lang="de-DE" altLang="de-DE" sz="1600" dirty="0" err="1">
+                <a:solidFill>
+                  <a:srgbClr val="000000"/>
+                </a:solidFill>
+                <a:latin typeface="Consolas" panose="020B0609020204030204" pitchFamily="49" charset="0"/>
+                <a:cs typeface="Consolas" panose="020B0609020204030204" pitchFamily="49" charset="0"/>
+              </a:rPr>
+              <a:t>onClick</a:t>
+            </a:r>
+            <a:r>
+              <a:rPr lang="de-DE" altLang="de-DE" sz="1600" dirty="0">
+                <a:solidFill>
+                  <a:srgbClr val="000000"/>
+                </a:solidFill>
+                <a:latin typeface="Consolas" panose="020B0609020204030204" pitchFamily="49" charset="0"/>
+                <a:cs typeface="Consolas" panose="020B0609020204030204" pitchFamily="49" charset="0"/>
+              </a:rPr>
+              <a:t>(Optional&lt;</a:t>
+            </a:r>
+            <a:r>
+              <a:rPr lang="de-DE" altLang="de-DE" sz="1600" dirty="0" err="1">
+                <a:solidFill>
+                  <a:srgbClr val="000000"/>
+                </a:solidFill>
+                <a:latin typeface="Consolas" panose="020B0609020204030204" pitchFamily="49" charset="0"/>
+                <a:cs typeface="Consolas" panose="020B0609020204030204" pitchFamily="49" charset="0"/>
+              </a:rPr>
+              <a:t>AjaxRequestTarget</a:t>
+            </a:r>
+            <a:r>
+              <a:rPr lang="de-DE" altLang="de-DE" sz="1600" dirty="0">
+                <a:solidFill>
+                  <a:srgbClr val="000000"/>
+                </a:solidFill>
+                <a:latin typeface="Consolas" panose="020B0609020204030204" pitchFamily="49" charset="0"/>
+                <a:cs typeface="Consolas" panose="020B0609020204030204" pitchFamily="49" charset="0"/>
+              </a:rPr>
+              <a:t>&gt; </a:t>
+            </a:r>
+            <a:r>
+              <a:rPr lang="de-DE" altLang="de-DE" sz="1600" dirty="0" err="1">
+                <a:solidFill>
+                  <a:srgbClr val="000000"/>
+                </a:solidFill>
+                <a:latin typeface="Consolas" panose="020B0609020204030204" pitchFamily="49" charset="0"/>
+                <a:cs typeface="Consolas" panose="020B0609020204030204" pitchFamily="49" charset="0"/>
+              </a:rPr>
+              <a:t>target</a:t>
+            </a:r>
+            <a:r>
+              <a:rPr lang="de-DE" altLang="de-DE" sz="1600" dirty="0">
+                <a:solidFill>
+                  <a:srgbClr val="000000"/>
+                </a:solidFill>
+                <a:latin typeface="Consolas" panose="020B0609020204030204" pitchFamily="49" charset="0"/>
+                <a:cs typeface="Consolas" panose="020B0609020204030204" pitchFamily="49" charset="0"/>
+              </a:rPr>
+              <a:t>) {</a:t>
+            </a:r>
+          </a:p>
+          <a:p>
+            <a:pPr lvl="1">
+              <a:buNone/>
+            </a:pPr>
+            <a:r>
+              <a:rPr lang="de-DE" altLang="de-DE" sz="1600" dirty="0">
+                <a:solidFill>
+                  <a:srgbClr val="000000"/>
+                </a:solidFill>
+                <a:latin typeface="Consolas" panose="020B0609020204030204" pitchFamily="49" charset="0"/>
+                <a:cs typeface="Consolas" panose="020B0609020204030204" pitchFamily="49" charset="0"/>
+              </a:rPr>
+              <a:t>           </a:t>
+            </a:r>
+            <a:r>
+              <a:rPr lang="de-DE" altLang="de-DE" sz="1600" dirty="0" err="1">
+                <a:solidFill>
+                  <a:srgbClr val="000000"/>
+                </a:solidFill>
+                <a:latin typeface="Consolas" panose="020B0609020204030204" pitchFamily="49" charset="0"/>
+                <a:cs typeface="Consolas" panose="020B0609020204030204" pitchFamily="49" charset="0"/>
+              </a:rPr>
+              <a:t>if</a:t>
+            </a:r>
+            <a:r>
+              <a:rPr lang="de-DE" altLang="de-DE" sz="1600" dirty="0">
+                <a:solidFill>
+                  <a:srgbClr val="000000"/>
+                </a:solidFill>
+                <a:latin typeface="Consolas" panose="020B0609020204030204" pitchFamily="49" charset="0"/>
+                <a:cs typeface="Consolas" panose="020B0609020204030204" pitchFamily="49" charset="0"/>
+              </a:rPr>
+              <a:t> (</a:t>
+            </a:r>
+            <a:r>
+              <a:rPr lang="de-DE" altLang="de-DE" sz="1600" dirty="0" err="1">
+                <a:solidFill>
+                  <a:srgbClr val="000000"/>
+                </a:solidFill>
+                <a:latin typeface="Consolas" panose="020B0609020204030204" pitchFamily="49" charset="0"/>
+                <a:cs typeface="Consolas" panose="020B0609020204030204" pitchFamily="49" charset="0"/>
+              </a:rPr>
+              <a:t>target.isPresent</a:t>
+            </a:r>
+            <a:r>
+              <a:rPr lang="de-DE" altLang="de-DE" sz="1600" dirty="0">
+                <a:solidFill>
+                  <a:srgbClr val="000000"/>
+                </a:solidFill>
+                <a:latin typeface="Consolas" panose="020B0609020204030204" pitchFamily="49" charset="0"/>
+                <a:cs typeface="Consolas" panose="020B0609020204030204" pitchFamily="49" charset="0"/>
+              </a:rPr>
+              <a:t>()){</a:t>
+            </a:r>
+            <a:br>
+              <a:rPr lang="de-DE" altLang="de-DE" sz="1600" dirty="0">
+                <a:solidFill>
+                  <a:srgbClr val="000000"/>
+                </a:solidFill>
+                <a:latin typeface="Consolas" panose="020B0609020204030204" pitchFamily="49" charset="0"/>
+                <a:cs typeface="Consolas" panose="020B0609020204030204" pitchFamily="49" charset="0"/>
+              </a:rPr>
+            </a:br>
+            <a:r>
+              <a:rPr lang="de-DE" altLang="de-DE" sz="1600" dirty="0">
+                <a:solidFill>
+                  <a:srgbClr val="000000"/>
+                </a:solidFill>
+                <a:latin typeface="Consolas" panose="020B0609020204030204" pitchFamily="49" charset="0"/>
+                <a:cs typeface="Consolas" panose="020B0609020204030204" pitchFamily="49" charset="0"/>
+              </a:rPr>
+              <a:t>            </a:t>
+            </a:r>
+            <a:r>
+              <a:rPr lang="de-DE" altLang="de-DE" sz="1600" i="1" dirty="0">
+                <a:solidFill>
+                  <a:srgbClr val="808080"/>
+                </a:solidFill>
+                <a:latin typeface="Consolas" panose="020B0609020204030204" pitchFamily="49" charset="0"/>
+                <a:cs typeface="Consolas" panose="020B0609020204030204" pitchFamily="49" charset="0"/>
+              </a:rPr>
+              <a:t>// Model </a:t>
+            </a:r>
+            <a:r>
+              <a:rPr lang="de-DE" altLang="de-DE" sz="1600" i="1" dirty="0" err="1">
+                <a:solidFill>
+                  <a:srgbClr val="808080"/>
+                </a:solidFill>
+                <a:latin typeface="Consolas" panose="020B0609020204030204" pitchFamily="49" charset="0"/>
+                <a:cs typeface="Consolas" panose="020B0609020204030204" pitchFamily="49" charset="0"/>
+              </a:rPr>
+              <a:t>Object</a:t>
+            </a:r>
+            <a:r>
+              <a:rPr lang="de-DE" altLang="de-DE" sz="1600" i="1" dirty="0">
+                <a:solidFill>
+                  <a:srgbClr val="808080"/>
+                </a:solidFill>
+                <a:latin typeface="Consolas" panose="020B0609020204030204" pitchFamily="49" charset="0"/>
+                <a:cs typeface="Consolas" panose="020B0609020204030204" pitchFamily="49" charset="0"/>
+              </a:rPr>
+              <a:t> verändern und Komponente neu rendern</a:t>
             </a:r>
             <a:br>
               <a:rPr lang="de-DE" altLang="de-DE" sz="1600" i="1" dirty="0">
@@ -10195,6 +10723,16 @@
               </a:rPr>
             </a:br>
             <a:r>
+              <a:rPr lang="de-DE" altLang="de-DE" sz="1600" i="1" dirty="0">
+                <a:solidFill>
+                  <a:srgbClr val="808080"/>
+                </a:solidFill>
+                <a:latin typeface="Consolas" panose="020B0609020204030204" pitchFamily="49" charset="0"/>
+                <a:cs typeface="Consolas" panose="020B0609020204030204" pitchFamily="49" charset="0"/>
+              </a:rPr>
+              <a:t>            </a:t>
+            </a:r>
+            <a:r>
               <a:rPr lang="de-DE" altLang="de-DE" sz="1600" dirty="0" err="1">
                 <a:solidFill>
                   <a:srgbClr val="000000"/>
@@ -10202,37 +10740,87 @@
                 <a:latin typeface="Consolas" panose="020B0609020204030204" pitchFamily="49" charset="0"/>
                 <a:cs typeface="Consolas" panose="020B0609020204030204" pitchFamily="49" charset="0"/>
               </a:rPr>
-              <a:t>label.</a:t>
+              <a:t>label.setDefaultModelObject</a:t>
+            </a:r>
+            <a:r>
+              <a:rPr lang="de-DE" altLang="de-DE" sz="1600" dirty="0">
+                <a:solidFill>
+                  <a:srgbClr val="000000"/>
+                </a:solidFill>
+                <a:latin typeface="Consolas" panose="020B0609020204030204" pitchFamily="49" charset="0"/>
+                <a:cs typeface="Consolas" panose="020B0609020204030204" pitchFamily="49" charset="0"/>
+              </a:rPr>
+              <a:t>(</a:t>
+            </a:r>
+            <a:r>
+              <a:rPr lang="de-DE" altLang="de-DE" sz="1600" b="1" dirty="0">
+                <a:solidFill>
+                  <a:srgbClr val="008000"/>
+                </a:solidFill>
+                <a:latin typeface="Consolas" panose="020B0609020204030204" pitchFamily="49" charset="0"/>
+                <a:cs typeface="Consolas" panose="020B0609020204030204" pitchFamily="49" charset="0"/>
+              </a:rPr>
+              <a:t>"</a:t>
             </a:r>
             <a:r>
               <a:rPr lang="de-DE" altLang="de-DE" sz="1600" b="1" dirty="0" err="1">
                 <a:solidFill>
-                  <a:srgbClr val="000000"/>
-                </a:solidFill>
-                <a:latin typeface="Consolas" panose="020B0609020204030204" pitchFamily="49" charset="0"/>
-                <a:cs typeface="Consolas" panose="020B0609020204030204" pitchFamily="49" charset="0"/>
-              </a:rPr>
-              <a:t>setOutputMarkupId</a:t>
-            </a:r>
-            <a:r>
-              <a:rPr lang="de-DE" altLang="de-DE" sz="1600" dirty="0">
-                <a:solidFill>
-                  <a:srgbClr val="000000"/>
-                </a:solidFill>
-                <a:latin typeface="Consolas" panose="020B0609020204030204" pitchFamily="49" charset="0"/>
-                <a:cs typeface="Consolas" panose="020B0609020204030204" pitchFamily="49" charset="0"/>
-              </a:rPr>
-              <a:t>(</a:t>
+                  <a:srgbClr val="008000"/>
+                </a:solidFill>
+                <a:latin typeface="Consolas" panose="020B0609020204030204" pitchFamily="49" charset="0"/>
+                <a:cs typeface="Consolas" panose="020B0609020204030204" pitchFamily="49" charset="0"/>
+              </a:rPr>
+              <a:t>Another</a:t>
+            </a:r>
+            <a:r>
+              <a:rPr lang="de-DE" altLang="de-DE" sz="1600" b="1" dirty="0">
+                <a:solidFill>
+                  <a:srgbClr val="008000"/>
+                </a:solidFill>
+                <a:latin typeface="Consolas" panose="020B0609020204030204" pitchFamily="49" charset="0"/>
+                <a:cs typeface="Consolas" panose="020B0609020204030204" pitchFamily="49" charset="0"/>
+              </a:rPr>
+              <a:t> </a:t>
             </a:r>
             <a:r>
               <a:rPr lang="de-DE" altLang="de-DE" sz="1600" b="1" dirty="0" err="1">
                 <a:solidFill>
-                  <a:srgbClr val="000080"/>
-                </a:solidFill>
-                <a:latin typeface="Consolas" panose="020B0609020204030204" pitchFamily="49" charset="0"/>
-                <a:cs typeface="Consolas" panose="020B0609020204030204" pitchFamily="49" charset="0"/>
-              </a:rPr>
-              <a:t>true</a:t>
+                  <a:srgbClr val="008000"/>
+                </a:solidFill>
+                <a:latin typeface="Consolas" panose="020B0609020204030204" pitchFamily="49" charset="0"/>
+                <a:cs typeface="Consolas" panose="020B0609020204030204" pitchFamily="49" charset="0"/>
+              </a:rPr>
+              <a:t>value</a:t>
+            </a:r>
+            <a:r>
+              <a:rPr lang="de-DE" altLang="de-DE" sz="1600" b="1" dirty="0">
+                <a:solidFill>
+                  <a:srgbClr val="008000"/>
+                </a:solidFill>
+                <a:latin typeface="Consolas" panose="020B0609020204030204" pitchFamily="49" charset="0"/>
+                <a:cs typeface="Consolas" panose="020B0609020204030204" pitchFamily="49" charset="0"/>
+              </a:rPr>
+              <a:t> 4 </a:t>
+            </a:r>
+            <a:r>
+              <a:rPr lang="de-DE" altLang="de-DE" sz="1600" b="1" dirty="0" err="1">
+                <a:solidFill>
+                  <a:srgbClr val="008000"/>
+                </a:solidFill>
+                <a:latin typeface="Consolas" panose="020B0609020204030204" pitchFamily="49" charset="0"/>
+                <a:cs typeface="Consolas" panose="020B0609020204030204" pitchFamily="49" charset="0"/>
+              </a:rPr>
+              <a:t>label</a:t>
+            </a:r>
+            <a:r>
+              <a:rPr lang="de-DE" altLang="de-DE" sz="1600" b="1" dirty="0">
+                <a:solidFill>
+                  <a:srgbClr val="008000"/>
+                </a:solidFill>
+                <a:latin typeface="Consolas" panose="020B0609020204030204" pitchFamily="49" charset="0"/>
+                <a:cs typeface="Consolas" panose="020B0609020204030204" pitchFamily="49" charset="0"/>
+              </a:rPr>
+              <a:t>."</a:t>
             </a:r>
             <a:r>
               <a:rPr lang="de-DE" altLang="de-DE" sz="1600" dirty="0">
@@ -10254,6 +10842,16 @@
               </a:rPr>
             </a:br>
             <a:r>
+              <a:rPr lang="de-DE" altLang="de-DE" sz="1600" dirty="0">
+                <a:solidFill>
+                  <a:srgbClr val="000000"/>
+                </a:solidFill>
+                <a:latin typeface="Consolas" panose="020B0609020204030204" pitchFamily="49" charset="0"/>
+                <a:cs typeface="Consolas" panose="020B0609020204030204" pitchFamily="49" charset="0"/>
+              </a:rPr>
+              <a:t>            </a:t>
+            </a:r>
+            <a:r>
               <a:rPr lang="de-DE" altLang="de-DE" sz="1600" dirty="0" err="1">
                 <a:solidFill>
                   <a:srgbClr val="000000"/>
@@ -10261,6 +10859,26 @@
                 <a:latin typeface="Consolas" panose="020B0609020204030204" pitchFamily="49" charset="0"/>
                 <a:cs typeface="Consolas" panose="020B0609020204030204" pitchFamily="49" charset="0"/>
               </a:rPr>
+              <a:t>target.get</a:t>
+            </a:r>
+            <a:r>
+              <a:rPr lang="de-DE" altLang="de-DE" sz="1600" dirty="0">
+                <a:solidFill>
+                  <a:srgbClr val="000000"/>
+                </a:solidFill>
+                <a:latin typeface="Consolas" panose="020B0609020204030204" pitchFamily="49" charset="0"/>
+                <a:cs typeface="Consolas" panose="020B0609020204030204" pitchFamily="49" charset="0"/>
+              </a:rPr>
+              <a:t>().</a:t>
+            </a:r>
+            <a:r>
+              <a:rPr lang="de-DE" altLang="de-DE" sz="1600" dirty="0" err="1">
+                <a:solidFill>
+                  <a:srgbClr val="000000"/>
+                </a:solidFill>
+                <a:latin typeface="Consolas" panose="020B0609020204030204" pitchFamily="49" charset="0"/>
+                <a:cs typeface="Consolas" panose="020B0609020204030204" pitchFamily="49" charset="0"/>
+              </a:rPr>
               <a:t>add</a:t>
             </a:r>
             <a:r>
@@ -10292,6 +10910,21 @@
                 <a:cs typeface="Consolas" panose="020B0609020204030204" pitchFamily="49" charset="0"/>
               </a:rPr>
               <a:t>);</a:t>
+            </a:r>
+          </a:p>
+          <a:p>
+            <a:pPr lvl="1">
+              <a:buNone/>
+            </a:pPr>
+            <a:r>
+              <a:rPr lang="de-DE" altLang="de-DE" sz="1600" dirty="0">
+                <a:solidFill>
+                  <a:srgbClr val="000000"/>
+                </a:solidFill>
+                <a:latin typeface="Consolas" panose="020B0609020204030204" pitchFamily="49" charset="0"/>
+                <a:cs typeface="Consolas" panose="020B0609020204030204" pitchFamily="49" charset="0"/>
+              </a:rPr>
+              <a:t>              }</a:t>
             </a:r>
             <a:br>
               <a:rPr lang="de-DE" altLang="de-DE" sz="1600" dirty="0">
@@ -10310,544 +10943,7 @@
                 <a:latin typeface="Consolas" panose="020B0609020204030204" pitchFamily="49" charset="0"/>
                 <a:cs typeface="Consolas" panose="020B0609020204030204" pitchFamily="49" charset="0"/>
               </a:rPr>
-              <a:t>        </a:t>
-            </a:r>
-            <a:br>
-              <a:rPr lang="de-DE" altLang="de-DE" sz="1600" dirty="0">
-                <a:solidFill>
-                  <a:srgbClr val="000000"/>
-                </a:solidFill>
-                <a:latin typeface="Consolas" panose="020B0609020204030204" pitchFamily="49" charset="0"/>
-                <a:cs typeface="Consolas" panose="020B0609020204030204" pitchFamily="49" charset="0"/>
-              </a:rPr>
-            </a:br>
-            <a:r>
-              <a:rPr lang="de-DE" altLang="de-DE" sz="1600" i="1" dirty="0">
-                <a:solidFill>
-                  <a:srgbClr val="808080"/>
-                </a:solidFill>
-                <a:latin typeface="Consolas" panose="020B0609020204030204" pitchFamily="49" charset="0"/>
-                <a:cs typeface="Consolas" panose="020B0609020204030204" pitchFamily="49" charset="0"/>
-              </a:rPr>
-              <a:t>//…</a:t>
-            </a:r>
-            <a:br>
-              <a:rPr lang="de-DE" altLang="de-DE" sz="1600" i="1" dirty="0">
-                <a:solidFill>
-                  <a:srgbClr val="808080"/>
-                </a:solidFill>
-                <a:latin typeface="Consolas" panose="020B0609020204030204" pitchFamily="49" charset="0"/>
-                <a:cs typeface="Consolas" panose="020B0609020204030204" pitchFamily="49" charset="0"/>
-              </a:rPr>
-            </a:br>
-            <a:r>
-              <a:rPr lang="de-DE" altLang="de-DE" sz="1600" i="1" dirty="0">
-                <a:solidFill>
-                  <a:srgbClr val="808080"/>
-                </a:solidFill>
-                <a:latin typeface="Consolas" panose="020B0609020204030204" pitchFamily="49" charset="0"/>
-                <a:cs typeface="Consolas" panose="020B0609020204030204" pitchFamily="49" charset="0"/>
-              </a:rPr>
-              <a:t>        </a:t>
-            </a:r>
-          </a:p>
-          <a:p>
-            <a:pPr lvl="1">
-              <a:buNone/>
-            </a:pPr>
-            <a:r>
-              <a:rPr lang="de-DE" altLang="de-DE" sz="1600" b="1" i="1" dirty="0">
-                <a:solidFill>
-                  <a:srgbClr val="808080"/>
-                </a:solidFill>
-                <a:latin typeface="Consolas" panose="020B0609020204030204" pitchFamily="49" charset="0"/>
-                <a:cs typeface="Consolas" panose="020B0609020204030204" pitchFamily="49" charset="0"/>
-              </a:rPr>
-              <a:t>   </a:t>
-            </a:r>
-            <a:r>
-              <a:rPr lang="de-DE" altLang="de-DE" sz="1600" b="1" dirty="0" err="1">
-                <a:solidFill>
-                  <a:srgbClr val="000080"/>
-                </a:solidFill>
-                <a:latin typeface="Consolas" panose="020B0609020204030204" pitchFamily="49" charset="0"/>
-                <a:cs typeface="Consolas" panose="020B0609020204030204" pitchFamily="49" charset="0"/>
-              </a:rPr>
-              <a:t>new</a:t>
-            </a:r>
-            <a:r>
-              <a:rPr lang="de-DE" altLang="de-DE" sz="1600" b="1" dirty="0">
-                <a:solidFill>
-                  <a:srgbClr val="000080"/>
-                </a:solidFill>
-                <a:latin typeface="Consolas" panose="020B0609020204030204" pitchFamily="49" charset="0"/>
-                <a:cs typeface="Consolas" panose="020B0609020204030204" pitchFamily="49" charset="0"/>
-              </a:rPr>
-              <a:t> </a:t>
-            </a:r>
-            <a:r>
-              <a:rPr lang="de-DE" altLang="de-DE" sz="1600" dirty="0" err="1">
-                <a:solidFill>
-                  <a:srgbClr val="000000"/>
-                </a:solidFill>
-                <a:latin typeface="Consolas" panose="020B0609020204030204" pitchFamily="49" charset="0"/>
-                <a:cs typeface="Consolas" panose="020B0609020204030204" pitchFamily="49" charset="0"/>
-              </a:rPr>
-              <a:t>AjaxLink</a:t>
-            </a:r>
-            <a:r>
-              <a:rPr lang="de-DE" altLang="de-DE" sz="1600" dirty="0">
-                <a:solidFill>
-                  <a:srgbClr val="000000"/>
-                </a:solidFill>
-                <a:latin typeface="Consolas" panose="020B0609020204030204" pitchFamily="49" charset="0"/>
-                <a:cs typeface="Consolas" panose="020B0609020204030204" pitchFamily="49" charset="0"/>
-              </a:rPr>
-              <a:t>(</a:t>
-            </a:r>
-            <a:r>
-              <a:rPr lang="de-DE" altLang="de-DE" sz="1600" b="1" dirty="0">
-                <a:solidFill>
-                  <a:srgbClr val="008000"/>
-                </a:solidFill>
-                <a:latin typeface="Consolas" panose="020B0609020204030204" pitchFamily="49" charset="0"/>
-                <a:cs typeface="Consolas" panose="020B0609020204030204" pitchFamily="49" charset="0"/>
-              </a:rPr>
-              <a:t>"</a:t>
-            </a:r>
-            <a:r>
-              <a:rPr lang="de-DE" altLang="de-DE" sz="1600" b="1" dirty="0" err="1">
-                <a:solidFill>
-                  <a:srgbClr val="008000"/>
-                </a:solidFill>
-                <a:latin typeface="Consolas" panose="020B0609020204030204" pitchFamily="49" charset="0"/>
-                <a:cs typeface="Consolas" panose="020B0609020204030204" pitchFamily="49" charset="0"/>
-              </a:rPr>
-              <a:t>ajaxLink</a:t>
-            </a:r>
-            <a:r>
-              <a:rPr lang="de-DE" altLang="de-DE" sz="1600" b="1" dirty="0">
-                <a:solidFill>
-                  <a:srgbClr val="008000"/>
-                </a:solidFill>
-                <a:latin typeface="Consolas" panose="020B0609020204030204" pitchFamily="49" charset="0"/>
-                <a:cs typeface="Consolas" panose="020B0609020204030204" pitchFamily="49" charset="0"/>
-              </a:rPr>
-              <a:t>"</a:t>
-            </a:r>
-            <a:r>
-              <a:rPr lang="de-DE" altLang="de-DE" sz="1600" dirty="0">
-                <a:solidFill>
-                  <a:srgbClr val="000000"/>
-                </a:solidFill>
-                <a:latin typeface="Consolas" panose="020B0609020204030204" pitchFamily="49" charset="0"/>
-                <a:cs typeface="Consolas" panose="020B0609020204030204" pitchFamily="49" charset="0"/>
-              </a:rPr>
-              <a:t>){</a:t>
-            </a:r>
-            <a:br>
-              <a:rPr lang="de-DE" altLang="de-DE" sz="1600" dirty="0">
-                <a:solidFill>
-                  <a:srgbClr val="000000"/>
-                </a:solidFill>
-                <a:latin typeface="Consolas" panose="020B0609020204030204" pitchFamily="49" charset="0"/>
-                <a:cs typeface="Consolas" panose="020B0609020204030204" pitchFamily="49" charset="0"/>
-              </a:rPr>
-            </a:br>
-            <a:r>
-              <a:rPr lang="de-DE" altLang="de-DE" sz="1600" dirty="0">
-                <a:solidFill>
-                  <a:srgbClr val="000000"/>
-                </a:solidFill>
-                <a:latin typeface="Consolas" panose="020B0609020204030204" pitchFamily="49" charset="0"/>
-                <a:cs typeface="Consolas" panose="020B0609020204030204" pitchFamily="49" charset="0"/>
-              </a:rPr>
-              <a:t>    @</a:t>
-            </a:r>
-            <a:r>
-              <a:rPr lang="de-DE" altLang="de-DE" sz="1600" dirty="0" err="1">
-                <a:solidFill>
-                  <a:srgbClr val="000000"/>
-                </a:solidFill>
-                <a:latin typeface="Consolas" panose="020B0609020204030204" pitchFamily="49" charset="0"/>
-                <a:cs typeface="Consolas" panose="020B0609020204030204" pitchFamily="49" charset="0"/>
-              </a:rPr>
-              <a:t>Override</a:t>
-            </a:r>
-            <a:br>
-              <a:rPr lang="de-DE" altLang="de-DE" sz="1600" dirty="0">
-                <a:solidFill>
-                  <a:srgbClr val="000000"/>
-                </a:solidFill>
-                <a:latin typeface="Consolas" panose="020B0609020204030204" pitchFamily="49" charset="0"/>
-                <a:cs typeface="Consolas" panose="020B0609020204030204" pitchFamily="49" charset="0"/>
-              </a:rPr>
-            </a:br>
-            <a:r>
-              <a:rPr lang="de-DE" altLang="de-DE" sz="1600" dirty="0">
-                <a:solidFill>
-                  <a:srgbClr val="000000"/>
-                </a:solidFill>
-                <a:latin typeface="Consolas" panose="020B0609020204030204" pitchFamily="49" charset="0"/>
-                <a:cs typeface="Consolas" panose="020B0609020204030204" pitchFamily="49" charset="0"/>
-              </a:rPr>
-              <a:t>    </a:t>
-            </a:r>
-            <a:r>
-              <a:rPr lang="de-DE" altLang="de-DE" sz="1600" b="1" dirty="0" err="1">
-                <a:solidFill>
-                  <a:srgbClr val="000080"/>
-                </a:solidFill>
-                <a:latin typeface="Consolas" panose="020B0609020204030204" pitchFamily="49" charset="0"/>
-                <a:cs typeface="Consolas" panose="020B0609020204030204" pitchFamily="49" charset="0"/>
-              </a:rPr>
-              <a:t>public</a:t>
-            </a:r>
-            <a:r>
-              <a:rPr lang="de-DE" altLang="de-DE" sz="1600" b="1" dirty="0">
-                <a:solidFill>
-                  <a:srgbClr val="000080"/>
-                </a:solidFill>
-                <a:latin typeface="Consolas" panose="020B0609020204030204" pitchFamily="49" charset="0"/>
-                <a:cs typeface="Consolas" panose="020B0609020204030204" pitchFamily="49" charset="0"/>
-              </a:rPr>
-              <a:t> </a:t>
-            </a:r>
-            <a:r>
-              <a:rPr lang="de-DE" altLang="de-DE" sz="1600" b="1" dirty="0" err="1">
-                <a:solidFill>
-                  <a:srgbClr val="000080"/>
-                </a:solidFill>
-                <a:latin typeface="Consolas" panose="020B0609020204030204" pitchFamily="49" charset="0"/>
-                <a:cs typeface="Consolas" panose="020B0609020204030204" pitchFamily="49" charset="0"/>
-              </a:rPr>
-              <a:t>void</a:t>
-            </a:r>
-            <a:r>
-              <a:rPr lang="de-DE" altLang="de-DE" sz="1600" b="1" dirty="0">
-                <a:solidFill>
-                  <a:srgbClr val="000080"/>
-                </a:solidFill>
-                <a:latin typeface="Consolas" panose="020B0609020204030204" pitchFamily="49" charset="0"/>
-                <a:cs typeface="Consolas" panose="020B0609020204030204" pitchFamily="49" charset="0"/>
-              </a:rPr>
-              <a:t> </a:t>
-            </a:r>
-            <a:r>
-              <a:rPr lang="de-DE" altLang="de-DE" sz="1600" dirty="0" err="1">
-                <a:solidFill>
-                  <a:srgbClr val="000000"/>
-                </a:solidFill>
-                <a:latin typeface="Consolas" panose="020B0609020204030204" pitchFamily="49" charset="0"/>
-                <a:cs typeface="Consolas" panose="020B0609020204030204" pitchFamily="49" charset="0"/>
-              </a:rPr>
-              <a:t>onClick</a:t>
-            </a:r>
-            <a:r>
-              <a:rPr lang="de-DE" altLang="de-DE" sz="1600" dirty="0">
-                <a:solidFill>
-                  <a:srgbClr val="000000"/>
-                </a:solidFill>
-                <a:latin typeface="Consolas" panose="020B0609020204030204" pitchFamily="49" charset="0"/>
-                <a:cs typeface="Consolas" panose="020B0609020204030204" pitchFamily="49" charset="0"/>
-              </a:rPr>
-              <a:t>(</a:t>
-            </a:r>
-            <a:r>
-              <a:rPr lang="de-DE" altLang="de-DE" sz="1600" dirty="0" err="1">
-                <a:solidFill>
-                  <a:srgbClr val="000000"/>
-                </a:solidFill>
-                <a:latin typeface="Consolas" panose="020B0609020204030204" pitchFamily="49" charset="0"/>
-                <a:cs typeface="Consolas" panose="020B0609020204030204" pitchFamily="49" charset="0"/>
-              </a:rPr>
-              <a:t>AjaxRequestTarget</a:t>
-            </a:r>
-            <a:r>
-              <a:rPr lang="de-DE" altLang="de-DE" sz="1600" dirty="0">
-                <a:solidFill>
-                  <a:srgbClr val="000000"/>
-                </a:solidFill>
-                <a:latin typeface="Consolas" panose="020B0609020204030204" pitchFamily="49" charset="0"/>
-                <a:cs typeface="Consolas" panose="020B0609020204030204" pitchFamily="49" charset="0"/>
-              </a:rPr>
-              <a:t> </a:t>
-            </a:r>
-            <a:r>
-              <a:rPr lang="de-DE" altLang="de-DE" sz="1600" dirty="0" err="1">
-                <a:solidFill>
-                  <a:srgbClr val="000000"/>
-                </a:solidFill>
-                <a:latin typeface="Consolas" panose="020B0609020204030204" pitchFamily="49" charset="0"/>
-                <a:cs typeface="Consolas" panose="020B0609020204030204" pitchFamily="49" charset="0"/>
-              </a:rPr>
-              <a:t>target</a:t>
-            </a:r>
-            <a:r>
-              <a:rPr lang="de-DE" altLang="de-DE" sz="1600" dirty="0">
-                <a:solidFill>
-                  <a:srgbClr val="000000"/>
-                </a:solidFill>
-                <a:latin typeface="Consolas" panose="020B0609020204030204" pitchFamily="49" charset="0"/>
-                <a:cs typeface="Consolas" panose="020B0609020204030204" pitchFamily="49" charset="0"/>
-              </a:rPr>
-              <a:t>) {</a:t>
-            </a:r>
-            <a:br>
-              <a:rPr lang="de-DE" altLang="de-DE" sz="1600" dirty="0">
-                <a:solidFill>
-                  <a:srgbClr val="000000"/>
-                </a:solidFill>
-                <a:latin typeface="Consolas" panose="020B0609020204030204" pitchFamily="49" charset="0"/>
-                <a:cs typeface="Consolas" panose="020B0609020204030204" pitchFamily="49" charset="0"/>
-              </a:rPr>
-            </a:br>
-            <a:r>
-              <a:rPr lang="de-DE" altLang="de-DE" sz="1600" dirty="0">
-                <a:solidFill>
-                  <a:srgbClr val="000000"/>
-                </a:solidFill>
-                <a:latin typeface="Consolas" panose="020B0609020204030204" pitchFamily="49" charset="0"/>
-                <a:cs typeface="Consolas" panose="020B0609020204030204" pitchFamily="49" charset="0"/>
-              </a:rPr>
-              <a:t>        </a:t>
-            </a:r>
-            <a:r>
-              <a:rPr lang="de-DE" altLang="de-DE" sz="1600" i="1" dirty="0">
-                <a:solidFill>
-                  <a:srgbClr val="808080"/>
-                </a:solidFill>
-                <a:latin typeface="Consolas" panose="020B0609020204030204" pitchFamily="49" charset="0"/>
-                <a:cs typeface="Consolas" panose="020B0609020204030204" pitchFamily="49" charset="0"/>
-              </a:rPr>
-              <a:t>// Model </a:t>
-            </a:r>
-            <a:r>
-              <a:rPr lang="de-DE" altLang="de-DE" sz="1600" i="1" dirty="0" err="1">
-                <a:solidFill>
-                  <a:srgbClr val="808080"/>
-                </a:solidFill>
-                <a:latin typeface="Consolas" panose="020B0609020204030204" pitchFamily="49" charset="0"/>
-                <a:cs typeface="Consolas" panose="020B0609020204030204" pitchFamily="49" charset="0"/>
-              </a:rPr>
-              <a:t>Object</a:t>
-            </a:r>
-            <a:r>
-              <a:rPr lang="de-DE" altLang="de-DE" sz="1600" i="1" dirty="0">
-                <a:solidFill>
-                  <a:srgbClr val="808080"/>
-                </a:solidFill>
-                <a:latin typeface="Consolas" panose="020B0609020204030204" pitchFamily="49" charset="0"/>
-                <a:cs typeface="Consolas" panose="020B0609020204030204" pitchFamily="49" charset="0"/>
-              </a:rPr>
-              <a:t> verändern und Komponente neu rendern</a:t>
-            </a:r>
-            <a:br>
-              <a:rPr lang="de-DE" altLang="de-DE" sz="1600" i="1" dirty="0">
-                <a:solidFill>
-                  <a:srgbClr val="808080"/>
-                </a:solidFill>
-                <a:latin typeface="Consolas" panose="020B0609020204030204" pitchFamily="49" charset="0"/>
-                <a:cs typeface="Consolas" panose="020B0609020204030204" pitchFamily="49" charset="0"/>
-              </a:rPr>
-            </a:br>
-            <a:r>
-              <a:rPr lang="de-DE" altLang="de-DE" sz="1600" i="1" dirty="0">
-                <a:solidFill>
-                  <a:srgbClr val="808080"/>
-                </a:solidFill>
-                <a:latin typeface="Consolas" panose="020B0609020204030204" pitchFamily="49" charset="0"/>
-                <a:cs typeface="Consolas" panose="020B0609020204030204" pitchFamily="49" charset="0"/>
-              </a:rPr>
-              <a:t>        </a:t>
-            </a:r>
-            <a:r>
-              <a:rPr lang="de-DE" altLang="de-DE" sz="1600" dirty="0" err="1">
-                <a:solidFill>
-                  <a:srgbClr val="000000"/>
-                </a:solidFill>
-                <a:latin typeface="Consolas" panose="020B0609020204030204" pitchFamily="49" charset="0"/>
-                <a:cs typeface="Consolas" panose="020B0609020204030204" pitchFamily="49" charset="0"/>
-              </a:rPr>
-              <a:t>label.setDefaultModelObject</a:t>
-            </a:r>
-            <a:r>
-              <a:rPr lang="de-DE" altLang="de-DE" sz="1600" dirty="0">
-                <a:solidFill>
-                  <a:srgbClr val="000000"/>
-                </a:solidFill>
-                <a:latin typeface="Consolas" panose="020B0609020204030204" pitchFamily="49" charset="0"/>
-                <a:cs typeface="Consolas" panose="020B0609020204030204" pitchFamily="49" charset="0"/>
-              </a:rPr>
-              <a:t>(</a:t>
-            </a:r>
-            <a:r>
-              <a:rPr lang="de-DE" altLang="de-DE" sz="1600" b="1" dirty="0">
-                <a:solidFill>
-                  <a:srgbClr val="008000"/>
-                </a:solidFill>
-                <a:latin typeface="Consolas" panose="020B0609020204030204" pitchFamily="49" charset="0"/>
-                <a:cs typeface="Consolas" panose="020B0609020204030204" pitchFamily="49" charset="0"/>
-              </a:rPr>
-              <a:t>"</a:t>
-            </a:r>
-            <a:r>
-              <a:rPr lang="de-DE" altLang="de-DE" sz="1600" b="1" dirty="0" err="1">
-                <a:solidFill>
-                  <a:srgbClr val="008000"/>
-                </a:solidFill>
-                <a:latin typeface="Consolas" panose="020B0609020204030204" pitchFamily="49" charset="0"/>
-                <a:cs typeface="Consolas" panose="020B0609020204030204" pitchFamily="49" charset="0"/>
-              </a:rPr>
-              <a:t>Another</a:t>
-            </a:r>
-            <a:r>
-              <a:rPr lang="de-DE" altLang="de-DE" sz="1600" b="1" dirty="0">
-                <a:solidFill>
-                  <a:srgbClr val="008000"/>
-                </a:solidFill>
-                <a:latin typeface="Consolas" panose="020B0609020204030204" pitchFamily="49" charset="0"/>
-                <a:cs typeface="Consolas" panose="020B0609020204030204" pitchFamily="49" charset="0"/>
-              </a:rPr>
-              <a:t> </a:t>
-            </a:r>
-            <a:r>
-              <a:rPr lang="de-DE" altLang="de-DE" sz="1600" b="1" dirty="0" err="1">
-                <a:solidFill>
-                  <a:srgbClr val="008000"/>
-                </a:solidFill>
-                <a:latin typeface="Consolas" panose="020B0609020204030204" pitchFamily="49" charset="0"/>
-                <a:cs typeface="Consolas" panose="020B0609020204030204" pitchFamily="49" charset="0"/>
-              </a:rPr>
-              <a:t>value</a:t>
-            </a:r>
-            <a:r>
-              <a:rPr lang="de-DE" altLang="de-DE" sz="1600" b="1" dirty="0">
-                <a:solidFill>
-                  <a:srgbClr val="008000"/>
-                </a:solidFill>
-                <a:latin typeface="Consolas" panose="020B0609020204030204" pitchFamily="49" charset="0"/>
-                <a:cs typeface="Consolas" panose="020B0609020204030204" pitchFamily="49" charset="0"/>
-              </a:rPr>
-              <a:t> 4 </a:t>
-            </a:r>
-            <a:r>
-              <a:rPr lang="de-DE" altLang="de-DE" sz="1600" b="1" dirty="0" err="1">
-                <a:solidFill>
-                  <a:srgbClr val="008000"/>
-                </a:solidFill>
-                <a:latin typeface="Consolas" panose="020B0609020204030204" pitchFamily="49" charset="0"/>
-                <a:cs typeface="Consolas" panose="020B0609020204030204" pitchFamily="49" charset="0"/>
-              </a:rPr>
-              <a:t>label</a:t>
-            </a:r>
-            <a:r>
-              <a:rPr lang="de-DE" altLang="de-DE" sz="1600" b="1" dirty="0">
-                <a:solidFill>
-                  <a:srgbClr val="008000"/>
-                </a:solidFill>
-                <a:latin typeface="Consolas" panose="020B0609020204030204" pitchFamily="49" charset="0"/>
-                <a:cs typeface="Consolas" panose="020B0609020204030204" pitchFamily="49" charset="0"/>
-              </a:rPr>
-              <a:t>."</a:t>
-            </a:r>
-            <a:r>
-              <a:rPr lang="de-DE" altLang="de-DE" sz="1600" dirty="0">
-                <a:solidFill>
-                  <a:srgbClr val="000000"/>
-                </a:solidFill>
-                <a:latin typeface="Consolas" panose="020B0609020204030204" pitchFamily="49" charset="0"/>
-                <a:cs typeface="Consolas" panose="020B0609020204030204" pitchFamily="49" charset="0"/>
-              </a:rPr>
-              <a:t>);</a:t>
-            </a:r>
-            <a:br>
-              <a:rPr lang="de-DE" altLang="de-DE" sz="1600" dirty="0">
-                <a:solidFill>
-                  <a:srgbClr val="000000"/>
-                </a:solidFill>
-                <a:latin typeface="Consolas" panose="020B0609020204030204" pitchFamily="49" charset="0"/>
-                <a:cs typeface="Consolas" panose="020B0609020204030204" pitchFamily="49" charset="0"/>
-              </a:rPr>
-            </a:br>
-            <a:r>
-              <a:rPr lang="de-DE" altLang="de-DE" sz="1600" dirty="0">
-                <a:solidFill>
-                  <a:srgbClr val="000000"/>
-                </a:solidFill>
-                <a:latin typeface="Consolas" panose="020B0609020204030204" pitchFamily="49" charset="0"/>
-                <a:cs typeface="Consolas" panose="020B0609020204030204" pitchFamily="49" charset="0"/>
-              </a:rPr>
-              <a:t>        </a:t>
-            </a:r>
-            <a:r>
-              <a:rPr lang="de-DE" altLang="de-DE" sz="1600" dirty="0" err="1">
-                <a:solidFill>
-                  <a:srgbClr val="000000"/>
-                </a:solidFill>
-                <a:latin typeface="Consolas" panose="020B0609020204030204" pitchFamily="49" charset="0"/>
-                <a:cs typeface="Consolas" panose="020B0609020204030204" pitchFamily="49" charset="0"/>
-              </a:rPr>
-              <a:t>target.</a:t>
-            </a:r>
-            <a:r>
-              <a:rPr lang="de-DE" altLang="de-DE" sz="1600" b="1" dirty="0" err="1">
-                <a:solidFill>
-                  <a:srgbClr val="000000"/>
-                </a:solidFill>
-                <a:latin typeface="Consolas" panose="020B0609020204030204" pitchFamily="49" charset="0"/>
-                <a:cs typeface="Consolas" panose="020B0609020204030204" pitchFamily="49" charset="0"/>
-              </a:rPr>
-              <a:t>add</a:t>
-            </a:r>
-            <a:r>
-              <a:rPr lang="de-DE" altLang="de-DE" sz="1600" dirty="0">
-                <a:solidFill>
-                  <a:srgbClr val="000000"/>
-                </a:solidFill>
-                <a:latin typeface="Consolas" panose="020B0609020204030204" pitchFamily="49" charset="0"/>
-                <a:cs typeface="Consolas" panose="020B0609020204030204" pitchFamily="49" charset="0"/>
-              </a:rPr>
-              <a:t>(</a:t>
-            </a:r>
-            <a:r>
-              <a:rPr lang="de-DE" altLang="de-DE" sz="1600" dirty="0" err="1">
-                <a:solidFill>
-                  <a:srgbClr val="000000"/>
-                </a:solidFill>
-                <a:latin typeface="Consolas" panose="020B0609020204030204" pitchFamily="49" charset="0"/>
-                <a:cs typeface="Consolas" panose="020B0609020204030204" pitchFamily="49" charset="0"/>
-              </a:rPr>
-              <a:t>label</a:t>
-            </a:r>
-            <a:r>
-              <a:rPr lang="de-DE" altLang="de-DE" sz="1600" dirty="0">
-                <a:solidFill>
-                  <a:srgbClr val="000000"/>
-                </a:solidFill>
-                <a:latin typeface="Consolas" panose="020B0609020204030204" pitchFamily="49" charset="0"/>
-                <a:cs typeface="Consolas" panose="020B0609020204030204" pitchFamily="49" charset="0"/>
-              </a:rPr>
-              <a:t>);</a:t>
-            </a:r>
-            <a:br>
-              <a:rPr lang="de-DE" altLang="de-DE" sz="1600" dirty="0">
-                <a:solidFill>
-                  <a:srgbClr val="000000"/>
-                </a:solidFill>
-                <a:latin typeface="Consolas" panose="020B0609020204030204" pitchFamily="49" charset="0"/>
-                <a:cs typeface="Consolas" panose="020B0609020204030204" pitchFamily="49" charset="0"/>
-              </a:rPr>
-            </a:br>
-            <a:r>
-              <a:rPr lang="de-DE" altLang="de-DE" sz="1600" dirty="0">
-                <a:solidFill>
-                  <a:srgbClr val="000000"/>
-                </a:solidFill>
-                <a:latin typeface="Consolas" panose="020B0609020204030204" pitchFamily="49" charset="0"/>
-                <a:cs typeface="Consolas" panose="020B0609020204030204" pitchFamily="49" charset="0"/>
-              </a:rPr>
-              <a:t>        }</a:t>
+              <a:t>    }</a:t>
             </a:r>
             <a:br>
               <a:rPr lang="de-DE" altLang="de-DE" sz="1600" dirty="0">
@@ -11393,7 +11489,7 @@
               <a:buNone/>
             </a:pPr>
             <a:r>
-              <a:rPr lang="de-DE" altLang="de-DE" sz="1600" b="1" dirty="0" err="1">
+              <a:rPr lang="de-DE" altLang="de-DE" sz="1400" b="1" dirty="0" err="1">
                 <a:solidFill>
                   <a:srgbClr val="000080"/>
                 </a:solidFill>
@@ -11403,7 +11499,7 @@
               <a:t>public</a:t>
             </a:r>
             <a:r>
-              <a:rPr lang="de-DE" altLang="de-DE" sz="1600" b="1" dirty="0">
+              <a:rPr lang="de-DE" altLang="de-DE" sz="1400" b="1" dirty="0">
                 <a:solidFill>
                   <a:srgbClr val="000080"/>
                 </a:solidFill>
@@ -11413,7 +11509,7 @@
               <a:t> </a:t>
             </a:r>
             <a:r>
-              <a:rPr lang="de-DE" altLang="de-DE" sz="1600" dirty="0" err="1">
+              <a:rPr lang="de-DE" altLang="de-DE" sz="1400" dirty="0" err="1">
                 <a:solidFill>
                   <a:srgbClr val="000000"/>
                 </a:solidFill>
@@ -11423,7 +11519,7 @@
               <a:t>ModalPage</a:t>
             </a:r>
             <a:r>
-              <a:rPr lang="de-DE" altLang="de-DE" sz="1600" dirty="0">
+              <a:rPr lang="de-DE" altLang="de-DE" sz="1400" dirty="0">
                 <a:solidFill>
                   <a:srgbClr val="000000"/>
                 </a:solidFill>
@@ -11433,7 +11529,7 @@
               <a:t>(</a:t>
             </a:r>
             <a:r>
-              <a:rPr lang="de-DE" altLang="de-DE" sz="1600" b="1" dirty="0">
+              <a:rPr lang="de-DE" altLang="de-DE" sz="1400" b="1" dirty="0">
                 <a:solidFill>
                   <a:srgbClr val="000080"/>
                 </a:solidFill>
@@ -11443,7 +11539,7 @@
               <a:t>final </a:t>
             </a:r>
             <a:r>
-              <a:rPr lang="de-DE" altLang="de-DE" sz="1600" dirty="0" err="1">
+              <a:rPr lang="de-DE" altLang="de-DE" sz="1400" dirty="0" err="1">
                 <a:solidFill>
                   <a:srgbClr val="000000"/>
                 </a:solidFill>
@@ -11453,7 +11549,7 @@
               <a:t>PageParameters</a:t>
             </a:r>
             <a:r>
-              <a:rPr lang="de-DE" altLang="de-DE" sz="1600" dirty="0">
+              <a:rPr lang="de-DE" altLang="de-DE" sz="1400" dirty="0">
                 <a:solidFill>
                   <a:srgbClr val="000000"/>
                 </a:solidFill>
@@ -11463,7 +11559,7 @@
               <a:t> </a:t>
             </a:r>
             <a:r>
-              <a:rPr lang="de-DE" altLang="de-DE" sz="1600" dirty="0" err="1">
+              <a:rPr lang="de-DE" altLang="de-DE" sz="1400" dirty="0" err="1">
                 <a:solidFill>
                   <a:srgbClr val="000000"/>
                 </a:solidFill>
@@ -11473,7 +11569,7 @@
               <a:t>parameters</a:t>
             </a:r>
             <a:r>
-              <a:rPr lang="de-DE" altLang="de-DE" sz="1600" dirty="0">
+              <a:rPr lang="de-DE" altLang="de-DE" sz="1400" dirty="0">
                 <a:solidFill>
                   <a:srgbClr val="000000"/>
                 </a:solidFill>
@@ -11483,7 +11579,7 @@
               <a:t>) {</a:t>
             </a:r>
             <a:br>
-              <a:rPr lang="de-DE" altLang="de-DE" sz="1600" dirty="0">
+              <a:rPr lang="de-DE" altLang="de-DE" sz="1400" dirty="0">
                 <a:solidFill>
                   <a:srgbClr val="000000"/>
                 </a:solidFill>
@@ -11492,7 +11588,7 @@
               </a:rPr>
             </a:br>
             <a:r>
-              <a:rPr lang="de-DE" altLang="de-DE" sz="1600" dirty="0">
+              <a:rPr lang="de-DE" altLang="de-DE" sz="1400" dirty="0">
                 <a:solidFill>
                   <a:srgbClr val="000000"/>
                 </a:solidFill>
@@ -11502,7 +11598,7 @@
               <a:t>    </a:t>
             </a:r>
             <a:r>
-              <a:rPr lang="de-DE" altLang="de-DE" sz="1600" b="1" dirty="0">
+              <a:rPr lang="de-DE" altLang="de-DE" sz="1400" b="1" dirty="0">
                 <a:solidFill>
                   <a:srgbClr val="000080"/>
                 </a:solidFill>
@@ -11512,7 +11608,7 @@
               <a:t>super</a:t>
             </a:r>
             <a:r>
-              <a:rPr lang="de-DE" altLang="de-DE" sz="1600" dirty="0">
+              <a:rPr lang="de-DE" altLang="de-DE" sz="1400" dirty="0">
                 <a:solidFill>
                   <a:srgbClr val="000000"/>
                 </a:solidFill>
@@ -11522,7 +11618,7 @@
               <a:t>(</a:t>
             </a:r>
             <a:r>
-              <a:rPr lang="de-DE" altLang="de-DE" sz="1600" dirty="0" err="1">
+              <a:rPr lang="de-DE" altLang="de-DE" sz="1400" dirty="0" err="1">
                 <a:solidFill>
                   <a:srgbClr val="000000"/>
                 </a:solidFill>
@@ -11532,7 +11628,7 @@
               <a:t>parameters</a:t>
             </a:r>
             <a:r>
-              <a:rPr lang="de-DE" altLang="de-DE" sz="1600" dirty="0">
+              <a:rPr lang="de-DE" altLang="de-DE" sz="1400" dirty="0">
                 <a:solidFill>
                   <a:srgbClr val="000000"/>
                 </a:solidFill>
@@ -11542,7 +11638,7 @@
               <a:t>);</a:t>
             </a:r>
             <a:br>
-              <a:rPr lang="de-DE" altLang="de-DE" sz="1600" dirty="0">
+              <a:rPr lang="de-DE" altLang="de-DE" sz="1400" dirty="0">
                 <a:solidFill>
                   <a:srgbClr val="000000"/>
                 </a:solidFill>
@@ -11551,7 +11647,7 @@
               </a:rPr>
             </a:br>
             <a:r>
-              <a:rPr lang="de-DE" altLang="de-DE" sz="1600" dirty="0">
+              <a:rPr lang="de-DE" altLang="de-DE" sz="1400" dirty="0">
                 <a:solidFill>
                   <a:srgbClr val="000000"/>
                 </a:solidFill>
@@ -11561,17 +11657,67 @@
               <a:t>    </a:t>
             </a:r>
             <a:r>
-              <a:rPr lang="de-DE" altLang="de-DE" sz="1600" b="1" dirty="0">
+              <a:rPr lang="de-DE" altLang="de-DE" sz="1400" dirty="0" err="1">
+                <a:solidFill>
+                  <a:srgbClr val="000000"/>
+                </a:solidFill>
+                <a:latin typeface="Consolas" panose="020B0609020204030204" pitchFamily="49" charset="0"/>
+                <a:cs typeface="Consolas" panose="020B0609020204030204" pitchFamily="49" charset="0"/>
+              </a:rPr>
+              <a:t>ModalWindow</a:t>
+            </a:r>
+            <a:r>
+              <a:rPr lang="de-DE" altLang="de-DE" sz="1400" dirty="0">
+                <a:solidFill>
+                  <a:srgbClr val="000000"/>
+                </a:solidFill>
+                <a:latin typeface="Consolas" panose="020B0609020204030204" pitchFamily="49" charset="0"/>
+                <a:cs typeface="Consolas" panose="020B0609020204030204" pitchFamily="49" charset="0"/>
+              </a:rPr>
+              <a:t> </a:t>
+            </a:r>
+            <a:r>
+              <a:rPr lang="de-DE" altLang="de-DE" sz="1400" dirty="0" err="1">
+                <a:solidFill>
+                  <a:srgbClr val="000000"/>
+                </a:solidFill>
+                <a:latin typeface="Consolas" panose="020B0609020204030204" pitchFamily="49" charset="0"/>
+                <a:cs typeface="Consolas" panose="020B0609020204030204" pitchFamily="49" charset="0"/>
+              </a:rPr>
+              <a:t>modalWindow</a:t>
+            </a:r>
+            <a:r>
+              <a:rPr lang="de-DE" altLang="de-DE" sz="1400" dirty="0">
+                <a:solidFill>
+                  <a:srgbClr val="000000"/>
+                </a:solidFill>
+                <a:latin typeface="Consolas" panose="020B0609020204030204" pitchFamily="49" charset="0"/>
+                <a:cs typeface="Consolas" panose="020B0609020204030204" pitchFamily="49" charset="0"/>
+              </a:rPr>
+              <a:t> = </a:t>
+            </a:r>
+            <a:r>
+              <a:rPr lang="de-DE" altLang="de-DE" sz="1400" b="1" dirty="0" err="1">
                 <a:solidFill>
                   <a:srgbClr val="000080"/>
                 </a:solidFill>
                 <a:latin typeface="Consolas" panose="020B0609020204030204" pitchFamily="49" charset="0"/>
                 <a:cs typeface="Consolas" panose="020B0609020204030204" pitchFamily="49" charset="0"/>
               </a:rPr>
-              <a:t>final </a:t>
-            </a:r>
-            <a:r>
-              <a:rPr lang="de-DE" altLang="de-DE" sz="1600" dirty="0" err="1">
+              <a:t>new</a:t>
+            </a:r>
+            <a:r>
+              <a:rPr lang="de-DE" altLang="de-DE" sz="1400" b="1" dirty="0">
+                <a:solidFill>
+                  <a:srgbClr val="000080"/>
+                </a:solidFill>
+                <a:latin typeface="Consolas" panose="020B0609020204030204" pitchFamily="49" charset="0"/>
+                <a:cs typeface="Consolas" panose="020B0609020204030204" pitchFamily="49" charset="0"/>
+              </a:rPr>
+              <a:t> </a:t>
+            </a:r>
+            <a:r>
+              <a:rPr lang="de-DE" altLang="de-DE" sz="1400" dirty="0" err="1">
                 <a:solidFill>
                   <a:srgbClr val="000000"/>
                 </a:solidFill>
@@ -11581,9 +11727,108 @@
               <a:t>ModalWindow</a:t>
             </a:r>
             <a:r>
-              <a:rPr lang="de-DE" altLang="de-DE" sz="1600" dirty="0">
-                <a:solidFill>
-                  <a:srgbClr val="000000"/>
+              <a:rPr lang="de-DE" altLang="de-DE" sz="1400" dirty="0">
+                <a:solidFill>
+                  <a:srgbClr val="000000"/>
+                </a:solidFill>
+                <a:latin typeface="Consolas" panose="020B0609020204030204" pitchFamily="49" charset="0"/>
+                <a:cs typeface="Consolas" panose="020B0609020204030204" pitchFamily="49" charset="0"/>
+              </a:rPr>
+              <a:t>(</a:t>
+            </a:r>
+            <a:r>
+              <a:rPr lang="de-DE" altLang="de-DE" sz="1400" b="1" dirty="0">
+                <a:solidFill>
+                  <a:srgbClr val="008000"/>
+                </a:solidFill>
+                <a:latin typeface="Consolas" panose="020B0609020204030204" pitchFamily="49" charset="0"/>
+                <a:cs typeface="Consolas" panose="020B0609020204030204" pitchFamily="49" charset="0"/>
+              </a:rPr>
+              <a:t>"</a:t>
+            </a:r>
+            <a:r>
+              <a:rPr lang="de-DE" altLang="de-DE" sz="1400" b="1" dirty="0" err="1">
+                <a:solidFill>
+                  <a:srgbClr val="008000"/>
+                </a:solidFill>
+                <a:latin typeface="Consolas" panose="020B0609020204030204" pitchFamily="49" charset="0"/>
+                <a:cs typeface="Consolas" panose="020B0609020204030204" pitchFamily="49" charset="0"/>
+              </a:rPr>
+              <a:t>modalWindow</a:t>
+            </a:r>
+            <a:r>
+              <a:rPr lang="de-DE" altLang="de-DE" sz="1400" b="1" dirty="0">
+                <a:solidFill>
+                  <a:srgbClr val="008000"/>
+                </a:solidFill>
+                <a:latin typeface="Consolas" panose="020B0609020204030204" pitchFamily="49" charset="0"/>
+                <a:cs typeface="Consolas" panose="020B0609020204030204" pitchFamily="49" charset="0"/>
+              </a:rPr>
+              <a:t>"</a:t>
+            </a:r>
+            <a:r>
+              <a:rPr lang="de-DE" altLang="de-DE" sz="1400" dirty="0">
+                <a:solidFill>
+                  <a:srgbClr val="000000"/>
+                </a:solidFill>
+                <a:latin typeface="Consolas" panose="020B0609020204030204" pitchFamily="49" charset="0"/>
+                <a:cs typeface="Consolas" panose="020B0609020204030204" pitchFamily="49" charset="0"/>
+              </a:rPr>
+              <a:t>);</a:t>
+            </a:r>
+            <a:br>
+              <a:rPr lang="de-DE" altLang="de-DE" sz="1400" dirty="0">
+                <a:solidFill>
+                  <a:srgbClr val="000000"/>
+                </a:solidFill>
+                <a:latin typeface="Consolas" panose="020B0609020204030204" pitchFamily="49" charset="0"/>
+                <a:cs typeface="Consolas" panose="020B0609020204030204" pitchFamily="49" charset="0"/>
+              </a:rPr>
+            </a:br>
+            <a:r>
+              <a:rPr lang="de-DE" altLang="de-DE" sz="1400" dirty="0">
+                <a:solidFill>
+                  <a:srgbClr val="000000"/>
+                </a:solidFill>
+                <a:latin typeface="Consolas" panose="020B0609020204030204" pitchFamily="49" charset="0"/>
+                <a:cs typeface="Consolas" panose="020B0609020204030204" pitchFamily="49" charset="0"/>
+              </a:rPr>
+              <a:t>    Label </a:t>
+            </a:r>
+            <a:r>
+              <a:rPr lang="de-DE" altLang="de-DE" sz="1400" dirty="0" err="1">
+                <a:solidFill>
+                  <a:srgbClr val="000000"/>
+                </a:solidFill>
+                <a:latin typeface="Consolas" panose="020B0609020204030204" pitchFamily="49" charset="0"/>
+                <a:cs typeface="Consolas" panose="020B0609020204030204" pitchFamily="49" charset="0"/>
+              </a:rPr>
+              <a:t>label</a:t>
+            </a:r>
+            <a:r>
+              <a:rPr lang="de-DE" altLang="de-DE" sz="1400" dirty="0">
+                <a:solidFill>
+                  <a:srgbClr val="000000"/>
+                </a:solidFill>
+                <a:latin typeface="Consolas" panose="020B0609020204030204" pitchFamily="49" charset="0"/>
+                <a:cs typeface="Consolas" panose="020B0609020204030204" pitchFamily="49" charset="0"/>
+              </a:rPr>
+              <a:t> = </a:t>
+            </a:r>
+            <a:r>
+              <a:rPr lang="de-DE" altLang="de-DE" sz="1400" b="1" dirty="0" err="1">
+                <a:solidFill>
+                  <a:srgbClr val="000080"/>
+                </a:solidFill>
+                <a:latin typeface="Consolas" panose="020B0609020204030204" pitchFamily="49" charset="0"/>
+                <a:cs typeface="Consolas" panose="020B0609020204030204" pitchFamily="49" charset="0"/>
+              </a:rPr>
+              <a:t>new</a:t>
+            </a:r>
+            <a:r>
+              <a:rPr lang="de-DE" altLang="de-DE" sz="1400" b="1" dirty="0">
+                <a:solidFill>
+                  <a:srgbClr val="000080"/>
                 </a:solidFill>
                 <a:latin typeface="Consolas" panose="020B0609020204030204" pitchFamily="49" charset="0"/>
                 <a:cs typeface="Consolas" panose="020B0609020204030204" pitchFamily="49" charset="0"/>
@@ -11591,97 +11836,47 @@
               <a:t> </a:t>
             </a:r>
             <a:r>
-              <a:rPr lang="de-DE" altLang="de-DE" sz="1600" dirty="0" err="1">
-                <a:solidFill>
-                  <a:srgbClr val="000000"/>
-                </a:solidFill>
-                <a:latin typeface="Consolas" panose="020B0609020204030204" pitchFamily="49" charset="0"/>
-                <a:cs typeface="Consolas" panose="020B0609020204030204" pitchFamily="49" charset="0"/>
-              </a:rPr>
-              <a:t>modalWindow</a:t>
-            </a:r>
-            <a:r>
-              <a:rPr lang="de-DE" altLang="de-DE" sz="1600" dirty="0">
-                <a:solidFill>
-                  <a:srgbClr val="000000"/>
-                </a:solidFill>
-                <a:latin typeface="Consolas" panose="020B0609020204030204" pitchFamily="49" charset="0"/>
-                <a:cs typeface="Consolas" panose="020B0609020204030204" pitchFamily="49" charset="0"/>
-              </a:rPr>
-              <a:t> = </a:t>
-            </a:r>
-            <a:r>
-              <a:rPr lang="de-DE" altLang="de-DE" sz="1600" b="1" dirty="0" err="1">
-                <a:solidFill>
-                  <a:srgbClr val="000080"/>
-                </a:solidFill>
-                <a:latin typeface="Consolas" panose="020B0609020204030204" pitchFamily="49" charset="0"/>
-                <a:cs typeface="Consolas" panose="020B0609020204030204" pitchFamily="49" charset="0"/>
-              </a:rPr>
-              <a:t>new</a:t>
-            </a:r>
-            <a:r>
-              <a:rPr lang="de-DE" altLang="de-DE" sz="1600" b="1" dirty="0">
-                <a:solidFill>
-                  <a:srgbClr val="000080"/>
-                </a:solidFill>
-                <a:latin typeface="Consolas" panose="020B0609020204030204" pitchFamily="49" charset="0"/>
-                <a:cs typeface="Consolas" panose="020B0609020204030204" pitchFamily="49" charset="0"/>
-              </a:rPr>
-              <a:t> </a:t>
-            </a:r>
-            <a:r>
-              <a:rPr lang="de-DE" altLang="de-DE" sz="1600" dirty="0" err="1">
-                <a:solidFill>
-                  <a:srgbClr val="000000"/>
-                </a:solidFill>
-                <a:latin typeface="Consolas" panose="020B0609020204030204" pitchFamily="49" charset="0"/>
-                <a:cs typeface="Consolas" panose="020B0609020204030204" pitchFamily="49" charset="0"/>
-              </a:rPr>
-              <a:t>ModalWindow</a:t>
-            </a:r>
-            <a:r>
-              <a:rPr lang="de-DE" altLang="de-DE" sz="1600" dirty="0">
-                <a:solidFill>
-                  <a:srgbClr val="000000"/>
-                </a:solidFill>
-                <a:latin typeface="Consolas" panose="020B0609020204030204" pitchFamily="49" charset="0"/>
-                <a:cs typeface="Consolas" panose="020B0609020204030204" pitchFamily="49" charset="0"/>
-              </a:rPr>
-              <a:t>(</a:t>
-            </a:r>
-            <a:r>
-              <a:rPr lang="de-DE" altLang="de-DE" sz="1600" b="1" dirty="0">
+              <a:rPr lang="de-DE" altLang="de-DE" sz="1400" dirty="0">
+                <a:solidFill>
+                  <a:srgbClr val="000000"/>
+                </a:solidFill>
+                <a:latin typeface="Consolas" panose="020B0609020204030204" pitchFamily="49" charset="0"/>
+                <a:cs typeface="Consolas" panose="020B0609020204030204" pitchFamily="49" charset="0"/>
+              </a:rPr>
+              <a:t>Label(</a:t>
+            </a:r>
+            <a:r>
+              <a:rPr lang="de-DE" altLang="de-DE" sz="1400" dirty="0" err="1">
+                <a:solidFill>
+                  <a:srgbClr val="000000"/>
+                </a:solidFill>
+                <a:latin typeface="Consolas" panose="020B0609020204030204" pitchFamily="49" charset="0"/>
+                <a:cs typeface="Consolas" panose="020B0609020204030204" pitchFamily="49" charset="0"/>
+              </a:rPr>
+              <a:t>modalWindow.getContentId</a:t>
+            </a:r>
+            <a:r>
+              <a:rPr lang="de-DE" altLang="de-DE" sz="1400" dirty="0">
+                <a:solidFill>
+                  <a:srgbClr val="000000"/>
+                </a:solidFill>
+                <a:latin typeface="Consolas" panose="020B0609020204030204" pitchFamily="49" charset="0"/>
+                <a:cs typeface="Consolas" panose="020B0609020204030204" pitchFamily="49" charset="0"/>
+              </a:rPr>
+              <a:t>(), </a:t>
+            </a:r>
+            <a:r>
+              <a:rPr lang="de-DE" altLang="de-DE" sz="1400" b="1" dirty="0">
                 <a:solidFill>
                   <a:srgbClr val="008000"/>
                 </a:solidFill>
                 <a:latin typeface="Consolas" panose="020B0609020204030204" pitchFamily="49" charset="0"/>
                 <a:cs typeface="Consolas" panose="020B0609020204030204" pitchFamily="49" charset="0"/>
               </a:rPr>
-              <a:t>"</a:t>
-            </a:r>
-            <a:r>
-              <a:rPr lang="de-DE" altLang="de-DE" sz="1600" b="1" dirty="0" err="1">
-                <a:solidFill>
-                  <a:srgbClr val="008000"/>
-                </a:solidFill>
-                <a:latin typeface="Consolas" panose="020B0609020204030204" pitchFamily="49" charset="0"/>
-                <a:cs typeface="Consolas" panose="020B0609020204030204" pitchFamily="49" charset="0"/>
-              </a:rPr>
-              <a:t>modalWindow</a:t>
-            </a:r>
-            <a:r>
-              <a:rPr lang="de-DE" altLang="de-DE" sz="1600" b="1" dirty="0">
-                <a:solidFill>
-                  <a:srgbClr val="008000"/>
-                </a:solidFill>
-                <a:latin typeface="Consolas" panose="020B0609020204030204" pitchFamily="49" charset="0"/>
-                <a:cs typeface="Consolas" panose="020B0609020204030204" pitchFamily="49" charset="0"/>
-              </a:rPr>
-              <a:t>"</a:t>
-            </a:r>
-            <a:r>
-              <a:rPr lang="de-DE" altLang="de-DE" sz="1600" dirty="0">
+              <a:t>"Hey!"</a:t>
+            </a:r>
+            <a:r>
+              <a:rPr lang="de-DE" altLang="de-DE" sz="1400" dirty="0">
                 <a:solidFill>
                   <a:srgbClr val="000000"/>
                 </a:solidFill>
@@ -11691,116 +11886,7 @@
               <a:t>);</a:t>
             </a:r>
             <a:br>
-              <a:rPr lang="de-DE" altLang="de-DE" sz="1600" dirty="0">
-                <a:solidFill>
-                  <a:srgbClr val="000000"/>
-                </a:solidFill>
-                <a:latin typeface="Consolas" panose="020B0609020204030204" pitchFamily="49" charset="0"/>
-                <a:cs typeface="Consolas" panose="020B0609020204030204" pitchFamily="49" charset="0"/>
-              </a:rPr>
-            </a:br>
-            <a:r>
-              <a:rPr lang="de-DE" altLang="de-DE" sz="1600" dirty="0">
-                <a:solidFill>
-                  <a:srgbClr val="000000"/>
-                </a:solidFill>
-                <a:latin typeface="Consolas" panose="020B0609020204030204" pitchFamily="49" charset="0"/>
-                <a:cs typeface="Consolas" panose="020B0609020204030204" pitchFamily="49" charset="0"/>
-              </a:rPr>
-              <a:t>    Label </a:t>
-            </a:r>
-            <a:r>
-              <a:rPr lang="de-DE" altLang="de-DE" sz="1600" dirty="0" err="1">
-                <a:solidFill>
-                  <a:srgbClr val="000000"/>
-                </a:solidFill>
-                <a:latin typeface="Consolas" panose="020B0609020204030204" pitchFamily="49" charset="0"/>
-                <a:cs typeface="Consolas" panose="020B0609020204030204" pitchFamily="49" charset="0"/>
-              </a:rPr>
-              <a:t>label</a:t>
-            </a:r>
-            <a:r>
-              <a:rPr lang="de-DE" altLang="de-DE" sz="1600" dirty="0">
-                <a:solidFill>
-                  <a:srgbClr val="000000"/>
-                </a:solidFill>
-                <a:latin typeface="Consolas" panose="020B0609020204030204" pitchFamily="49" charset="0"/>
-                <a:cs typeface="Consolas" panose="020B0609020204030204" pitchFamily="49" charset="0"/>
-              </a:rPr>
-              <a:t> = </a:t>
-            </a:r>
-            <a:r>
-              <a:rPr lang="de-DE" altLang="de-DE" sz="1600" b="1" dirty="0" err="1">
-                <a:solidFill>
-                  <a:srgbClr val="000080"/>
-                </a:solidFill>
-                <a:latin typeface="Consolas" panose="020B0609020204030204" pitchFamily="49" charset="0"/>
-                <a:cs typeface="Consolas" panose="020B0609020204030204" pitchFamily="49" charset="0"/>
-              </a:rPr>
-              <a:t>new</a:t>
-            </a:r>
-            <a:r>
-              <a:rPr lang="de-DE" altLang="de-DE" sz="1600" b="1" dirty="0">
-                <a:solidFill>
-                  <a:srgbClr val="000080"/>
-                </a:solidFill>
-                <a:latin typeface="Consolas" panose="020B0609020204030204" pitchFamily="49" charset="0"/>
-                <a:cs typeface="Consolas" panose="020B0609020204030204" pitchFamily="49" charset="0"/>
-              </a:rPr>
-              <a:t> </a:t>
-            </a:r>
-            <a:r>
-              <a:rPr lang="de-DE" altLang="de-DE" sz="1600" dirty="0">
-                <a:solidFill>
-                  <a:srgbClr val="000000"/>
-                </a:solidFill>
-                <a:latin typeface="Consolas" panose="020B0609020204030204" pitchFamily="49" charset="0"/>
-                <a:cs typeface="Consolas" panose="020B0609020204030204" pitchFamily="49" charset="0"/>
-              </a:rPr>
-              <a:t>Label(</a:t>
-            </a:r>
-            <a:r>
-              <a:rPr lang="de-DE" altLang="de-DE" sz="1600" dirty="0" err="1">
-                <a:solidFill>
-                  <a:srgbClr val="000000"/>
-                </a:solidFill>
-                <a:latin typeface="Consolas" panose="020B0609020204030204" pitchFamily="49" charset="0"/>
-                <a:cs typeface="Consolas" panose="020B0609020204030204" pitchFamily="49" charset="0"/>
-              </a:rPr>
-              <a:t>modalWindow.getContentId</a:t>
-            </a:r>
-            <a:r>
-              <a:rPr lang="de-DE" altLang="de-DE" sz="1600" dirty="0">
-                <a:solidFill>
-                  <a:srgbClr val="000000"/>
-                </a:solidFill>
-                <a:latin typeface="Consolas" panose="020B0609020204030204" pitchFamily="49" charset="0"/>
-                <a:cs typeface="Consolas" panose="020B0609020204030204" pitchFamily="49" charset="0"/>
-              </a:rPr>
-              <a:t>(), </a:t>
-            </a:r>
-            <a:r>
-              <a:rPr lang="de-DE" altLang="de-DE" sz="1600" b="1" dirty="0">
-                <a:solidFill>
-                  <a:srgbClr val="008000"/>
-                </a:solidFill>
-                <a:latin typeface="Consolas" panose="020B0609020204030204" pitchFamily="49" charset="0"/>
-                <a:cs typeface="Consolas" panose="020B0609020204030204" pitchFamily="49" charset="0"/>
-              </a:rPr>
-              <a:t>"Hey!"</a:t>
-            </a:r>
-            <a:r>
-              <a:rPr lang="de-DE" altLang="de-DE" sz="1600" dirty="0">
-                <a:solidFill>
-                  <a:srgbClr val="000000"/>
-                </a:solidFill>
-                <a:latin typeface="Consolas" panose="020B0609020204030204" pitchFamily="49" charset="0"/>
-                <a:cs typeface="Consolas" panose="020B0609020204030204" pitchFamily="49" charset="0"/>
-              </a:rPr>
-              <a:t>);</a:t>
-            </a:r>
-            <a:br>
-              <a:rPr lang="de-DE" altLang="de-DE" sz="1600" dirty="0">
+              <a:rPr lang="de-DE" altLang="de-DE" sz="1400" dirty="0">
                 <a:solidFill>
                   <a:srgbClr val="000000"/>
                 </a:solidFill>
@@ -11809,7 +11895,7 @@
               </a:rPr>
             </a:br>
             <a:br>
-              <a:rPr lang="de-DE" altLang="de-DE" sz="1600" dirty="0">
+              <a:rPr lang="de-DE" altLang="de-DE" sz="1400" dirty="0">
                 <a:solidFill>
                   <a:srgbClr val="000000"/>
                 </a:solidFill>
@@ -11818,7 +11904,7 @@
               </a:rPr>
             </a:br>
             <a:r>
-              <a:rPr lang="de-DE" altLang="de-DE" sz="1600" dirty="0">
+              <a:rPr lang="de-DE" altLang="de-DE" sz="1400" dirty="0">
                 <a:solidFill>
                   <a:srgbClr val="000000"/>
                 </a:solidFill>
@@ -11828,7 +11914,7 @@
               <a:t>    </a:t>
             </a:r>
             <a:r>
-              <a:rPr lang="de-DE" altLang="de-DE" sz="1600" dirty="0" err="1">
+              <a:rPr lang="de-DE" altLang="de-DE" sz="1400" dirty="0" err="1">
                 <a:solidFill>
                   <a:srgbClr val="000000"/>
                 </a:solidFill>
@@ -11838,7 +11924,7 @@
               <a:t>modalWindow.setContent</a:t>
             </a:r>
             <a:r>
-              <a:rPr lang="de-DE" altLang="de-DE" sz="1600" dirty="0">
+              <a:rPr lang="de-DE" altLang="de-DE" sz="1400" dirty="0">
                 <a:solidFill>
                   <a:srgbClr val="000000"/>
                 </a:solidFill>
@@ -11848,7 +11934,7 @@
               <a:t>(</a:t>
             </a:r>
             <a:r>
-              <a:rPr lang="de-DE" altLang="de-DE" sz="1600" dirty="0" err="1">
+              <a:rPr lang="de-DE" altLang="de-DE" sz="1400" dirty="0" err="1">
                 <a:solidFill>
                   <a:srgbClr val="000000"/>
                 </a:solidFill>
@@ -11858,7 +11944,7 @@
               <a:t>label</a:t>
             </a:r>
             <a:r>
-              <a:rPr lang="de-DE" altLang="de-DE" sz="1600" dirty="0">
+              <a:rPr lang="de-DE" altLang="de-DE" sz="1400" dirty="0">
                 <a:solidFill>
                   <a:srgbClr val="000000"/>
                 </a:solidFill>
@@ -11868,7 +11954,7 @@
               <a:t>);</a:t>
             </a:r>
             <a:br>
-              <a:rPr lang="de-DE" altLang="de-DE" sz="1600" dirty="0">
+              <a:rPr lang="de-DE" altLang="de-DE" sz="1400" dirty="0">
                 <a:solidFill>
                   <a:srgbClr val="000000"/>
                 </a:solidFill>
@@ -11877,7 +11963,7 @@
               </a:rPr>
             </a:br>
             <a:r>
-              <a:rPr lang="de-DE" altLang="de-DE" sz="1600" dirty="0">
+              <a:rPr lang="de-DE" altLang="de-DE" sz="1400" dirty="0">
                 <a:solidFill>
                   <a:srgbClr val="000000"/>
                 </a:solidFill>
@@ -11887,7 +11973,7 @@
               <a:t>    </a:t>
             </a:r>
             <a:r>
-              <a:rPr lang="de-DE" altLang="de-DE" sz="1600" dirty="0" err="1">
+              <a:rPr lang="de-DE" altLang="de-DE" sz="1400" dirty="0" err="1">
                 <a:solidFill>
                   <a:srgbClr val="000000"/>
                 </a:solidFill>
@@ -11897,7 +11983,7 @@
               <a:t>modalWindow.setTitle</a:t>
             </a:r>
             <a:r>
-              <a:rPr lang="de-DE" altLang="de-DE" sz="1600" dirty="0">
+              <a:rPr lang="de-DE" altLang="de-DE" sz="1400" dirty="0">
                 <a:solidFill>
                   <a:srgbClr val="000000"/>
                 </a:solidFill>
@@ -11907,7 +11993,7 @@
               <a:t>(</a:t>
             </a:r>
             <a:r>
-              <a:rPr lang="de-DE" altLang="de-DE" sz="1600" b="1" dirty="0">
+              <a:rPr lang="de-DE" altLang="de-DE" sz="1400" b="1" dirty="0">
                 <a:solidFill>
                   <a:srgbClr val="008000"/>
                 </a:solidFill>
@@ -11917,7 +12003,7 @@
               <a:t>"Modal </a:t>
             </a:r>
             <a:r>
-              <a:rPr lang="de-DE" altLang="de-DE" sz="1600" b="1" dirty="0" err="1">
+              <a:rPr lang="de-DE" altLang="de-DE" sz="1400" b="1" dirty="0" err="1">
                 <a:solidFill>
                   <a:srgbClr val="008000"/>
                 </a:solidFill>
@@ -11927,7 +12013,7 @@
               <a:t>Window</a:t>
             </a:r>
             <a:r>
-              <a:rPr lang="de-DE" altLang="de-DE" sz="1600" b="1" dirty="0">
+              <a:rPr lang="de-DE" altLang="de-DE" sz="1400" b="1" dirty="0">
                 <a:solidFill>
                   <a:srgbClr val="008000"/>
                 </a:solidFill>
@@ -11937,7 +12023,7 @@
               <a:t>"</a:t>
             </a:r>
             <a:r>
-              <a:rPr lang="de-DE" altLang="de-DE" sz="1600" dirty="0">
+              <a:rPr lang="de-DE" altLang="de-DE" sz="1400" dirty="0">
                 <a:solidFill>
                   <a:srgbClr val="000000"/>
                 </a:solidFill>
@@ -11947,7 +12033,7 @@
               <a:t>);</a:t>
             </a:r>
             <a:br>
-              <a:rPr lang="de-DE" altLang="de-DE" sz="1600" dirty="0">
+              <a:rPr lang="de-DE" altLang="de-DE" sz="1400" dirty="0">
                 <a:solidFill>
                   <a:srgbClr val="000000"/>
                 </a:solidFill>
@@ -11956,7 +12042,7 @@
               </a:rPr>
             </a:br>
             <a:br>
-              <a:rPr lang="de-DE" altLang="de-DE" sz="1600" dirty="0">
+              <a:rPr lang="de-DE" altLang="de-DE" sz="1400" dirty="0">
                 <a:solidFill>
                   <a:srgbClr val="000000"/>
                 </a:solidFill>
@@ -11965,7 +12051,7 @@
               </a:rPr>
             </a:br>
             <a:r>
-              <a:rPr lang="de-DE" altLang="de-DE" sz="1600" dirty="0">
+              <a:rPr lang="de-DE" altLang="de-DE" sz="1400" dirty="0">
                 <a:solidFill>
                   <a:srgbClr val="000000"/>
                 </a:solidFill>
@@ -11975,7 +12061,7 @@
               <a:t>    </a:t>
             </a:r>
             <a:r>
-              <a:rPr lang="de-DE" altLang="de-DE" sz="1600" dirty="0" err="1">
+              <a:rPr lang="de-DE" altLang="de-DE" sz="1400" dirty="0" err="1">
                 <a:solidFill>
                   <a:srgbClr val="000000"/>
                 </a:solidFill>
@@ -11985,7 +12071,7 @@
               <a:t>add</a:t>
             </a:r>
             <a:r>
-              <a:rPr lang="de-DE" altLang="de-DE" sz="1600" dirty="0">
+              <a:rPr lang="de-DE" altLang="de-DE" sz="1400" dirty="0">
                 <a:solidFill>
                   <a:srgbClr val="000000"/>
                 </a:solidFill>
@@ -11995,7 +12081,7 @@
               <a:t>(</a:t>
             </a:r>
             <a:r>
-              <a:rPr lang="de-DE" altLang="de-DE" sz="1600" dirty="0" err="1">
+              <a:rPr lang="de-DE" altLang="de-DE" sz="1400" dirty="0" err="1">
                 <a:solidFill>
                   <a:srgbClr val="000000"/>
                 </a:solidFill>
@@ -12005,7 +12091,7 @@
               <a:t>modalWindow</a:t>
             </a:r>
             <a:r>
-              <a:rPr lang="de-DE" altLang="de-DE" sz="1600" dirty="0">
+              <a:rPr lang="de-DE" altLang="de-DE" sz="1400" dirty="0">
                 <a:solidFill>
                   <a:srgbClr val="000000"/>
                 </a:solidFill>
@@ -12015,7 +12101,7 @@
               <a:t>);</a:t>
             </a:r>
             <a:br>
-              <a:rPr lang="de-DE" altLang="de-DE" sz="1600" dirty="0">
+              <a:rPr lang="de-DE" altLang="de-DE" sz="1400" dirty="0">
                 <a:solidFill>
                   <a:srgbClr val="000000"/>
                 </a:solidFill>
@@ -12024,7 +12110,7 @@
               </a:rPr>
             </a:br>
             <a:r>
-              <a:rPr lang="de-DE" altLang="de-DE" sz="1600" dirty="0">
+              <a:rPr lang="de-DE" altLang="de-DE" sz="1400" dirty="0">
                 <a:solidFill>
                   <a:srgbClr val="000000"/>
                 </a:solidFill>
@@ -12034,7 +12120,7 @@
               <a:t>    </a:t>
             </a:r>
             <a:r>
-              <a:rPr lang="de-DE" altLang="de-DE" sz="1600" dirty="0" err="1">
+              <a:rPr lang="de-DE" altLang="de-DE" sz="1400" dirty="0" err="1">
                 <a:solidFill>
                   <a:srgbClr val="000000"/>
                 </a:solidFill>
@@ -12044,7 +12130,7 @@
               <a:t>add</a:t>
             </a:r>
             <a:r>
-              <a:rPr lang="de-DE" altLang="de-DE" sz="1600" dirty="0">
+              <a:rPr lang="de-DE" altLang="de-DE" sz="1400" dirty="0">
                 <a:solidFill>
                   <a:srgbClr val="000000"/>
                 </a:solidFill>
@@ -12054,7 +12140,7 @@
               <a:t>(</a:t>
             </a:r>
             <a:r>
-              <a:rPr lang="de-DE" altLang="de-DE" sz="1600" b="1" dirty="0" err="1">
+              <a:rPr lang="de-DE" altLang="de-DE" sz="1400" b="1" dirty="0" err="1">
                 <a:solidFill>
                   <a:srgbClr val="000080"/>
                 </a:solidFill>
@@ -12064,7 +12150,7 @@
               <a:t>new</a:t>
             </a:r>
             <a:r>
-              <a:rPr lang="de-DE" altLang="de-DE" sz="1600" b="1" dirty="0">
+              <a:rPr lang="de-DE" altLang="de-DE" sz="1400" b="1" dirty="0">
                 <a:solidFill>
                   <a:srgbClr val="000080"/>
                 </a:solidFill>
@@ -12074,7 +12160,7 @@
               <a:t> </a:t>
             </a:r>
             <a:r>
-              <a:rPr lang="de-DE" altLang="de-DE" sz="1600" dirty="0" err="1">
+              <a:rPr lang="de-DE" altLang="de-DE" sz="1400" dirty="0" err="1">
                 <a:solidFill>
                   <a:srgbClr val="000000"/>
                 </a:solidFill>
@@ -12084,7 +12170,7 @@
               <a:t>AjaxLink</a:t>
             </a:r>
             <a:r>
-              <a:rPr lang="de-DE" altLang="de-DE" sz="1600" dirty="0">
+              <a:rPr lang="de-DE" altLang="de-DE" sz="1400" dirty="0">
                 <a:solidFill>
                   <a:srgbClr val="000000"/>
                 </a:solidFill>
@@ -12094,7 +12180,7 @@
               <a:t>(</a:t>
             </a:r>
             <a:r>
-              <a:rPr lang="de-DE" altLang="de-DE" sz="1600" b="1" dirty="0">
+              <a:rPr lang="de-DE" altLang="de-DE" sz="1400" b="1" dirty="0">
                 <a:solidFill>
                   <a:srgbClr val="008000"/>
                 </a:solidFill>
@@ -12104,7 +12190,7 @@
               <a:t>"</a:t>
             </a:r>
             <a:r>
-              <a:rPr lang="de-DE" altLang="de-DE" sz="1600" b="1" dirty="0" err="1">
+              <a:rPr lang="de-DE" altLang="de-DE" sz="1400" b="1" dirty="0" err="1">
                 <a:solidFill>
                   <a:srgbClr val="008000"/>
                 </a:solidFill>
@@ -12114,7 +12200,7 @@
               <a:t>openWindow</a:t>
             </a:r>
             <a:r>
-              <a:rPr lang="de-DE" altLang="de-DE" sz="1600" b="1" dirty="0">
+              <a:rPr lang="de-DE" altLang="de-DE" sz="1400" b="1" dirty="0">
                 <a:solidFill>
                   <a:srgbClr val="008000"/>
                 </a:solidFill>
@@ -12124,7 +12210,7 @@
               <a:t>"</a:t>
             </a:r>
             <a:r>
-              <a:rPr lang="de-DE" altLang="de-DE" sz="1600" dirty="0">
+              <a:rPr lang="de-DE" altLang="de-DE" sz="1400" dirty="0">
                 <a:solidFill>
                   <a:srgbClr val="000000"/>
                 </a:solidFill>
@@ -12134,7 +12220,7 @@
               <a:t>) {</a:t>
             </a:r>
             <a:br>
-              <a:rPr lang="de-DE" altLang="de-DE" sz="1600" dirty="0">
+              <a:rPr lang="de-DE" altLang="de-DE" sz="1400" dirty="0">
                 <a:solidFill>
                   <a:srgbClr val="000000"/>
                 </a:solidFill>
@@ -12143,7 +12229,7 @@
               </a:rPr>
             </a:br>
             <a:r>
-              <a:rPr lang="de-DE" altLang="de-DE" sz="1600" dirty="0">
+              <a:rPr lang="de-DE" altLang="de-DE" sz="1400" dirty="0">
                 <a:solidFill>
                   <a:srgbClr val="000000"/>
                 </a:solidFill>
@@ -12153,7 +12239,7 @@
               <a:t>        @</a:t>
             </a:r>
             <a:r>
-              <a:rPr lang="de-DE" altLang="de-DE" sz="1600" dirty="0" err="1">
+              <a:rPr lang="de-DE" altLang="de-DE" sz="1400" dirty="0" err="1">
                 <a:solidFill>
                   <a:srgbClr val="000000"/>
                 </a:solidFill>
@@ -12163,7 +12249,7 @@
               <a:t>Override</a:t>
             </a:r>
             <a:br>
-              <a:rPr lang="de-DE" altLang="de-DE" sz="1600" dirty="0">
+              <a:rPr lang="de-DE" altLang="de-DE" sz="1400" dirty="0">
                 <a:solidFill>
                   <a:srgbClr val="000000"/>
                 </a:solidFill>
@@ -12172,7 +12258,7 @@
               </a:rPr>
             </a:br>
             <a:r>
-              <a:rPr lang="de-DE" altLang="de-DE" sz="1600" dirty="0">
+              <a:rPr lang="de-DE" altLang="de-DE" sz="1400" dirty="0">
                 <a:solidFill>
                   <a:srgbClr val="000000"/>
                 </a:solidFill>
@@ -12182,7 +12268,7 @@
               <a:t>        </a:t>
             </a:r>
             <a:r>
-              <a:rPr lang="de-DE" altLang="de-DE" sz="1600" b="1" dirty="0" err="1">
+              <a:rPr lang="de-DE" altLang="de-DE" sz="1400" b="1" dirty="0" err="1">
                 <a:solidFill>
                   <a:srgbClr val="000080"/>
                 </a:solidFill>
@@ -12192,7 +12278,7 @@
               <a:t>public</a:t>
             </a:r>
             <a:r>
-              <a:rPr lang="de-DE" altLang="de-DE" sz="1600" b="1" dirty="0">
+              <a:rPr lang="de-DE" altLang="de-DE" sz="1400" b="1" dirty="0">
                 <a:solidFill>
                   <a:srgbClr val="000080"/>
                 </a:solidFill>
@@ -12202,7 +12288,7 @@
               <a:t> </a:t>
             </a:r>
             <a:r>
-              <a:rPr lang="de-DE" altLang="de-DE" sz="1600" b="1" dirty="0" err="1">
+              <a:rPr lang="de-DE" altLang="de-DE" sz="1400" b="1" dirty="0" err="1">
                 <a:solidFill>
                   <a:srgbClr val="000080"/>
                 </a:solidFill>
@@ -12212,7 +12298,7 @@
               <a:t>void</a:t>
             </a:r>
             <a:r>
-              <a:rPr lang="de-DE" altLang="de-DE" sz="1600" b="1" dirty="0">
+              <a:rPr lang="de-DE" altLang="de-DE" sz="1400" b="1" dirty="0">
                 <a:solidFill>
                   <a:srgbClr val="000080"/>
                 </a:solidFill>
@@ -12222,7 +12308,7 @@
               <a:t> </a:t>
             </a:r>
             <a:r>
-              <a:rPr lang="de-DE" altLang="de-DE" sz="1600" dirty="0" err="1">
+              <a:rPr lang="de-DE" altLang="de-DE" sz="1400" dirty="0" err="1">
                 <a:solidFill>
                   <a:srgbClr val="000000"/>
                 </a:solidFill>
@@ -12232,7 +12318,145 @@
               <a:t>onClick</a:t>
             </a:r>
             <a:r>
-              <a:rPr lang="de-DE" altLang="de-DE" sz="1600" dirty="0">
+              <a:rPr lang="de-DE" altLang="de-DE" sz="1400" dirty="0">
+                <a:solidFill>
+                  <a:srgbClr val="000000"/>
+                </a:solidFill>
+                <a:latin typeface="Consolas" panose="020B0609020204030204" pitchFamily="49" charset="0"/>
+                <a:cs typeface="Consolas" panose="020B0609020204030204" pitchFamily="49" charset="0"/>
+              </a:rPr>
+              <a:t>(Optional&lt;</a:t>
+            </a:r>
+            <a:r>
+              <a:rPr lang="de-DE" altLang="de-DE" sz="1400" dirty="0" err="1">
+                <a:solidFill>
+                  <a:srgbClr val="000000"/>
+                </a:solidFill>
+                <a:latin typeface="Consolas" panose="020B0609020204030204" pitchFamily="49" charset="0"/>
+                <a:cs typeface="Consolas" panose="020B0609020204030204" pitchFamily="49" charset="0"/>
+              </a:rPr>
+              <a:t>AjaxRequestTarget</a:t>
+            </a:r>
+            <a:r>
+              <a:rPr lang="de-DE" altLang="de-DE" sz="1400" dirty="0">
+                <a:solidFill>
+                  <a:srgbClr val="000000"/>
+                </a:solidFill>
+                <a:latin typeface="Consolas" panose="020B0609020204030204" pitchFamily="49" charset="0"/>
+                <a:cs typeface="Consolas" panose="020B0609020204030204" pitchFamily="49" charset="0"/>
+              </a:rPr>
+              <a:t>&gt; </a:t>
+            </a:r>
+            <a:r>
+              <a:rPr lang="de-DE" altLang="de-DE" sz="1400" dirty="0" err="1">
+                <a:solidFill>
+                  <a:srgbClr val="000000"/>
+                </a:solidFill>
+                <a:latin typeface="Consolas" panose="020B0609020204030204" pitchFamily="49" charset="0"/>
+                <a:cs typeface="Consolas" panose="020B0609020204030204" pitchFamily="49" charset="0"/>
+              </a:rPr>
+              <a:t>target</a:t>
+            </a:r>
+            <a:r>
+              <a:rPr lang="de-DE" altLang="de-DE" sz="1400" dirty="0">
+                <a:solidFill>
+                  <a:srgbClr val="000000"/>
+                </a:solidFill>
+                <a:latin typeface="Consolas" panose="020B0609020204030204" pitchFamily="49" charset="0"/>
+                <a:cs typeface="Consolas" panose="020B0609020204030204" pitchFamily="49" charset="0"/>
+              </a:rPr>
+              <a:t>) {</a:t>
+            </a:r>
+          </a:p>
+          <a:p>
+            <a:pPr marL="400050" lvl="1" indent="0">
+              <a:spcBef>
+                <a:spcPct val="0"/>
+              </a:spcBef>
+              <a:buClrTx/>
+              <a:buNone/>
+            </a:pPr>
+            <a:r>
+              <a:rPr lang="de-DE" altLang="de-DE" sz="1400" dirty="0">
+                <a:solidFill>
+                  <a:srgbClr val="000000"/>
+                </a:solidFill>
+                <a:latin typeface="Consolas" panose="020B0609020204030204" pitchFamily="49" charset="0"/>
+                <a:cs typeface="Consolas" panose="020B0609020204030204" pitchFamily="49" charset="0"/>
+              </a:rPr>
+              <a:t>            </a:t>
+            </a:r>
+            <a:r>
+              <a:rPr lang="de-DE" altLang="de-DE" sz="1400" dirty="0" err="1">
+                <a:solidFill>
+                  <a:srgbClr val="000000"/>
+                </a:solidFill>
+                <a:latin typeface="Consolas" panose="020B0609020204030204" pitchFamily="49" charset="0"/>
+                <a:cs typeface="Consolas" panose="020B0609020204030204" pitchFamily="49" charset="0"/>
+              </a:rPr>
+              <a:t>if</a:t>
+            </a:r>
+            <a:r>
+              <a:rPr lang="de-DE" altLang="de-DE" sz="1400" dirty="0">
+                <a:solidFill>
+                  <a:srgbClr val="000000"/>
+                </a:solidFill>
+                <a:latin typeface="Consolas" panose="020B0609020204030204" pitchFamily="49" charset="0"/>
+                <a:cs typeface="Consolas" panose="020B0609020204030204" pitchFamily="49" charset="0"/>
+              </a:rPr>
+              <a:t> (</a:t>
+            </a:r>
+            <a:r>
+              <a:rPr lang="de-DE" altLang="de-DE" sz="1400" dirty="0" err="1">
+                <a:solidFill>
+                  <a:srgbClr val="000000"/>
+                </a:solidFill>
+                <a:latin typeface="Consolas" panose="020B0609020204030204" pitchFamily="49" charset="0"/>
+                <a:cs typeface="Consolas" panose="020B0609020204030204" pitchFamily="49" charset="0"/>
+              </a:rPr>
+              <a:t>target.isPresent</a:t>
+            </a:r>
+            <a:r>
+              <a:rPr lang="de-DE" altLang="de-DE" sz="1400" dirty="0">
+                <a:solidFill>
+                  <a:srgbClr val="000000"/>
+                </a:solidFill>
+                <a:latin typeface="Consolas" panose="020B0609020204030204" pitchFamily="49" charset="0"/>
+                <a:cs typeface="Consolas" panose="020B0609020204030204" pitchFamily="49" charset="0"/>
+              </a:rPr>
+              <a:t>()){</a:t>
+            </a:r>
+            <a:br>
+              <a:rPr lang="de-DE" altLang="de-DE" sz="1400" dirty="0">
+                <a:solidFill>
+                  <a:srgbClr val="000000"/>
+                </a:solidFill>
+                <a:latin typeface="Consolas" panose="020B0609020204030204" pitchFamily="49" charset="0"/>
+                <a:cs typeface="Consolas" panose="020B0609020204030204" pitchFamily="49" charset="0"/>
+              </a:rPr>
+            </a:br>
+            <a:r>
+              <a:rPr lang="de-DE" altLang="de-DE" sz="1400" dirty="0">
+                <a:solidFill>
+                  <a:srgbClr val="000000"/>
+                </a:solidFill>
+                <a:latin typeface="Consolas" panose="020B0609020204030204" pitchFamily="49" charset="0"/>
+                <a:cs typeface="Consolas" panose="020B0609020204030204" pitchFamily="49" charset="0"/>
+              </a:rPr>
+              <a:t>                </a:t>
+            </a:r>
+            <a:r>
+              <a:rPr lang="de-DE" altLang="de-DE" sz="1400" dirty="0" err="1">
+                <a:solidFill>
+                  <a:srgbClr val="000000"/>
+                </a:solidFill>
+                <a:latin typeface="Consolas" panose="020B0609020204030204" pitchFamily="49" charset="0"/>
+                <a:cs typeface="Consolas" panose="020B0609020204030204" pitchFamily="49" charset="0"/>
+              </a:rPr>
+              <a:t>modalWindow.show</a:t>
+            </a:r>
+            <a:r>
+              <a:rPr lang="de-DE" altLang="de-DE" sz="1400" dirty="0">
                 <a:solidFill>
                   <a:srgbClr val="000000"/>
                 </a:solidFill>
@@ -12242,47 +12466,46 @@
               <a:t>(</a:t>
             </a:r>
             <a:r>
-              <a:rPr lang="de-DE" altLang="de-DE" sz="1600" dirty="0" err="1">
-                <a:solidFill>
-                  <a:srgbClr val="000000"/>
-                </a:solidFill>
-                <a:latin typeface="Consolas" panose="020B0609020204030204" pitchFamily="49" charset="0"/>
-                <a:cs typeface="Consolas" panose="020B0609020204030204" pitchFamily="49" charset="0"/>
-              </a:rPr>
-              <a:t>AjaxRequestTarget</a:t>
-            </a:r>
-            <a:r>
-              <a:rPr lang="de-DE" altLang="de-DE" sz="1600" dirty="0">
-                <a:solidFill>
-                  <a:srgbClr val="000000"/>
-                </a:solidFill>
-                <a:latin typeface="Consolas" panose="020B0609020204030204" pitchFamily="49" charset="0"/>
-                <a:cs typeface="Consolas" panose="020B0609020204030204" pitchFamily="49" charset="0"/>
-              </a:rPr>
-              <a:t> </a:t>
-            </a:r>
-            <a:r>
-              <a:rPr lang="de-DE" altLang="de-DE" sz="1600" dirty="0" err="1">
-                <a:solidFill>
-                  <a:srgbClr val="000000"/>
-                </a:solidFill>
-                <a:latin typeface="Consolas" panose="020B0609020204030204" pitchFamily="49" charset="0"/>
-                <a:cs typeface="Consolas" panose="020B0609020204030204" pitchFamily="49" charset="0"/>
-              </a:rPr>
-              <a:t>target</a:t>
-            </a:r>
-            <a:r>
-              <a:rPr lang="de-DE" altLang="de-DE" sz="1600" dirty="0">
-                <a:solidFill>
-                  <a:srgbClr val="000000"/>
-                </a:solidFill>
-                <a:latin typeface="Consolas" panose="020B0609020204030204" pitchFamily="49" charset="0"/>
-                <a:cs typeface="Consolas" panose="020B0609020204030204" pitchFamily="49" charset="0"/>
-              </a:rPr>
-              <a:t>) {</a:t>
+              <a:rPr lang="de-DE" altLang="de-DE" sz="1400" dirty="0" err="1">
+                <a:solidFill>
+                  <a:srgbClr val="000000"/>
+                </a:solidFill>
+                <a:latin typeface="Consolas" panose="020B0609020204030204" pitchFamily="49" charset="0"/>
+                <a:cs typeface="Consolas" panose="020B0609020204030204" pitchFamily="49" charset="0"/>
+              </a:rPr>
+              <a:t>target.get</a:t>
+            </a:r>
+            <a:r>
+              <a:rPr lang="de-DE" altLang="de-DE" sz="1400" dirty="0">
+                <a:solidFill>
+                  <a:srgbClr val="000000"/>
+                </a:solidFill>
+                <a:latin typeface="Consolas" panose="020B0609020204030204" pitchFamily="49" charset="0"/>
+                <a:cs typeface="Consolas" panose="020B0609020204030204" pitchFamily="49" charset="0"/>
+              </a:rPr>
+              <a:t>());</a:t>
+            </a:r>
+          </a:p>
+          <a:p>
+            <a:pPr marL="400050" lvl="1" indent="0">
+              <a:spcBef>
+                <a:spcPct val="0"/>
+              </a:spcBef>
+              <a:buClrTx/>
+              <a:buNone/>
+            </a:pPr>
+            <a:r>
+              <a:rPr lang="de-DE" altLang="de-DE" sz="1400" dirty="0">
+                <a:solidFill>
+                  <a:srgbClr val="000000"/>
+                </a:solidFill>
+                <a:latin typeface="Consolas" panose="020B0609020204030204" pitchFamily="49" charset="0"/>
+                <a:cs typeface="Consolas" panose="020B0609020204030204" pitchFamily="49" charset="0"/>
+              </a:rPr>
+              <a:t>            }</a:t>
             </a:r>
             <a:br>
-              <a:rPr lang="de-DE" altLang="de-DE" sz="1600" dirty="0">
+              <a:rPr lang="de-DE" altLang="de-DE" sz="1400" dirty="0">
                 <a:solidFill>
                   <a:srgbClr val="000000"/>
                 </a:solidFill>
@@ -12291,57 +12514,17 @@
               </a:rPr>
             </a:br>
             <a:r>
-              <a:rPr lang="de-DE" altLang="de-DE" sz="1600" dirty="0">
-                <a:solidFill>
-                  <a:srgbClr val="000000"/>
-                </a:solidFill>
-                <a:latin typeface="Consolas" panose="020B0609020204030204" pitchFamily="49" charset="0"/>
-                <a:cs typeface="Consolas" panose="020B0609020204030204" pitchFamily="49" charset="0"/>
-              </a:rPr>
-              <a:t>            </a:t>
-            </a:r>
-            <a:r>
-              <a:rPr lang="de-DE" altLang="de-DE" sz="1600" dirty="0" err="1">
-                <a:solidFill>
-                  <a:srgbClr val="000000"/>
-                </a:solidFill>
-                <a:latin typeface="Consolas" panose="020B0609020204030204" pitchFamily="49" charset="0"/>
-                <a:cs typeface="Consolas" panose="020B0609020204030204" pitchFamily="49" charset="0"/>
-              </a:rPr>
-              <a:t>modalWindow.show</a:t>
-            </a:r>
-            <a:r>
-              <a:rPr lang="de-DE" altLang="de-DE" sz="1600" dirty="0">
-                <a:solidFill>
-                  <a:srgbClr val="000000"/>
-                </a:solidFill>
-                <a:latin typeface="Consolas" panose="020B0609020204030204" pitchFamily="49" charset="0"/>
-                <a:cs typeface="Consolas" panose="020B0609020204030204" pitchFamily="49" charset="0"/>
-              </a:rPr>
-              <a:t>(</a:t>
-            </a:r>
-            <a:r>
-              <a:rPr lang="de-DE" altLang="de-DE" sz="1600" dirty="0" err="1">
-                <a:solidFill>
-                  <a:srgbClr val="000000"/>
-                </a:solidFill>
-                <a:latin typeface="Consolas" panose="020B0609020204030204" pitchFamily="49" charset="0"/>
-                <a:cs typeface="Consolas" panose="020B0609020204030204" pitchFamily="49" charset="0"/>
-              </a:rPr>
-              <a:t>target</a:t>
-            </a:r>
-            <a:r>
-              <a:rPr lang="de-DE" altLang="de-DE" sz="1600" dirty="0">
-                <a:solidFill>
-                  <a:srgbClr val="000000"/>
-                </a:solidFill>
-                <a:latin typeface="Consolas" panose="020B0609020204030204" pitchFamily="49" charset="0"/>
-                <a:cs typeface="Consolas" panose="020B0609020204030204" pitchFamily="49" charset="0"/>
-              </a:rPr>
-              <a:t>);</a:t>
+              <a:rPr lang="de-DE" altLang="de-DE" sz="1400" dirty="0">
+                <a:solidFill>
+                  <a:srgbClr val="000000"/>
+                </a:solidFill>
+                <a:latin typeface="Consolas" panose="020B0609020204030204" pitchFamily="49" charset="0"/>
+                <a:cs typeface="Consolas" panose="020B0609020204030204" pitchFamily="49" charset="0"/>
+              </a:rPr>
+              <a:t>        }</a:t>
             </a:r>
             <a:br>
-              <a:rPr lang="de-DE" altLang="de-DE" sz="1600" dirty="0">
+              <a:rPr lang="de-DE" altLang="de-DE" sz="1400" dirty="0">
                 <a:solidFill>
                   <a:srgbClr val="000000"/>
                 </a:solidFill>
@@ -12350,17 +12533,17 @@
               </a:rPr>
             </a:br>
             <a:r>
-              <a:rPr lang="de-DE" altLang="de-DE" sz="1600" dirty="0">
-                <a:solidFill>
-                  <a:srgbClr val="000000"/>
-                </a:solidFill>
-                <a:latin typeface="Consolas" panose="020B0609020204030204" pitchFamily="49" charset="0"/>
-                <a:cs typeface="Consolas" panose="020B0609020204030204" pitchFamily="49" charset="0"/>
-              </a:rPr>
-              <a:t>        }</a:t>
+              <a:rPr lang="de-DE" altLang="de-DE" sz="1400" dirty="0">
+                <a:solidFill>
+                  <a:srgbClr val="000000"/>
+                </a:solidFill>
+                <a:latin typeface="Consolas" panose="020B0609020204030204" pitchFamily="49" charset="0"/>
+                <a:cs typeface="Consolas" panose="020B0609020204030204" pitchFamily="49" charset="0"/>
+              </a:rPr>
+              <a:t>    });</a:t>
             </a:r>
             <a:br>
-              <a:rPr lang="de-DE" altLang="de-DE" sz="1600" dirty="0">
+              <a:rPr lang="de-DE" altLang="de-DE" sz="1400" dirty="0">
                 <a:solidFill>
                   <a:srgbClr val="000000"/>
                 </a:solidFill>
@@ -12369,26 +12552,7 @@
               </a:rPr>
             </a:br>
             <a:r>
-              <a:rPr lang="de-DE" altLang="de-DE" sz="1600" dirty="0">
-                <a:solidFill>
-                  <a:srgbClr val="000000"/>
-                </a:solidFill>
-                <a:latin typeface="Consolas" panose="020B0609020204030204" pitchFamily="49" charset="0"/>
-                <a:cs typeface="Consolas" panose="020B0609020204030204" pitchFamily="49" charset="0"/>
-              </a:rPr>
-              <a:t>    });</a:t>
-            </a:r>
-            <a:br>
-              <a:rPr lang="de-DE" altLang="de-DE" sz="1600" dirty="0">
-                <a:solidFill>
-                  <a:srgbClr val="000000"/>
-                </a:solidFill>
-                <a:latin typeface="Consolas" panose="020B0609020204030204" pitchFamily="49" charset="0"/>
-                <a:cs typeface="Consolas" panose="020B0609020204030204" pitchFamily="49" charset="0"/>
-              </a:rPr>
-            </a:br>
-            <a:r>
-              <a:rPr lang="de-DE" altLang="de-DE" sz="1600" dirty="0">
+              <a:rPr lang="de-DE" altLang="de-DE" sz="1400" dirty="0">
                 <a:solidFill>
                   <a:srgbClr val="000000"/>
                 </a:solidFill>
@@ -12397,7 +12561,7 @@
               </a:rPr>
               <a:t>}</a:t>
             </a:r>
-            <a:endParaRPr lang="de-DE" altLang="de-DE" sz="1600" dirty="0">
+            <a:endParaRPr lang="de-DE" altLang="de-DE" sz="1400" dirty="0">
               <a:latin typeface="Consolas" panose="020B0609020204030204" pitchFamily="49" charset="0"/>
               <a:cs typeface="Consolas" panose="020B0609020204030204" pitchFamily="49" charset="0"/>
             </a:endParaRPr>

--- a/slides/Tag-2_4-Bestandteile_Ajax.pptx
+++ b/slides/Tag-2_4-Bestandteile_Ajax.pptx
@@ -4932,7 +4932,7 @@
               <a:pPr algn="ctr">
                 <a:defRPr/>
               </a:pPr>
-              <a:t>14.03.2019</a:t>
+              <a:t>15.03.2019</a:t>
             </a:fld>
             <a:endParaRPr lang="de-DE" sz="1000" dirty="0">
               <a:solidFill>
@@ -10924,7 +10924,7 @@
                 <a:latin typeface="Consolas" panose="020B0609020204030204" pitchFamily="49" charset="0"/>
                 <a:cs typeface="Consolas" panose="020B0609020204030204" pitchFamily="49" charset="0"/>
               </a:rPr>
-              <a:t>              }</a:t>
+              <a:t>           }</a:t>
             </a:r>
             <a:br>
               <a:rPr lang="de-DE" altLang="de-DE" sz="1600" dirty="0">

--- a/slides/Tag-2_4-Bestandteile_Ajax.pptx
+++ b/slides/Tag-2_4-Bestandteile_Ajax.pptx
@@ -6859,12 +6859,20 @@
             <a:endParaRPr lang="de-DE" b="1" dirty="0"/>
           </a:p>
           <a:p>
+            <a:pPr>
+              <a:buFont typeface="Arial" panose="020B0604020202020204" pitchFamily="34" charset="0"/>
+              <a:buChar char="•"/>
+            </a:pPr>
             <a:r>
               <a:rPr lang="de-DE" sz="2000" dirty="0"/>
               <a:t>Mittels Ajax auszuführende Aktionen</a:t>
             </a:r>
           </a:p>
           <a:p>
+            <a:pPr>
+              <a:buFont typeface="Arial" panose="020B0604020202020204" pitchFamily="34" charset="0"/>
+              <a:buChar char="•"/>
+            </a:pPr>
             <a:r>
               <a:rPr lang="de-DE" sz="2000" dirty="0"/>
               <a:t>Nachträgliches „</a:t>
@@ -6879,6 +6887,10 @@
             </a:r>
           </a:p>
           <a:p>
+            <a:pPr>
+              <a:buFont typeface="Arial" panose="020B0604020202020204" pitchFamily="34" charset="0"/>
+              <a:buChar char="•"/>
+            </a:pPr>
             <a:r>
               <a:rPr lang="de-DE" sz="2000" dirty="0"/>
               <a:t>Vorgefertigte </a:t>
@@ -6890,7 +6902,10 @@
             <a:endParaRPr lang="de-DE" sz="2000" dirty="0"/>
           </a:p>
           <a:p>
-            <a:pPr lvl="1"/>
+            <a:pPr lvl="1">
+              <a:buFont typeface="Arial" panose="020B0604020202020204" pitchFamily="34" charset="0"/>
+              <a:buChar char="•"/>
+            </a:pPr>
             <a:r>
               <a:rPr lang="de-DE" sz="1600" dirty="0" err="1"/>
               <a:t>AjaxEventBehavior</a:t>
@@ -6898,7 +6913,10 @@
             <a:endParaRPr lang="de-DE" sz="1600" dirty="0"/>
           </a:p>
           <a:p>
-            <a:pPr lvl="1"/>
+            <a:pPr lvl="1">
+              <a:buFont typeface="Arial" panose="020B0604020202020204" pitchFamily="34" charset="0"/>
+              <a:buChar char="•"/>
+            </a:pPr>
             <a:r>
               <a:rPr lang="de-DE" sz="1600" dirty="0" err="1"/>
               <a:t>AjaxFormSubmitBehavior</a:t>
@@ -6906,7 +6924,10 @@
             <a:endParaRPr lang="de-DE" sz="1600" dirty="0"/>
           </a:p>
           <a:p>
-            <a:pPr lvl="1"/>
+            <a:pPr lvl="1">
+              <a:buFont typeface="Arial" panose="020B0604020202020204" pitchFamily="34" charset="0"/>
+              <a:buChar char="•"/>
+            </a:pPr>
             <a:r>
               <a:rPr lang="de-DE" sz="1600" dirty="0" err="1"/>
               <a:t>AbstractAjaxTimerBehavior</a:t>
@@ -7005,15 +7026,27 @@
             <a:endParaRPr lang="de-DE" sz="2000" b="1" dirty="0"/>
           </a:p>
           <a:p>
+            <a:pPr>
+              <a:buFont typeface="Arial" panose="020B0604020202020204" pitchFamily="34" charset="0"/>
+              <a:buChar char="•"/>
+            </a:pPr>
             <a:r>
               <a:rPr lang="de-DE" sz="2000" dirty="0"/>
               <a:t>Serverseitige Behandlung von JavaScript Events</a:t>
             </a:r>
           </a:p>
           <a:p>
+            <a:pPr>
+              <a:buFont typeface="Arial" panose="020B0604020202020204" pitchFamily="34" charset="0"/>
+              <a:buChar char="•"/>
+            </a:pPr>
             <a:endParaRPr lang="de-DE" sz="1600" dirty="0"/>
           </a:p>
           <a:p>
+            <a:pPr>
+              <a:buFont typeface="Arial" panose="020B0604020202020204" pitchFamily="34" charset="0"/>
+              <a:buChar char="•"/>
+            </a:pPr>
             <a:r>
               <a:rPr lang="de-DE" sz="2000" dirty="0"/>
               <a:t>HTML</a:t>
@@ -8926,12 +8959,20 @@
             </a:r>
           </a:p>
           <a:p>
+            <a:pPr>
+              <a:buFont typeface="Arial" panose="020B0604020202020204" pitchFamily="34" charset="0"/>
+              <a:buChar char="•"/>
+            </a:pPr>
             <a:r>
               <a:rPr lang="de-DE" sz="2000" dirty="0"/>
               <a:t>Erzeugung von JS für Komponenten durch Framework</a:t>
             </a:r>
           </a:p>
           <a:p>
+            <a:pPr>
+              <a:buFont typeface="Arial" panose="020B0604020202020204" pitchFamily="34" charset="0"/>
+              <a:buChar char="•"/>
+            </a:pPr>
             <a:r>
               <a:rPr lang="de-DE" sz="2000" dirty="0"/>
               <a:t>Einbindung von </a:t>
@@ -9119,13 +9160,20 @@
             <a:endParaRPr lang="de-DE" sz="2000" dirty="0"/>
           </a:p>
           <a:p>
+            <a:pPr>
+              <a:buFont typeface="Arial" panose="020B0604020202020204" pitchFamily="34" charset="0"/>
+              <a:buChar char="•"/>
+            </a:pPr>
             <a:r>
               <a:rPr lang="de-DE" sz="2000" dirty="0"/>
               <a:t>Einbindung von eigenen Skripten</a:t>
             </a:r>
           </a:p>
           <a:p>
-            <a:pPr lvl="1"/>
+            <a:pPr lvl="1">
+              <a:buFont typeface="Arial" panose="020B0604020202020204" pitchFamily="34" charset="0"/>
+              <a:buChar char="•"/>
+            </a:pPr>
             <a:r>
               <a:rPr lang="de-DE" sz="1600" dirty="0"/>
               <a:t>.</a:t>
@@ -9145,7 +9193,10 @@
             <a:endParaRPr lang="de-DE" sz="1600" dirty="0"/>
           </a:p>
           <a:p>
-            <a:pPr lvl="1"/>
+            <a:pPr lvl="1">
+              <a:buFont typeface="Arial" panose="020B0604020202020204" pitchFamily="34" charset="0"/>
+              <a:buChar char="•"/>
+            </a:pPr>
             <a:r>
               <a:rPr lang="de-DE" sz="1600" dirty="0" err="1"/>
               <a:t>JavaScriptHeaderItems</a:t>
@@ -9153,7 +9204,10 @@
             <a:endParaRPr lang="de-DE" sz="1600" dirty="0"/>
           </a:p>
           <a:p>
-            <a:pPr lvl="1"/>
+            <a:pPr lvl="1">
+              <a:buFont typeface="Arial" panose="020B0604020202020204" pitchFamily="34" charset="0"/>
+              <a:buChar char="•"/>
+            </a:pPr>
             <a:r>
               <a:rPr lang="de-DE" sz="1600" dirty="0" err="1"/>
               <a:t>OnDomReadyHeaderItems</a:t>
@@ -9253,6 +9307,10 @@
             <a:endParaRPr lang="de-DE" b="1" dirty="0"/>
           </a:p>
           <a:p>
+            <a:pPr>
+              <a:buFont typeface="Arial" panose="020B0604020202020204" pitchFamily="34" charset="0"/>
+              <a:buChar char="•"/>
+            </a:pPr>
             <a:r>
               <a:rPr lang="de-DE" sz="2000" dirty="0"/>
               <a:t>AJAX: </a:t>
@@ -9299,13 +9357,20 @@
             </a:r>
           </a:p>
           <a:p>
+            <a:pPr>
+              <a:buFont typeface="Arial" panose="020B0604020202020204" pitchFamily="34" charset="0"/>
+              <a:buChar char="•"/>
+            </a:pPr>
             <a:r>
               <a:rPr lang="de-DE" sz="2000" dirty="0"/>
               <a:t>Funktionsweise</a:t>
             </a:r>
           </a:p>
           <a:p>
-            <a:pPr lvl="1"/>
+            <a:pPr lvl="1">
+              <a:buFont typeface="Arial" panose="020B0604020202020204" pitchFamily="34" charset="0"/>
+              <a:buChar char="•"/>
+            </a:pPr>
             <a:r>
               <a:rPr lang="de-DE" sz="1600" dirty="0"/>
               <a:t>Kommunikation mit Server im Hintergrund (</a:t>
@@ -9320,14 +9385,20 @@
             </a:r>
           </a:p>
           <a:p>
-            <a:pPr lvl="1"/>
+            <a:pPr lvl="1">
+              <a:buFont typeface="Arial" panose="020B0604020202020204" pitchFamily="34" charset="0"/>
+              <a:buChar char="•"/>
+            </a:pPr>
             <a:r>
               <a:rPr lang="de-DE" sz="1600" dirty="0"/>
               <a:t>Dynamische Manipulation des DOMs</a:t>
             </a:r>
           </a:p>
           <a:p>
-            <a:pPr lvl="1"/>
+            <a:pPr lvl="1">
+              <a:buFont typeface="Arial" panose="020B0604020202020204" pitchFamily="34" charset="0"/>
+              <a:buChar char="•"/>
+            </a:pPr>
             <a:r>
               <a:rPr lang="de-DE" sz="1600" dirty="0"/>
               <a:t>Keine vollständigen Page </a:t>
@@ -9339,34 +9410,50 @@
             <a:endParaRPr lang="de-DE" sz="1600" dirty="0"/>
           </a:p>
           <a:p>
-            <a:pPr lvl="1"/>
+            <a:pPr lvl="1">
+              <a:buFont typeface="Arial" panose="020B0604020202020204" pitchFamily="34" charset="0"/>
+              <a:buChar char="•"/>
+            </a:pPr>
             <a:r>
               <a:rPr lang="de-DE" sz="1600" dirty="0"/>
               <a:t>Keine Blockierung der UI</a:t>
             </a:r>
           </a:p>
           <a:p>
-            <a:pPr marL="342900" lvl="1" indent="-342900"/>
+            <a:pPr marL="342900" lvl="1" indent="-342900">
+              <a:buFont typeface="Arial" panose="020B0604020202020204" pitchFamily="34" charset="0"/>
+              <a:buChar char="•"/>
+            </a:pPr>
             <a:r>
               <a:rPr lang="de-DE" dirty="0"/>
               <a:t>Basis moderner, interaktiver Web-Anwendungen</a:t>
             </a:r>
           </a:p>
           <a:p>
+            <a:pPr>
+              <a:buFont typeface="Arial" panose="020B0604020202020204" pitchFamily="34" charset="0"/>
+              <a:buChar char="•"/>
+            </a:pPr>
             <a:r>
               <a:rPr lang="de-DE" sz="2000" dirty="0"/>
               <a:t>Historie</a:t>
             </a:r>
           </a:p>
           <a:p>
-            <a:pPr lvl="1"/>
+            <a:pPr lvl="1">
+              <a:buFont typeface="Arial" panose="020B0604020202020204" pitchFamily="34" charset="0"/>
+              <a:buChar char="•"/>
+            </a:pPr>
             <a:r>
               <a:rPr lang="de-DE" sz="1600" dirty="0"/>
               <a:t>1998: Microsoft ActiveX</a:t>
             </a:r>
           </a:p>
           <a:p>
-            <a:pPr lvl="1"/>
+            <a:pPr lvl="1">
+              <a:buFont typeface="Arial" panose="020B0604020202020204" pitchFamily="34" charset="0"/>
+              <a:buChar char="•"/>
+            </a:pPr>
             <a:r>
               <a:rPr lang="de-DE" sz="1600" dirty="0"/>
               <a:t>2005: Prägung des Begriffs durch Jesse James Garrett</a:t>
@@ -9843,34 +9930,50 @@
             <a:endParaRPr lang="de-DE" b="1" dirty="0"/>
           </a:p>
           <a:p>
+            <a:pPr>
+              <a:buFont typeface="Arial" panose="020B0604020202020204" pitchFamily="34" charset="0"/>
+              <a:buChar char="•"/>
+            </a:pPr>
             <a:r>
               <a:rPr lang="de-DE" sz="2000" dirty="0"/>
               <a:t>Eigene Ajax-Komponenten</a:t>
             </a:r>
           </a:p>
           <a:p>
-            <a:pPr lvl="1"/>
+            <a:pPr lvl="1">
+              <a:buFont typeface="Arial" panose="020B0604020202020204" pitchFamily="34" charset="0"/>
+              <a:buChar char="•"/>
+            </a:pPr>
             <a:r>
               <a:rPr lang="de-DE" sz="1600" dirty="0"/>
               <a:t>Links, Buttons</a:t>
             </a:r>
           </a:p>
           <a:p>
-            <a:pPr lvl="1"/>
+            <a:pPr lvl="1">
+              <a:buFont typeface="Arial" panose="020B0604020202020204" pitchFamily="34" charset="0"/>
+              <a:buChar char="•"/>
+            </a:pPr>
             <a:r>
               <a:rPr lang="de-DE" sz="1600" dirty="0"/>
               <a:t>Checkboxen</a:t>
             </a:r>
           </a:p>
           <a:p>
-            <a:pPr lvl="1"/>
+            <a:pPr lvl="1">
+              <a:buFont typeface="Arial" panose="020B0604020202020204" pitchFamily="34" charset="0"/>
+              <a:buChar char="•"/>
+            </a:pPr>
             <a:r>
               <a:rPr lang="de-DE" sz="1600" dirty="0"/>
               <a:t>Editierbare Labels</a:t>
             </a:r>
           </a:p>
           <a:p>
-            <a:pPr lvl="1"/>
+            <a:pPr lvl="1">
+              <a:buFont typeface="Arial" panose="020B0604020202020204" pitchFamily="34" charset="0"/>
+              <a:buChar char="•"/>
+            </a:pPr>
             <a:r>
               <a:rPr lang="de-DE" sz="1600" dirty="0"/>
               <a:t>Textfelder (inkl. </a:t>
@@ -9885,13 +9988,20 @@
             </a:r>
           </a:p>
           <a:p>
-            <a:pPr lvl="1"/>
+            <a:pPr lvl="1">
+              <a:buFont typeface="Arial" panose="020B0604020202020204" pitchFamily="34" charset="0"/>
+              <a:buChar char="•"/>
+            </a:pPr>
             <a:r>
               <a:rPr lang="de-DE" sz="1600" dirty="0"/>
               <a:t>Modale Fenster</a:t>
             </a:r>
           </a:p>
           <a:p>
+            <a:pPr>
+              <a:buFont typeface="Arial" panose="020B0604020202020204" pitchFamily="34" charset="0"/>
+              <a:buChar char="•"/>
+            </a:pPr>
             <a:r>
               <a:rPr lang="de-DE" sz="2000" dirty="0"/>
               <a:t>Binden von </a:t>
@@ -9906,6 +10016,10 @@
             </a:r>
           </a:p>
           <a:p>
+            <a:pPr>
+              <a:buFont typeface="Arial" panose="020B0604020202020204" pitchFamily="34" charset="0"/>
+              <a:buChar char="•"/>
+            </a:pPr>
             <a:r>
               <a:rPr lang="de-DE" sz="2000" dirty="0"/>
               <a:t>Interaktion mit </a:t>
@@ -9924,7 +10038,10 @@
             </a:r>
           </a:p>
           <a:p>
-            <a:pPr lvl="1"/>
+            <a:pPr lvl="1">
+              <a:buFont typeface="Arial" panose="020B0604020202020204" pitchFamily="34" charset="0"/>
+              <a:buChar char="•"/>
+            </a:pPr>
             <a:r>
               <a:rPr lang="de-DE" sz="1600" dirty="0"/>
               <a:t>Als </a:t>
@@ -9939,14 +10056,20 @@
             </a:r>
           </a:p>
           <a:p>
-            <a:pPr lvl="1"/>
+            <a:pPr lvl="1">
+              <a:buFont typeface="Arial" panose="020B0604020202020204" pitchFamily="34" charset="0"/>
+              <a:buChar char="•"/>
+            </a:pPr>
             <a:r>
               <a:rPr lang="de-DE" sz="1600" dirty="0"/>
               <a:t>Angabe zu aktualisierender Komponenten</a:t>
             </a:r>
           </a:p>
           <a:p>
-            <a:pPr lvl="1"/>
+            <a:pPr lvl="1">
+              <a:buFont typeface="Arial" panose="020B0604020202020204" pitchFamily="34" charset="0"/>
+              <a:buChar char="•"/>
+            </a:pPr>
             <a:r>
               <a:rPr lang="de-DE" sz="1600" dirty="0"/>
               <a:t>Repeater: Umgebenden Container angeben</a:t>
@@ -10040,6 +10163,10 @@
             </a:r>
           </a:p>
           <a:p>
+            <a:pPr>
+              <a:buFont typeface="Arial" panose="020B0604020202020204" pitchFamily="34" charset="0"/>
+              <a:buChar char="•"/>
+            </a:pPr>
             <a:r>
               <a:rPr lang="de-DE" sz="2000" dirty="0"/>
               <a:t>Beispiel: Label</a:t>
@@ -11057,6 +11184,10 @@
             </a:r>
           </a:p>
           <a:p>
+            <a:pPr>
+              <a:buFont typeface="Arial" panose="020B0604020202020204" pitchFamily="34" charset="0"/>
+              <a:buChar char="•"/>
+            </a:pPr>
             <a:r>
               <a:rPr lang="de-DE" sz="2000" dirty="0"/>
               <a:t>Beispiel: Modales Fenster</a:t>
@@ -11463,6 +11594,10 @@
             </a:r>
           </a:p>
           <a:p>
+            <a:pPr>
+              <a:buFont typeface="Arial" panose="020B0604020202020204" pitchFamily="34" charset="0"/>
+              <a:buChar char="•"/>
+            </a:pPr>
             <a:r>
               <a:rPr lang="de-DE" sz="2000" dirty="0"/>
               <a:t>Beispiel: Modales Fenster</a:t>

--- a/slides/Tag-2_4-Bestandteile_Ajax.pptx
+++ b/slides/Tag-2_4-Bestandteile_Ajax.pptx
@@ -4932,7 +4932,7 @@
               <a:pPr algn="ctr">
                 <a:defRPr/>
               </a:pPr>
-              <a:t>15.03.2019</a:t>
+              <a:t>20.03.2019</a:t>
             </a:fld>
             <a:endParaRPr lang="de-DE" sz="1000" dirty="0">
               <a:solidFill>
@@ -7122,12 +7122,12 @@
             <a:r>
               <a:rPr lang="de-DE" altLang="de-DE" sz="1600" b="1" dirty="0" err="1">
                 <a:solidFill>
-                  <a:srgbClr val="008000"/>
-                </a:solidFill>
-                <a:latin typeface="Consolas" panose="020B0609020204030204" pitchFamily="49" charset="0"/>
-                <a:cs typeface="Consolas" panose="020B0609020204030204" pitchFamily="49" charset="0"/>
-              </a:rPr>
-              <a:t>clickCounterLabel</a:t>
+                  <a:srgbClr val="FF0000"/>
+                </a:solidFill>
+                <a:latin typeface="Consolas" panose="020B0609020204030204" pitchFamily="49" charset="0"/>
+                <a:cs typeface="Consolas" panose="020B0609020204030204" pitchFamily="49" charset="0"/>
+              </a:rPr>
+              <a:t>clickLabel</a:t>
             </a:r>
             <a:r>
               <a:rPr lang="de-DE" altLang="de-DE" sz="1600" b="1" dirty="0">
@@ -7241,12 +7241,12 @@
             <a:r>
               <a:rPr lang="de-DE" altLang="de-DE" sz="1600" b="1" dirty="0" err="1">
                 <a:solidFill>
-                  <a:srgbClr val="008000"/>
-                </a:solidFill>
-                <a:latin typeface="Consolas" panose="020B0609020204030204" pitchFamily="49" charset="0"/>
-                <a:cs typeface="Consolas" panose="020B0609020204030204" pitchFamily="49" charset="0"/>
-              </a:rPr>
-              <a:t>clickCounter</a:t>
+                  <a:srgbClr val="FFC000"/>
+                </a:solidFill>
+                <a:latin typeface="Consolas" panose="020B0609020204030204" pitchFamily="49" charset="0"/>
+                <a:cs typeface="Consolas" panose="020B0609020204030204" pitchFamily="49" charset="0"/>
+              </a:rPr>
+              <a:t>counterLabel</a:t>
             </a:r>
             <a:r>
               <a:rPr lang="de-DE" altLang="de-DE" sz="1600" b="1" dirty="0">
@@ -7365,7 +7365,7 @@
         <p:spPr>
           <a:xfrm>
             <a:off x="303213" y="1341438"/>
-            <a:ext cx="8589962" cy="4824412"/>
+            <a:ext cx="8517259" cy="4824412"/>
           </a:xfrm>
         </p:spPr>
         <p:txBody>
@@ -7715,7 +7715,7 @@
                 <a:latin typeface="Consolas" panose="020B0609020204030204" pitchFamily="49" charset="0"/>
                 <a:cs typeface="Consolas" panose="020B0609020204030204" pitchFamily="49" charset="0"/>
               </a:rPr>
-              <a:t>ClickCounterLabel</a:t>
+              <a:t>ClickLabel</a:t>
             </a:r>
             <a:r>
               <a:rPr lang="de-DE" altLang="de-DE" sz="1100" dirty="0">
@@ -7735,7 +7735,7 @@
                 <a:latin typeface="Consolas" panose="020B0609020204030204" pitchFamily="49" charset="0"/>
                 <a:cs typeface="Consolas" panose="020B0609020204030204" pitchFamily="49" charset="0"/>
               </a:rPr>
-              <a:t>clickCounterLabel</a:t>
+              <a:t>clickLabel</a:t>
             </a:r>
             <a:r>
               <a:rPr lang="de-DE" altLang="de-DE" sz="1100" dirty="0">
@@ -7745,7 +7745,107 @@
                 <a:latin typeface="Consolas" panose="020B0609020204030204" pitchFamily="49" charset="0"/>
                 <a:cs typeface="Consolas" panose="020B0609020204030204" pitchFamily="49" charset="0"/>
               </a:rPr>
-              <a:t> =</a:t>
+              <a:t> = </a:t>
+            </a:r>
+            <a:r>
+              <a:rPr lang="de-DE" altLang="de-DE" sz="1100" b="1" dirty="0" err="1">
+                <a:solidFill>
+                  <a:srgbClr val="000080"/>
+                </a:solidFill>
+                <a:latin typeface="Consolas" panose="020B0609020204030204" pitchFamily="49" charset="0"/>
+                <a:cs typeface="Consolas" panose="020B0609020204030204" pitchFamily="49" charset="0"/>
+              </a:rPr>
+              <a:t>new</a:t>
+            </a:r>
+            <a:r>
+              <a:rPr lang="de-DE" altLang="de-DE" sz="1100" b="1" dirty="0">
+                <a:solidFill>
+                  <a:srgbClr val="000080"/>
+                </a:solidFill>
+                <a:latin typeface="Consolas" panose="020B0609020204030204" pitchFamily="49" charset="0"/>
+                <a:cs typeface="Consolas" panose="020B0609020204030204" pitchFamily="49" charset="0"/>
+              </a:rPr>
+              <a:t> </a:t>
+            </a:r>
+            <a:r>
+              <a:rPr lang="de-DE" altLang="de-DE" sz="1100" dirty="0" err="1">
+                <a:solidFill>
+                  <a:srgbClr val="000000"/>
+                </a:solidFill>
+                <a:latin typeface="Consolas" panose="020B0609020204030204" pitchFamily="49" charset="0"/>
+                <a:cs typeface="Consolas" panose="020B0609020204030204" pitchFamily="49" charset="0"/>
+              </a:rPr>
+              <a:t>ClickLabel</a:t>
+            </a:r>
+            <a:r>
+              <a:rPr lang="de-DE" altLang="de-DE" sz="1100" dirty="0">
+                <a:solidFill>
+                  <a:srgbClr val="000000"/>
+                </a:solidFill>
+                <a:latin typeface="Consolas" panose="020B0609020204030204" pitchFamily="49" charset="0"/>
+                <a:cs typeface="Consolas" panose="020B0609020204030204" pitchFamily="49" charset="0"/>
+              </a:rPr>
+              <a:t>(</a:t>
+            </a:r>
+            <a:r>
+              <a:rPr lang="de-DE" altLang="de-DE" sz="1100" b="1" dirty="0">
+                <a:solidFill>
+                  <a:srgbClr val="008000"/>
+                </a:solidFill>
+                <a:latin typeface="Consolas" panose="020B0609020204030204" pitchFamily="49" charset="0"/>
+                <a:cs typeface="Consolas" panose="020B0609020204030204" pitchFamily="49" charset="0"/>
+              </a:rPr>
+              <a:t>"</a:t>
+            </a:r>
+            <a:r>
+              <a:rPr lang="de-DE" altLang="de-DE" sz="1100" b="1" dirty="0" err="1">
+                <a:solidFill>
+                  <a:srgbClr val="FF0000"/>
+                </a:solidFill>
+                <a:latin typeface="Consolas" panose="020B0609020204030204" pitchFamily="49" charset="0"/>
+                <a:cs typeface="Consolas" panose="020B0609020204030204" pitchFamily="49" charset="0"/>
+              </a:rPr>
+              <a:t>clickLabel</a:t>
+            </a:r>
+            <a:r>
+              <a:rPr lang="de-DE" altLang="de-DE" sz="1100" b="1" dirty="0">
+                <a:solidFill>
+                  <a:srgbClr val="008000"/>
+                </a:solidFill>
+                <a:latin typeface="Consolas" panose="020B0609020204030204" pitchFamily="49" charset="0"/>
+                <a:cs typeface="Consolas" panose="020B0609020204030204" pitchFamily="49" charset="0"/>
+              </a:rPr>
+              <a:t>"</a:t>
+            </a:r>
+            <a:r>
+              <a:rPr lang="de-DE" altLang="de-DE" sz="1100" dirty="0">
+                <a:solidFill>
+                  <a:srgbClr val="000000"/>
+                </a:solidFill>
+                <a:latin typeface="Consolas" panose="020B0609020204030204" pitchFamily="49" charset="0"/>
+                <a:cs typeface="Consolas" panose="020B0609020204030204" pitchFamily="49" charset="0"/>
+              </a:rPr>
+              <a:t>, </a:t>
+            </a:r>
+            <a:r>
+              <a:rPr lang="de-DE" altLang="de-DE" sz="1100" b="1" dirty="0">
+                <a:solidFill>
+                  <a:srgbClr val="008000"/>
+                </a:solidFill>
+                <a:latin typeface="Consolas" panose="020B0609020204030204" pitchFamily="49" charset="0"/>
+                <a:cs typeface="Consolas" panose="020B0609020204030204" pitchFamily="49" charset="0"/>
+              </a:rPr>
+              <a:t>"Bitte klicken!"</a:t>
+            </a:r>
+            <a:r>
+              <a:rPr lang="de-DE" altLang="de-DE" sz="1100" dirty="0">
+                <a:solidFill>
+                  <a:srgbClr val="000000"/>
+                </a:solidFill>
+                <a:latin typeface="Consolas" panose="020B0609020204030204" pitchFamily="49" charset="0"/>
+                <a:cs typeface="Consolas" panose="020B0609020204030204" pitchFamily="49" charset="0"/>
+              </a:rPr>
+              <a:t>);</a:t>
             </a:r>
             <a:br>
               <a:rPr lang="de-DE" altLang="de-DE" sz="1100" dirty="0">
@@ -7764,688 +7864,7 @@
                 <a:latin typeface="Consolas" panose="020B0609020204030204" pitchFamily="49" charset="0"/>
                 <a:cs typeface="Consolas" panose="020B0609020204030204" pitchFamily="49" charset="0"/>
               </a:rPr>
-              <a:t>                </a:t>
-            </a:r>
-            <a:r>
-              <a:rPr lang="de-DE" altLang="de-DE" sz="1100" b="1" dirty="0" err="1">
-                <a:solidFill>
-                  <a:srgbClr val="000080"/>
-                </a:solidFill>
-                <a:latin typeface="Consolas" panose="020B0609020204030204" pitchFamily="49" charset="0"/>
-                <a:cs typeface="Consolas" panose="020B0609020204030204" pitchFamily="49" charset="0"/>
-              </a:rPr>
-              <a:t>new</a:t>
-            </a:r>
-            <a:r>
-              <a:rPr lang="de-DE" altLang="de-DE" sz="1100" b="1" dirty="0">
-                <a:solidFill>
-                  <a:srgbClr val="000080"/>
-                </a:solidFill>
-                <a:latin typeface="Consolas" panose="020B0609020204030204" pitchFamily="49" charset="0"/>
-                <a:cs typeface="Consolas" panose="020B0609020204030204" pitchFamily="49" charset="0"/>
-              </a:rPr>
-              <a:t> </a:t>
-            </a:r>
-            <a:r>
-              <a:rPr lang="de-DE" altLang="de-DE" sz="1100" dirty="0" err="1">
-                <a:solidFill>
-                  <a:srgbClr val="000000"/>
-                </a:solidFill>
-                <a:latin typeface="Consolas" panose="020B0609020204030204" pitchFamily="49" charset="0"/>
-                <a:cs typeface="Consolas" panose="020B0609020204030204" pitchFamily="49" charset="0"/>
-              </a:rPr>
-              <a:t>ClickCounterLabel</a:t>
-            </a:r>
-            <a:r>
-              <a:rPr lang="de-DE" altLang="de-DE" sz="1100" dirty="0">
-                <a:solidFill>
-                  <a:srgbClr val="000000"/>
-                </a:solidFill>
-                <a:latin typeface="Consolas" panose="020B0609020204030204" pitchFamily="49" charset="0"/>
-                <a:cs typeface="Consolas" panose="020B0609020204030204" pitchFamily="49" charset="0"/>
-              </a:rPr>
-              <a:t>(</a:t>
-            </a:r>
-            <a:r>
-              <a:rPr lang="de-DE" altLang="de-DE" sz="1100" b="1" dirty="0">
-                <a:solidFill>
-                  <a:srgbClr val="008000"/>
-                </a:solidFill>
-                <a:latin typeface="Consolas" panose="020B0609020204030204" pitchFamily="49" charset="0"/>
-                <a:cs typeface="Consolas" panose="020B0609020204030204" pitchFamily="49" charset="0"/>
-              </a:rPr>
-              <a:t>"</a:t>
-            </a:r>
-            <a:r>
-              <a:rPr lang="de-DE" altLang="de-DE" sz="1100" b="1" dirty="0" err="1">
-                <a:solidFill>
-                  <a:srgbClr val="008000"/>
-                </a:solidFill>
-                <a:latin typeface="Consolas" panose="020B0609020204030204" pitchFamily="49" charset="0"/>
-                <a:cs typeface="Consolas" panose="020B0609020204030204" pitchFamily="49" charset="0"/>
-              </a:rPr>
-              <a:t>clickCounterLabel</a:t>
-            </a:r>
-            <a:r>
-              <a:rPr lang="de-DE" altLang="de-DE" sz="1100" b="1" dirty="0">
-                <a:solidFill>
-                  <a:srgbClr val="008000"/>
-                </a:solidFill>
-                <a:latin typeface="Consolas" panose="020B0609020204030204" pitchFamily="49" charset="0"/>
-                <a:cs typeface="Consolas" panose="020B0609020204030204" pitchFamily="49" charset="0"/>
-              </a:rPr>
-              <a:t>"</a:t>
-            </a:r>
-            <a:r>
-              <a:rPr lang="de-DE" altLang="de-DE" sz="1100" dirty="0">
-                <a:solidFill>
-                  <a:srgbClr val="000000"/>
-                </a:solidFill>
-                <a:latin typeface="Consolas" panose="020B0609020204030204" pitchFamily="49" charset="0"/>
-                <a:cs typeface="Consolas" panose="020B0609020204030204" pitchFamily="49" charset="0"/>
-              </a:rPr>
-              <a:t>, </a:t>
-            </a:r>
-            <a:r>
-              <a:rPr lang="de-DE" altLang="de-DE" sz="1100" b="1" dirty="0">
-                <a:solidFill>
-                  <a:srgbClr val="008000"/>
-                </a:solidFill>
-                <a:latin typeface="Consolas" panose="020B0609020204030204" pitchFamily="49" charset="0"/>
-                <a:cs typeface="Consolas" panose="020B0609020204030204" pitchFamily="49" charset="0"/>
-              </a:rPr>
-              <a:t>"Bitte klicken!"</a:t>
-            </a:r>
-            <a:r>
-              <a:rPr lang="de-DE" altLang="de-DE" sz="1100" dirty="0">
-                <a:solidFill>
-                  <a:srgbClr val="000000"/>
-                </a:solidFill>
-                <a:latin typeface="Consolas" panose="020B0609020204030204" pitchFamily="49" charset="0"/>
-                <a:cs typeface="Consolas" panose="020B0609020204030204" pitchFamily="49" charset="0"/>
-              </a:rPr>
-              <a:t>);</a:t>
-            </a:r>
-            <a:br>
-              <a:rPr lang="de-DE" altLang="de-DE" sz="1100" dirty="0">
-                <a:solidFill>
-                  <a:srgbClr val="000000"/>
-                </a:solidFill>
-                <a:latin typeface="Consolas" panose="020B0609020204030204" pitchFamily="49" charset="0"/>
-                <a:cs typeface="Consolas" panose="020B0609020204030204" pitchFamily="49" charset="0"/>
-              </a:rPr>
-            </a:br>
-            <a:r>
-              <a:rPr lang="de-DE" altLang="de-DE" sz="1100" dirty="0">
-                <a:solidFill>
-                  <a:srgbClr val="000000"/>
-                </a:solidFill>
-                <a:latin typeface="Consolas" panose="020B0609020204030204" pitchFamily="49" charset="0"/>
-                <a:cs typeface="Consolas" panose="020B0609020204030204" pitchFamily="49" charset="0"/>
-              </a:rPr>
-              <a:t>        Label </a:t>
-            </a:r>
-            <a:r>
-              <a:rPr lang="de-DE" altLang="de-DE" sz="1100" dirty="0" err="1">
-                <a:solidFill>
-                  <a:srgbClr val="000000"/>
-                </a:solidFill>
-                <a:latin typeface="Consolas" panose="020B0609020204030204" pitchFamily="49" charset="0"/>
-                <a:cs typeface="Consolas" panose="020B0609020204030204" pitchFamily="49" charset="0"/>
-              </a:rPr>
-              <a:t>clickCounter</a:t>
-            </a:r>
-            <a:r>
-              <a:rPr lang="de-DE" altLang="de-DE" sz="1100" dirty="0">
-                <a:solidFill>
-                  <a:srgbClr val="000000"/>
-                </a:solidFill>
-                <a:latin typeface="Consolas" panose="020B0609020204030204" pitchFamily="49" charset="0"/>
-                <a:cs typeface="Consolas" panose="020B0609020204030204" pitchFamily="49" charset="0"/>
-              </a:rPr>
-              <a:t> =</a:t>
-            </a:r>
-            <a:br>
-              <a:rPr lang="de-DE" altLang="de-DE" sz="1100" dirty="0">
-                <a:solidFill>
-                  <a:srgbClr val="000000"/>
-                </a:solidFill>
-                <a:latin typeface="Consolas" panose="020B0609020204030204" pitchFamily="49" charset="0"/>
-                <a:cs typeface="Consolas" panose="020B0609020204030204" pitchFamily="49" charset="0"/>
-              </a:rPr>
-            </a:br>
-            <a:r>
-              <a:rPr lang="de-DE" altLang="de-DE" sz="1100" dirty="0">
-                <a:solidFill>
-                  <a:srgbClr val="000000"/>
-                </a:solidFill>
-                <a:latin typeface="Consolas" panose="020B0609020204030204" pitchFamily="49" charset="0"/>
-                <a:cs typeface="Consolas" panose="020B0609020204030204" pitchFamily="49" charset="0"/>
-              </a:rPr>
-              <a:t>                </a:t>
-            </a:r>
-            <a:r>
-              <a:rPr lang="de-DE" altLang="de-DE" sz="1100" b="1" dirty="0" err="1">
-                <a:solidFill>
-                  <a:srgbClr val="000080"/>
-                </a:solidFill>
-                <a:latin typeface="Consolas" panose="020B0609020204030204" pitchFamily="49" charset="0"/>
-                <a:cs typeface="Consolas" panose="020B0609020204030204" pitchFamily="49" charset="0"/>
-              </a:rPr>
-              <a:t>new</a:t>
-            </a:r>
-            <a:r>
-              <a:rPr lang="de-DE" altLang="de-DE" sz="1100" b="1" dirty="0">
-                <a:solidFill>
-                  <a:srgbClr val="000080"/>
-                </a:solidFill>
-                <a:latin typeface="Consolas" panose="020B0609020204030204" pitchFamily="49" charset="0"/>
-                <a:cs typeface="Consolas" panose="020B0609020204030204" pitchFamily="49" charset="0"/>
-              </a:rPr>
-              <a:t> </a:t>
-            </a:r>
-            <a:r>
-              <a:rPr lang="de-DE" altLang="de-DE" sz="1100" dirty="0">
-                <a:solidFill>
-                  <a:srgbClr val="000000"/>
-                </a:solidFill>
-                <a:latin typeface="Consolas" panose="020B0609020204030204" pitchFamily="49" charset="0"/>
-                <a:cs typeface="Consolas" panose="020B0609020204030204" pitchFamily="49" charset="0"/>
-              </a:rPr>
-              <a:t>Label(</a:t>
-            </a:r>
-            <a:r>
-              <a:rPr lang="de-DE" altLang="de-DE" sz="1100" b="1" dirty="0">
-                <a:solidFill>
-                  <a:srgbClr val="008000"/>
-                </a:solidFill>
-                <a:latin typeface="Consolas" panose="020B0609020204030204" pitchFamily="49" charset="0"/>
-                <a:cs typeface="Consolas" panose="020B0609020204030204" pitchFamily="49" charset="0"/>
-              </a:rPr>
-              <a:t>"</a:t>
-            </a:r>
-            <a:r>
-              <a:rPr lang="de-DE" altLang="de-DE" sz="1100" b="1" dirty="0" err="1">
-                <a:solidFill>
-                  <a:srgbClr val="008000"/>
-                </a:solidFill>
-                <a:latin typeface="Consolas" panose="020B0609020204030204" pitchFamily="49" charset="0"/>
-                <a:cs typeface="Consolas" panose="020B0609020204030204" pitchFamily="49" charset="0"/>
-              </a:rPr>
-              <a:t>clickCounter</a:t>
-            </a:r>
-            <a:r>
-              <a:rPr lang="de-DE" altLang="de-DE" sz="1100" b="1" dirty="0">
-                <a:solidFill>
-                  <a:srgbClr val="008000"/>
-                </a:solidFill>
-                <a:latin typeface="Consolas" panose="020B0609020204030204" pitchFamily="49" charset="0"/>
-                <a:cs typeface="Consolas" panose="020B0609020204030204" pitchFamily="49" charset="0"/>
-              </a:rPr>
-              <a:t>"</a:t>
-            </a:r>
-            <a:r>
-              <a:rPr lang="de-DE" altLang="de-DE" sz="1100" dirty="0">
-                <a:solidFill>
-                  <a:srgbClr val="000000"/>
-                </a:solidFill>
-                <a:latin typeface="Consolas" panose="020B0609020204030204" pitchFamily="49" charset="0"/>
-                <a:cs typeface="Consolas" panose="020B0609020204030204" pitchFamily="49" charset="0"/>
-              </a:rPr>
-              <a:t>, </a:t>
-            </a:r>
-            <a:r>
-              <a:rPr lang="de-DE" altLang="de-DE" sz="1100" b="1" dirty="0" err="1">
-                <a:solidFill>
-                  <a:srgbClr val="000080"/>
-                </a:solidFill>
-                <a:latin typeface="Consolas" panose="020B0609020204030204" pitchFamily="49" charset="0"/>
-                <a:cs typeface="Consolas" panose="020B0609020204030204" pitchFamily="49" charset="0"/>
-              </a:rPr>
-              <a:t>new</a:t>
-            </a:r>
-            <a:r>
-              <a:rPr lang="de-DE" altLang="de-DE" sz="1100" b="1" dirty="0">
-                <a:solidFill>
-                  <a:srgbClr val="000080"/>
-                </a:solidFill>
-                <a:latin typeface="Consolas" panose="020B0609020204030204" pitchFamily="49" charset="0"/>
-                <a:cs typeface="Consolas" panose="020B0609020204030204" pitchFamily="49" charset="0"/>
-              </a:rPr>
-              <a:t> </a:t>
-            </a:r>
-            <a:r>
-              <a:rPr lang="de-DE" altLang="de-DE" sz="1100" dirty="0" err="1">
-                <a:solidFill>
-                  <a:srgbClr val="000000"/>
-                </a:solidFill>
-                <a:latin typeface="Consolas" panose="020B0609020204030204" pitchFamily="49" charset="0"/>
-                <a:cs typeface="Consolas" panose="020B0609020204030204" pitchFamily="49" charset="0"/>
-              </a:rPr>
-              <a:t>PropertyModel</a:t>
-            </a:r>
-            <a:r>
-              <a:rPr lang="de-DE" altLang="de-DE" sz="1100" dirty="0">
-                <a:solidFill>
-                  <a:srgbClr val="000000"/>
-                </a:solidFill>
-                <a:latin typeface="Consolas" panose="020B0609020204030204" pitchFamily="49" charset="0"/>
-                <a:cs typeface="Consolas" panose="020B0609020204030204" pitchFamily="49" charset="0"/>
-              </a:rPr>
-              <a:t>(</a:t>
-            </a:r>
-            <a:r>
-              <a:rPr lang="de-DE" altLang="de-DE" sz="1100" dirty="0" err="1">
-                <a:solidFill>
-                  <a:srgbClr val="000000"/>
-                </a:solidFill>
-                <a:latin typeface="Consolas" panose="020B0609020204030204" pitchFamily="49" charset="0"/>
-                <a:cs typeface="Consolas" panose="020B0609020204030204" pitchFamily="49" charset="0"/>
-              </a:rPr>
-              <a:t>clickCounterLabel</a:t>
-            </a:r>
-            <a:r>
-              <a:rPr lang="de-DE" altLang="de-DE" sz="1100" dirty="0">
-                <a:solidFill>
-                  <a:srgbClr val="000000"/>
-                </a:solidFill>
-                <a:latin typeface="Consolas" panose="020B0609020204030204" pitchFamily="49" charset="0"/>
-                <a:cs typeface="Consolas" panose="020B0609020204030204" pitchFamily="49" charset="0"/>
-              </a:rPr>
-              <a:t>, </a:t>
-            </a:r>
-            <a:r>
-              <a:rPr lang="de-DE" altLang="de-DE" sz="1100" b="1" dirty="0">
-                <a:solidFill>
-                  <a:srgbClr val="008000"/>
-                </a:solidFill>
-                <a:latin typeface="Consolas" panose="020B0609020204030204" pitchFamily="49" charset="0"/>
-                <a:cs typeface="Consolas" panose="020B0609020204030204" pitchFamily="49" charset="0"/>
-              </a:rPr>
-              <a:t>"</a:t>
-            </a:r>
-            <a:r>
-              <a:rPr lang="de-DE" altLang="de-DE" sz="1100" b="1" dirty="0" err="1">
-                <a:solidFill>
-                  <a:srgbClr val="008000"/>
-                </a:solidFill>
-                <a:latin typeface="Consolas" panose="020B0609020204030204" pitchFamily="49" charset="0"/>
-                <a:cs typeface="Consolas" panose="020B0609020204030204" pitchFamily="49" charset="0"/>
-              </a:rPr>
-              <a:t>clickCounter</a:t>
-            </a:r>
-            <a:r>
-              <a:rPr lang="de-DE" altLang="de-DE" sz="1100" b="1" dirty="0">
-                <a:solidFill>
-                  <a:srgbClr val="008000"/>
-                </a:solidFill>
-                <a:latin typeface="Consolas" panose="020B0609020204030204" pitchFamily="49" charset="0"/>
-                <a:cs typeface="Consolas" panose="020B0609020204030204" pitchFamily="49" charset="0"/>
-              </a:rPr>
-              <a:t>"</a:t>
-            </a:r>
-            <a:r>
-              <a:rPr lang="de-DE" altLang="de-DE" sz="1100" dirty="0">
-                <a:solidFill>
-                  <a:srgbClr val="000000"/>
-                </a:solidFill>
-                <a:latin typeface="Consolas" panose="020B0609020204030204" pitchFamily="49" charset="0"/>
-                <a:cs typeface="Consolas" panose="020B0609020204030204" pitchFamily="49" charset="0"/>
-              </a:rPr>
-              <a:t>));</a:t>
-            </a:r>
-            <a:br>
-              <a:rPr lang="de-DE" altLang="de-DE" sz="1100" dirty="0">
-                <a:solidFill>
-                  <a:srgbClr val="000000"/>
-                </a:solidFill>
-                <a:latin typeface="Consolas" panose="020B0609020204030204" pitchFamily="49" charset="0"/>
-                <a:cs typeface="Consolas" panose="020B0609020204030204" pitchFamily="49" charset="0"/>
-              </a:rPr>
-            </a:br>
-            <a:br>
-              <a:rPr lang="de-DE" altLang="de-DE" sz="1100" dirty="0">
-                <a:solidFill>
-                  <a:srgbClr val="000000"/>
-                </a:solidFill>
-                <a:latin typeface="Consolas" panose="020B0609020204030204" pitchFamily="49" charset="0"/>
-                <a:cs typeface="Consolas" panose="020B0609020204030204" pitchFamily="49" charset="0"/>
-              </a:rPr>
-            </a:br>
-            <a:br>
-              <a:rPr lang="de-DE" altLang="de-DE" sz="1100" dirty="0">
-                <a:solidFill>
-                  <a:srgbClr val="000000"/>
-                </a:solidFill>
-                <a:latin typeface="Consolas" panose="020B0609020204030204" pitchFamily="49" charset="0"/>
-                <a:cs typeface="Consolas" panose="020B0609020204030204" pitchFamily="49" charset="0"/>
-              </a:rPr>
-            </a:br>
-            <a:r>
-              <a:rPr lang="de-DE" altLang="de-DE" sz="1100" dirty="0">
-                <a:solidFill>
-                  <a:srgbClr val="000000"/>
-                </a:solidFill>
-                <a:latin typeface="Consolas" panose="020B0609020204030204" pitchFamily="49" charset="0"/>
-                <a:cs typeface="Consolas" panose="020B0609020204030204" pitchFamily="49" charset="0"/>
-              </a:rPr>
               <a:t>        </a:t>
-            </a:r>
-            <a:r>
-              <a:rPr lang="de-DE" altLang="de-DE" sz="1100" dirty="0" err="1">
-                <a:solidFill>
-                  <a:srgbClr val="000000"/>
-                </a:solidFill>
-                <a:latin typeface="Consolas" panose="020B0609020204030204" pitchFamily="49" charset="0"/>
-                <a:cs typeface="Consolas" panose="020B0609020204030204" pitchFamily="49" charset="0"/>
-              </a:rPr>
-              <a:t>clickCounterLabel.setOutputMarkupId</a:t>
-            </a:r>
-            <a:r>
-              <a:rPr lang="de-DE" altLang="de-DE" sz="1100" dirty="0">
-                <a:solidFill>
-                  <a:srgbClr val="000000"/>
-                </a:solidFill>
-                <a:latin typeface="Consolas" panose="020B0609020204030204" pitchFamily="49" charset="0"/>
-                <a:cs typeface="Consolas" panose="020B0609020204030204" pitchFamily="49" charset="0"/>
-              </a:rPr>
-              <a:t>(</a:t>
-            </a:r>
-            <a:r>
-              <a:rPr lang="de-DE" altLang="de-DE" sz="1100" b="1" dirty="0" err="1">
-                <a:solidFill>
-                  <a:srgbClr val="000080"/>
-                </a:solidFill>
-                <a:latin typeface="Consolas" panose="020B0609020204030204" pitchFamily="49" charset="0"/>
-                <a:cs typeface="Consolas" panose="020B0609020204030204" pitchFamily="49" charset="0"/>
-              </a:rPr>
-              <a:t>true</a:t>
-            </a:r>
-            <a:r>
-              <a:rPr lang="de-DE" altLang="de-DE" sz="1100" dirty="0">
-                <a:solidFill>
-                  <a:srgbClr val="000000"/>
-                </a:solidFill>
-                <a:latin typeface="Consolas" panose="020B0609020204030204" pitchFamily="49" charset="0"/>
-                <a:cs typeface="Consolas" panose="020B0609020204030204" pitchFamily="49" charset="0"/>
-              </a:rPr>
-              <a:t>);</a:t>
-            </a:r>
-            <a:br>
-              <a:rPr lang="de-DE" altLang="de-DE" sz="1100" dirty="0">
-                <a:solidFill>
-                  <a:srgbClr val="000000"/>
-                </a:solidFill>
-                <a:latin typeface="Consolas" panose="020B0609020204030204" pitchFamily="49" charset="0"/>
-                <a:cs typeface="Consolas" panose="020B0609020204030204" pitchFamily="49" charset="0"/>
-              </a:rPr>
-            </a:br>
-            <a:r>
-              <a:rPr lang="de-DE" altLang="de-DE" sz="1100" dirty="0">
-                <a:solidFill>
-                  <a:srgbClr val="000000"/>
-                </a:solidFill>
-                <a:latin typeface="Consolas" panose="020B0609020204030204" pitchFamily="49" charset="0"/>
-                <a:cs typeface="Consolas" panose="020B0609020204030204" pitchFamily="49" charset="0"/>
-              </a:rPr>
-              <a:t>        </a:t>
-            </a:r>
-            <a:r>
-              <a:rPr lang="de-DE" altLang="de-DE" sz="1100" dirty="0" err="1">
-                <a:solidFill>
-                  <a:srgbClr val="000000"/>
-                </a:solidFill>
-                <a:latin typeface="Consolas" panose="020B0609020204030204" pitchFamily="49" charset="0"/>
-                <a:cs typeface="Consolas" panose="020B0609020204030204" pitchFamily="49" charset="0"/>
-              </a:rPr>
-              <a:t>clickCounterLabel.add</a:t>
-            </a:r>
-            <a:r>
-              <a:rPr lang="de-DE" altLang="de-DE" sz="1100" dirty="0">
-                <a:solidFill>
-                  <a:srgbClr val="000000"/>
-                </a:solidFill>
-                <a:latin typeface="Consolas" panose="020B0609020204030204" pitchFamily="49" charset="0"/>
-                <a:cs typeface="Consolas" panose="020B0609020204030204" pitchFamily="49" charset="0"/>
-              </a:rPr>
-              <a:t>(</a:t>
-            </a:r>
-            <a:r>
-              <a:rPr lang="de-DE" altLang="de-DE" sz="1100" b="1" dirty="0" err="1">
-                <a:solidFill>
-                  <a:srgbClr val="000080"/>
-                </a:solidFill>
-                <a:latin typeface="Consolas" panose="020B0609020204030204" pitchFamily="49" charset="0"/>
-                <a:cs typeface="Consolas" panose="020B0609020204030204" pitchFamily="49" charset="0"/>
-              </a:rPr>
-              <a:t>new</a:t>
-            </a:r>
-            <a:r>
-              <a:rPr lang="de-DE" altLang="de-DE" sz="1100" b="1" dirty="0">
-                <a:solidFill>
-                  <a:srgbClr val="000080"/>
-                </a:solidFill>
-                <a:latin typeface="Consolas" panose="020B0609020204030204" pitchFamily="49" charset="0"/>
-                <a:cs typeface="Consolas" panose="020B0609020204030204" pitchFamily="49" charset="0"/>
-              </a:rPr>
-              <a:t> </a:t>
-            </a:r>
-            <a:r>
-              <a:rPr lang="de-DE" altLang="de-DE" sz="1100" dirty="0" err="1">
-                <a:solidFill>
-                  <a:srgbClr val="000000"/>
-                </a:solidFill>
-                <a:latin typeface="Consolas" panose="020B0609020204030204" pitchFamily="49" charset="0"/>
-                <a:cs typeface="Consolas" panose="020B0609020204030204" pitchFamily="49" charset="0"/>
-              </a:rPr>
-              <a:t>AjaxEventBehavior</a:t>
-            </a:r>
-            <a:r>
-              <a:rPr lang="de-DE" altLang="de-DE" sz="1100" dirty="0">
-                <a:solidFill>
-                  <a:srgbClr val="000000"/>
-                </a:solidFill>
-                <a:latin typeface="Consolas" panose="020B0609020204030204" pitchFamily="49" charset="0"/>
-                <a:cs typeface="Consolas" panose="020B0609020204030204" pitchFamily="49" charset="0"/>
-              </a:rPr>
-              <a:t>(</a:t>
-            </a:r>
-            <a:r>
-              <a:rPr lang="de-DE" altLang="de-DE" sz="1100" b="1" dirty="0">
-                <a:solidFill>
-                  <a:srgbClr val="008000"/>
-                </a:solidFill>
-                <a:latin typeface="Consolas" panose="020B0609020204030204" pitchFamily="49" charset="0"/>
-                <a:cs typeface="Consolas" panose="020B0609020204030204" pitchFamily="49" charset="0"/>
-              </a:rPr>
-              <a:t>"</a:t>
-            </a:r>
-            <a:r>
-              <a:rPr lang="de-DE" altLang="de-DE" sz="1100" b="1" dirty="0" err="1">
-                <a:solidFill>
-                  <a:srgbClr val="008000"/>
-                </a:solidFill>
-                <a:latin typeface="Consolas" panose="020B0609020204030204" pitchFamily="49" charset="0"/>
-                <a:cs typeface="Consolas" panose="020B0609020204030204" pitchFamily="49" charset="0"/>
-              </a:rPr>
-              <a:t>click</a:t>
-            </a:r>
-            <a:r>
-              <a:rPr lang="de-DE" altLang="de-DE" sz="1100" b="1" dirty="0">
-                <a:solidFill>
-                  <a:srgbClr val="008000"/>
-                </a:solidFill>
-                <a:latin typeface="Consolas" panose="020B0609020204030204" pitchFamily="49" charset="0"/>
-                <a:cs typeface="Consolas" panose="020B0609020204030204" pitchFamily="49" charset="0"/>
-              </a:rPr>
-              <a:t>"</a:t>
-            </a:r>
-            <a:r>
-              <a:rPr lang="de-DE" altLang="de-DE" sz="1100" dirty="0">
-                <a:solidFill>
-                  <a:srgbClr val="000000"/>
-                </a:solidFill>
-                <a:latin typeface="Consolas" panose="020B0609020204030204" pitchFamily="49" charset="0"/>
-                <a:cs typeface="Consolas" panose="020B0609020204030204" pitchFamily="49" charset="0"/>
-              </a:rPr>
-              <a:t>){</a:t>
-            </a:r>
-            <a:br>
-              <a:rPr lang="de-DE" altLang="de-DE" sz="1100" dirty="0">
-                <a:solidFill>
-                  <a:srgbClr val="000000"/>
-                </a:solidFill>
-                <a:latin typeface="Consolas" panose="020B0609020204030204" pitchFamily="49" charset="0"/>
-                <a:cs typeface="Consolas" panose="020B0609020204030204" pitchFamily="49" charset="0"/>
-              </a:rPr>
-            </a:br>
-            <a:br>
-              <a:rPr lang="de-DE" altLang="de-DE" sz="1100" dirty="0">
-                <a:solidFill>
-                  <a:srgbClr val="000000"/>
-                </a:solidFill>
-                <a:latin typeface="Consolas" panose="020B0609020204030204" pitchFamily="49" charset="0"/>
-                <a:cs typeface="Consolas" panose="020B0609020204030204" pitchFamily="49" charset="0"/>
-              </a:rPr>
-            </a:br>
-            <a:r>
-              <a:rPr lang="de-DE" altLang="de-DE" sz="1100" dirty="0">
-                <a:solidFill>
-                  <a:srgbClr val="000000"/>
-                </a:solidFill>
-                <a:latin typeface="Consolas" panose="020B0609020204030204" pitchFamily="49" charset="0"/>
-                <a:cs typeface="Consolas" panose="020B0609020204030204" pitchFamily="49" charset="0"/>
-              </a:rPr>
-              <a:t>            @</a:t>
-            </a:r>
-            <a:r>
-              <a:rPr lang="de-DE" altLang="de-DE" sz="1100" dirty="0" err="1">
-                <a:solidFill>
-                  <a:srgbClr val="000000"/>
-                </a:solidFill>
-                <a:latin typeface="Consolas" panose="020B0609020204030204" pitchFamily="49" charset="0"/>
-                <a:cs typeface="Consolas" panose="020B0609020204030204" pitchFamily="49" charset="0"/>
-              </a:rPr>
-              <a:t>Override</a:t>
-            </a:r>
-            <a:br>
-              <a:rPr lang="de-DE" altLang="de-DE" sz="1100" dirty="0">
-                <a:solidFill>
-                  <a:srgbClr val="000000"/>
-                </a:solidFill>
-                <a:latin typeface="Consolas" panose="020B0609020204030204" pitchFamily="49" charset="0"/>
-                <a:cs typeface="Consolas" panose="020B0609020204030204" pitchFamily="49" charset="0"/>
-              </a:rPr>
-            </a:br>
-            <a:r>
-              <a:rPr lang="de-DE" altLang="de-DE" sz="1100" dirty="0">
-                <a:solidFill>
-                  <a:srgbClr val="000000"/>
-                </a:solidFill>
-                <a:latin typeface="Consolas" panose="020B0609020204030204" pitchFamily="49" charset="0"/>
-                <a:cs typeface="Consolas" panose="020B0609020204030204" pitchFamily="49" charset="0"/>
-              </a:rPr>
-              <a:t>            </a:t>
-            </a:r>
-            <a:r>
-              <a:rPr lang="de-DE" altLang="de-DE" sz="1100" b="1" dirty="0" err="1">
-                <a:solidFill>
-                  <a:srgbClr val="000080"/>
-                </a:solidFill>
-                <a:latin typeface="Consolas" panose="020B0609020204030204" pitchFamily="49" charset="0"/>
-                <a:cs typeface="Consolas" panose="020B0609020204030204" pitchFamily="49" charset="0"/>
-              </a:rPr>
-              <a:t>protected</a:t>
-            </a:r>
-            <a:r>
-              <a:rPr lang="de-DE" altLang="de-DE" sz="1100" b="1" dirty="0">
-                <a:solidFill>
-                  <a:srgbClr val="000080"/>
-                </a:solidFill>
-                <a:latin typeface="Consolas" panose="020B0609020204030204" pitchFamily="49" charset="0"/>
-                <a:cs typeface="Consolas" panose="020B0609020204030204" pitchFamily="49" charset="0"/>
-              </a:rPr>
-              <a:t> </a:t>
-            </a:r>
-            <a:r>
-              <a:rPr lang="de-DE" altLang="de-DE" sz="1100" b="1" dirty="0" err="1">
-                <a:solidFill>
-                  <a:srgbClr val="000080"/>
-                </a:solidFill>
-                <a:latin typeface="Consolas" panose="020B0609020204030204" pitchFamily="49" charset="0"/>
-                <a:cs typeface="Consolas" panose="020B0609020204030204" pitchFamily="49" charset="0"/>
-              </a:rPr>
-              <a:t>void</a:t>
-            </a:r>
-            <a:r>
-              <a:rPr lang="de-DE" altLang="de-DE" sz="1100" b="1" dirty="0">
-                <a:solidFill>
-                  <a:srgbClr val="000080"/>
-                </a:solidFill>
-                <a:latin typeface="Consolas" panose="020B0609020204030204" pitchFamily="49" charset="0"/>
-                <a:cs typeface="Consolas" panose="020B0609020204030204" pitchFamily="49" charset="0"/>
-              </a:rPr>
-              <a:t> </a:t>
-            </a:r>
-            <a:r>
-              <a:rPr lang="de-DE" altLang="de-DE" sz="1100" dirty="0" err="1">
-                <a:solidFill>
-                  <a:srgbClr val="000000"/>
-                </a:solidFill>
-                <a:latin typeface="Consolas" panose="020B0609020204030204" pitchFamily="49" charset="0"/>
-                <a:cs typeface="Consolas" panose="020B0609020204030204" pitchFamily="49" charset="0"/>
-              </a:rPr>
-              <a:t>onEvent</a:t>
-            </a:r>
-            <a:r>
-              <a:rPr lang="de-DE" altLang="de-DE" sz="1100" dirty="0">
-                <a:solidFill>
-                  <a:srgbClr val="000000"/>
-                </a:solidFill>
-                <a:latin typeface="Consolas" panose="020B0609020204030204" pitchFamily="49" charset="0"/>
-                <a:cs typeface="Consolas" panose="020B0609020204030204" pitchFamily="49" charset="0"/>
-              </a:rPr>
-              <a:t>(Optional&lt;</a:t>
-            </a:r>
-            <a:r>
-              <a:rPr lang="de-DE" altLang="de-DE" sz="1100" dirty="0" err="1">
-                <a:solidFill>
-                  <a:srgbClr val="000000"/>
-                </a:solidFill>
-                <a:latin typeface="Consolas" panose="020B0609020204030204" pitchFamily="49" charset="0"/>
-                <a:cs typeface="Consolas" panose="020B0609020204030204" pitchFamily="49" charset="0"/>
-              </a:rPr>
-              <a:t>AjaxRequestTarget</a:t>
-            </a:r>
-            <a:r>
-              <a:rPr lang="de-DE" altLang="de-DE" sz="1100" dirty="0">
-                <a:solidFill>
-                  <a:srgbClr val="000000"/>
-                </a:solidFill>
-                <a:latin typeface="Consolas" panose="020B0609020204030204" pitchFamily="49" charset="0"/>
-                <a:cs typeface="Consolas" panose="020B0609020204030204" pitchFamily="49" charset="0"/>
-              </a:rPr>
-              <a:t>&gt; </a:t>
-            </a:r>
-            <a:r>
-              <a:rPr lang="de-DE" altLang="de-DE" sz="1100" dirty="0" err="1">
-                <a:solidFill>
-                  <a:srgbClr val="000000"/>
-                </a:solidFill>
-                <a:latin typeface="Consolas" panose="020B0609020204030204" pitchFamily="49" charset="0"/>
-                <a:cs typeface="Consolas" panose="020B0609020204030204" pitchFamily="49" charset="0"/>
-              </a:rPr>
-              <a:t>target</a:t>
-            </a:r>
-            <a:r>
-              <a:rPr lang="de-DE" altLang="de-DE" sz="1100" dirty="0">
-                <a:solidFill>
-                  <a:srgbClr val="000000"/>
-                </a:solidFill>
-                <a:latin typeface="Consolas" panose="020B0609020204030204" pitchFamily="49" charset="0"/>
-                <a:cs typeface="Consolas" panose="020B0609020204030204" pitchFamily="49" charset="0"/>
-              </a:rPr>
-              <a:t>) {</a:t>
             </a:r>
           </a:p>
           <a:p>
@@ -8464,7 +7883,7 @@
                 <a:latin typeface="Consolas" panose="020B0609020204030204" pitchFamily="49" charset="0"/>
                 <a:cs typeface="Consolas" panose="020B0609020204030204" pitchFamily="49" charset="0"/>
               </a:rPr>
-              <a:t>                </a:t>
+              <a:t>        Label </a:t>
             </a:r>
             <a:r>
               <a:rPr lang="de-DE" altLang="de-DE" sz="1100" dirty="0" err="1">
@@ -8474,7 +7893,7 @@
                 <a:latin typeface="Consolas" panose="020B0609020204030204" pitchFamily="49" charset="0"/>
                 <a:cs typeface="Consolas" panose="020B0609020204030204" pitchFamily="49" charset="0"/>
               </a:rPr>
-              <a:t>if</a:t>
+              <a:t>counterLabel</a:t>
             </a:r>
             <a:r>
               <a:rPr lang="de-DE" altLang="de-DE" sz="1100" dirty="0">
@@ -8484,7 +7903,97 @@
                 <a:latin typeface="Consolas" panose="020B0609020204030204" pitchFamily="49" charset="0"/>
                 <a:cs typeface="Consolas" panose="020B0609020204030204" pitchFamily="49" charset="0"/>
               </a:rPr>
-              <a:t> (</a:t>
+              <a:t> = </a:t>
+            </a:r>
+            <a:r>
+              <a:rPr lang="de-DE" altLang="de-DE" sz="1100" b="1" dirty="0" err="1">
+                <a:solidFill>
+                  <a:srgbClr val="000080"/>
+                </a:solidFill>
+                <a:latin typeface="Consolas" panose="020B0609020204030204" pitchFamily="49" charset="0"/>
+                <a:cs typeface="Consolas" panose="020B0609020204030204" pitchFamily="49" charset="0"/>
+              </a:rPr>
+              <a:t>new</a:t>
+            </a:r>
+            <a:r>
+              <a:rPr lang="de-DE" altLang="de-DE" sz="1100" b="1" dirty="0">
+                <a:solidFill>
+                  <a:srgbClr val="000080"/>
+                </a:solidFill>
+                <a:latin typeface="Consolas" panose="020B0609020204030204" pitchFamily="49" charset="0"/>
+                <a:cs typeface="Consolas" panose="020B0609020204030204" pitchFamily="49" charset="0"/>
+              </a:rPr>
+              <a:t> </a:t>
+            </a:r>
+            <a:r>
+              <a:rPr lang="de-DE" altLang="de-DE" sz="1100" dirty="0">
+                <a:solidFill>
+                  <a:srgbClr val="000000"/>
+                </a:solidFill>
+                <a:latin typeface="Consolas" panose="020B0609020204030204" pitchFamily="49" charset="0"/>
+                <a:cs typeface="Consolas" panose="020B0609020204030204" pitchFamily="49" charset="0"/>
+              </a:rPr>
+              <a:t>Label(</a:t>
+            </a:r>
+            <a:r>
+              <a:rPr lang="de-DE" altLang="de-DE" sz="1100" b="1" dirty="0">
+                <a:solidFill>
+                  <a:srgbClr val="008000"/>
+                </a:solidFill>
+                <a:latin typeface="Consolas" panose="020B0609020204030204" pitchFamily="49" charset="0"/>
+                <a:cs typeface="Consolas" panose="020B0609020204030204" pitchFamily="49" charset="0"/>
+              </a:rPr>
+              <a:t>"</a:t>
+            </a:r>
+            <a:r>
+              <a:rPr lang="de-DE" altLang="de-DE" sz="1100" b="1" dirty="0" err="1">
+                <a:solidFill>
+                  <a:srgbClr val="FFC000"/>
+                </a:solidFill>
+                <a:latin typeface="Consolas" panose="020B0609020204030204" pitchFamily="49" charset="0"/>
+                <a:cs typeface="Consolas" panose="020B0609020204030204" pitchFamily="49" charset="0"/>
+              </a:rPr>
+              <a:t>counterLabel</a:t>
+            </a:r>
+            <a:r>
+              <a:rPr lang="de-DE" altLang="de-DE" sz="1100" b="1" dirty="0">
+                <a:solidFill>
+                  <a:srgbClr val="008000"/>
+                </a:solidFill>
+                <a:latin typeface="Consolas" panose="020B0609020204030204" pitchFamily="49" charset="0"/>
+                <a:cs typeface="Consolas" panose="020B0609020204030204" pitchFamily="49" charset="0"/>
+              </a:rPr>
+              <a:t>"</a:t>
+            </a:r>
+            <a:r>
+              <a:rPr lang="de-DE" altLang="de-DE" sz="1100" dirty="0">
+                <a:solidFill>
+                  <a:srgbClr val="000000"/>
+                </a:solidFill>
+                <a:latin typeface="Consolas" panose="020B0609020204030204" pitchFamily="49" charset="0"/>
+                <a:cs typeface="Consolas" panose="020B0609020204030204" pitchFamily="49" charset="0"/>
+              </a:rPr>
+              <a:t>, </a:t>
+            </a:r>
+            <a:r>
+              <a:rPr lang="de-DE" altLang="de-DE" sz="1100" b="1" dirty="0" err="1">
+                <a:solidFill>
+                  <a:srgbClr val="000080"/>
+                </a:solidFill>
+                <a:latin typeface="Consolas" panose="020B0609020204030204" pitchFamily="49" charset="0"/>
+                <a:cs typeface="Consolas" panose="020B0609020204030204" pitchFamily="49" charset="0"/>
+              </a:rPr>
+              <a:t>new</a:t>
+            </a:r>
+            <a:r>
+              <a:rPr lang="de-DE" altLang="de-DE" sz="1100" b="1" dirty="0">
+                <a:solidFill>
+                  <a:srgbClr val="000080"/>
+                </a:solidFill>
+                <a:latin typeface="Consolas" panose="020B0609020204030204" pitchFamily="49" charset="0"/>
+                <a:cs typeface="Consolas" panose="020B0609020204030204" pitchFamily="49" charset="0"/>
+              </a:rPr>
+              <a:t> </a:t>
             </a:r>
             <a:r>
               <a:rPr lang="de-DE" altLang="de-DE" sz="1100" dirty="0" err="1">
@@ -8494,7 +8003,7 @@
                 <a:latin typeface="Consolas" panose="020B0609020204030204" pitchFamily="49" charset="0"/>
                 <a:cs typeface="Consolas" panose="020B0609020204030204" pitchFamily="49" charset="0"/>
               </a:rPr>
-              <a:t>target.isPresent</a:t>
+              <a:t>PropertyModel</a:t>
             </a:r>
             <a:r>
               <a:rPr lang="de-DE" altLang="de-DE" sz="1100" dirty="0">
@@ -8504,7 +8013,67 @@
                 <a:latin typeface="Consolas" panose="020B0609020204030204" pitchFamily="49" charset="0"/>
                 <a:cs typeface="Consolas" panose="020B0609020204030204" pitchFamily="49" charset="0"/>
               </a:rPr>
-              <a:t>()){</a:t>
+              <a:t>(</a:t>
+            </a:r>
+            <a:r>
+              <a:rPr lang="de-DE" altLang="de-DE" sz="1100" dirty="0" err="1">
+                <a:solidFill>
+                  <a:srgbClr val="000000"/>
+                </a:solidFill>
+                <a:latin typeface="Consolas" panose="020B0609020204030204" pitchFamily="49" charset="0"/>
+                <a:cs typeface="Consolas" panose="020B0609020204030204" pitchFamily="49" charset="0"/>
+              </a:rPr>
+              <a:t>clickLabel</a:t>
+            </a:r>
+            <a:r>
+              <a:rPr lang="de-DE" altLang="de-DE" sz="1100" dirty="0">
+                <a:solidFill>
+                  <a:srgbClr val="000000"/>
+                </a:solidFill>
+                <a:latin typeface="Consolas" panose="020B0609020204030204" pitchFamily="49" charset="0"/>
+                <a:cs typeface="Consolas" panose="020B0609020204030204" pitchFamily="49" charset="0"/>
+              </a:rPr>
+              <a:t>, </a:t>
+            </a:r>
+            <a:r>
+              <a:rPr lang="de-DE" altLang="de-DE" sz="1100" b="1" dirty="0">
+                <a:solidFill>
+                  <a:srgbClr val="008000"/>
+                </a:solidFill>
+                <a:latin typeface="Consolas" panose="020B0609020204030204" pitchFamily="49" charset="0"/>
+                <a:cs typeface="Consolas" panose="020B0609020204030204" pitchFamily="49" charset="0"/>
+              </a:rPr>
+              <a:t>"</a:t>
+            </a:r>
+            <a:r>
+              <a:rPr lang="de-DE" altLang="de-DE" sz="1100" b="1" dirty="0" err="1">
+                <a:solidFill>
+                  <a:srgbClr val="008000"/>
+                </a:solidFill>
+                <a:latin typeface="Consolas" panose="020B0609020204030204" pitchFamily="49" charset="0"/>
+                <a:cs typeface="Consolas" panose="020B0609020204030204" pitchFamily="49" charset="0"/>
+              </a:rPr>
+              <a:t>counter</a:t>
+            </a:r>
+            <a:r>
+              <a:rPr lang="de-DE" altLang="de-DE" sz="1100" b="1" dirty="0">
+                <a:solidFill>
+                  <a:srgbClr val="008000"/>
+                </a:solidFill>
+                <a:latin typeface="Consolas" panose="020B0609020204030204" pitchFamily="49" charset="0"/>
+                <a:cs typeface="Consolas" panose="020B0609020204030204" pitchFamily="49" charset="0"/>
+              </a:rPr>
+              <a:t>"</a:t>
+            </a:r>
+            <a:r>
+              <a:rPr lang="de-DE" altLang="de-DE" sz="1100" dirty="0">
+                <a:solidFill>
+                  <a:srgbClr val="000000"/>
+                </a:solidFill>
+                <a:latin typeface="Consolas" panose="020B0609020204030204" pitchFamily="49" charset="0"/>
+                <a:cs typeface="Consolas" panose="020B0609020204030204" pitchFamily="49" charset="0"/>
+              </a:rPr>
+              <a:t>));</a:t>
             </a:r>
             <a:br>
               <a:rPr lang="de-DE" altLang="de-DE" sz="1100" dirty="0">
@@ -8523,7 +8092,7 @@
                 <a:latin typeface="Consolas" panose="020B0609020204030204" pitchFamily="49" charset="0"/>
                 <a:cs typeface="Consolas" panose="020B0609020204030204" pitchFamily="49" charset="0"/>
               </a:rPr>
-              <a:t>                    </a:t>
+              <a:t>        </a:t>
             </a:r>
             <a:r>
               <a:rPr lang="de-DE" altLang="de-DE" sz="1100" dirty="0" err="1">
@@ -8533,7 +8102,7 @@
                 <a:latin typeface="Consolas" panose="020B0609020204030204" pitchFamily="49" charset="0"/>
                 <a:cs typeface="Consolas" panose="020B0609020204030204" pitchFamily="49" charset="0"/>
               </a:rPr>
-              <a:t>clickCounterLabel.clickCounter</a:t>
+              <a:t>counterLabel.setOutputMarkupId</a:t>
             </a:r>
             <a:r>
               <a:rPr lang="de-DE" altLang="de-DE" sz="1100" dirty="0">
@@ -8543,76 +8112,17 @@
                 <a:latin typeface="Consolas" panose="020B0609020204030204" pitchFamily="49" charset="0"/>
                 <a:cs typeface="Consolas" panose="020B0609020204030204" pitchFamily="49" charset="0"/>
               </a:rPr>
-              <a:t>++;</a:t>
-            </a:r>
-            <a:br>
-              <a:rPr lang="de-DE" altLang="de-DE" sz="1100" dirty="0">
-                <a:solidFill>
-                  <a:srgbClr val="000000"/>
-                </a:solidFill>
-                <a:latin typeface="Consolas" panose="020B0609020204030204" pitchFamily="49" charset="0"/>
-                <a:cs typeface="Consolas" panose="020B0609020204030204" pitchFamily="49" charset="0"/>
-              </a:rPr>
-            </a:br>
-            <a:r>
-              <a:rPr lang="de-DE" altLang="de-DE" sz="1100" dirty="0">
-                <a:solidFill>
-                  <a:srgbClr val="000000"/>
-                </a:solidFill>
-                <a:latin typeface="Consolas" panose="020B0609020204030204" pitchFamily="49" charset="0"/>
-                <a:cs typeface="Consolas" panose="020B0609020204030204" pitchFamily="49" charset="0"/>
-              </a:rPr>
-              <a:t>                    </a:t>
-            </a:r>
-            <a:r>
-              <a:rPr lang="de-DE" altLang="de-DE" sz="1100" dirty="0" err="1">
-                <a:solidFill>
-                  <a:srgbClr val="000000"/>
-                </a:solidFill>
-                <a:latin typeface="Consolas" panose="020B0609020204030204" pitchFamily="49" charset="0"/>
-                <a:cs typeface="Consolas" panose="020B0609020204030204" pitchFamily="49" charset="0"/>
-              </a:rPr>
-              <a:t>target.get</a:t>
-            </a:r>
-            <a:r>
-              <a:rPr lang="de-DE" altLang="de-DE" sz="1100" dirty="0">
-                <a:solidFill>
-                  <a:srgbClr val="000000"/>
-                </a:solidFill>
-                <a:latin typeface="Consolas" panose="020B0609020204030204" pitchFamily="49" charset="0"/>
-                <a:cs typeface="Consolas" panose="020B0609020204030204" pitchFamily="49" charset="0"/>
-              </a:rPr>
-              <a:t>().</a:t>
-            </a:r>
-            <a:r>
-              <a:rPr lang="de-DE" altLang="de-DE" sz="1100" dirty="0" err="1">
-                <a:solidFill>
-                  <a:srgbClr val="000000"/>
-                </a:solidFill>
-                <a:latin typeface="Consolas" panose="020B0609020204030204" pitchFamily="49" charset="0"/>
-                <a:cs typeface="Consolas" panose="020B0609020204030204" pitchFamily="49" charset="0"/>
-              </a:rPr>
-              <a:t>add</a:t>
-            </a:r>
-            <a:r>
-              <a:rPr lang="de-DE" altLang="de-DE" sz="1100" dirty="0">
-                <a:solidFill>
-                  <a:srgbClr val="000000"/>
-                </a:solidFill>
-                <a:latin typeface="Consolas" panose="020B0609020204030204" pitchFamily="49" charset="0"/>
-                <a:cs typeface="Consolas" panose="020B0609020204030204" pitchFamily="49" charset="0"/>
-              </a:rPr>
               <a:t>(</a:t>
             </a:r>
             <a:r>
-              <a:rPr lang="de-DE" altLang="de-DE" sz="1100" dirty="0" err="1">
-                <a:solidFill>
-                  <a:srgbClr val="000000"/>
-                </a:solidFill>
-                <a:latin typeface="Consolas" panose="020B0609020204030204" pitchFamily="49" charset="0"/>
-                <a:cs typeface="Consolas" panose="020B0609020204030204" pitchFamily="49" charset="0"/>
-              </a:rPr>
-              <a:t>clickCounter</a:t>
+              <a:rPr lang="de-DE" altLang="de-DE" sz="1100" b="1" dirty="0" err="1">
+                <a:solidFill>
+                  <a:srgbClr val="000080"/>
+                </a:solidFill>
+                <a:latin typeface="Consolas" panose="020B0609020204030204" pitchFamily="49" charset="0"/>
+                <a:cs typeface="Consolas" panose="020B0609020204030204" pitchFamily="49" charset="0"/>
+              </a:rPr>
+              <a:t>true</a:t>
             </a:r>
             <a:r>
               <a:rPr lang="de-DE" altLang="de-DE" sz="1100" dirty="0">
@@ -8633,16 +8143,6 @@
               <a:buClrTx/>
               <a:buNone/>
             </a:pPr>
-            <a:r>
-              <a:rPr lang="de-DE" altLang="de-DE" sz="1100" dirty="0">
-                <a:solidFill>
-                  <a:srgbClr val="000000"/>
-                </a:solidFill>
-                <a:latin typeface="Consolas" panose="020B0609020204030204" pitchFamily="49" charset="0"/>
-                <a:cs typeface="Consolas" panose="020B0609020204030204" pitchFamily="49" charset="0"/>
-              </a:rPr>
-              <a:t>                }</a:t>
-            </a:r>
             <a:br>
               <a:rPr lang="de-DE" altLang="de-DE" sz="1100" dirty="0">
                 <a:solidFill>
@@ -8660,9 +8160,19 @@
                 <a:latin typeface="Consolas" panose="020B0609020204030204" pitchFamily="49" charset="0"/>
                 <a:cs typeface="Consolas" panose="020B0609020204030204" pitchFamily="49" charset="0"/>
               </a:rPr>
-              <a:t>            }</a:t>
-            </a:r>
-            <a:br>
+              <a:t>        </a:t>
+            </a:r>
+            <a:r>
+              <a:rPr lang="de-DE" altLang="de-DE" sz="1100" dirty="0" err="1">
+                <a:solidFill>
+                  <a:srgbClr val="000000"/>
+                </a:solidFill>
+                <a:latin typeface="Consolas" panose="020B0609020204030204" pitchFamily="49" charset="0"/>
+                <a:cs typeface="Consolas" panose="020B0609020204030204" pitchFamily="49" charset="0"/>
+              </a:rPr>
+              <a:t>counterLabel.add</a:t>
+            </a:r>
+            <a:r>
               <a:rPr lang="de-DE" altLang="de-DE" sz="1100" dirty="0">
                 <a:solidFill>
                   <a:srgbClr val="000000"/>
@@ -8670,7 +8180,38 @@
                 <a:latin typeface="Consolas" panose="020B0609020204030204" pitchFamily="49" charset="0"/>
                 <a:cs typeface="Consolas" panose="020B0609020204030204" pitchFamily="49" charset="0"/>
               </a:rPr>
-            </a:br>
+              <a:t>(</a:t>
+            </a:r>
+            <a:r>
+              <a:rPr lang="de-DE" altLang="de-DE" sz="1100" b="1" dirty="0" err="1">
+                <a:solidFill>
+                  <a:srgbClr val="000080"/>
+                </a:solidFill>
+                <a:latin typeface="Consolas" panose="020B0609020204030204" pitchFamily="49" charset="0"/>
+                <a:cs typeface="Consolas" panose="020B0609020204030204" pitchFamily="49" charset="0"/>
+              </a:rPr>
+              <a:t>new</a:t>
+            </a:r>
+            <a:r>
+              <a:rPr lang="de-DE" altLang="de-DE" sz="1100" b="1" dirty="0">
+                <a:solidFill>
+                  <a:srgbClr val="000080"/>
+                </a:solidFill>
+                <a:latin typeface="Consolas" panose="020B0609020204030204" pitchFamily="49" charset="0"/>
+                <a:cs typeface="Consolas" panose="020B0609020204030204" pitchFamily="49" charset="0"/>
+              </a:rPr>
+              <a:t> </a:t>
+            </a:r>
+            <a:r>
+              <a:rPr lang="de-DE" altLang="de-DE" sz="1100" dirty="0" err="1">
+                <a:solidFill>
+                  <a:srgbClr val="000000"/>
+                </a:solidFill>
+                <a:latin typeface="Consolas" panose="020B0609020204030204" pitchFamily="49" charset="0"/>
+                <a:cs typeface="Consolas" panose="020B0609020204030204" pitchFamily="49" charset="0"/>
+              </a:rPr>
+              <a:t>AjaxEventBehavior</a:t>
+            </a:r>
             <a:r>
               <a:rPr lang="de-DE" altLang="de-DE" sz="1100" dirty="0">
                 <a:solidFill>
@@ -8679,7 +8220,47 @@
                 <a:latin typeface="Consolas" panose="020B0609020204030204" pitchFamily="49" charset="0"/>
                 <a:cs typeface="Consolas" panose="020B0609020204030204" pitchFamily="49" charset="0"/>
               </a:rPr>
-              <a:t>        });</a:t>
+              <a:t>(</a:t>
+            </a:r>
+            <a:r>
+              <a:rPr lang="de-DE" altLang="de-DE" sz="1100" b="1" dirty="0">
+                <a:solidFill>
+                  <a:srgbClr val="008000"/>
+                </a:solidFill>
+                <a:latin typeface="Consolas" panose="020B0609020204030204" pitchFamily="49" charset="0"/>
+                <a:cs typeface="Consolas" panose="020B0609020204030204" pitchFamily="49" charset="0"/>
+              </a:rPr>
+              <a:t>"</a:t>
+            </a:r>
+            <a:r>
+              <a:rPr lang="de-DE" altLang="de-DE" sz="1100" b="1" dirty="0" err="1">
+                <a:solidFill>
+                  <a:srgbClr val="008000"/>
+                </a:solidFill>
+                <a:latin typeface="Consolas" panose="020B0609020204030204" pitchFamily="49" charset="0"/>
+                <a:cs typeface="Consolas" panose="020B0609020204030204" pitchFamily="49" charset="0"/>
+              </a:rPr>
+              <a:t>click</a:t>
+            </a:r>
+            <a:r>
+              <a:rPr lang="de-DE" altLang="de-DE" sz="1100" b="1" dirty="0">
+                <a:solidFill>
+                  <a:srgbClr val="008000"/>
+                </a:solidFill>
+                <a:latin typeface="Consolas" panose="020B0609020204030204" pitchFamily="49" charset="0"/>
+                <a:cs typeface="Consolas" panose="020B0609020204030204" pitchFamily="49" charset="0"/>
+              </a:rPr>
+              <a:t>"</a:t>
+            </a:r>
+            <a:r>
+              <a:rPr lang="de-DE" altLang="de-DE" sz="1100" dirty="0">
+                <a:solidFill>
+                  <a:srgbClr val="000000"/>
+                </a:solidFill>
+                <a:latin typeface="Consolas" panose="020B0609020204030204" pitchFamily="49" charset="0"/>
+                <a:cs typeface="Consolas" panose="020B0609020204030204" pitchFamily="49" charset="0"/>
+              </a:rPr>
+              <a:t>){</a:t>
             </a:r>
             <a:br>
               <a:rPr lang="de-DE" altLang="de-DE" sz="1100" dirty="0">
@@ -8707,7 +8288,7 @@
                 <a:latin typeface="Consolas" panose="020B0609020204030204" pitchFamily="49" charset="0"/>
                 <a:cs typeface="Consolas" panose="020B0609020204030204" pitchFamily="49" charset="0"/>
               </a:rPr>
-              <a:t>        </a:t>
+              <a:t>            @</a:t>
             </a:r>
             <a:r>
               <a:rPr lang="de-DE" altLang="de-DE" sz="1100" dirty="0" err="1">
@@ -8717,37 +8298,7 @@
                 <a:latin typeface="Consolas" panose="020B0609020204030204" pitchFamily="49" charset="0"/>
                 <a:cs typeface="Consolas" panose="020B0609020204030204" pitchFamily="49" charset="0"/>
               </a:rPr>
-              <a:t>add</a:t>
-            </a:r>
-            <a:r>
-              <a:rPr lang="de-DE" altLang="de-DE" sz="1100" dirty="0">
-                <a:solidFill>
-                  <a:srgbClr val="000000"/>
-                </a:solidFill>
-                <a:latin typeface="Consolas" panose="020B0609020204030204" pitchFamily="49" charset="0"/>
-                <a:cs typeface="Consolas" panose="020B0609020204030204" pitchFamily="49" charset="0"/>
-              </a:rPr>
-              <a:t>(</a:t>
-            </a:r>
-            <a:r>
-              <a:rPr lang="de-DE" altLang="de-DE" sz="1100" dirty="0" err="1">
-                <a:solidFill>
-                  <a:srgbClr val="000000"/>
-                </a:solidFill>
-                <a:latin typeface="Consolas" panose="020B0609020204030204" pitchFamily="49" charset="0"/>
-                <a:cs typeface="Consolas" panose="020B0609020204030204" pitchFamily="49" charset="0"/>
-              </a:rPr>
-              <a:t>clickCounterLabel</a:t>
-            </a:r>
-            <a:r>
-              <a:rPr lang="de-DE" altLang="de-DE" sz="1100" dirty="0">
-                <a:solidFill>
-                  <a:srgbClr val="000000"/>
-                </a:solidFill>
-                <a:latin typeface="Consolas" panose="020B0609020204030204" pitchFamily="49" charset="0"/>
-                <a:cs typeface="Consolas" panose="020B0609020204030204" pitchFamily="49" charset="0"/>
-              </a:rPr>
-              <a:t>);</a:t>
+              <a:t>Override</a:t>
             </a:r>
             <a:br>
               <a:rPr lang="de-DE" altLang="de-DE" sz="1100" dirty="0">
@@ -8766,6 +8317,368 @@
                 <a:latin typeface="Consolas" panose="020B0609020204030204" pitchFamily="49" charset="0"/>
                 <a:cs typeface="Consolas" panose="020B0609020204030204" pitchFamily="49" charset="0"/>
               </a:rPr>
+              <a:t>            </a:t>
+            </a:r>
+            <a:r>
+              <a:rPr lang="de-DE" altLang="de-DE" sz="1100" b="1" dirty="0" err="1">
+                <a:solidFill>
+                  <a:srgbClr val="000080"/>
+                </a:solidFill>
+                <a:latin typeface="Consolas" panose="020B0609020204030204" pitchFamily="49" charset="0"/>
+                <a:cs typeface="Consolas" panose="020B0609020204030204" pitchFamily="49" charset="0"/>
+              </a:rPr>
+              <a:t>protected</a:t>
+            </a:r>
+            <a:r>
+              <a:rPr lang="de-DE" altLang="de-DE" sz="1100" b="1" dirty="0">
+                <a:solidFill>
+                  <a:srgbClr val="000080"/>
+                </a:solidFill>
+                <a:latin typeface="Consolas" panose="020B0609020204030204" pitchFamily="49" charset="0"/>
+                <a:cs typeface="Consolas" panose="020B0609020204030204" pitchFamily="49" charset="0"/>
+              </a:rPr>
+              <a:t> </a:t>
+            </a:r>
+            <a:r>
+              <a:rPr lang="de-DE" altLang="de-DE" sz="1100" b="1" dirty="0" err="1">
+                <a:solidFill>
+                  <a:srgbClr val="000080"/>
+                </a:solidFill>
+                <a:latin typeface="Consolas" panose="020B0609020204030204" pitchFamily="49" charset="0"/>
+                <a:cs typeface="Consolas" panose="020B0609020204030204" pitchFamily="49" charset="0"/>
+              </a:rPr>
+              <a:t>void</a:t>
+            </a:r>
+            <a:r>
+              <a:rPr lang="de-DE" altLang="de-DE" sz="1100" b="1" dirty="0">
+                <a:solidFill>
+                  <a:srgbClr val="000080"/>
+                </a:solidFill>
+                <a:latin typeface="Consolas" panose="020B0609020204030204" pitchFamily="49" charset="0"/>
+                <a:cs typeface="Consolas" panose="020B0609020204030204" pitchFamily="49" charset="0"/>
+              </a:rPr>
+              <a:t> </a:t>
+            </a:r>
+            <a:r>
+              <a:rPr lang="de-DE" altLang="de-DE" sz="1100" dirty="0" err="1">
+                <a:solidFill>
+                  <a:srgbClr val="000000"/>
+                </a:solidFill>
+                <a:latin typeface="Consolas" panose="020B0609020204030204" pitchFamily="49" charset="0"/>
+                <a:cs typeface="Consolas" panose="020B0609020204030204" pitchFamily="49" charset="0"/>
+              </a:rPr>
+              <a:t>onEvent</a:t>
+            </a:r>
+            <a:r>
+              <a:rPr lang="de-DE" altLang="de-DE" sz="1100" dirty="0">
+                <a:solidFill>
+                  <a:srgbClr val="000000"/>
+                </a:solidFill>
+                <a:latin typeface="Consolas" panose="020B0609020204030204" pitchFamily="49" charset="0"/>
+                <a:cs typeface="Consolas" panose="020B0609020204030204" pitchFamily="49" charset="0"/>
+              </a:rPr>
+              <a:t>(Optional&lt;</a:t>
+            </a:r>
+            <a:r>
+              <a:rPr lang="de-DE" altLang="de-DE" sz="1100" dirty="0" err="1">
+                <a:solidFill>
+                  <a:srgbClr val="000000"/>
+                </a:solidFill>
+                <a:latin typeface="Consolas" panose="020B0609020204030204" pitchFamily="49" charset="0"/>
+                <a:cs typeface="Consolas" panose="020B0609020204030204" pitchFamily="49" charset="0"/>
+              </a:rPr>
+              <a:t>AjaxRequestTarget</a:t>
+            </a:r>
+            <a:r>
+              <a:rPr lang="de-DE" altLang="de-DE" sz="1100" dirty="0">
+                <a:solidFill>
+                  <a:srgbClr val="000000"/>
+                </a:solidFill>
+                <a:latin typeface="Consolas" panose="020B0609020204030204" pitchFamily="49" charset="0"/>
+                <a:cs typeface="Consolas" panose="020B0609020204030204" pitchFamily="49" charset="0"/>
+              </a:rPr>
+              <a:t>&gt; </a:t>
+            </a:r>
+            <a:r>
+              <a:rPr lang="de-DE" altLang="de-DE" sz="1100" dirty="0" err="1">
+                <a:solidFill>
+                  <a:srgbClr val="000000"/>
+                </a:solidFill>
+                <a:latin typeface="Consolas" panose="020B0609020204030204" pitchFamily="49" charset="0"/>
+                <a:cs typeface="Consolas" panose="020B0609020204030204" pitchFamily="49" charset="0"/>
+              </a:rPr>
+              <a:t>target</a:t>
+            </a:r>
+            <a:r>
+              <a:rPr lang="de-DE" altLang="de-DE" sz="1100" dirty="0">
+                <a:solidFill>
+                  <a:srgbClr val="000000"/>
+                </a:solidFill>
+                <a:latin typeface="Consolas" panose="020B0609020204030204" pitchFamily="49" charset="0"/>
+                <a:cs typeface="Consolas" panose="020B0609020204030204" pitchFamily="49" charset="0"/>
+              </a:rPr>
+              <a:t>) {</a:t>
+            </a:r>
+          </a:p>
+          <a:p>
+            <a:pPr marL="0" lvl="0" indent="0">
+              <a:spcBef>
+                <a:spcPct val="0"/>
+              </a:spcBef>
+              <a:buClrTx/>
+              <a:buNone/>
+            </a:pPr>
+            <a:r>
+              <a:rPr lang="de-DE" altLang="de-DE" sz="1100" dirty="0">
+                <a:solidFill>
+                  <a:srgbClr val="000000"/>
+                </a:solidFill>
+                <a:latin typeface="Consolas" panose="020B0609020204030204" pitchFamily="49" charset="0"/>
+                <a:cs typeface="Consolas" panose="020B0609020204030204" pitchFamily="49" charset="0"/>
+              </a:rPr>
+              <a:t>                </a:t>
+            </a:r>
+            <a:r>
+              <a:rPr lang="de-DE" altLang="de-DE" sz="1100" dirty="0" err="1">
+                <a:solidFill>
+                  <a:srgbClr val="000000"/>
+                </a:solidFill>
+                <a:latin typeface="Consolas" panose="020B0609020204030204" pitchFamily="49" charset="0"/>
+                <a:cs typeface="Consolas" panose="020B0609020204030204" pitchFamily="49" charset="0"/>
+              </a:rPr>
+              <a:t>if</a:t>
+            </a:r>
+            <a:r>
+              <a:rPr lang="de-DE" altLang="de-DE" sz="1100" dirty="0">
+                <a:solidFill>
+                  <a:srgbClr val="000000"/>
+                </a:solidFill>
+                <a:latin typeface="Consolas" panose="020B0609020204030204" pitchFamily="49" charset="0"/>
+                <a:cs typeface="Consolas" panose="020B0609020204030204" pitchFamily="49" charset="0"/>
+              </a:rPr>
+              <a:t> (</a:t>
+            </a:r>
+            <a:r>
+              <a:rPr lang="de-DE" altLang="de-DE" sz="1100" dirty="0" err="1">
+                <a:solidFill>
+                  <a:srgbClr val="000000"/>
+                </a:solidFill>
+                <a:latin typeface="Consolas" panose="020B0609020204030204" pitchFamily="49" charset="0"/>
+                <a:cs typeface="Consolas" panose="020B0609020204030204" pitchFamily="49" charset="0"/>
+              </a:rPr>
+              <a:t>target.isPresent</a:t>
+            </a:r>
+            <a:r>
+              <a:rPr lang="de-DE" altLang="de-DE" sz="1100" dirty="0">
+                <a:solidFill>
+                  <a:srgbClr val="000000"/>
+                </a:solidFill>
+                <a:latin typeface="Consolas" panose="020B0609020204030204" pitchFamily="49" charset="0"/>
+                <a:cs typeface="Consolas" panose="020B0609020204030204" pitchFamily="49" charset="0"/>
+              </a:rPr>
+              <a:t>()){</a:t>
+            </a:r>
+            <a:br>
+              <a:rPr lang="de-DE" altLang="de-DE" sz="1100" dirty="0">
+                <a:solidFill>
+                  <a:srgbClr val="000000"/>
+                </a:solidFill>
+                <a:latin typeface="Consolas" panose="020B0609020204030204" pitchFamily="49" charset="0"/>
+                <a:cs typeface="Consolas" panose="020B0609020204030204" pitchFamily="49" charset="0"/>
+              </a:rPr>
+            </a:br>
+            <a:r>
+              <a:rPr lang="de-DE" altLang="de-DE" sz="1100" dirty="0">
+                <a:solidFill>
+                  <a:srgbClr val="000000"/>
+                </a:solidFill>
+                <a:latin typeface="Consolas" panose="020B0609020204030204" pitchFamily="49" charset="0"/>
+                <a:cs typeface="Consolas" panose="020B0609020204030204" pitchFamily="49" charset="0"/>
+              </a:rPr>
+              <a:t>                    </a:t>
+            </a:r>
+            <a:r>
+              <a:rPr lang="de-DE" altLang="de-DE" sz="1100" dirty="0" err="1">
+                <a:solidFill>
+                  <a:srgbClr val="000000"/>
+                </a:solidFill>
+                <a:latin typeface="Consolas" panose="020B0609020204030204" pitchFamily="49" charset="0"/>
+                <a:cs typeface="Consolas" panose="020B0609020204030204" pitchFamily="49" charset="0"/>
+              </a:rPr>
+              <a:t>clickLabel.incrementCounter</a:t>
+            </a:r>
+            <a:r>
+              <a:rPr lang="de-DE" altLang="de-DE" sz="1100" dirty="0">
+                <a:solidFill>
+                  <a:srgbClr val="000000"/>
+                </a:solidFill>
+                <a:latin typeface="Consolas" panose="020B0609020204030204" pitchFamily="49" charset="0"/>
+                <a:cs typeface="Consolas" panose="020B0609020204030204" pitchFamily="49" charset="0"/>
+              </a:rPr>
+              <a:t>();</a:t>
+            </a:r>
+            <a:br>
+              <a:rPr lang="de-DE" altLang="de-DE" sz="1100" dirty="0">
+                <a:solidFill>
+                  <a:srgbClr val="000000"/>
+                </a:solidFill>
+                <a:latin typeface="Consolas" panose="020B0609020204030204" pitchFamily="49" charset="0"/>
+                <a:cs typeface="Consolas" panose="020B0609020204030204" pitchFamily="49" charset="0"/>
+              </a:rPr>
+            </a:br>
+            <a:r>
+              <a:rPr lang="de-DE" altLang="de-DE" sz="1100" dirty="0">
+                <a:solidFill>
+                  <a:srgbClr val="000000"/>
+                </a:solidFill>
+                <a:latin typeface="Consolas" panose="020B0609020204030204" pitchFamily="49" charset="0"/>
+                <a:cs typeface="Consolas" panose="020B0609020204030204" pitchFamily="49" charset="0"/>
+              </a:rPr>
+              <a:t>                    </a:t>
+            </a:r>
+            <a:r>
+              <a:rPr lang="de-DE" altLang="de-DE" sz="1100" dirty="0" err="1">
+                <a:solidFill>
+                  <a:srgbClr val="000000"/>
+                </a:solidFill>
+                <a:latin typeface="Consolas" panose="020B0609020204030204" pitchFamily="49" charset="0"/>
+                <a:cs typeface="Consolas" panose="020B0609020204030204" pitchFamily="49" charset="0"/>
+              </a:rPr>
+              <a:t>target.get</a:t>
+            </a:r>
+            <a:r>
+              <a:rPr lang="de-DE" altLang="de-DE" sz="1100" dirty="0">
+                <a:solidFill>
+                  <a:srgbClr val="000000"/>
+                </a:solidFill>
+                <a:latin typeface="Consolas" panose="020B0609020204030204" pitchFamily="49" charset="0"/>
+                <a:cs typeface="Consolas" panose="020B0609020204030204" pitchFamily="49" charset="0"/>
+              </a:rPr>
+              <a:t>().</a:t>
+            </a:r>
+            <a:r>
+              <a:rPr lang="de-DE" altLang="de-DE" sz="1100" dirty="0" err="1">
+                <a:solidFill>
+                  <a:srgbClr val="000000"/>
+                </a:solidFill>
+                <a:latin typeface="Consolas" panose="020B0609020204030204" pitchFamily="49" charset="0"/>
+                <a:cs typeface="Consolas" panose="020B0609020204030204" pitchFamily="49" charset="0"/>
+              </a:rPr>
+              <a:t>add</a:t>
+            </a:r>
+            <a:r>
+              <a:rPr lang="de-DE" altLang="de-DE" sz="1100" dirty="0">
+                <a:solidFill>
+                  <a:srgbClr val="000000"/>
+                </a:solidFill>
+                <a:latin typeface="Consolas" panose="020B0609020204030204" pitchFamily="49" charset="0"/>
+                <a:cs typeface="Consolas" panose="020B0609020204030204" pitchFamily="49" charset="0"/>
+              </a:rPr>
+              <a:t>(</a:t>
+            </a:r>
+            <a:r>
+              <a:rPr lang="de-DE" altLang="de-DE" sz="1100" dirty="0" err="1">
+                <a:solidFill>
+                  <a:srgbClr val="000000"/>
+                </a:solidFill>
+                <a:latin typeface="Consolas" panose="020B0609020204030204" pitchFamily="49" charset="0"/>
+                <a:cs typeface="Consolas" panose="020B0609020204030204" pitchFamily="49" charset="0"/>
+              </a:rPr>
+              <a:t>counterLabel</a:t>
+            </a:r>
+            <a:r>
+              <a:rPr lang="de-DE" altLang="de-DE" sz="1100" dirty="0">
+                <a:solidFill>
+                  <a:srgbClr val="000000"/>
+                </a:solidFill>
+                <a:latin typeface="Consolas" panose="020B0609020204030204" pitchFamily="49" charset="0"/>
+                <a:cs typeface="Consolas" panose="020B0609020204030204" pitchFamily="49" charset="0"/>
+              </a:rPr>
+              <a:t>);</a:t>
+            </a:r>
+          </a:p>
+          <a:p>
+            <a:pPr marL="0" lvl="0" indent="0">
+              <a:spcBef>
+                <a:spcPct val="0"/>
+              </a:spcBef>
+              <a:buClrTx/>
+              <a:buNone/>
+            </a:pPr>
+            <a:r>
+              <a:rPr lang="de-DE" altLang="de-DE" sz="1100" dirty="0">
+                <a:solidFill>
+                  <a:srgbClr val="000000"/>
+                </a:solidFill>
+                <a:latin typeface="Consolas" panose="020B0609020204030204" pitchFamily="49" charset="0"/>
+                <a:cs typeface="Consolas" panose="020B0609020204030204" pitchFamily="49" charset="0"/>
+              </a:rPr>
+              <a:t>                }</a:t>
+            </a:r>
+            <a:br>
+              <a:rPr lang="de-DE" altLang="de-DE" sz="1100" dirty="0">
+                <a:solidFill>
+                  <a:srgbClr val="000000"/>
+                </a:solidFill>
+                <a:latin typeface="Consolas" panose="020B0609020204030204" pitchFamily="49" charset="0"/>
+                <a:cs typeface="Consolas" panose="020B0609020204030204" pitchFamily="49" charset="0"/>
+              </a:rPr>
+            </a:br>
+            <a:r>
+              <a:rPr lang="de-DE" altLang="de-DE" sz="1100" dirty="0">
+                <a:solidFill>
+                  <a:srgbClr val="000000"/>
+                </a:solidFill>
+                <a:latin typeface="Consolas" panose="020B0609020204030204" pitchFamily="49" charset="0"/>
+                <a:cs typeface="Consolas" panose="020B0609020204030204" pitchFamily="49" charset="0"/>
+              </a:rPr>
+              <a:t>            }</a:t>
+            </a:r>
+            <a:br>
+              <a:rPr lang="de-DE" altLang="de-DE" sz="1100" dirty="0">
+                <a:solidFill>
+                  <a:srgbClr val="000000"/>
+                </a:solidFill>
+                <a:latin typeface="Consolas" panose="020B0609020204030204" pitchFamily="49" charset="0"/>
+                <a:cs typeface="Consolas" panose="020B0609020204030204" pitchFamily="49" charset="0"/>
+              </a:rPr>
+            </a:br>
+            <a:r>
+              <a:rPr lang="de-DE" altLang="de-DE" sz="1100" dirty="0">
+                <a:solidFill>
+                  <a:srgbClr val="000000"/>
+                </a:solidFill>
+                <a:latin typeface="Consolas" panose="020B0609020204030204" pitchFamily="49" charset="0"/>
+                <a:cs typeface="Consolas" panose="020B0609020204030204" pitchFamily="49" charset="0"/>
+              </a:rPr>
+              <a:t>        });</a:t>
+            </a:r>
+            <a:br>
+              <a:rPr lang="de-DE" altLang="de-DE" sz="1100" dirty="0">
+                <a:solidFill>
+                  <a:srgbClr val="000000"/>
+                </a:solidFill>
+                <a:latin typeface="Consolas" panose="020B0609020204030204" pitchFamily="49" charset="0"/>
+                <a:cs typeface="Consolas" panose="020B0609020204030204" pitchFamily="49" charset="0"/>
+              </a:rPr>
+            </a:br>
+            <a:br>
+              <a:rPr lang="de-DE" altLang="de-DE" sz="1100" dirty="0">
+                <a:solidFill>
+                  <a:srgbClr val="000000"/>
+                </a:solidFill>
+                <a:latin typeface="Consolas" panose="020B0609020204030204" pitchFamily="49" charset="0"/>
+                <a:cs typeface="Consolas" panose="020B0609020204030204" pitchFamily="49" charset="0"/>
+              </a:rPr>
+            </a:br>
+            <a:r>
+              <a:rPr lang="de-DE" altLang="de-DE" sz="1100" dirty="0">
+                <a:solidFill>
+                  <a:srgbClr val="000000"/>
+                </a:solidFill>
+                <a:latin typeface="Consolas" panose="020B0609020204030204" pitchFamily="49" charset="0"/>
+                <a:cs typeface="Consolas" panose="020B0609020204030204" pitchFamily="49" charset="0"/>
+              </a:rPr>
               <a:t>        </a:t>
             </a:r>
             <a:r>
@@ -8796,7 +8709,7 @@
                 <a:latin typeface="Consolas" panose="020B0609020204030204" pitchFamily="49" charset="0"/>
                 <a:cs typeface="Consolas" panose="020B0609020204030204" pitchFamily="49" charset="0"/>
               </a:rPr>
-              <a:t>clickCounter.setOutputMarkupId</a:t>
+              <a:t>clickLabel</a:t>
             </a:r>
             <a:r>
               <a:rPr lang="de-DE" altLang="de-DE" sz="1100" dirty="0">
@@ -8806,17 +8719,56 @@
                 <a:latin typeface="Consolas" panose="020B0609020204030204" pitchFamily="49" charset="0"/>
                 <a:cs typeface="Consolas" panose="020B0609020204030204" pitchFamily="49" charset="0"/>
               </a:rPr>
+              <a:t>);</a:t>
+            </a:r>
+            <a:br>
+              <a:rPr lang="de-DE" altLang="de-DE" sz="1100" dirty="0">
+                <a:solidFill>
+                  <a:srgbClr val="000000"/>
+                </a:solidFill>
+                <a:latin typeface="Consolas" panose="020B0609020204030204" pitchFamily="49" charset="0"/>
+                <a:cs typeface="Consolas" panose="020B0609020204030204" pitchFamily="49" charset="0"/>
+              </a:rPr>
+            </a:br>
+            <a:r>
+              <a:rPr lang="de-DE" altLang="de-DE" sz="1100" dirty="0">
+                <a:solidFill>
+                  <a:srgbClr val="000000"/>
+                </a:solidFill>
+                <a:latin typeface="Consolas" panose="020B0609020204030204" pitchFamily="49" charset="0"/>
+                <a:cs typeface="Consolas" panose="020B0609020204030204" pitchFamily="49" charset="0"/>
+              </a:rPr>
+              <a:t>        </a:t>
+            </a:r>
+            <a:r>
+              <a:rPr lang="de-DE" altLang="de-DE" sz="1100" dirty="0" err="1">
+                <a:solidFill>
+                  <a:srgbClr val="000000"/>
+                </a:solidFill>
+                <a:latin typeface="Consolas" panose="020B0609020204030204" pitchFamily="49" charset="0"/>
+                <a:cs typeface="Consolas" panose="020B0609020204030204" pitchFamily="49" charset="0"/>
+              </a:rPr>
+              <a:t>add</a:t>
+            </a:r>
+            <a:r>
+              <a:rPr lang="de-DE" altLang="de-DE" sz="1100" dirty="0">
+                <a:solidFill>
+                  <a:srgbClr val="000000"/>
+                </a:solidFill>
+                <a:latin typeface="Consolas" panose="020B0609020204030204" pitchFamily="49" charset="0"/>
+                <a:cs typeface="Consolas" panose="020B0609020204030204" pitchFamily="49" charset="0"/>
+              </a:rPr>
               <a:t>(</a:t>
             </a:r>
             <a:r>
-              <a:rPr lang="de-DE" altLang="de-DE" sz="1100" b="1" dirty="0" err="1">
-                <a:solidFill>
-                  <a:srgbClr val="000080"/>
-                </a:solidFill>
-                <a:latin typeface="Consolas" panose="020B0609020204030204" pitchFamily="49" charset="0"/>
-                <a:cs typeface="Consolas" panose="020B0609020204030204" pitchFamily="49" charset="0"/>
-              </a:rPr>
-              <a:t>true</a:t>
+              <a:rPr lang="de-DE" altLang="de-DE" sz="1100" dirty="0" err="1">
+                <a:solidFill>
+                  <a:srgbClr val="000000"/>
+                </a:solidFill>
+                <a:latin typeface="Consolas" panose="020B0609020204030204" pitchFamily="49" charset="0"/>
+                <a:cs typeface="Consolas" panose="020B0609020204030204" pitchFamily="49" charset="0"/>
+              </a:rPr>
+              <a:t>counterLabel</a:t>
             </a:r>
             <a:r>
               <a:rPr lang="de-DE" altLang="de-DE" sz="1100" dirty="0">
@@ -8826,7 +8778,7 @@
                 <a:latin typeface="Consolas" panose="020B0609020204030204" pitchFamily="49" charset="0"/>
                 <a:cs typeface="Consolas" panose="020B0609020204030204" pitchFamily="49" charset="0"/>
               </a:rPr>
-              <a:t>));</a:t>
+              <a:t>)</a:t>
             </a:r>
             <a:br>
               <a:rPr lang="de-DE" altLang="de-DE" sz="1100" dirty="0">
@@ -11335,7 +11287,7 @@
             <a:r>
               <a:rPr lang="de-DE" altLang="de-DE" sz="1600" b="1" dirty="0" err="1">
                 <a:solidFill>
-                  <a:srgbClr val="008000"/>
+                  <a:srgbClr val="FF0000"/>
                 </a:solidFill>
                 <a:latin typeface="Consolas" panose="020B0609020204030204" pitchFamily="49" charset="0"/>
                 <a:cs typeface="Consolas" panose="020B0609020204030204" pitchFamily="49" charset="0"/>
@@ -11454,7 +11406,7 @@
             <a:r>
               <a:rPr lang="de-DE" altLang="de-DE" sz="1600" b="1" dirty="0" err="1">
                 <a:solidFill>
-                  <a:srgbClr val="008000"/>
+                  <a:srgbClr val="FFC000"/>
                 </a:solidFill>
                 <a:latin typeface="Consolas" panose="020B0609020204030204" pitchFamily="49" charset="0"/>
                 <a:cs typeface="Consolas" panose="020B0609020204030204" pitchFamily="49" charset="0"/>
@@ -11884,7 +11836,7 @@
             <a:r>
               <a:rPr lang="de-DE" altLang="de-DE" sz="1400" b="1" dirty="0" err="1">
                 <a:solidFill>
-                  <a:srgbClr val="008000"/>
+                  <a:srgbClr val="FFC000"/>
                 </a:solidFill>
                 <a:latin typeface="Consolas" panose="020B0609020204030204" pitchFamily="49" charset="0"/>
                 <a:cs typeface="Consolas" panose="020B0609020204030204" pitchFamily="49" charset="0"/>
@@ -12327,7 +12279,7 @@
             <a:r>
               <a:rPr lang="de-DE" altLang="de-DE" sz="1400" b="1" dirty="0" err="1">
                 <a:solidFill>
-                  <a:srgbClr val="008000"/>
+                  <a:srgbClr val="FF0000"/>
                 </a:solidFill>
                 <a:latin typeface="Consolas" panose="020B0609020204030204" pitchFamily="49" charset="0"/>
                 <a:cs typeface="Consolas" panose="020B0609020204030204" pitchFamily="49" charset="0"/>

--- a/slides/Tag-2_4-Bestandteile_Ajax.pptx
+++ b/slides/Tag-2_4-Bestandteile_Ajax.pptx
@@ -4932,7 +4932,7 @@
               <a:pPr algn="ctr">
                 <a:defRPr/>
               </a:pPr>
-              <a:t>20.03.2019</a:t>
+              <a:t>27.02.2020</a:t>
             </a:fld>
             <a:endParaRPr lang="de-DE" sz="1000" dirty="0">
               <a:solidFill>
@@ -8170,7 +8170,7 @@
                 <a:latin typeface="Consolas" panose="020B0609020204030204" pitchFamily="49" charset="0"/>
                 <a:cs typeface="Consolas" panose="020B0609020204030204" pitchFamily="49" charset="0"/>
               </a:rPr>
-              <a:t>counterLabel.add</a:t>
+              <a:t>clickLabel.add</a:t>
             </a:r>
             <a:r>
               <a:rPr lang="de-DE" altLang="de-DE" sz="1100" dirty="0">
@@ -11724,6 +11724,15 @@
               </a:rPr>
               <a:t>);</a:t>
             </a:r>
+          </a:p>
+          <a:p>
+            <a:pPr marL="400050" lvl="1" indent="0">
+              <a:spcBef>
+                <a:spcPct val="0"/>
+              </a:spcBef>
+              <a:buClrTx/>
+              <a:buNone/>
+            </a:pPr>
             <a:br>
               <a:rPr lang="de-DE" altLang="de-DE" sz="1400" dirty="0">
                 <a:solidFill>

--- a/slides/Tag-2_4-Bestandteile_Ajax.pptx
+++ b/slides/Tag-2_4-Bestandteile_Ajax.pptx
@@ -4932,7 +4932,7 @@
               <a:pPr algn="ctr">
                 <a:defRPr/>
               </a:pPr>
-              <a:t>27.02.2020</a:t>
+              <a:t>01.03.2020</a:t>
             </a:fld>
             <a:endParaRPr lang="de-DE" sz="1000" dirty="0">
               <a:solidFill>
@@ -7828,6 +7828,26 @@
               <a:t>, </a:t>
             </a:r>
             <a:r>
+              <a:rPr lang="de-DE" altLang="de-DE" sz="1100" dirty="0" err="1">
+                <a:solidFill>
+                  <a:srgbClr val="000000"/>
+                </a:solidFill>
+                <a:latin typeface="Consolas" panose="020B0609020204030204" pitchFamily="49" charset="0"/>
+                <a:cs typeface="Consolas" panose="020B0609020204030204" pitchFamily="49" charset="0"/>
+              </a:rPr>
+              <a:t>Model.of</a:t>
+            </a:r>
+            <a:r>
+              <a:rPr lang="de-DE" altLang="de-DE" sz="1100" dirty="0">
+                <a:solidFill>
+                  <a:srgbClr val="000000"/>
+                </a:solidFill>
+                <a:latin typeface="Consolas" panose="020B0609020204030204" pitchFamily="49" charset="0"/>
+                <a:cs typeface="Consolas" panose="020B0609020204030204" pitchFamily="49" charset="0"/>
+              </a:rPr>
+              <a:t>(</a:t>
+            </a:r>
+            <a:r>
               <a:rPr lang="de-DE" altLang="de-DE" sz="1100" b="1" dirty="0">
                 <a:solidFill>
                   <a:srgbClr val="008000"/>
@@ -7845,7 +7865,7 @@
                 <a:latin typeface="Consolas" panose="020B0609020204030204" pitchFamily="49" charset="0"/>
                 <a:cs typeface="Consolas" panose="020B0609020204030204" pitchFamily="49" charset="0"/>
               </a:rPr>
-              <a:t>);</a:t>
+              <a:t>));</a:t>
             </a:r>
             <a:br>
               <a:rPr lang="de-DE" altLang="de-DE" sz="1100" dirty="0">
@@ -10241,6 +10261,26 @@
               <a:t>, </a:t>
             </a:r>
             <a:r>
+              <a:rPr lang="de-DE" altLang="de-DE" sz="1600" dirty="0" err="1">
+                <a:solidFill>
+                  <a:srgbClr val="000000"/>
+                </a:solidFill>
+                <a:latin typeface="Consolas" panose="020B0609020204030204" pitchFamily="49" charset="0"/>
+                <a:cs typeface="Consolas" panose="020B0609020204030204" pitchFamily="49" charset="0"/>
+              </a:rPr>
+              <a:t>Model.of</a:t>
+            </a:r>
+            <a:r>
+              <a:rPr lang="de-DE" altLang="de-DE" sz="1600" dirty="0">
+                <a:solidFill>
+                  <a:srgbClr val="000000"/>
+                </a:solidFill>
+                <a:latin typeface="Consolas" panose="020B0609020204030204" pitchFamily="49" charset="0"/>
+                <a:cs typeface="Consolas" panose="020B0609020204030204" pitchFamily="49" charset="0"/>
+              </a:rPr>
+              <a:t>(</a:t>
+            </a:r>
+            <a:r>
               <a:rPr lang="de-DE" altLang="de-DE" sz="1600" b="1" dirty="0">
                 <a:solidFill>
                   <a:srgbClr val="008000"/>
@@ -10278,7 +10318,7 @@
                 <a:latin typeface="Consolas" panose="020B0609020204030204" pitchFamily="49" charset="0"/>
                 <a:cs typeface="Consolas" panose="020B0609020204030204" pitchFamily="49" charset="0"/>
               </a:rPr>
-              <a:t>);       </a:t>
+              <a:t>));       </a:t>
             </a:r>
             <a:br>
               <a:rPr lang="de-DE" altLang="de-DE" sz="1600" dirty="0">
@@ -10538,7 +10578,7 @@
                 <a:latin typeface="Consolas" panose="020B0609020204030204" pitchFamily="49" charset="0"/>
                 <a:cs typeface="Consolas" panose="020B0609020204030204" pitchFamily="49" charset="0"/>
               </a:rPr>
-              <a:t>){</a:t>
+              <a:t>) {</a:t>
             </a:r>
             <a:br>
               <a:rPr lang="de-DE" altLang="de-DE" sz="1600" dirty="0">
@@ -10741,7 +10781,7 @@
                 <a:latin typeface="Consolas" panose="020B0609020204030204" pitchFamily="49" charset="0"/>
                 <a:cs typeface="Consolas" panose="020B0609020204030204" pitchFamily="49" charset="0"/>
               </a:rPr>
-              <a:t>()){</a:t>
+              <a:t>()) {</a:t>
             </a:r>
             <a:br>
               <a:rPr lang="de-DE" altLang="de-DE" sz="1600" dirty="0">
@@ -11962,6 +12002,26 @@
               <a:t>(), </a:t>
             </a:r>
             <a:r>
+              <a:rPr lang="de-DE" altLang="de-DE" sz="1400" dirty="0" err="1">
+                <a:solidFill>
+                  <a:srgbClr val="000000"/>
+                </a:solidFill>
+                <a:latin typeface="Consolas" panose="020B0609020204030204" pitchFamily="49" charset="0"/>
+                <a:cs typeface="Consolas" panose="020B0609020204030204" pitchFamily="49" charset="0"/>
+              </a:rPr>
+              <a:t>Model.of</a:t>
+            </a:r>
+            <a:r>
+              <a:rPr lang="de-DE" altLang="de-DE" sz="1400" dirty="0">
+                <a:solidFill>
+                  <a:srgbClr val="000000"/>
+                </a:solidFill>
+                <a:latin typeface="Consolas" panose="020B0609020204030204" pitchFamily="49" charset="0"/>
+                <a:cs typeface="Consolas" panose="020B0609020204030204" pitchFamily="49" charset="0"/>
+              </a:rPr>
+              <a:t>(</a:t>
+            </a:r>
+            <a:r>
               <a:rPr lang="de-DE" altLang="de-DE" sz="1400" b="1" dirty="0">
                 <a:solidFill>
                   <a:srgbClr val="008000"/>
@@ -11979,7 +12039,7 @@
                 <a:latin typeface="Consolas" panose="020B0609020204030204" pitchFamily="49" charset="0"/>
                 <a:cs typeface="Consolas" panose="020B0609020204030204" pitchFamily="49" charset="0"/>
               </a:rPr>
-              <a:t>);</a:t>
+              <a:t>));</a:t>
             </a:r>
             <a:br>
               <a:rPr lang="de-DE" altLang="de-DE" sz="1400" dirty="0">
@@ -12520,7 +12580,7 @@
                 <a:latin typeface="Consolas" panose="020B0609020204030204" pitchFamily="49" charset="0"/>
                 <a:cs typeface="Consolas" panose="020B0609020204030204" pitchFamily="49" charset="0"/>
               </a:rPr>
-              <a:t>()){</a:t>
+              <a:t>()) {</a:t>
             </a:r>
             <a:br>
               <a:rPr lang="de-DE" altLang="de-DE" sz="1400" dirty="0">

--- a/slides/Tag-2_4-Bestandteile_Ajax.pptx
+++ b/slides/Tag-2_4-Bestandteile_Ajax.pptx
@@ -4932,7 +4932,7 @@
               <a:pPr algn="ctr">
                 <a:defRPr/>
               </a:pPr>
-              <a:t>01.03.2020</a:t>
+              <a:t>14.05.2021</a:t>
             </a:fld>
             <a:endParaRPr lang="de-DE" sz="1000" dirty="0">
               <a:solidFill>
@@ -5508,14 +5508,20 @@
               <a:defRPr/>
             </a:pPr>
             <a:r>
-              <a:rPr lang="de-DE" sz="1000" dirty="0">
+              <a:rPr lang="de-DE" sz="1000" dirty="0" smtClean="0">
                 <a:solidFill>
                   <a:schemeClr val="bg1"/>
                 </a:solidFill>
                 <a:latin typeface="Arial" charset="0"/>
               </a:rPr>
-              <a:t>Daniel Krämer</a:t>
-            </a:r>
+              <a:t>Patrick Möbius</a:t>
+            </a:r>
+            <a:endParaRPr lang="de-DE" sz="1000" dirty="0">
+              <a:solidFill>
+                <a:schemeClr val="bg1"/>
+              </a:solidFill>
+              <a:latin typeface="Arial" charset="0"/>
+            </a:endParaRPr>
           </a:p>
         </p:txBody>
       </p:sp>
@@ -7688,6 +7694,16 @@
                 <a:cs typeface="Consolas" panose="020B0609020204030204" pitchFamily="49" charset="0"/>
               </a:rPr>
             </a:br>
+            <a:r>
+              <a:rPr lang="de-DE" altLang="de-DE" sz="1100" dirty="0">
+                <a:solidFill>
+                  <a:srgbClr val="000000"/>
+                </a:solidFill>
+                <a:latin typeface="Consolas" panose="020B0609020204030204" pitchFamily="49" charset="0"/>
+                <a:cs typeface="Consolas" panose="020B0609020204030204" pitchFamily="49" charset="0"/>
+              </a:rPr>
+              <a:t/>
+            </a:r>
             <a:br>
               <a:rPr lang="de-DE" altLang="de-DE" sz="1100" dirty="0">
                 <a:solidFill>
@@ -8163,6 +8179,16 @@
               <a:buClrTx/>
               <a:buNone/>
             </a:pPr>
+            <a:r>
+              <a:rPr lang="de-DE" altLang="de-DE" sz="1100" dirty="0">
+                <a:solidFill>
+                  <a:srgbClr val="000000"/>
+                </a:solidFill>
+                <a:latin typeface="Consolas" panose="020B0609020204030204" pitchFamily="49" charset="0"/>
+                <a:cs typeface="Consolas" panose="020B0609020204030204" pitchFamily="49" charset="0"/>
+              </a:rPr>
+              <a:t/>
+            </a:r>
             <a:br>
               <a:rPr lang="de-DE" altLang="de-DE" sz="1100" dirty="0">
                 <a:solidFill>
@@ -8291,6 +8317,16 @@
                 <a:cs typeface="Consolas" panose="020B0609020204030204" pitchFamily="49" charset="0"/>
               </a:rPr>
             </a:br>
+            <a:r>
+              <a:rPr lang="de-DE" altLang="de-DE" sz="1100" dirty="0">
+                <a:solidFill>
+                  <a:srgbClr val="000000"/>
+                </a:solidFill>
+                <a:latin typeface="Consolas" panose="020B0609020204030204" pitchFamily="49" charset="0"/>
+                <a:cs typeface="Consolas" panose="020B0609020204030204" pitchFamily="49" charset="0"/>
+              </a:rPr>
+              <a:t/>
+            </a:r>
             <a:br>
               <a:rPr lang="de-DE" altLang="de-DE" sz="1100" dirty="0">
                 <a:solidFill>
@@ -8319,6 +8355,16 @@
                 <a:cs typeface="Consolas" panose="020B0609020204030204" pitchFamily="49" charset="0"/>
               </a:rPr>
               <a:t>Override</a:t>
+            </a:r>
+            <a:r>
+              <a:rPr lang="de-DE" altLang="de-DE" sz="1100" dirty="0">
+                <a:solidFill>
+                  <a:srgbClr val="000000"/>
+                </a:solidFill>
+                <a:latin typeface="Consolas" panose="020B0609020204030204" pitchFamily="49" charset="0"/>
+                <a:cs typeface="Consolas" panose="020B0609020204030204" pitchFamily="49" charset="0"/>
+              </a:rPr>
+              <a:t/>
             </a:r>
             <a:br>
               <a:rPr lang="de-DE" altLang="de-DE" sz="1100" dirty="0">
@@ -8682,6 +8728,16 @@
                 <a:cs typeface="Consolas" panose="020B0609020204030204" pitchFamily="49" charset="0"/>
               </a:rPr>
             </a:br>
+            <a:r>
+              <a:rPr lang="de-DE" altLang="de-DE" sz="1100" dirty="0">
+                <a:solidFill>
+                  <a:srgbClr val="000000"/>
+                </a:solidFill>
+                <a:latin typeface="Consolas" panose="020B0609020204030204" pitchFamily="49" charset="0"/>
+                <a:cs typeface="Consolas" panose="020B0609020204030204" pitchFamily="49" charset="0"/>
+              </a:rPr>
+              <a:t/>
+            </a:r>
             <a:br>
               <a:rPr lang="de-DE" altLang="de-DE" sz="1100" dirty="0">
                 <a:solidFill>
@@ -8818,6 +8874,16 @@
                 <a:cs typeface="Consolas" panose="020B0609020204030204" pitchFamily="49" charset="0"/>
               </a:rPr>
               <a:t>    }</a:t>
+            </a:r>
+            <a:r>
+              <a:rPr lang="de-DE" altLang="de-DE" sz="1200" dirty="0">
+                <a:solidFill>
+                  <a:srgbClr val="000000"/>
+                </a:solidFill>
+                <a:latin typeface="Consolas" panose="020B0609020204030204" pitchFamily="49" charset="0"/>
+                <a:cs typeface="Consolas" panose="020B0609020204030204" pitchFamily="49" charset="0"/>
+              </a:rPr>
+              <a:t/>
             </a:r>
             <a:br>
               <a:rPr lang="de-DE" altLang="de-DE" sz="1200" dirty="0">
@@ -10609,6 +10675,16 @@
               </a:rPr>
               <a:t>Override</a:t>
             </a:r>
+            <a:r>
+              <a:rPr lang="de-DE" altLang="de-DE" sz="1600" dirty="0">
+                <a:solidFill>
+                  <a:srgbClr val="000000"/>
+                </a:solidFill>
+                <a:latin typeface="Consolas" panose="020B0609020204030204" pitchFamily="49" charset="0"/>
+                <a:cs typeface="Consolas" panose="020B0609020204030204" pitchFamily="49" charset="0"/>
+              </a:rPr>
+              <a:t/>
+            </a:r>
             <a:br>
               <a:rPr lang="de-DE" altLang="de-DE" sz="1600" dirty="0">
                 <a:solidFill>
@@ -11773,6 +11849,16 @@
               <a:buClrTx/>
               <a:buNone/>
             </a:pPr>
+            <a:r>
+              <a:rPr lang="de-DE" altLang="de-DE" sz="1400" dirty="0">
+                <a:solidFill>
+                  <a:srgbClr val="000000"/>
+                </a:solidFill>
+                <a:latin typeface="Consolas" panose="020B0609020204030204" pitchFamily="49" charset="0"/>
+                <a:cs typeface="Consolas" panose="020B0609020204030204" pitchFamily="49" charset="0"/>
+              </a:rPr>
+              <a:t/>
+            </a:r>
             <a:br>
               <a:rPr lang="de-DE" altLang="de-DE" sz="1400" dirty="0">
                 <a:solidFill>
@@ -12050,6 +12136,16 @@
                 <a:cs typeface="Consolas" panose="020B0609020204030204" pitchFamily="49" charset="0"/>
               </a:rPr>
             </a:br>
+            <a:r>
+              <a:rPr lang="de-DE" altLang="de-DE" sz="1400" dirty="0">
+                <a:solidFill>
+                  <a:srgbClr val="000000"/>
+                </a:solidFill>
+                <a:latin typeface="Consolas" panose="020B0609020204030204" pitchFamily="49" charset="0"/>
+                <a:cs typeface="Consolas" panose="020B0609020204030204" pitchFamily="49" charset="0"/>
+              </a:rPr>
+              <a:t/>
+            </a:r>
             <a:br>
               <a:rPr lang="de-DE" altLang="de-DE" sz="1400" dirty="0">
                 <a:solidFill>
@@ -12197,6 +12293,16 @@
                 <a:cs typeface="Consolas" panose="020B0609020204030204" pitchFamily="49" charset="0"/>
               </a:rPr>
             </a:br>
+            <a:r>
+              <a:rPr lang="de-DE" altLang="de-DE" sz="1400" dirty="0">
+                <a:solidFill>
+                  <a:srgbClr val="000000"/>
+                </a:solidFill>
+                <a:latin typeface="Consolas" panose="020B0609020204030204" pitchFamily="49" charset="0"/>
+                <a:cs typeface="Consolas" panose="020B0609020204030204" pitchFamily="49" charset="0"/>
+              </a:rPr>
+              <a:t/>
+            </a:r>
             <a:br>
               <a:rPr lang="de-DE" altLang="de-DE" sz="1400" dirty="0">
                 <a:solidFill>
@@ -12403,6 +12509,16 @@
                 <a:cs typeface="Consolas" panose="020B0609020204030204" pitchFamily="49" charset="0"/>
               </a:rPr>
               <a:t>Override</a:t>
+            </a:r>
+            <a:r>
+              <a:rPr lang="de-DE" altLang="de-DE" sz="1400" dirty="0">
+                <a:solidFill>
+                  <a:srgbClr val="000000"/>
+                </a:solidFill>
+                <a:latin typeface="Consolas" panose="020B0609020204030204" pitchFamily="49" charset="0"/>
+                <a:cs typeface="Consolas" panose="020B0609020204030204" pitchFamily="49" charset="0"/>
+              </a:rPr>
+              <a:t/>
             </a:r>
             <a:br>
               <a:rPr lang="de-DE" altLang="de-DE" sz="1400" dirty="0">

--- a/slides/Tag-2_4-Bestandteile_Ajax.pptx
+++ b/slides/Tag-2_4-Bestandteile_Ajax.pptx
@@ -6,24 +6,25 @@
     <p:sldMasterId id="2147483649" r:id="rId2"/>
   </p:sldMasterIdLst>
   <p:notesMasterIdLst>
-    <p:notesMasterId r:id="rId15"/>
+    <p:notesMasterId r:id="rId16"/>
   </p:notesMasterIdLst>
   <p:handoutMasterIdLst>
-    <p:handoutMasterId r:id="rId16"/>
+    <p:handoutMasterId r:id="rId17"/>
   </p:handoutMasterIdLst>
   <p:sldIdLst>
-    <p:sldId id="520" r:id="rId3"/>
-    <p:sldId id="488" r:id="rId4"/>
-    <p:sldId id="568" r:id="rId5"/>
-    <p:sldId id="569" r:id="rId6"/>
-    <p:sldId id="570" r:id="rId7"/>
-    <p:sldId id="571" r:id="rId8"/>
-    <p:sldId id="572" r:id="rId9"/>
-    <p:sldId id="574" r:id="rId10"/>
-    <p:sldId id="573" r:id="rId11"/>
-    <p:sldId id="576" r:id="rId12"/>
-    <p:sldId id="575" r:id="rId13"/>
-    <p:sldId id="577" r:id="rId14"/>
+    <p:sldId id="578" r:id="rId3"/>
+    <p:sldId id="520" r:id="rId4"/>
+    <p:sldId id="488" r:id="rId5"/>
+    <p:sldId id="568" r:id="rId6"/>
+    <p:sldId id="569" r:id="rId7"/>
+    <p:sldId id="570" r:id="rId8"/>
+    <p:sldId id="571" r:id="rId9"/>
+    <p:sldId id="572" r:id="rId10"/>
+    <p:sldId id="574" r:id="rId11"/>
+    <p:sldId id="573" r:id="rId12"/>
+    <p:sldId id="576" r:id="rId13"/>
+    <p:sldId id="575" r:id="rId14"/>
+    <p:sldId id="577" r:id="rId15"/>
   </p:sldIdLst>
   <p:sldSz cx="9144000" cy="6858000" type="screen4x3"/>
   <p:notesSz cx="6784975" cy="9921875"/>
@@ -4932,7 +4933,7 @@
               <a:pPr algn="ctr">
                 <a:defRPr/>
               </a:pPr>
-              <a:t>14.05.2021</a:t>
+              <a:t>25.05.2021</a:t>
             </a:fld>
             <a:endParaRPr lang="de-DE" sz="1000" dirty="0">
               <a:solidFill>
@@ -6752,28 +6753,171 @@
           <a:bodyPr/>
           <a:lstStyle/>
           <a:p>
-            <a:pPr marL="0" indent="0" algn="ctr">
-              <a:buNone/>
-            </a:pPr>
-            <a:endParaRPr lang="de-DE" sz="4000" b="1" dirty="0"/>
-          </a:p>
-          <a:p>
-            <a:pPr marL="0" indent="0" algn="ctr">
-              <a:buNone/>
-            </a:pPr>
-            <a:endParaRPr lang="de-DE" sz="4000" b="1" dirty="0"/>
-          </a:p>
-          <a:p>
-            <a:pPr marL="0" indent="0" algn="ctr">
-              <a:buNone/>
-            </a:pPr>
-            <a:r>
-              <a:rPr lang="de-DE" sz="4000" b="1" dirty="0"/>
+            <a:pPr>
+              <a:buFont typeface="Arial" panose="020B0604020202020204" pitchFamily="34" charset="0"/>
+              <a:buChar char="•"/>
+            </a:pPr>
+            <a:r>
+              <a:rPr lang="de-DE" sz="1800" b="1" dirty="0"/>
+              <a:t>Tag 1 – Einführung</a:t>
+            </a:r>
+          </a:p>
+          <a:p>
+            <a:pPr lvl="1">
+              <a:buFont typeface="Arial" panose="020B0604020202020204" pitchFamily="34" charset="0"/>
+              <a:buChar char="•"/>
+            </a:pPr>
+            <a:r>
+              <a:rPr lang="de-DE" sz="1400" dirty="0"/>
+              <a:t>Installation</a:t>
+            </a:r>
+          </a:p>
+          <a:p>
+            <a:pPr lvl="1">
+              <a:buFont typeface="Arial" panose="020B0604020202020204" pitchFamily="34" charset="0"/>
+              <a:buChar char="•"/>
+            </a:pPr>
+            <a:r>
+              <a:rPr lang="de-DE" sz="1400" dirty="0"/>
+              <a:t>Erste Anwendung</a:t>
+            </a:r>
+          </a:p>
+          <a:p>
+            <a:pPr lvl="1">
+              <a:buFont typeface="Arial" panose="020B0604020202020204" pitchFamily="34" charset="0"/>
+              <a:buChar char="•"/>
+            </a:pPr>
+            <a:r>
+              <a:rPr lang="de-DE" sz="1400" dirty="0"/>
+              <a:t>Architektur</a:t>
+            </a:r>
+          </a:p>
+          <a:p>
+            <a:pPr lvl="1">
+              <a:buNone/>
+            </a:pPr>
+            <a:endParaRPr lang="de-DE" sz="1400" dirty="0"/>
+          </a:p>
+          <a:p>
+            <a:pPr>
+              <a:buFont typeface="Arial" panose="020B0604020202020204" pitchFamily="34" charset="0"/>
+              <a:buChar char="•"/>
+            </a:pPr>
+            <a:r>
+              <a:rPr lang="de-DE" sz="1800" b="1" dirty="0"/>
+              <a:t>Tag 2 – Entwicklung</a:t>
+            </a:r>
+          </a:p>
+          <a:p>
+            <a:pPr lvl="1">
+              <a:buFont typeface="Arial" panose="020B0604020202020204" pitchFamily="34" charset="0"/>
+              <a:buChar char="•"/>
+            </a:pPr>
+            <a:r>
+              <a:rPr lang="de-DE" sz="1400" dirty="0"/>
+              <a:t>Models</a:t>
+            </a:r>
+          </a:p>
+          <a:p>
+            <a:pPr lvl="1">
+              <a:buFont typeface="Arial" panose="020B0604020202020204" pitchFamily="34" charset="0"/>
+              <a:buChar char="•"/>
+            </a:pPr>
+            <a:r>
+              <a:rPr lang="de-DE" sz="1400" dirty="0"/>
+              <a:t>Darstellung</a:t>
+            </a:r>
+          </a:p>
+          <a:p>
+            <a:pPr lvl="1">
+              <a:buFont typeface="Arial" panose="020B0604020202020204" pitchFamily="34" charset="0"/>
+              <a:buChar char="•"/>
+            </a:pPr>
+            <a:r>
+              <a:rPr lang="de-DE" sz="1400" dirty="0"/>
+              <a:t>Formulare</a:t>
+            </a:r>
+          </a:p>
+          <a:p>
+            <a:pPr lvl="1">
+              <a:buFont typeface="Arial" panose="020B0604020202020204" pitchFamily="34" charset="0"/>
+              <a:buChar char="•"/>
+            </a:pPr>
+            <a:r>
+              <a:rPr lang="de-DE" sz="1400" u="sng" dirty="0"/>
               <a:t>Ajax</a:t>
             </a:r>
-            <a:endParaRPr lang="de-DE" sz="4000" b="1" dirty="0">
-              <a:sym typeface="Wingdings" panose="05000000000000000000" pitchFamily="2" charset="2"/>
-            </a:endParaRPr>
+          </a:p>
+          <a:p>
+            <a:pPr lvl="1">
+              <a:buNone/>
+            </a:pPr>
+            <a:endParaRPr lang="de-DE" sz="1400" dirty="0"/>
+          </a:p>
+          <a:p>
+            <a:pPr>
+              <a:buFont typeface="Arial" panose="020B0604020202020204" pitchFamily="34" charset="0"/>
+              <a:buChar char="•"/>
+            </a:pPr>
+            <a:r>
+              <a:rPr lang="de-DE" sz="1800" b="1" dirty="0"/>
+              <a:t>Tag 3 – Fortgeschrittene Themen</a:t>
+            </a:r>
+          </a:p>
+          <a:p>
+            <a:pPr lvl="1">
+              <a:buFont typeface="Arial" panose="020B0604020202020204" pitchFamily="34" charset="0"/>
+              <a:buChar char="•"/>
+            </a:pPr>
+            <a:r>
+              <a:rPr lang="de-DE" sz="1400" dirty="0"/>
+              <a:t>Tests</a:t>
+            </a:r>
+          </a:p>
+          <a:p>
+            <a:pPr lvl="1">
+              <a:buFont typeface="Arial" panose="020B0604020202020204" pitchFamily="34" charset="0"/>
+              <a:buChar char="•"/>
+            </a:pPr>
+            <a:r>
+              <a:rPr lang="de-DE" sz="1400" dirty="0"/>
+              <a:t>Security &amp; </a:t>
+            </a:r>
+            <a:r>
+              <a:rPr lang="de-DE" sz="1400" dirty="0" err="1"/>
+              <a:t>Deployment</a:t>
+            </a:r>
+            <a:endParaRPr lang="de-DE" sz="1400" dirty="0"/>
+          </a:p>
+          <a:p>
+            <a:pPr lvl="1">
+              <a:buFont typeface="Arial" panose="020B0604020202020204" pitchFamily="34" charset="0"/>
+              <a:buChar char="•"/>
+            </a:pPr>
+            <a:r>
+              <a:rPr lang="de-DE" sz="1400" dirty="0"/>
+              <a:t>Lokalisierung &amp; Internationalisierung</a:t>
+            </a:r>
+          </a:p>
+          <a:p>
+            <a:pPr lvl="1">
+              <a:buFont typeface="Arial" panose="020B0604020202020204" pitchFamily="34" charset="0"/>
+              <a:buChar char="•"/>
+            </a:pPr>
+            <a:r>
+              <a:rPr lang="de-DE" sz="1400" dirty="0"/>
+              <a:t>Performance</a:t>
+            </a:r>
+          </a:p>
+          <a:p>
+            <a:pPr lvl="1">
+              <a:buFont typeface="Arial" panose="020B0604020202020204" pitchFamily="34" charset="0"/>
+              <a:buChar char="•"/>
+            </a:pPr>
+            <a:r>
+              <a:rPr lang="de-DE" sz="1400" dirty="0"/>
+              <a:t>Best Practices</a:t>
+            </a:r>
           </a:p>
         </p:txBody>
       </p:sp>
@@ -6797,20 +6941,60 @@
           <a:bodyPr/>
           <a:lstStyle/>
           <a:p>
-            <a:endParaRPr lang="de-DE" dirty="0"/>
+            <a:r>
+              <a:rPr lang="de-DE" dirty="0"/>
+              <a:t>Agenda</a:t>
+            </a:r>
           </a:p>
         </p:txBody>
       </p:sp>
+      <p:pic>
+        <p:nvPicPr>
+          <p:cNvPr id="4" name="Grafik 3"/>
+          <p:cNvPicPr>
+            <a:picLocks noChangeAspect="1"/>
+          </p:cNvPicPr>
+          <p:nvPr/>
+        </p:nvPicPr>
+        <p:blipFill>
+          <a:blip r:embed="rId2">
+            <a:extLst>
+              <a:ext uri="{28A0092B-C50C-407E-A947-70E740481C1C}">
+                <a14:useLocalDpi xmlns:a14="http://schemas.microsoft.com/office/drawing/2010/main" val="0"/>
+              </a:ext>
+            </a:extLst>
+          </a:blip>
+          <a:stretch>
+            <a:fillRect/>
+          </a:stretch>
+        </p:blipFill>
+        <p:spPr>
+          <a:xfrm>
+            <a:off x="5868144" y="3140968"/>
+            <a:ext cx="2031746" cy="749206"/>
+          </a:xfrm>
+          <a:prstGeom prst="rect">
+            <a:avLst/>
+          </a:prstGeom>
+        </p:spPr>
+      </p:pic>
     </p:spTree>
     <p:extLst>
       <p:ext uri="{BB962C8B-B14F-4D97-AF65-F5344CB8AC3E}">
-        <p14:creationId xmlns:p14="http://schemas.microsoft.com/office/powerpoint/2010/main" val="2999269407"/>
+        <p14:creationId xmlns:p14="http://schemas.microsoft.com/office/powerpoint/2010/main" val="278060595"/>
       </p:ext>
     </p:extLst>
   </p:cSld>
   <p:clrMapOvr>
     <a:masterClrMapping/>
   </p:clrMapOvr>
+  <p:timing>
+    <p:tnLst>
+      <p:par>
+        <p:cTn id="1" dur="indefinite" restart="never" nodeType="tmRoot"/>
+      </p:par>
+    </p:tnLst>
+  </p:timing>
 </p:sld>
 </file>
 
@@ -6856,13 +7040,8 @@
             </a:pPr>
             <a:r>
               <a:rPr lang="de-DE" sz="2000" b="1" dirty="0"/>
-              <a:t>Ajax </a:t>
-            </a:r>
-            <a:r>
-              <a:rPr lang="de-DE" sz="2000" b="1" dirty="0" err="1"/>
-              <a:t>Behaviors</a:t>
-            </a:r>
-            <a:endParaRPr lang="de-DE" b="1" dirty="0"/>
+              <a:t>Grundlagen</a:t>
+            </a:r>
           </a:p>
           <a:p>
             <a:pPr>
@@ -6871,77 +7050,1175 @@
             </a:pPr>
             <a:r>
               <a:rPr lang="de-DE" sz="2000" dirty="0"/>
-              <a:t>Mittels Ajax auszuführende Aktionen</a:t>
-            </a:r>
-          </a:p>
-          <a:p>
-            <a:pPr>
-              <a:buFont typeface="Arial" panose="020B0604020202020204" pitchFamily="34" charset="0"/>
-              <a:buChar char="•"/>
-            </a:pPr>
-            <a:r>
-              <a:rPr lang="de-DE" sz="2000" dirty="0"/>
-              <a:t>Nachträgliches „</a:t>
-            </a:r>
-            <a:r>
-              <a:rPr lang="de-DE" sz="2000" dirty="0" err="1"/>
-              <a:t>Ajaxifizieren</a:t>
-            </a:r>
-            <a:r>
-              <a:rPr lang="de-DE" sz="2000" dirty="0"/>
-              <a:t>“ von Komponenten</a:t>
-            </a:r>
-          </a:p>
-          <a:p>
-            <a:pPr>
-              <a:buFont typeface="Arial" panose="020B0604020202020204" pitchFamily="34" charset="0"/>
-              <a:buChar char="•"/>
-            </a:pPr>
-            <a:r>
-              <a:rPr lang="de-DE" sz="2000" dirty="0"/>
-              <a:t>Vorgefertigte </a:t>
-            </a:r>
-            <a:r>
-              <a:rPr lang="de-DE" sz="2000" dirty="0" err="1"/>
-              <a:t>Behaviors</a:t>
-            </a:r>
-            <a:endParaRPr lang="de-DE" sz="2000" dirty="0"/>
-          </a:p>
-          <a:p>
-            <a:pPr lvl="1">
-              <a:buFont typeface="Arial" panose="020B0604020202020204" pitchFamily="34" charset="0"/>
-              <a:buChar char="•"/>
-            </a:pPr>
-            <a:r>
-              <a:rPr lang="de-DE" sz="1600" dirty="0" err="1"/>
-              <a:t>AjaxEventBehavior</a:t>
-            </a:r>
-            <a:endParaRPr lang="de-DE" sz="1600" dirty="0"/>
-          </a:p>
-          <a:p>
-            <a:pPr lvl="1">
-              <a:buFont typeface="Arial" panose="020B0604020202020204" pitchFamily="34" charset="0"/>
-              <a:buChar char="•"/>
-            </a:pPr>
-            <a:r>
-              <a:rPr lang="de-DE" sz="1600" dirty="0" err="1"/>
-              <a:t>AjaxFormSubmitBehavior</a:t>
-            </a:r>
-            <a:endParaRPr lang="de-DE" sz="1600" dirty="0"/>
-          </a:p>
-          <a:p>
-            <a:pPr lvl="1">
-              <a:buFont typeface="Arial" panose="020B0604020202020204" pitchFamily="34" charset="0"/>
-              <a:buChar char="•"/>
-            </a:pPr>
-            <a:r>
-              <a:rPr lang="de-DE" sz="1600" dirty="0" err="1"/>
-              <a:t>AbstractAjaxTimerBehavior</a:t>
-            </a:r>
-            <a:endParaRPr lang="de-DE" sz="1600" dirty="0"/>
-          </a:p>
-          <a:p>
-            <a:endParaRPr lang="de-DE" sz="1600" dirty="0"/>
+              <a:t>Beispiel: Modales Fenster</a:t>
+            </a:r>
+          </a:p>
+          <a:p>
+            <a:pPr lvl="0">
+              <a:buNone/>
+            </a:pPr>
+            <a:endParaRPr lang="de-DE" altLang="de-DE" sz="800" b="1" dirty="0">
+              <a:solidFill>
+                <a:srgbClr val="000080"/>
+              </a:solidFill>
+              <a:latin typeface="Consolas" panose="020B0609020204030204" pitchFamily="49" charset="0"/>
+              <a:cs typeface="Consolas" panose="020B0609020204030204" pitchFamily="49" charset="0"/>
+            </a:endParaRPr>
+          </a:p>
+          <a:p>
+            <a:pPr marL="400050" lvl="1" indent="0">
+              <a:spcBef>
+                <a:spcPct val="0"/>
+              </a:spcBef>
+              <a:buClrTx/>
+              <a:buNone/>
+            </a:pPr>
+            <a:r>
+              <a:rPr lang="de-DE" altLang="de-DE" sz="1400" b="1" dirty="0" err="1">
+                <a:solidFill>
+                  <a:srgbClr val="000080"/>
+                </a:solidFill>
+                <a:latin typeface="Consolas" panose="020B0609020204030204" pitchFamily="49" charset="0"/>
+                <a:cs typeface="Consolas" panose="020B0609020204030204" pitchFamily="49" charset="0"/>
+              </a:rPr>
+              <a:t>public</a:t>
+            </a:r>
+            <a:r>
+              <a:rPr lang="de-DE" altLang="de-DE" sz="1400" b="1" dirty="0">
+                <a:solidFill>
+                  <a:srgbClr val="000080"/>
+                </a:solidFill>
+                <a:latin typeface="Consolas" panose="020B0609020204030204" pitchFamily="49" charset="0"/>
+                <a:cs typeface="Consolas" panose="020B0609020204030204" pitchFamily="49" charset="0"/>
+              </a:rPr>
+              <a:t> </a:t>
+            </a:r>
+            <a:r>
+              <a:rPr lang="de-DE" altLang="de-DE" sz="1400" dirty="0" err="1">
+                <a:solidFill>
+                  <a:srgbClr val="000000"/>
+                </a:solidFill>
+                <a:latin typeface="Consolas" panose="020B0609020204030204" pitchFamily="49" charset="0"/>
+                <a:cs typeface="Consolas" panose="020B0609020204030204" pitchFamily="49" charset="0"/>
+              </a:rPr>
+              <a:t>ModalPage</a:t>
+            </a:r>
+            <a:r>
+              <a:rPr lang="de-DE" altLang="de-DE" sz="1400" dirty="0">
+                <a:solidFill>
+                  <a:srgbClr val="000000"/>
+                </a:solidFill>
+                <a:latin typeface="Consolas" panose="020B0609020204030204" pitchFamily="49" charset="0"/>
+                <a:cs typeface="Consolas" panose="020B0609020204030204" pitchFamily="49" charset="0"/>
+              </a:rPr>
+              <a:t>(</a:t>
+            </a:r>
+            <a:r>
+              <a:rPr lang="de-DE" altLang="de-DE" sz="1400" b="1" dirty="0">
+                <a:solidFill>
+                  <a:srgbClr val="000080"/>
+                </a:solidFill>
+                <a:latin typeface="Consolas" panose="020B0609020204030204" pitchFamily="49" charset="0"/>
+                <a:cs typeface="Consolas" panose="020B0609020204030204" pitchFamily="49" charset="0"/>
+              </a:rPr>
+              <a:t>final </a:t>
+            </a:r>
+            <a:r>
+              <a:rPr lang="de-DE" altLang="de-DE" sz="1400" dirty="0" err="1">
+                <a:solidFill>
+                  <a:srgbClr val="000000"/>
+                </a:solidFill>
+                <a:latin typeface="Consolas" panose="020B0609020204030204" pitchFamily="49" charset="0"/>
+                <a:cs typeface="Consolas" panose="020B0609020204030204" pitchFamily="49" charset="0"/>
+              </a:rPr>
+              <a:t>PageParameters</a:t>
+            </a:r>
+            <a:r>
+              <a:rPr lang="de-DE" altLang="de-DE" sz="1400" dirty="0">
+                <a:solidFill>
+                  <a:srgbClr val="000000"/>
+                </a:solidFill>
+                <a:latin typeface="Consolas" panose="020B0609020204030204" pitchFamily="49" charset="0"/>
+                <a:cs typeface="Consolas" panose="020B0609020204030204" pitchFamily="49" charset="0"/>
+              </a:rPr>
+              <a:t> </a:t>
+            </a:r>
+            <a:r>
+              <a:rPr lang="de-DE" altLang="de-DE" sz="1400" dirty="0" err="1">
+                <a:solidFill>
+                  <a:srgbClr val="000000"/>
+                </a:solidFill>
+                <a:latin typeface="Consolas" panose="020B0609020204030204" pitchFamily="49" charset="0"/>
+                <a:cs typeface="Consolas" panose="020B0609020204030204" pitchFamily="49" charset="0"/>
+              </a:rPr>
+              <a:t>parameters</a:t>
+            </a:r>
+            <a:r>
+              <a:rPr lang="de-DE" altLang="de-DE" sz="1400" dirty="0">
+                <a:solidFill>
+                  <a:srgbClr val="000000"/>
+                </a:solidFill>
+                <a:latin typeface="Consolas" panose="020B0609020204030204" pitchFamily="49" charset="0"/>
+                <a:cs typeface="Consolas" panose="020B0609020204030204" pitchFamily="49" charset="0"/>
+              </a:rPr>
+              <a:t>) {</a:t>
+            </a:r>
+            <a:br>
+              <a:rPr lang="de-DE" altLang="de-DE" sz="1400" dirty="0">
+                <a:solidFill>
+                  <a:srgbClr val="000000"/>
+                </a:solidFill>
+                <a:latin typeface="Consolas" panose="020B0609020204030204" pitchFamily="49" charset="0"/>
+                <a:cs typeface="Consolas" panose="020B0609020204030204" pitchFamily="49" charset="0"/>
+              </a:rPr>
+            </a:br>
+            <a:r>
+              <a:rPr lang="de-DE" altLang="de-DE" sz="1400" dirty="0">
+                <a:solidFill>
+                  <a:srgbClr val="000000"/>
+                </a:solidFill>
+                <a:latin typeface="Consolas" panose="020B0609020204030204" pitchFamily="49" charset="0"/>
+                <a:cs typeface="Consolas" panose="020B0609020204030204" pitchFamily="49" charset="0"/>
+              </a:rPr>
+              <a:t>    </a:t>
+            </a:r>
+            <a:r>
+              <a:rPr lang="de-DE" altLang="de-DE" sz="1400" b="1" dirty="0">
+                <a:solidFill>
+                  <a:srgbClr val="000080"/>
+                </a:solidFill>
+                <a:latin typeface="Consolas" panose="020B0609020204030204" pitchFamily="49" charset="0"/>
+                <a:cs typeface="Consolas" panose="020B0609020204030204" pitchFamily="49" charset="0"/>
+              </a:rPr>
+              <a:t>super</a:t>
+            </a:r>
+            <a:r>
+              <a:rPr lang="de-DE" altLang="de-DE" sz="1400" dirty="0">
+                <a:solidFill>
+                  <a:srgbClr val="000000"/>
+                </a:solidFill>
+                <a:latin typeface="Consolas" panose="020B0609020204030204" pitchFamily="49" charset="0"/>
+                <a:cs typeface="Consolas" panose="020B0609020204030204" pitchFamily="49" charset="0"/>
+              </a:rPr>
+              <a:t>(</a:t>
+            </a:r>
+            <a:r>
+              <a:rPr lang="de-DE" altLang="de-DE" sz="1400" dirty="0" err="1">
+                <a:solidFill>
+                  <a:srgbClr val="000000"/>
+                </a:solidFill>
+                <a:latin typeface="Consolas" panose="020B0609020204030204" pitchFamily="49" charset="0"/>
+                <a:cs typeface="Consolas" panose="020B0609020204030204" pitchFamily="49" charset="0"/>
+              </a:rPr>
+              <a:t>parameters</a:t>
+            </a:r>
+            <a:r>
+              <a:rPr lang="de-DE" altLang="de-DE" sz="1400" dirty="0">
+                <a:solidFill>
+                  <a:srgbClr val="000000"/>
+                </a:solidFill>
+                <a:latin typeface="Consolas" panose="020B0609020204030204" pitchFamily="49" charset="0"/>
+                <a:cs typeface="Consolas" panose="020B0609020204030204" pitchFamily="49" charset="0"/>
+              </a:rPr>
+              <a:t>);</a:t>
+            </a:r>
+          </a:p>
+          <a:p>
+            <a:pPr marL="400050" lvl="1" indent="0">
+              <a:spcBef>
+                <a:spcPct val="0"/>
+              </a:spcBef>
+              <a:buClrTx/>
+              <a:buNone/>
+            </a:pPr>
+            <a:r>
+              <a:rPr lang="de-DE" altLang="de-DE" sz="1400" dirty="0">
+                <a:solidFill>
+                  <a:srgbClr val="000000"/>
+                </a:solidFill>
+                <a:latin typeface="Consolas" panose="020B0609020204030204" pitchFamily="49" charset="0"/>
+                <a:cs typeface="Consolas" panose="020B0609020204030204" pitchFamily="49" charset="0"/>
+              </a:rPr>
+              <a:t/>
+            </a:r>
+            <a:br>
+              <a:rPr lang="de-DE" altLang="de-DE" sz="1400" dirty="0">
+                <a:solidFill>
+                  <a:srgbClr val="000000"/>
+                </a:solidFill>
+                <a:latin typeface="Consolas" panose="020B0609020204030204" pitchFamily="49" charset="0"/>
+                <a:cs typeface="Consolas" panose="020B0609020204030204" pitchFamily="49" charset="0"/>
+              </a:rPr>
+            </a:br>
+            <a:r>
+              <a:rPr lang="de-DE" altLang="de-DE" sz="1400" dirty="0">
+                <a:solidFill>
+                  <a:srgbClr val="000000"/>
+                </a:solidFill>
+                <a:latin typeface="Consolas" panose="020B0609020204030204" pitchFamily="49" charset="0"/>
+                <a:cs typeface="Consolas" panose="020B0609020204030204" pitchFamily="49" charset="0"/>
+              </a:rPr>
+              <a:t>    </a:t>
+            </a:r>
+            <a:r>
+              <a:rPr lang="de-DE" altLang="de-DE" sz="1400" dirty="0" err="1">
+                <a:solidFill>
+                  <a:srgbClr val="000000"/>
+                </a:solidFill>
+                <a:latin typeface="Consolas" panose="020B0609020204030204" pitchFamily="49" charset="0"/>
+                <a:cs typeface="Consolas" panose="020B0609020204030204" pitchFamily="49" charset="0"/>
+              </a:rPr>
+              <a:t>ModalWindow</a:t>
+            </a:r>
+            <a:r>
+              <a:rPr lang="de-DE" altLang="de-DE" sz="1400" dirty="0">
+                <a:solidFill>
+                  <a:srgbClr val="000000"/>
+                </a:solidFill>
+                <a:latin typeface="Consolas" panose="020B0609020204030204" pitchFamily="49" charset="0"/>
+                <a:cs typeface="Consolas" panose="020B0609020204030204" pitchFamily="49" charset="0"/>
+              </a:rPr>
+              <a:t> </a:t>
+            </a:r>
+            <a:r>
+              <a:rPr lang="de-DE" altLang="de-DE" sz="1400" dirty="0" err="1">
+                <a:solidFill>
+                  <a:srgbClr val="000000"/>
+                </a:solidFill>
+                <a:latin typeface="Consolas" panose="020B0609020204030204" pitchFamily="49" charset="0"/>
+                <a:cs typeface="Consolas" panose="020B0609020204030204" pitchFamily="49" charset="0"/>
+              </a:rPr>
+              <a:t>modalWindow</a:t>
+            </a:r>
+            <a:r>
+              <a:rPr lang="de-DE" altLang="de-DE" sz="1400" dirty="0">
+                <a:solidFill>
+                  <a:srgbClr val="000000"/>
+                </a:solidFill>
+                <a:latin typeface="Consolas" panose="020B0609020204030204" pitchFamily="49" charset="0"/>
+                <a:cs typeface="Consolas" panose="020B0609020204030204" pitchFamily="49" charset="0"/>
+              </a:rPr>
+              <a:t> = </a:t>
+            </a:r>
+            <a:r>
+              <a:rPr lang="de-DE" altLang="de-DE" sz="1400" b="1" dirty="0" err="1">
+                <a:solidFill>
+                  <a:srgbClr val="000080"/>
+                </a:solidFill>
+                <a:latin typeface="Consolas" panose="020B0609020204030204" pitchFamily="49" charset="0"/>
+                <a:cs typeface="Consolas" panose="020B0609020204030204" pitchFamily="49" charset="0"/>
+              </a:rPr>
+              <a:t>new</a:t>
+            </a:r>
+            <a:r>
+              <a:rPr lang="de-DE" altLang="de-DE" sz="1400" b="1" dirty="0">
+                <a:solidFill>
+                  <a:srgbClr val="000080"/>
+                </a:solidFill>
+                <a:latin typeface="Consolas" panose="020B0609020204030204" pitchFamily="49" charset="0"/>
+                <a:cs typeface="Consolas" panose="020B0609020204030204" pitchFamily="49" charset="0"/>
+              </a:rPr>
+              <a:t> </a:t>
+            </a:r>
+            <a:r>
+              <a:rPr lang="de-DE" altLang="de-DE" sz="1400" dirty="0" err="1">
+                <a:solidFill>
+                  <a:srgbClr val="000000"/>
+                </a:solidFill>
+                <a:latin typeface="Consolas" panose="020B0609020204030204" pitchFamily="49" charset="0"/>
+                <a:cs typeface="Consolas" panose="020B0609020204030204" pitchFamily="49" charset="0"/>
+              </a:rPr>
+              <a:t>ModalWindow</a:t>
+            </a:r>
+            <a:r>
+              <a:rPr lang="de-DE" altLang="de-DE" sz="1400" dirty="0">
+                <a:solidFill>
+                  <a:srgbClr val="000000"/>
+                </a:solidFill>
+                <a:latin typeface="Consolas" panose="020B0609020204030204" pitchFamily="49" charset="0"/>
+                <a:cs typeface="Consolas" panose="020B0609020204030204" pitchFamily="49" charset="0"/>
+              </a:rPr>
+              <a:t>(</a:t>
+            </a:r>
+            <a:r>
+              <a:rPr lang="de-DE" altLang="de-DE" sz="1400" b="1" dirty="0">
+                <a:solidFill>
+                  <a:srgbClr val="008000"/>
+                </a:solidFill>
+                <a:latin typeface="Consolas" panose="020B0609020204030204" pitchFamily="49" charset="0"/>
+                <a:cs typeface="Consolas" panose="020B0609020204030204" pitchFamily="49" charset="0"/>
+              </a:rPr>
+              <a:t>"</a:t>
+            </a:r>
+            <a:r>
+              <a:rPr lang="de-DE" altLang="de-DE" sz="1400" b="1" dirty="0" err="1">
+                <a:solidFill>
+                  <a:srgbClr val="FFC000"/>
+                </a:solidFill>
+                <a:latin typeface="Consolas" panose="020B0609020204030204" pitchFamily="49" charset="0"/>
+                <a:cs typeface="Consolas" panose="020B0609020204030204" pitchFamily="49" charset="0"/>
+              </a:rPr>
+              <a:t>modalWindow</a:t>
+            </a:r>
+            <a:r>
+              <a:rPr lang="de-DE" altLang="de-DE" sz="1400" b="1" dirty="0">
+                <a:solidFill>
+                  <a:srgbClr val="008000"/>
+                </a:solidFill>
+                <a:latin typeface="Consolas" panose="020B0609020204030204" pitchFamily="49" charset="0"/>
+                <a:cs typeface="Consolas" panose="020B0609020204030204" pitchFamily="49" charset="0"/>
+              </a:rPr>
+              <a:t>"</a:t>
+            </a:r>
+            <a:r>
+              <a:rPr lang="de-DE" altLang="de-DE" sz="1400" dirty="0">
+                <a:solidFill>
+                  <a:srgbClr val="000000"/>
+                </a:solidFill>
+                <a:latin typeface="Consolas" panose="020B0609020204030204" pitchFamily="49" charset="0"/>
+                <a:cs typeface="Consolas" panose="020B0609020204030204" pitchFamily="49" charset="0"/>
+              </a:rPr>
+              <a:t>);</a:t>
+            </a:r>
+            <a:br>
+              <a:rPr lang="de-DE" altLang="de-DE" sz="1400" dirty="0">
+                <a:solidFill>
+                  <a:srgbClr val="000000"/>
+                </a:solidFill>
+                <a:latin typeface="Consolas" panose="020B0609020204030204" pitchFamily="49" charset="0"/>
+                <a:cs typeface="Consolas" panose="020B0609020204030204" pitchFamily="49" charset="0"/>
+              </a:rPr>
+            </a:br>
+            <a:r>
+              <a:rPr lang="de-DE" altLang="de-DE" sz="1400" dirty="0">
+                <a:solidFill>
+                  <a:srgbClr val="000000"/>
+                </a:solidFill>
+                <a:latin typeface="Consolas" panose="020B0609020204030204" pitchFamily="49" charset="0"/>
+                <a:cs typeface="Consolas" panose="020B0609020204030204" pitchFamily="49" charset="0"/>
+              </a:rPr>
+              <a:t>    Label </a:t>
+            </a:r>
+            <a:r>
+              <a:rPr lang="de-DE" altLang="de-DE" sz="1400" dirty="0" err="1">
+                <a:solidFill>
+                  <a:srgbClr val="000000"/>
+                </a:solidFill>
+                <a:latin typeface="Consolas" panose="020B0609020204030204" pitchFamily="49" charset="0"/>
+                <a:cs typeface="Consolas" panose="020B0609020204030204" pitchFamily="49" charset="0"/>
+              </a:rPr>
+              <a:t>label</a:t>
+            </a:r>
+            <a:r>
+              <a:rPr lang="de-DE" altLang="de-DE" sz="1400" dirty="0">
+                <a:solidFill>
+                  <a:srgbClr val="000000"/>
+                </a:solidFill>
+                <a:latin typeface="Consolas" panose="020B0609020204030204" pitchFamily="49" charset="0"/>
+                <a:cs typeface="Consolas" panose="020B0609020204030204" pitchFamily="49" charset="0"/>
+              </a:rPr>
+              <a:t> = </a:t>
+            </a:r>
+            <a:r>
+              <a:rPr lang="de-DE" altLang="de-DE" sz="1400" b="1" dirty="0" err="1">
+                <a:solidFill>
+                  <a:srgbClr val="000080"/>
+                </a:solidFill>
+                <a:latin typeface="Consolas" panose="020B0609020204030204" pitchFamily="49" charset="0"/>
+                <a:cs typeface="Consolas" panose="020B0609020204030204" pitchFamily="49" charset="0"/>
+              </a:rPr>
+              <a:t>new</a:t>
+            </a:r>
+            <a:r>
+              <a:rPr lang="de-DE" altLang="de-DE" sz="1400" b="1" dirty="0">
+                <a:solidFill>
+                  <a:srgbClr val="000080"/>
+                </a:solidFill>
+                <a:latin typeface="Consolas" panose="020B0609020204030204" pitchFamily="49" charset="0"/>
+                <a:cs typeface="Consolas" panose="020B0609020204030204" pitchFamily="49" charset="0"/>
+              </a:rPr>
+              <a:t> </a:t>
+            </a:r>
+            <a:r>
+              <a:rPr lang="de-DE" altLang="de-DE" sz="1400" dirty="0">
+                <a:solidFill>
+                  <a:srgbClr val="000000"/>
+                </a:solidFill>
+                <a:latin typeface="Consolas" panose="020B0609020204030204" pitchFamily="49" charset="0"/>
+                <a:cs typeface="Consolas" panose="020B0609020204030204" pitchFamily="49" charset="0"/>
+              </a:rPr>
+              <a:t>Label(</a:t>
+            </a:r>
+            <a:r>
+              <a:rPr lang="de-DE" altLang="de-DE" sz="1400" dirty="0" err="1">
+                <a:solidFill>
+                  <a:srgbClr val="000000"/>
+                </a:solidFill>
+                <a:latin typeface="Consolas" panose="020B0609020204030204" pitchFamily="49" charset="0"/>
+                <a:cs typeface="Consolas" panose="020B0609020204030204" pitchFamily="49" charset="0"/>
+              </a:rPr>
+              <a:t>modalWindow.getContentId</a:t>
+            </a:r>
+            <a:r>
+              <a:rPr lang="de-DE" altLang="de-DE" sz="1400" dirty="0">
+                <a:solidFill>
+                  <a:srgbClr val="000000"/>
+                </a:solidFill>
+                <a:latin typeface="Consolas" panose="020B0609020204030204" pitchFamily="49" charset="0"/>
+                <a:cs typeface="Consolas" panose="020B0609020204030204" pitchFamily="49" charset="0"/>
+              </a:rPr>
+              <a:t>(), </a:t>
+            </a:r>
+            <a:r>
+              <a:rPr lang="de-DE" altLang="de-DE" sz="1400" dirty="0" err="1">
+                <a:solidFill>
+                  <a:srgbClr val="000000"/>
+                </a:solidFill>
+                <a:latin typeface="Consolas" panose="020B0609020204030204" pitchFamily="49" charset="0"/>
+                <a:cs typeface="Consolas" panose="020B0609020204030204" pitchFamily="49" charset="0"/>
+              </a:rPr>
+              <a:t>Model.of</a:t>
+            </a:r>
+            <a:r>
+              <a:rPr lang="de-DE" altLang="de-DE" sz="1400" dirty="0">
+                <a:solidFill>
+                  <a:srgbClr val="000000"/>
+                </a:solidFill>
+                <a:latin typeface="Consolas" panose="020B0609020204030204" pitchFamily="49" charset="0"/>
+                <a:cs typeface="Consolas" panose="020B0609020204030204" pitchFamily="49" charset="0"/>
+              </a:rPr>
+              <a:t>(</a:t>
+            </a:r>
+            <a:r>
+              <a:rPr lang="de-DE" altLang="de-DE" sz="1400" b="1" dirty="0">
+                <a:solidFill>
+                  <a:srgbClr val="008000"/>
+                </a:solidFill>
+                <a:latin typeface="Consolas" panose="020B0609020204030204" pitchFamily="49" charset="0"/>
+                <a:cs typeface="Consolas" panose="020B0609020204030204" pitchFamily="49" charset="0"/>
+              </a:rPr>
+              <a:t>"Hey!"</a:t>
+            </a:r>
+            <a:r>
+              <a:rPr lang="de-DE" altLang="de-DE" sz="1400" dirty="0">
+                <a:solidFill>
+                  <a:srgbClr val="000000"/>
+                </a:solidFill>
+                <a:latin typeface="Consolas" panose="020B0609020204030204" pitchFamily="49" charset="0"/>
+                <a:cs typeface="Consolas" panose="020B0609020204030204" pitchFamily="49" charset="0"/>
+              </a:rPr>
+              <a:t>));</a:t>
+            </a:r>
+            <a:br>
+              <a:rPr lang="de-DE" altLang="de-DE" sz="1400" dirty="0">
+                <a:solidFill>
+                  <a:srgbClr val="000000"/>
+                </a:solidFill>
+                <a:latin typeface="Consolas" panose="020B0609020204030204" pitchFamily="49" charset="0"/>
+                <a:cs typeface="Consolas" panose="020B0609020204030204" pitchFamily="49" charset="0"/>
+              </a:rPr>
+            </a:br>
+            <a:r>
+              <a:rPr lang="de-DE" altLang="de-DE" sz="1400" dirty="0">
+                <a:solidFill>
+                  <a:srgbClr val="000000"/>
+                </a:solidFill>
+                <a:latin typeface="Consolas" panose="020B0609020204030204" pitchFamily="49" charset="0"/>
+                <a:cs typeface="Consolas" panose="020B0609020204030204" pitchFamily="49" charset="0"/>
+              </a:rPr>
+              <a:t/>
+            </a:r>
+            <a:br>
+              <a:rPr lang="de-DE" altLang="de-DE" sz="1400" dirty="0">
+                <a:solidFill>
+                  <a:srgbClr val="000000"/>
+                </a:solidFill>
+                <a:latin typeface="Consolas" panose="020B0609020204030204" pitchFamily="49" charset="0"/>
+                <a:cs typeface="Consolas" panose="020B0609020204030204" pitchFamily="49" charset="0"/>
+              </a:rPr>
+            </a:br>
+            <a:r>
+              <a:rPr lang="de-DE" altLang="de-DE" sz="1400" dirty="0">
+                <a:solidFill>
+                  <a:srgbClr val="000000"/>
+                </a:solidFill>
+                <a:latin typeface="Consolas" panose="020B0609020204030204" pitchFamily="49" charset="0"/>
+                <a:cs typeface="Consolas" panose="020B0609020204030204" pitchFamily="49" charset="0"/>
+              </a:rPr>
+              <a:t>    </a:t>
+            </a:r>
+            <a:r>
+              <a:rPr lang="de-DE" altLang="de-DE" sz="1400" dirty="0" err="1">
+                <a:solidFill>
+                  <a:srgbClr val="000000"/>
+                </a:solidFill>
+                <a:latin typeface="Consolas" panose="020B0609020204030204" pitchFamily="49" charset="0"/>
+                <a:cs typeface="Consolas" panose="020B0609020204030204" pitchFamily="49" charset="0"/>
+              </a:rPr>
+              <a:t>modalWindow.setContent</a:t>
+            </a:r>
+            <a:r>
+              <a:rPr lang="de-DE" altLang="de-DE" sz="1400" dirty="0">
+                <a:solidFill>
+                  <a:srgbClr val="000000"/>
+                </a:solidFill>
+                <a:latin typeface="Consolas" panose="020B0609020204030204" pitchFamily="49" charset="0"/>
+                <a:cs typeface="Consolas" panose="020B0609020204030204" pitchFamily="49" charset="0"/>
+              </a:rPr>
+              <a:t>(</a:t>
+            </a:r>
+            <a:r>
+              <a:rPr lang="de-DE" altLang="de-DE" sz="1400" dirty="0" err="1">
+                <a:solidFill>
+                  <a:srgbClr val="000000"/>
+                </a:solidFill>
+                <a:latin typeface="Consolas" panose="020B0609020204030204" pitchFamily="49" charset="0"/>
+                <a:cs typeface="Consolas" panose="020B0609020204030204" pitchFamily="49" charset="0"/>
+              </a:rPr>
+              <a:t>label</a:t>
+            </a:r>
+            <a:r>
+              <a:rPr lang="de-DE" altLang="de-DE" sz="1400" dirty="0">
+                <a:solidFill>
+                  <a:srgbClr val="000000"/>
+                </a:solidFill>
+                <a:latin typeface="Consolas" panose="020B0609020204030204" pitchFamily="49" charset="0"/>
+                <a:cs typeface="Consolas" panose="020B0609020204030204" pitchFamily="49" charset="0"/>
+              </a:rPr>
+              <a:t>);</a:t>
+            </a:r>
+            <a:br>
+              <a:rPr lang="de-DE" altLang="de-DE" sz="1400" dirty="0">
+                <a:solidFill>
+                  <a:srgbClr val="000000"/>
+                </a:solidFill>
+                <a:latin typeface="Consolas" panose="020B0609020204030204" pitchFamily="49" charset="0"/>
+                <a:cs typeface="Consolas" panose="020B0609020204030204" pitchFamily="49" charset="0"/>
+              </a:rPr>
+            </a:br>
+            <a:r>
+              <a:rPr lang="de-DE" altLang="de-DE" sz="1400" dirty="0">
+                <a:solidFill>
+                  <a:srgbClr val="000000"/>
+                </a:solidFill>
+                <a:latin typeface="Consolas" panose="020B0609020204030204" pitchFamily="49" charset="0"/>
+                <a:cs typeface="Consolas" panose="020B0609020204030204" pitchFamily="49" charset="0"/>
+              </a:rPr>
+              <a:t>    </a:t>
+            </a:r>
+            <a:r>
+              <a:rPr lang="de-DE" altLang="de-DE" sz="1400" dirty="0" err="1">
+                <a:solidFill>
+                  <a:srgbClr val="000000"/>
+                </a:solidFill>
+                <a:latin typeface="Consolas" panose="020B0609020204030204" pitchFamily="49" charset="0"/>
+                <a:cs typeface="Consolas" panose="020B0609020204030204" pitchFamily="49" charset="0"/>
+              </a:rPr>
+              <a:t>modalWindow.setTitle</a:t>
+            </a:r>
+            <a:r>
+              <a:rPr lang="de-DE" altLang="de-DE" sz="1400" dirty="0">
+                <a:solidFill>
+                  <a:srgbClr val="000000"/>
+                </a:solidFill>
+                <a:latin typeface="Consolas" panose="020B0609020204030204" pitchFamily="49" charset="0"/>
+                <a:cs typeface="Consolas" panose="020B0609020204030204" pitchFamily="49" charset="0"/>
+              </a:rPr>
+              <a:t>(</a:t>
+            </a:r>
+            <a:r>
+              <a:rPr lang="de-DE" altLang="de-DE" sz="1400" b="1" dirty="0">
+                <a:solidFill>
+                  <a:srgbClr val="008000"/>
+                </a:solidFill>
+                <a:latin typeface="Consolas" panose="020B0609020204030204" pitchFamily="49" charset="0"/>
+                <a:cs typeface="Consolas" panose="020B0609020204030204" pitchFamily="49" charset="0"/>
+              </a:rPr>
+              <a:t>"Modal </a:t>
+            </a:r>
+            <a:r>
+              <a:rPr lang="de-DE" altLang="de-DE" sz="1400" b="1" dirty="0" err="1">
+                <a:solidFill>
+                  <a:srgbClr val="008000"/>
+                </a:solidFill>
+                <a:latin typeface="Consolas" panose="020B0609020204030204" pitchFamily="49" charset="0"/>
+                <a:cs typeface="Consolas" panose="020B0609020204030204" pitchFamily="49" charset="0"/>
+              </a:rPr>
+              <a:t>Window</a:t>
+            </a:r>
+            <a:r>
+              <a:rPr lang="de-DE" altLang="de-DE" sz="1400" b="1" dirty="0">
+                <a:solidFill>
+                  <a:srgbClr val="008000"/>
+                </a:solidFill>
+                <a:latin typeface="Consolas" panose="020B0609020204030204" pitchFamily="49" charset="0"/>
+                <a:cs typeface="Consolas" panose="020B0609020204030204" pitchFamily="49" charset="0"/>
+              </a:rPr>
+              <a:t>"</a:t>
+            </a:r>
+            <a:r>
+              <a:rPr lang="de-DE" altLang="de-DE" sz="1400" dirty="0">
+                <a:solidFill>
+                  <a:srgbClr val="000000"/>
+                </a:solidFill>
+                <a:latin typeface="Consolas" panose="020B0609020204030204" pitchFamily="49" charset="0"/>
+                <a:cs typeface="Consolas" panose="020B0609020204030204" pitchFamily="49" charset="0"/>
+              </a:rPr>
+              <a:t>);</a:t>
+            </a:r>
+            <a:br>
+              <a:rPr lang="de-DE" altLang="de-DE" sz="1400" dirty="0">
+                <a:solidFill>
+                  <a:srgbClr val="000000"/>
+                </a:solidFill>
+                <a:latin typeface="Consolas" panose="020B0609020204030204" pitchFamily="49" charset="0"/>
+                <a:cs typeface="Consolas" panose="020B0609020204030204" pitchFamily="49" charset="0"/>
+              </a:rPr>
+            </a:br>
+            <a:r>
+              <a:rPr lang="de-DE" altLang="de-DE" sz="1400" dirty="0">
+                <a:solidFill>
+                  <a:srgbClr val="000000"/>
+                </a:solidFill>
+                <a:latin typeface="Consolas" panose="020B0609020204030204" pitchFamily="49" charset="0"/>
+                <a:cs typeface="Consolas" panose="020B0609020204030204" pitchFamily="49" charset="0"/>
+              </a:rPr>
+              <a:t/>
+            </a:r>
+            <a:br>
+              <a:rPr lang="de-DE" altLang="de-DE" sz="1400" dirty="0">
+                <a:solidFill>
+                  <a:srgbClr val="000000"/>
+                </a:solidFill>
+                <a:latin typeface="Consolas" panose="020B0609020204030204" pitchFamily="49" charset="0"/>
+                <a:cs typeface="Consolas" panose="020B0609020204030204" pitchFamily="49" charset="0"/>
+              </a:rPr>
+            </a:br>
+            <a:r>
+              <a:rPr lang="de-DE" altLang="de-DE" sz="1400" dirty="0">
+                <a:solidFill>
+                  <a:srgbClr val="000000"/>
+                </a:solidFill>
+                <a:latin typeface="Consolas" panose="020B0609020204030204" pitchFamily="49" charset="0"/>
+                <a:cs typeface="Consolas" panose="020B0609020204030204" pitchFamily="49" charset="0"/>
+              </a:rPr>
+              <a:t>    </a:t>
+            </a:r>
+            <a:r>
+              <a:rPr lang="de-DE" altLang="de-DE" sz="1400" dirty="0" err="1">
+                <a:solidFill>
+                  <a:srgbClr val="000000"/>
+                </a:solidFill>
+                <a:latin typeface="Consolas" panose="020B0609020204030204" pitchFamily="49" charset="0"/>
+                <a:cs typeface="Consolas" panose="020B0609020204030204" pitchFamily="49" charset="0"/>
+              </a:rPr>
+              <a:t>add</a:t>
+            </a:r>
+            <a:r>
+              <a:rPr lang="de-DE" altLang="de-DE" sz="1400" dirty="0">
+                <a:solidFill>
+                  <a:srgbClr val="000000"/>
+                </a:solidFill>
+                <a:latin typeface="Consolas" panose="020B0609020204030204" pitchFamily="49" charset="0"/>
+                <a:cs typeface="Consolas" panose="020B0609020204030204" pitchFamily="49" charset="0"/>
+              </a:rPr>
+              <a:t>(</a:t>
+            </a:r>
+            <a:r>
+              <a:rPr lang="de-DE" altLang="de-DE" sz="1400" dirty="0" err="1">
+                <a:solidFill>
+                  <a:srgbClr val="000000"/>
+                </a:solidFill>
+                <a:latin typeface="Consolas" panose="020B0609020204030204" pitchFamily="49" charset="0"/>
+                <a:cs typeface="Consolas" panose="020B0609020204030204" pitchFamily="49" charset="0"/>
+              </a:rPr>
+              <a:t>modalWindow</a:t>
+            </a:r>
+            <a:r>
+              <a:rPr lang="de-DE" altLang="de-DE" sz="1400" dirty="0">
+                <a:solidFill>
+                  <a:srgbClr val="000000"/>
+                </a:solidFill>
+                <a:latin typeface="Consolas" panose="020B0609020204030204" pitchFamily="49" charset="0"/>
+                <a:cs typeface="Consolas" panose="020B0609020204030204" pitchFamily="49" charset="0"/>
+              </a:rPr>
+              <a:t>);</a:t>
+            </a:r>
+            <a:br>
+              <a:rPr lang="de-DE" altLang="de-DE" sz="1400" dirty="0">
+                <a:solidFill>
+                  <a:srgbClr val="000000"/>
+                </a:solidFill>
+                <a:latin typeface="Consolas" panose="020B0609020204030204" pitchFamily="49" charset="0"/>
+                <a:cs typeface="Consolas" panose="020B0609020204030204" pitchFamily="49" charset="0"/>
+              </a:rPr>
+            </a:br>
+            <a:r>
+              <a:rPr lang="de-DE" altLang="de-DE" sz="1400" dirty="0">
+                <a:solidFill>
+                  <a:srgbClr val="000000"/>
+                </a:solidFill>
+                <a:latin typeface="Consolas" panose="020B0609020204030204" pitchFamily="49" charset="0"/>
+                <a:cs typeface="Consolas" panose="020B0609020204030204" pitchFamily="49" charset="0"/>
+              </a:rPr>
+              <a:t>    </a:t>
+            </a:r>
+            <a:r>
+              <a:rPr lang="de-DE" altLang="de-DE" sz="1400" dirty="0" err="1">
+                <a:solidFill>
+                  <a:srgbClr val="000000"/>
+                </a:solidFill>
+                <a:latin typeface="Consolas" panose="020B0609020204030204" pitchFamily="49" charset="0"/>
+                <a:cs typeface="Consolas" panose="020B0609020204030204" pitchFamily="49" charset="0"/>
+              </a:rPr>
+              <a:t>add</a:t>
+            </a:r>
+            <a:r>
+              <a:rPr lang="de-DE" altLang="de-DE" sz="1400" dirty="0">
+                <a:solidFill>
+                  <a:srgbClr val="000000"/>
+                </a:solidFill>
+                <a:latin typeface="Consolas" panose="020B0609020204030204" pitchFamily="49" charset="0"/>
+                <a:cs typeface="Consolas" panose="020B0609020204030204" pitchFamily="49" charset="0"/>
+              </a:rPr>
+              <a:t>(</a:t>
+            </a:r>
+            <a:r>
+              <a:rPr lang="de-DE" altLang="de-DE" sz="1400" b="1" dirty="0" err="1">
+                <a:solidFill>
+                  <a:srgbClr val="000080"/>
+                </a:solidFill>
+                <a:latin typeface="Consolas" panose="020B0609020204030204" pitchFamily="49" charset="0"/>
+                <a:cs typeface="Consolas" panose="020B0609020204030204" pitchFamily="49" charset="0"/>
+              </a:rPr>
+              <a:t>new</a:t>
+            </a:r>
+            <a:r>
+              <a:rPr lang="de-DE" altLang="de-DE" sz="1400" b="1" dirty="0">
+                <a:solidFill>
+                  <a:srgbClr val="000080"/>
+                </a:solidFill>
+                <a:latin typeface="Consolas" panose="020B0609020204030204" pitchFamily="49" charset="0"/>
+                <a:cs typeface="Consolas" panose="020B0609020204030204" pitchFamily="49" charset="0"/>
+              </a:rPr>
+              <a:t> </a:t>
+            </a:r>
+            <a:r>
+              <a:rPr lang="de-DE" altLang="de-DE" sz="1400" dirty="0" err="1">
+                <a:solidFill>
+                  <a:srgbClr val="000000"/>
+                </a:solidFill>
+                <a:latin typeface="Consolas" panose="020B0609020204030204" pitchFamily="49" charset="0"/>
+                <a:cs typeface="Consolas" panose="020B0609020204030204" pitchFamily="49" charset="0"/>
+              </a:rPr>
+              <a:t>AjaxLink</a:t>
+            </a:r>
+            <a:r>
+              <a:rPr lang="de-DE" altLang="de-DE" sz="1400" dirty="0">
+                <a:solidFill>
+                  <a:srgbClr val="000000"/>
+                </a:solidFill>
+                <a:latin typeface="Consolas" panose="020B0609020204030204" pitchFamily="49" charset="0"/>
+                <a:cs typeface="Consolas" panose="020B0609020204030204" pitchFamily="49" charset="0"/>
+              </a:rPr>
+              <a:t>(</a:t>
+            </a:r>
+            <a:r>
+              <a:rPr lang="de-DE" altLang="de-DE" sz="1400" b="1" dirty="0">
+                <a:solidFill>
+                  <a:srgbClr val="008000"/>
+                </a:solidFill>
+                <a:latin typeface="Consolas" panose="020B0609020204030204" pitchFamily="49" charset="0"/>
+                <a:cs typeface="Consolas" panose="020B0609020204030204" pitchFamily="49" charset="0"/>
+              </a:rPr>
+              <a:t>"</a:t>
+            </a:r>
+            <a:r>
+              <a:rPr lang="de-DE" altLang="de-DE" sz="1400" b="1" dirty="0" err="1">
+                <a:solidFill>
+                  <a:srgbClr val="FF0000"/>
+                </a:solidFill>
+                <a:latin typeface="Consolas" panose="020B0609020204030204" pitchFamily="49" charset="0"/>
+                <a:cs typeface="Consolas" panose="020B0609020204030204" pitchFamily="49" charset="0"/>
+              </a:rPr>
+              <a:t>openWindow</a:t>
+            </a:r>
+            <a:r>
+              <a:rPr lang="de-DE" altLang="de-DE" sz="1400" b="1" dirty="0">
+                <a:solidFill>
+                  <a:srgbClr val="008000"/>
+                </a:solidFill>
+                <a:latin typeface="Consolas" panose="020B0609020204030204" pitchFamily="49" charset="0"/>
+                <a:cs typeface="Consolas" panose="020B0609020204030204" pitchFamily="49" charset="0"/>
+              </a:rPr>
+              <a:t>"</a:t>
+            </a:r>
+            <a:r>
+              <a:rPr lang="de-DE" altLang="de-DE" sz="1400" dirty="0">
+                <a:solidFill>
+                  <a:srgbClr val="000000"/>
+                </a:solidFill>
+                <a:latin typeface="Consolas" panose="020B0609020204030204" pitchFamily="49" charset="0"/>
+                <a:cs typeface="Consolas" panose="020B0609020204030204" pitchFamily="49" charset="0"/>
+              </a:rPr>
+              <a:t>) {</a:t>
+            </a:r>
+            <a:br>
+              <a:rPr lang="de-DE" altLang="de-DE" sz="1400" dirty="0">
+                <a:solidFill>
+                  <a:srgbClr val="000000"/>
+                </a:solidFill>
+                <a:latin typeface="Consolas" panose="020B0609020204030204" pitchFamily="49" charset="0"/>
+                <a:cs typeface="Consolas" panose="020B0609020204030204" pitchFamily="49" charset="0"/>
+              </a:rPr>
+            </a:br>
+            <a:r>
+              <a:rPr lang="de-DE" altLang="de-DE" sz="1400" dirty="0">
+                <a:solidFill>
+                  <a:srgbClr val="000000"/>
+                </a:solidFill>
+                <a:latin typeface="Consolas" panose="020B0609020204030204" pitchFamily="49" charset="0"/>
+                <a:cs typeface="Consolas" panose="020B0609020204030204" pitchFamily="49" charset="0"/>
+              </a:rPr>
+              <a:t>        @</a:t>
+            </a:r>
+            <a:r>
+              <a:rPr lang="de-DE" altLang="de-DE" sz="1400" dirty="0" err="1">
+                <a:solidFill>
+                  <a:srgbClr val="000000"/>
+                </a:solidFill>
+                <a:latin typeface="Consolas" panose="020B0609020204030204" pitchFamily="49" charset="0"/>
+                <a:cs typeface="Consolas" panose="020B0609020204030204" pitchFamily="49" charset="0"/>
+              </a:rPr>
+              <a:t>Override</a:t>
+            </a:r>
+            <a:r>
+              <a:rPr lang="de-DE" altLang="de-DE" sz="1400" dirty="0">
+                <a:solidFill>
+                  <a:srgbClr val="000000"/>
+                </a:solidFill>
+                <a:latin typeface="Consolas" panose="020B0609020204030204" pitchFamily="49" charset="0"/>
+                <a:cs typeface="Consolas" panose="020B0609020204030204" pitchFamily="49" charset="0"/>
+              </a:rPr>
+              <a:t/>
+            </a:r>
+            <a:br>
+              <a:rPr lang="de-DE" altLang="de-DE" sz="1400" dirty="0">
+                <a:solidFill>
+                  <a:srgbClr val="000000"/>
+                </a:solidFill>
+                <a:latin typeface="Consolas" panose="020B0609020204030204" pitchFamily="49" charset="0"/>
+                <a:cs typeface="Consolas" panose="020B0609020204030204" pitchFamily="49" charset="0"/>
+              </a:rPr>
+            </a:br>
+            <a:r>
+              <a:rPr lang="de-DE" altLang="de-DE" sz="1400" dirty="0">
+                <a:solidFill>
+                  <a:srgbClr val="000000"/>
+                </a:solidFill>
+                <a:latin typeface="Consolas" panose="020B0609020204030204" pitchFamily="49" charset="0"/>
+                <a:cs typeface="Consolas" panose="020B0609020204030204" pitchFamily="49" charset="0"/>
+              </a:rPr>
+              <a:t>        </a:t>
+            </a:r>
+            <a:r>
+              <a:rPr lang="de-DE" altLang="de-DE" sz="1400" b="1" dirty="0" err="1">
+                <a:solidFill>
+                  <a:srgbClr val="000080"/>
+                </a:solidFill>
+                <a:latin typeface="Consolas" panose="020B0609020204030204" pitchFamily="49" charset="0"/>
+                <a:cs typeface="Consolas" panose="020B0609020204030204" pitchFamily="49" charset="0"/>
+              </a:rPr>
+              <a:t>public</a:t>
+            </a:r>
+            <a:r>
+              <a:rPr lang="de-DE" altLang="de-DE" sz="1400" b="1" dirty="0">
+                <a:solidFill>
+                  <a:srgbClr val="000080"/>
+                </a:solidFill>
+                <a:latin typeface="Consolas" panose="020B0609020204030204" pitchFamily="49" charset="0"/>
+                <a:cs typeface="Consolas" panose="020B0609020204030204" pitchFamily="49" charset="0"/>
+              </a:rPr>
+              <a:t> </a:t>
+            </a:r>
+            <a:r>
+              <a:rPr lang="de-DE" altLang="de-DE" sz="1400" b="1" dirty="0" err="1">
+                <a:solidFill>
+                  <a:srgbClr val="000080"/>
+                </a:solidFill>
+                <a:latin typeface="Consolas" panose="020B0609020204030204" pitchFamily="49" charset="0"/>
+                <a:cs typeface="Consolas" panose="020B0609020204030204" pitchFamily="49" charset="0"/>
+              </a:rPr>
+              <a:t>void</a:t>
+            </a:r>
+            <a:r>
+              <a:rPr lang="de-DE" altLang="de-DE" sz="1400" b="1" dirty="0">
+                <a:solidFill>
+                  <a:srgbClr val="000080"/>
+                </a:solidFill>
+                <a:latin typeface="Consolas" panose="020B0609020204030204" pitchFamily="49" charset="0"/>
+                <a:cs typeface="Consolas" panose="020B0609020204030204" pitchFamily="49" charset="0"/>
+              </a:rPr>
+              <a:t> </a:t>
+            </a:r>
+            <a:r>
+              <a:rPr lang="de-DE" altLang="de-DE" sz="1400" dirty="0" err="1">
+                <a:solidFill>
+                  <a:srgbClr val="000000"/>
+                </a:solidFill>
+                <a:latin typeface="Consolas" panose="020B0609020204030204" pitchFamily="49" charset="0"/>
+                <a:cs typeface="Consolas" panose="020B0609020204030204" pitchFamily="49" charset="0"/>
+              </a:rPr>
+              <a:t>onClick</a:t>
+            </a:r>
+            <a:r>
+              <a:rPr lang="de-DE" altLang="de-DE" sz="1400" dirty="0">
+                <a:solidFill>
+                  <a:srgbClr val="000000"/>
+                </a:solidFill>
+                <a:latin typeface="Consolas" panose="020B0609020204030204" pitchFamily="49" charset="0"/>
+                <a:cs typeface="Consolas" panose="020B0609020204030204" pitchFamily="49" charset="0"/>
+              </a:rPr>
+              <a:t>(Optional&lt;</a:t>
+            </a:r>
+            <a:r>
+              <a:rPr lang="de-DE" altLang="de-DE" sz="1400" dirty="0" err="1">
+                <a:solidFill>
+                  <a:srgbClr val="000000"/>
+                </a:solidFill>
+                <a:latin typeface="Consolas" panose="020B0609020204030204" pitchFamily="49" charset="0"/>
+                <a:cs typeface="Consolas" panose="020B0609020204030204" pitchFamily="49" charset="0"/>
+              </a:rPr>
+              <a:t>AjaxRequestTarget</a:t>
+            </a:r>
+            <a:r>
+              <a:rPr lang="de-DE" altLang="de-DE" sz="1400" dirty="0">
+                <a:solidFill>
+                  <a:srgbClr val="000000"/>
+                </a:solidFill>
+                <a:latin typeface="Consolas" panose="020B0609020204030204" pitchFamily="49" charset="0"/>
+                <a:cs typeface="Consolas" panose="020B0609020204030204" pitchFamily="49" charset="0"/>
+              </a:rPr>
+              <a:t>&gt; </a:t>
+            </a:r>
+            <a:r>
+              <a:rPr lang="de-DE" altLang="de-DE" sz="1400" dirty="0" err="1">
+                <a:solidFill>
+                  <a:srgbClr val="000000"/>
+                </a:solidFill>
+                <a:latin typeface="Consolas" panose="020B0609020204030204" pitchFamily="49" charset="0"/>
+                <a:cs typeface="Consolas" panose="020B0609020204030204" pitchFamily="49" charset="0"/>
+              </a:rPr>
+              <a:t>target</a:t>
+            </a:r>
+            <a:r>
+              <a:rPr lang="de-DE" altLang="de-DE" sz="1400" dirty="0">
+                <a:solidFill>
+                  <a:srgbClr val="000000"/>
+                </a:solidFill>
+                <a:latin typeface="Consolas" panose="020B0609020204030204" pitchFamily="49" charset="0"/>
+                <a:cs typeface="Consolas" panose="020B0609020204030204" pitchFamily="49" charset="0"/>
+              </a:rPr>
+              <a:t>) {</a:t>
+            </a:r>
+          </a:p>
+          <a:p>
+            <a:pPr marL="400050" lvl="1" indent="0">
+              <a:spcBef>
+                <a:spcPct val="0"/>
+              </a:spcBef>
+              <a:buClrTx/>
+              <a:buNone/>
+            </a:pPr>
+            <a:r>
+              <a:rPr lang="de-DE" altLang="de-DE" sz="1400" dirty="0">
+                <a:solidFill>
+                  <a:srgbClr val="000000"/>
+                </a:solidFill>
+                <a:latin typeface="Consolas" panose="020B0609020204030204" pitchFamily="49" charset="0"/>
+                <a:cs typeface="Consolas" panose="020B0609020204030204" pitchFamily="49" charset="0"/>
+              </a:rPr>
+              <a:t>            </a:t>
+            </a:r>
+            <a:r>
+              <a:rPr lang="de-DE" altLang="de-DE" sz="1400" dirty="0" err="1">
+                <a:solidFill>
+                  <a:srgbClr val="000000"/>
+                </a:solidFill>
+                <a:latin typeface="Consolas" panose="020B0609020204030204" pitchFamily="49" charset="0"/>
+                <a:cs typeface="Consolas" panose="020B0609020204030204" pitchFamily="49" charset="0"/>
+              </a:rPr>
+              <a:t>if</a:t>
+            </a:r>
+            <a:r>
+              <a:rPr lang="de-DE" altLang="de-DE" sz="1400" dirty="0">
+                <a:solidFill>
+                  <a:srgbClr val="000000"/>
+                </a:solidFill>
+                <a:latin typeface="Consolas" panose="020B0609020204030204" pitchFamily="49" charset="0"/>
+                <a:cs typeface="Consolas" panose="020B0609020204030204" pitchFamily="49" charset="0"/>
+              </a:rPr>
+              <a:t> (</a:t>
+            </a:r>
+            <a:r>
+              <a:rPr lang="de-DE" altLang="de-DE" sz="1400" dirty="0" err="1">
+                <a:solidFill>
+                  <a:srgbClr val="000000"/>
+                </a:solidFill>
+                <a:latin typeface="Consolas" panose="020B0609020204030204" pitchFamily="49" charset="0"/>
+                <a:cs typeface="Consolas" panose="020B0609020204030204" pitchFamily="49" charset="0"/>
+              </a:rPr>
+              <a:t>target.isPresent</a:t>
+            </a:r>
+            <a:r>
+              <a:rPr lang="de-DE" altLang="de-DE" sz="1400" dirty="0">
+                <a:solidFill>
+                  <a:srgbClr val="000000"/>
+                </a:solidFill>
+                <a:latin typeface="Consolas" panose="020B0609020204030204" pitchFamily="49" charset="0"/>
+                <a:cs typeface="Consolas" panose="020B0609020204030204" pitchFamily="49" charset="0"/>
+              </a:rPr>
+              <a:t>()) {</a:t>
+            </a:r>
+            <a:br>
+              <a:rPr lang="de-DE" altLang="de-DE" sz="1400" dirty="0">
+                <a:solidFill>
+                  <a:srgbClr val="000000"/>
+                </a:solidFill>
+                <a:latin typeface="Consolas" panose="020B0609020204030204" pitchFamily="49" charset="0"/>
+                <a:cs typeface="Consolas" panose="020B0609020204030204" pitchFamily="49" charset="0"/>
+              </a:rPr>
+            </a:br>
+            <a:r>
+              <a:rPr lang="de-DE" altLang="de-DE" sz="1400" dirty="0">
+                <a:solidFill>
+                  <a:srgbClr val="000000"/>
+                </a:solidFill>
+                <a:latin typeface="Consolas" panose="020B0609020204030204" pitchFamily="49" charset="0"/>
+                <a:cs typeface="Consolas" panose="020B0609020204030204" pitchFamily="49" charset="0"/>
+              </a:rPr>
+              <a:t>                </a:t>
+            </a:r>
+            <a:r>
+              <a:rPr lang="de-DE" altLang="de-DE" sz="1400" dirty="0" err="1">
+                <a:solidFill>
+                  <a:srgbClr val="000000"/>
+                </a:solidFill>
+                <a:latin typeface="Consolas" panose="020B0609020204030204" pitchFamily="49" charset="0"/>
+                <a:cs typeface="Consolas" panose="020B0609020204030204" pitchFamily="49" charset="0"/>
+              </a:rPr>
+              <a:t>modalWindow.show</a:t>
+            </a:r>
+            <a:r>
+              <a:rPr lang="de-DE" altLang="de-DE" sz="1400" dirty="0">
+                <a:solidFill>
+                  <a:srgbClr val="000000"/>
+                </a:solidFill>
+                <a:latin typeface="Consolas" panose="020B0609020204030204" pitchFamily="49" charset="0"/>
+                <a:cs typeface="Consolas" panose="020B0609020204030204" pitchFamily="49" charset="0"/>
+              </a:rPr>
+              <a:t>(</a:t>
+            </a:r>
+            <a:r>
+              <a:rPr lang="de-DE" altLang="de-DE" sz="1400" dirty="0" err="1">
+                <a:solidFill>
+                  <a:srgbClr val="000000"/>
+                </a:solidFill>
+                <a:latin typeface="Consolas" panose="020B0609020204030204" pitchFamily="49" charset="0"/>
+                <a:cs typeface="Consolas" panose="020B0609020204030204" pitchFamily="49" charset="0"/>
+              </a:rPr>
+              <a:t>target.get</a:t>
+            </a:r>
+            <a:r>
+              <a:rPr lang="de-DE" altLang="de-DE" sz="1400" dirty="0">
+                <a:solidFill>
+                  <a:srgbClr val="000000"/>
+                </a:solidFill>
+                <a:latin typeface="Consolas" panose="020B0609020204030204" pitchFamily="49" charset="0"/>
+                <a:cs typeface="Consolas" panose="020B0609020204030204" pitchFamily="49" charset="0"/>
+              </a:rPr>
+              <a:t>());</a:t>
+            </a:r>
+          </a:p>
+          <a:p>
+            <a:pPr marL="400050" lvl="1" indent="0">
+              <a:spcBef>
+                <a:spcPct val="0"/>
+              </a:spcBef>
+              <a:buClrTx/>
+              <a:buNone/>
+            </a:pPr>
+            <a:r>
+              <a:rPr lang="de-DE" altLang="de-DE" sz="1400" dirty="0">
+                <a:solidFill>
+                  <a:srgbClr val="000000"/>
+                </a:solidFill>
+                <a:latin typeface="Consolas" panose="020B0609020204030204" pitchFamily="49" charset="0"/>
+                <a:cs typeface="Consolas" panose="020B0609020204030204" pitchFamily="49" charset="0"/>
+              </a:rPr>
+              <a:t>            }</a:t>
+            </a:r>
+            <a:br>
+              <a:rPr lang="de-DE" altLang="de-DE" sz="1400" dirty="0">
+                <a:solidFill>
+                  <a:srgbClr val="000000"/>
+                </a:solidFill>
+                <a:latin typeface="Consolas" panose="020B0609020204030204" pitchFamily="49" charset="0"/>
+                <a:cs typeface="Consolas" panose="020B0609020204030204" pitchFamily="49" charset="0"/>
+              </a:rPr>
+            </a:br>
+            <a:r>
+              <a:rPr lang="de-DE" altLang="de-DE" sz="1400" dirty="0">
+                <a:solidFill>
+                  <a:srgbClr val="000000"/>
+                </a:solidFill>
+                <a:latin typeface="Consolas" panose="020B0609020204030204" pitchFamily="49" charset="0"/>
+                <a:cs typeface="Consolas" panose="020B0609020204030204" pitchFamily="49" charset="0"/>
+              </a:rPr>
+              <a:t>        }</a:t>
+            </a:r>
+            <a:br>
+              <a:rPr lang="de-DE" altLang="de-DE" sz="1400" dirty="0">
+                <a:solidFill>
+                  <a:srgbClr val="000000"/>
+                </a:solidFill>
+                <a:latin typeface="Consolas" panose="020B0609020204030204" pitchFamily="49" charset="0"/>
+                <a:cs typeface="Consolas" panose="020B0609020204030204" pitchFamily="49" charset="0"/>
+              </a:rPr>
+            </a:br>
+            <a:r>
+              <a:rPr lang="de-DE" altLang="de-DE" sz="1400" dirty="0">
+                <a:solidFill>
+                  <a:srgbClr val="000000"/>
+                </a:solidFill>
+                <a:latin typeface="Consolas" panose="020B0609020204030204" pitchFamily="49" charset="0"/>
+                <a:cs typeface="Consolas" panose="020B0609020204030204" pitchFamily="49" charset="0"/>
+              </a:rPr>
+              <a:t>    });</a:t>
+            </a:r>
+            <a:br>
+              <a:rPr lang="de-DE" altLang="de-DE" sz="1400" dirty="0">
+                <a:solidFill>
+                  <a:srgbClr val="000000"/>
+                </a:solidFill>
+                <a:latin typeface="Consolas" panose="020B0609020204030204" pitchFamily="49" charset="0"/>
+                <a:cs typeface="Consolas" panose="020B0609020204030204" pitchFamily="49" charset="0"/>
+              </a:rPr>
+            </a:br>
+            <a:r>
+              <a:rPr lang="de-DE" altLang="de-DE" sz="1400" dirty="0">
+                <a:solidFill>
+                  <a:srgbClr val="000000"/>
+                </a:solidFill>
+                <a:latin typeface="Consolas" panose="020B0609020204030204" pitchFamily="49" charset="0"/>
+                <a:cs typeface="Consolas" panose="020B0609020204030204" pitchFamily="49" charset="0"/>
+              </a:rPr>
+              <a:t>}</a:t>
+            </a:r>
+            <a:endParaRPr lang="de-DE" altLang="de-DE" sz="1400" dirty="0">
+              <a:latin typeface="Consolas" panose="020B0609020204030204" pitchFamily="49" charset="0"/>
+              <a:cs typeface="Consolas" panose="020B0609020204030204" pitchFamily="49" charset="0"/>
+            </a:endParaRPr>
           </a:p>
         </p:txBody>
       </p:sp>
@@ -6975,7 +8252,7 @@
     </p:spTree>
     <p:extLst>
       <p:ext uri="{BB962C8B-B14F-4D97-AF65-F5344CB8AC3E}">
-        <p14:creationId xmlns:p14="http://schemas.microsoft.com/office/powerpoint/2010/main" val="3546599592"/>
+        <p14:creationId xmlns:p14="http://schemas.microsoft.com/office/powerpoint/2010/main" val="773029921"/>
       </p:ext>
     </p:extLst>
   </p:cSld>
@@ -7026,10 +8303,14 @@
               <a:buNone/>
             </a:pPr>
             <a:r>
+              <a:rPr lang="de-DE" sz="2000" b="1" dirty="0"/>
+              <a:t>Ajax </a:t>
+            </a:r>
+            <a:r>
               <a:rPr lang="de-DE" sz="2000" b="1" dirty="0" err="1"/>
-              <a:t>AjaxEventBehavior</a:t>
-            </a:r>
-            <a:endParaRPr lang="de-DE" sz="2000" b="1" dirty="0"/>
+              <a:t>Behaviors</a:t>
+            </a:r>
+            <a:endParaRPr lang="de-DE" b="1" dirty="0"/>
           </a:p>
           <a:p>
             <a:pPr>
@@ -7038,7 +8319,7 @@
             </a:pPr>
             <a:r>
               <a:rPr lang="de-DE" sz="2000" dirty="0"/>
-              <a:t>Serverseitige Behandlung von JavaScript Events</a:t>
+              <a:t>Mittels Ajax auszuführende Aktionen</a:t>
             </a:r>
           </a:p>
           <a:p>
@@ -7046,7 +8327,18 @@
               <a:buFont typeface="Arial" panose="020B0604020202020204" pitchFamily="34" charset="0"/>
               <a:buChar char="•"/>
             </a:pPr>
-            <a:endParaRPr lang="de-DE" sz="1600" dirty="0"/>
+            <a:r>
+              <a:rPr lang="de-DE" sz="2000" dirty="0"/>
+              <a:t>Nachträgliches „</a:t>
+            </a:r>
+            <a:r>
+              <a:rPr lang="de-DE" sz="2000" dirty="0" err="1"/>
+              <a:t>Ajaxifizieren</a:t>
+            </a:r>
+            <a:r>
+              <a:rPr lang="de-DE" sz="2000" dirty="0"/>
+              <a:t>“ von Komponenten</a:t>
+            </a:r>
           </a:p>
           <a:p>
             <a:pPr>
@@ -7055,249 +8347,49 @@
             </a:pPr>
             <a:r>
               <a:rPr lang="de-DE" sz="2000" dirty="0"/>
-              <a:t>HTML</a:t>
-            </a:r>
-          </a:p>
-          <a:p>
-            <a:endParaRPr lang="de-DE" sz="800" dirty="0"/>
-          </a:p>
-          <a:p>
-            <a:pPr marL="400050" lvl="1" indent="0">
-              <a:buNone/>
-            </a:pPr>
-            <a:r>
-              <a:rPr lang="de-DE" altLang="de-DE" sz="1600" dirty="0">
-                <a:solidFill>
-                  <a:srgbClr val="000000"/>
-                </a:solidFill>
-                <a:latin typeface="Consolas" panose="020B0609020204030204" pitchFamily="49" charset="0"/>
-                <a:cs typeface="Consolas" panose="020B0609020204030204" pitchFamily="49" charset="0"/>
-              </a:rPr>
-              <a:t>&lt;</a:t>
-            </a:r>
-            <a:r>
-              <a:rPr lang="de-DE" altLang="de-DE" sz="1600" b="1" dirty="0">
-                <a:solidFill>
-                  <a:srgbClr val="000080"/>
-                </a:solidFill>
-                <a:latin typeface="Consolas" panose="020B0609020204030204" pitchFamily="49" charset="0"/>
-                <a:cs typeface="Consolas" panose="020B0609020204030204" pitchFamily="49" charset="0"/>
-              </a:rPr>
-              <a:t>div </a:t>
-            </a:r>
-            <a:r>
-              <a:rPr lang="de-DE" altLang="de-DE" sz="1600" b="1" dirty="0" err="1">
-                <a:solidFill>
-                  <a:srgbClr val="660E7A"/>
-                </a:solidFill>
-                <a:latin typeface="Consolas" panose="020B0609020204030204" pitchFamily="49" charset="0"/>
-                <a:cs typeface="Consolas" panose="020B0609020204030204" pitchFamily="49" charset="0"/>
-              </a:rPr>
-              <a:t>wicket</a:t>
-            </a:r>
-            <a:r>
-              <a:rPr lang="de-DE" altLang="de-DE" sz="1600" b="1" dirty="0" err="1">
-                <a:solidFill>
-                  <a:srgbClr val="0000FF"/>
-                </a:solidFill>
-                <a:latin typeface="Consolas" panose="020B0609020204030204" pitchFamily="49" charset="0"/>
-                <a:cs typeface="Consolas" panose="020B0609020204030204" pitchFamily="49" charset="0"/>
-              </a:rPr>
-              <a:t>:id</a:t>
-            </a:r>
-            <a:r>
-              <a:rPr lang="de-DE" altLang="de-DE" sz="1600" b="1" dirty="0">
-                <a:solidFill>
-                  <a:srgbClr val="0000FF"/>
-                </a:solidFill>
-                <a:latin typeface="Consolas" panose="020B0609020204030204" pitchFamily="49" charset="0"/>
-                <a:cs typeface="Consolas" panose="020B0609020204030204" pitchFamily="49" charset="0"/>
-              </a:rPr>
-              <a:t>=</a:t>
-            </a:r>
-            <a:r>
-              <a:rPr lang="de-DE" altLang="de-DE" sz="1600" b="1" dirty="0">
-                <a:solidFill>
-                  <a:srgbClr val="008000"/>
-                </a:solidFill>
-                <a:latin typeface="Consolas" panose="020B0609020204030204" pitchFamily="49" charset="0"/>
-                <a:cs typeface="Consolas" panose="020B0609020204030204" pitchFamily="49" charset="0"/>
-              </a:rPr>
-              <a:t>"</a:t>
-            </a:r>
-            <a:r>
-              <a:rPr lang="de-DE" altLang="de-DE" sz="1600" b="1" dirty="0" err="1">
-                <a:solidFill>
-                  <a:srgbClr val="FF0000"/>
-                </a:solidFill>
-                <a:latin typeface="Consolas" panose="020B0609020204030204" pitchFamily="49" charset="0"/>
-                <a:cs typeface="Consolas" panose="020B0609020204030204" pitchFamily="49" charset="0"/>
-              </a:rPr>
-              <a:t>clickLabel</a:t>
-            </a:r>
-            <a:r>
-              <a:rPr lang="de-DE" altLang="de-DE" sz="1600" b="1" dirty="0">
-                <a:solidFill>
-                  <a:srgbClr val="008000"/>
-                </a:solidFill>
-                <a:latin typeface="Consolas" panose="020B0609020204030204" pitchFamily="49" charset="0"/>
-                <a:cs typeface="Consolas" panose="020B0609020204030204" pitchFamily="49" charset="0"/>
-              </a:rPr>
-              <a:t>"</a:t>
-            </a:r>
-            <a:r>
-              <a:rPr lang="de-DE" altLang="de-DE" sz="1600" dirty="0">
-                <a:solidFill>
-                  <a:srgbClr val="000000"/>
-                </a:solidFill>
-                <a:latin typeface="Consolas" panose="020B0609020204030204" pitchFamily="49" charset="0"/>
-                <a:cs typeface="Consolas" panose="020B0609020204030204" pitchFamily="49" charset="0"/>
-              </a:rPr>
-              <a:t>&gt;&lt;/</a:t>
-            </a:r>
-            <a:r>
-              <a:rPr lang="de-DE" altLang="de-DE" sz="1600" b="1" dirty="0">
-                <a:solidFill>
-                  <a:srgbClr val="000080"/>
-                </a:solidFill>
-                <a:latin typeface="Consolas" panose="020B0609020204030204" pitchFamily="49" charset="0"/>
-                <a:cs typeface="Consolas" panose="020B0609020204030204" pitchFamily="49" charset="0"/>
-              </a:rPr>
-              <a:t>div</a:t>
-            </a:r>
-            <a:r>
-              <a:rPr lang="de-DE" altLang="de-DE" sz="1600" dirty="0">
-                <a:solidFill>
-                  <a:srgbClr val="000000"/>
-                </a:solidFill>
-                <a:latin typeface="Consolas" panose="020B0609020204030204" pitchFamily="49" charset="0"/>
-                <a:cs typeface="Consolas" panose="020B0609020204030204" pitchFamily="49" charset="0"/>
-              </a:rPr>
-              <a:t>&gt;</a:t>
-            </a:r>
-            <a:br>
-              <a:rPr lang="de-DE" altLang="de-DE" sz="1600" dirty="0">
-                <a:solidFill>
-                  <a:srgbClr val="000000"/>
-                </a:solidFill>
-                <a:latin typeface="Consolas" panose="020B0609020204030204" pitchFamily="49" charset="0"/>
-                <a:cs typeface="Consolas" panose="020B0609020204030204" pitchFamily="49" charset="0"/>
-              </a:rPr>
-            </a:br>
-            <a:r>
-              <a:rPr lang="de-DE" altLang="de-DE" sz="1600" dirty="0">
-                <a:solidFill>
-                  <a:srgbClr val="000000"/>
-                </a:solidFill>
-                <a:latin typeface="Consolas" panose="020B0609020204030204" pitchFamily="49" charset="0"/>
-                <a:cs typeface="Consolas" panose="020B0609020204030204" pitchFamily="49" charset="0"/>
-              </a:rPr>
-              <a:t>Sie haben &lt;</a:t>
-            </a:r>
-            <a:r>
-              <a:rPr lang="de-DE" altLang="de-DE" sz="1600" b="1" dirty="0">
-                <a:solidFill>
-                  <a:srgbClr val="000080"/>
-                </a:solidFill>
-                <a:latin typeface="Consolas" panose="020B0609020204030204" pitchFamily="49" charset="0"/>
-                <a:cs typeface="Consolas" panose="020B0609020204030204" pitchFamily="49" charset="0"/>
-              </a:rPr>
-              <a:t>span </a:t>
-            </a:r>
-            <a:r>
-              <a:rPr lang="de-DE" altLang="de-DE" sz="1600" b="1" dirty="0" err="1">
-                <a:solidFill>
-                  <a:srgbClr val="660E7A"/>
-                </a:solidFill>
-                <a:latin typeface="Consolas" panose="020B0609020204030204" pitchFamily="49" charset="0"/>
-                <a:cs typeface="Consolas" panose="020B0609020204030204" pitchFamily="49" charset="0"/>
-              </a:rPr>
-              <a:t>wicket</a:t>
-            </a:r>
-            <a:r>
-              <a:rPr lang="de-DE" altLang="de-DE" sz="1600" b="1" dirty="0" err="1">
-                <a:solidFill>
-                  <a:srgbClr val="0000FF"/>
-                </a:solidFill>
-                <a:latin typeface="Consolas" panose="020B0609020204030204" pitchFamily="49" charset="0"/>
-                <a:cs typeface="Consolas" panose="020B0609020204030204" pitchFamily="49" charset="0"/>
-              </a:rPr>
-              <a:t>:id</a:t>
-            </a:r>
-            <a:r>
-              <a:rPr lang="de-DE" altLang="de-DE" sz="1600" b="1" dirty="0">
-                <a:solidFill>
-                  <a:srgbClr val="0000FF"/>
-                </a:solidFill>
-                <a:latin typeface="Consolas" panose="020B0609020204030204" pitchFamily="49" charset="0"/>
-                <a:cs typeface="Consolas" panose="020B0609020204030204" pitchFamily="49" charset="0"/>
-              </a:rPr>
-              <a:t>=</a:t>
-            </a:r>
-            <a:r>
-              <a:rPr lang="de-DE" altLang="de-DE" sz="1600" b="1" dirty="0">
-                <a:solidFill>
-                  <a:srgbClr val="008000"/>
-                </a:solidFill>
-                <a:latin typeface="Consolas" panose="020B0609020204030204" pitchFamily="49" charset="0"/>
-                <a:cs typeface="Consolas" panose="020B0609020204030204" pitchFamily="49" charset="0"/>
-              </a:rPr>
-              <a:t>"</a:t>
-            </a:r>
-            <a:r>
-              <a:rPr lang="de-DE" altLang="de-DE" sz="1600" b="1" dirty="0" err="1">
-                <a:solidFill>
-                  <a:srgbClr val="FFC000"/>
-                </a:solidFill>
-                <a:latin typeface="Consolas" panose="020B0609020204030204" pitchFamily="49" charset="0"/>
-                <a:cs typeface="Consolas" panose="020B0609020204030204" pitchFamily="49" charset="0"/>
-              </a:rPr>
-              <a:t>counterLabel</a:t>
-            </a:r>
-            <a:r>
-              <a:rPr lang="de-DE" altLang="de-DE" sz="1600" b="1" dirty="0">
-                <a:solidFill>
-                  <a:srgbClr val="008000"/>
-                </a:solidFill>
-                <a:latin typeface="Consolas" panose="020B0609020204030204" pitchFamily="49" charset="0"/>
-                <a:cs typeface="Consolas" panose="020B0609020204030204" pitchFamily="49" charset="0"/>
-              </a:rPr>
-              <a:t>"</a:t>
-            </a:r>
-            <a:r>
-              <a:rPr lang="de-DE" altLang="de-DE" sz="1600" dirty="0">
-                <a:solidFill>
-                  <a:srgbClr val="000000"/>
-                </a:solidFill>
-                <a:latin typeface="Consolas" panose="020B0609020204030204" pitchFamily="49" charset="0"/>
-                <a:cs typeface="Consolas" panose="020B0609020204030204" pitchFamily="49" charset="0"/>
-              </a:rPr>
-              <a:t>&gt;&lt;/</a:t>
-            </a:r>
-            <a:r>
-              <a:rPr lang="de-DE" altLang="de-DE" sz="1600" b="1" dirty="0">
-                <a:solidFill>
-                  <a:srgbClr val="000080"/>
-                </a:solidFill>
-                <a:latin typeface="Consolas" panose="020B0609020204030204" pitchFamily="49" charset="0"/>
-                <a:cs typeface="Consolas" panose="020B0609020204030204" pitchFamily="49" charset="0"/>
-              </a:rPr>
-              <a:t>span</a:t>
-            </a:r>
-            <a:r>
-              <a:rPr lang="de-DE" altLang="de-DE" sz="1600" dirty="0">
-                <a:solidFill>
-                  <a:srgbClr val="000000"/>
-                </a:solidFill>
-                <a:latin typeface="Consolas" panose="020B0609020204030204" pitchFamily="49" charset="0"/>
-                <a:cs typeface="Consolas" panose="020B0609020204030204" pitchFamily="49" charset="0"/>
-              </a:rPr>
-              <a:t>&gt; mal geklickt.</a:t>
-            </a:r>
-            <a:endParaRPr lang="de-DE" altLang="de-DE" sz="4000" dirty="0">
-              <a:latin typeface="Consolas" panose="020B0609020204030204" pitchFamily="49" charset="0"/>
-              <a:cs typeface="Consolas" panose="020B0609020204030204" pitchFamily="49" charset="0"/>
-            </a:endParaRPr>
+              <a:t>Vorgefertigte </a:t>
+            </a:r>
+            <a:r>
+              <a:rPr lang="de-DE" sz="2000" dirty="0" err="1"/>
+              <a:t>Behaviors</a:t>
+            </a:r>
+            <a:endParaRPr lang="de-DE" sz="2000" dirty="0"/>
+          </a:p>
+          <a:p>
+            <a:pPr lvl="1">
+              <a:buFont typeface="Arial" panose="020B0604020202020204" pitchFamily="34" charset="0"/>
+              <a:buChar char="•"/>
+            </a:pPr>
+            <a:r>
+              <a:rPr lang="de-DE" sz="1600" dirty="0" err="1"/>
+              <a:t>AjaxEventBehavior</a:t>
+            </a:r>
+            <a:endParaRPr lang="de-DE" sz="1600" dirty="0"/>
+          </a:p>
+          <a:p>
+            <a:pPr lvl="1">
+              <a:buFont typeface="Arial" panose="020B0604020202020204" pitchFamily="34" charset="0"/>
+              <a:buChar char="•"/>
+            </a:pPr>
+            <a:r>
+              <a:rPr lang="de-DE" sz="1600" dirty="0" err="1"/>
+              <a:t>AjaxFormSubmitBehavior</a:t>
+            </a:r>
+            <a:endParaRPr lang="de-DE" sz="1600" dirty="0"/>
+          </a:p>
+          <a:p>
+            <a:pPr lvl="1">
+              <a:buFont typeface="Arial" panose="020B0604020202020204" pitchFamily="34" charset="0"/>
+              <a:buChar char="•"/>
+            </a:pPr>
+            <a:r>
+              <a:rPr lang="de-DE" sz="1600" dirty="0" err="1"/>
+              <a:t>AbstractAjaxTimerBehavior</a:t>
+            </a:r>
+            <a:endParaRPr lang="de-DE" sz="1600" dirty="0"/>
+          </a:p>
+          <a:p>
+            <a:endParaRPr lang="de-DE" sz="1600" dirty="0"/>
           </a:p>
         </p:txBody>
       </p:sp>
@@ -7331,6 +8423,362 @@
     </p:spTree>
     <p:extLst>
       <p:ext uri="{BB962C8B-B14F-4D97-AF65-F5344CB8AC3E}">
+        <p14:creationId xmlns:p14="http://schemas.microsoft.com/office/powerpoint/2010/main" val="3546599592"/>
+      </p:ext>
+    </p:extLst>
+  </p:cSld>
+  <p:clrMapOvr>
+    <a:masterClrMapping/>
+  </p:clrMapOvr>
+</p:sld>
+</file>
+
+<file path=ppt/slides/slide12.xml><?xml version="1.0" encoding="utf-8"?>
+<p:sld xmlns:a="http://schemas.openxmlformats.org/drawingml/2006/main" xmlns:r="http://schemas.openxmlformats.org/officeDocument/2006/relationships" xmlns:p="http://schemas.openxmlformats.org/presentationml/2006/main">
+  <p:cSld>
+    <p:spTree>
+      <p:nvGrpSpPr>
+        <p:cNvPr id="1" name=""/>
+        <p:cNvGrpSpPr/>
+        <p:nvPr/>
+      </p:nvGrpSpPr>
+      <p:grpSpPr>
+        <a:xfrm>
+          <a:off x="0" y="0"/>
+          <a:ext cx="0" cy="0"/>
+          <a:chOff x="0" y="0"/>
+          <a:chExt cx="0" cy="0"/>
+        </a:xfrm>
+      </p:grpSpPr>
+      <p:sp>
+        <p:nvSpPr>
+          <p:cNvPr id="17410" name="Inhaltsplatzhalter 2"/>
+          <p:cNvSpPr>
+            <a:spLocks noGrp="1"/>
+          </p:cNvSpPr>
+          <p:nvPr>
+            <p:ph idx="1"/>
+          </p:nvPr>
+        </p:nvSpPr>
+        <p:spPr>
+          <a:xfrm>
+            <a:off x="303213" y="1341438"/>
+            <a:ext cx="8589962" cy="4824412"/>
+          </a:xfrm>
+        </p:spPr>
+        <p:txBody>
+          <a:bodyPr/>
+          <a:lstStyle/>
+          <a:p>
+            <a:pPr>
+              <a:buNone/>
+            </a:pPr>
+            <a:r>
+              <a:rPr lang="de-DE" sz="2000" b="1" dirty="0" err="1"/>
+              <a:t>AjaxEventBehavior</a:t>
+            </a:r>
+            <a:endParaRPr lang="de-DE" sz="2000" b="1" dirty="0"/>
+          </a:p>
+          <a:p>
+            <a:pPr>
+              <a:buFont typeface="Arial" panose="020B0604020202020204" pitchFamily="34" charset="0"/>
+              <a:buChar char="•"/>
+            </a:pPr>
+            <a:r>
+              <a:rPr lang="de-DE" sz="2000" dirty="0"/>
+              <a:t>Serverseitige Behandlung von JavaScript Events</a:t>
+            </a:r>
+          </a:p>
+          <a:p>
+            <a:pPr>
+              <a:buFont typeface="Arial" panose="020B0604020202020204" pitchFamily="34" charset="0"/>
+              <a:buChar char="•"/>
+            </a:pPr>
+            <a:endParaRPr lang="de-DE" sz="1600" dirty="0"/>
+          </a:p>
+          <a:p>
+            <a:pPr>
+              <a:buFont typeface="Arial" panose="020B0604020202020204" pitchFamily="34" charset="0"/>
+              <a:buChar char="•"/>
+            </a:pPr>
+            <a:r>
+              <a:rPr lang="de-DE" sz="2000" dirty="0"/>
+              <a:t>HTML</a:t>
+            </a:r>
+          </a:p>
+          <a:p>
+            <a:endParaRPr lang="de-DE" sz="800" dirty="0"/>
+          </a:p>
+          <a:p>
+            <a:pPr marL="400050" lvl="1" indent="0">
+              <a:buNone/>
+            </a:pPr>
+            <a:r>
+              <a:rPr lang="de-DE" altLang="de-DE" sz="1600" dirty="0">
+                <a:solidFill>
+                  <a:srgbClr val="000000"/>
+                </a:solidFill>
+                <a:latin typeface="Consolas" panose="020B0609020204030204" pitchFamily="49" charset="0"/>
+                <a:cs typeface="Consolas" panose="020B0609020204030204" pitchFamily="49" charset="0"/>
+              </a:rPr>
+              <a:t>&lt;</a:t>
+            </a:r>
+            <a:r>
+              <a:rPr lang="de-DE" altLang="de-DE" sz="1600" b="1" dirty="0">
+                <a:solidFill>
+                  <a:srgbClr val="000080"/>
+                </a:solidFill>
+                <a:latin typeface="Consolas" panose="020B0609020204030204" pitchFamily="49" charset="0"/>
+                <a:cs typeface="Consolas" panose="020B0609020204030204" pitchFamily="49" charset="0"/>
+              </a:rPr>
+              <a:t>div </a:t>
+            </a:r>
+            <a:r>
+              <a:rPr lang="de-DE" altLang="de-DE" sz="1600" b="1" dirty="0" err="1">
+                <a:solidFill>
+                  <a:srgbClr val="660E7A"/>
+                </a:solidFill>
+                <a:latin typeface="Consolas" panose="020B0609020204030204" pitchFamily="49" charset="0"/>
+                <a:cs typeface="Consolas" panose="020B0609020204030204" pitchFamily="49" charset="0"/>
+              </a:rPr>
+              <a:t>wicket</a:t>
+            </a:r>
+            <a:r>
+              <a:rPr lang="de-DE" altLang="de-DE" sz="1600" b="1" dirty="0" err="1">
+                <a:solidFill>
+                  <a:srgbClr val="0000FF"/>
+                </a:solidFill>
+                <a:latin typeface="Consolas" panose="020B0609020204030204" pitchFamily="49" charset="0"/>
+                <a:cs typeface="Consolas" panose="020B0609020204030204" pitchFamily="49" charset="0"/>
+              </a:rPr>
+              <a:t>:id</a:t>
+            </a:r>
+            <a:r>
+              <a:rPr lang="de-DE" altLang="de-DE" sz="1600" b="1" dirty="0">
+                <a:solidFill>
+                  <a:srgbClr val="0000FF"/>
+                </a:solidFill>
+                <a:latin typeface="Consolas" panose="020B0609020204030204" pitchFamily="49" charset="0"/>
+                <a:cs typeface="Consolas" panose="020B0609020204030204" pitchFamily="49" charset="0"/>
+              </a:rPr>
+              <a:t>=</a:t>
+            </a:r>
+            <a:r>
+              <a:rPr lang="de-DE" altLang="de-DE" sz="1600" b="1" dirty="0">
+                <a:solidFill>
+                  <a:srgbClr val="008000"/>
+                </a:solidFill>
+                <a:latin typeface="Consolas" panose="020B0609020204030204" pitchFamily="49" charset="0"/>
+                <a:cs typeface="Consolas" panose="020B0609020204030204" pitchFamily="49" charset="0"/>
+              </a:rPr>
+              <a:t>"</a:t>
+            </a:r>
+            <a:r>
+              <a:rPr lang="de-DE" altLang="de-DE" sz="1600" b="1" dirty="0" err="1">
+                <a:solidFill>
+                  <a:srgbClr val="FF0000"/>
+                </a:solidFill>
+                <a:latin typeface="Consolas" panose="020B0609020204030204" pitchFamily="49" charset="0"/>
+                <a:cs typeface="Consolas" panose="020B0609020204030204" pitchFamily="49" charset="0"/>
+              </a:rPr>
+              <a:t>clickLabel</a:t>
+            </a:r>
+            <a:r>
+              <a:rPr lang="de-DE" altLang="de-DE" sz="1600" b="1" dirty="0">
+                <a:solidFill>
+                  <a:srgbClr val="008000"/>
+                </a:solidFill>
+                <a:latin typeface="Consolas" panose="020B0609020204030204" pitchFamily="49" charset="0"/>
+                <a:cs typeface="Consolas" panose="020B0609020204030204" pitchFamily="49" charset="0"/>
+              </a:rPr>
+              <a:t>"</a:t>
+            </a:r>
+            <a:r>
+              <a:rPr lang="de-DE" altLang="de-DE" sz="1600" dirty="0">
+                <a:solidFill>
+                  <a:srgbClr val="000000"/>
+                </a:solidFill>
+                <a:latin typeface="Consolas" panose="020B0609020204030204" pitchFamily="49" charset="0"/>
+                <a:cs typeface="Consolas" panose="020B0609020204030204" pitchFamily="49" charset="0"/>
+              </a:rPr>
+              <a:t>&gt;&lt;/</a:t>
+            </a:r>
+            <a:r>
+              <a:rPr lang="de-DE" altLang="de-DE" sz="1600" b="1" dirty="0">
+                <a:solidFill>
+                  <a:srgbClr val="000080"/>
+                </a:solidFill>
+                <a:latin typeface="Consolas" panose="020B0609020204030204" pitchFamily="49" charset="0"/>
+                <a:cs typeface="Consolas" panose="020B0609020204030204" pitchFamily="49" charset="0"/>
+              </a:rPr>
+              <a:t>div</a:t>
+            </a:r>
+            <a:r>
+              <a:rPr lang="de-DE" altLang="de-DE" sz="1600" dirty="0">
+                <a:solidFill>
+                  <a:srgbClr val="000000"/>
+                </a:solidFill>
+                <a:latin typeface="Consolas" panose="020B0609020204030204" pitchFamily="49" charset="0"/>
+                <a:cs typeface="Consolas" panose="020B0609020204030204" pitchFamily="49" charset="0"/>
+              </a:rPr>
+              <a:t>&gt;</a:t>
+            </a:r>
+            <a:br>
+              <a:rPr lang="de-DE" altLang="de-DE" sz="1600" dirty="0">
+                <a:solidFill>
+                  <a:srgbClr val="000000"/>
+                </a:solidFill>
+                <a:latin typeface="Consolas" panose="020B0609020204030204" pitchFamily="49" charset="0"/>
+                <a:cs typeface="Consolas" panose="020B0609020204030204" pitchFamily="49" charset="0"/>
+              </a:rPr>
+            </a:br>
+            <a:r>
+              <a:rPr lang="de-DE" altLang="de-DE" sz="1600" dirty="0">
+                <a:solidFill>
+                  <a:srgbClr val="000000"/>
+                </a:solidFill>
+                <a:latin typeface="Consolas" panose="020B0609020204030204" pitchFamily="49" charset="0"/>
+                <a:cs typeface="Consolas" panose="020B0609020204030204" pitchFamily="49" charset="0"/>
+              </a:rPr>
+              <a:t>Sie haben &lt;</a:t>
+            </a:r>
+            <a:r>
+              <a:rPr lang="de-DE" altLang="de-DE" sz="1600" b="1" dirty="0">
+                <a:solidFill>
+                  <a:srgbClr val="000080"/>
+                </a:solidFill>
+                <a:latin typeface="Consolas" panose="020B0609020204030204" pitchFamily="49" charset="0"/>
+                <a:cs typeface="Consolas" panose="020B0609020204030204" pitchFamily="49" charset="0"/>
+              </a:rPr>
+              <a:t>span </a:t>
+            </a:r>
+            <a:r>
+              <a:rPr lang="de-DE" altLang="de-DE" sz="1600" b="1" dirty="0" err="1">
+                <a:solidFill>
+                  <a:srgbClr val="660E7A"/>
+                </a:solidFill>
+                <a:latin typeface="Consolas" panose="020B0609020204030204" pitchFamily="49" charset="0"/>
+                <a:cs typeface="Consolas" panose="020B0609020204030204" pitchFamily="49" charset="0"/>
+              </a:rPr>
+              <a:t>wicket</a:t>
+            </a:r>
+            <a:r>
+              <a:rPr lang="de-DE" altLang="de-DE" sz="1600" b="1" dirty="0" err="1">
+                <a:solidFill>
+                  <a:srgbClr val="0000FF"/>
+                </a:solidFill>
+                <a:latin typeface="Consolas" panose="020B0609020204030204" pitchFamily="49" charset="0"/>
+                <a:cs typeface="Consolas" panose="020B0609020204030204" pitchFamily="49" charset="0"/>
+              </a:rPr>
+              <a:t>:id</a:t>
+            </a:r>
+            <a:r>
+              <a:rPr lang="de-DE" altLang="de-DE" sz="1600" b="1" dirty="0">
+                <a:solidFill>
+                  <a:srgbClr val="0000FF"/>
+                </a:solidFill>
+                <a:latin typeface="Consolas" panose="020B0609020204030204" pitchFamily="49" charset="0"/>
+                <a:cs typeface="Consolas" panose="020B0609020204030204" pitchFamily="49" charset="0"/>
+              </a:rPr>
+              <a:t>=</a:t>
+            </a:r>
+            <a:r>
+              <a:rPr lang="de-DE" altLang="de-DE" sz="1600" b="1" dirty="0">
+                <a:solidFill>
+                  <a:srgbClr val="008000"/>
+                </a:solidFill>
+                <a:latin typeface="Consolas" panose="020B0609020204030204" pitchFamily="49" charset="0"/>
+                <a:cs typeface="Consolas" panose="020B0609020204030204" pitchFamily="49" charset="0"/>
+              </a:rPr>
+              <a:t>"</a:t>
+            </a:r>
+            <a:r>
+              <a:rPr lang="de-DE" altLang="de-DE" sz="1600" b="1" dirty="0" err="1">
+                <a:solidFill>
+                  <a:srgbClr val="FFC000"/>
+                </a:solidFill>
+                <a:latin typeface="Consolas" panose="020B0609020204030204" pitchFamily="49" charset="0"/>
+                <a:cs typeface="Consolas" panose="020B0609020204030204" pitchFamily="49" charset="0"/>
+              </a:rPr>
+              <a:t>counterLabel</a:t>
+            </a:r>
+            <a:r>
+              <a:rPr lang="de-DE" altLang="de-DE" sz="1600" b="1" dirty="0">
+                <a:solidFill>
+                  <a:srgbClr val="008000"/>
+                </a:solidFill>
+                <a:latin typeface="Consolas" panose="020B0609020204030204" pitchFamily="49" charset="0"/>
+                <a:cs typeface="Consolas" panose="020B0609020204030204" pitchFamily="49" charset="0"/>
+              </a:rPr>
+              <a:t>"</a:t>
+            </a:r>
+            <a:r>
+              <a:rPr lang="de-DE" altLang="de-DE" sz="1600" dirty="0">
+                <a:solidFill>
+                  <a:srgbClr val="000000"/>
+                </a:solidFill>
+                <a:latin typeface="Consolas" panose="020B0609020204030204" pitchFamily="49" charset="0"/>
+                <a:cs typeface="Consolas" panose="020B0609020204030204" pitchFamily="49" charset="0"/>
+              </a:rPr>
+              <a:t>&gt;&lt;/</a:t>
+            </a:r>
+            <a:r>
+              <a:rPr lang="de-DE" altLang="de-DE" sz="1600" b="1" dirty="0">
+                <a:solidFill>
+                  <a:srgbClr val="000080"/>
+                </a:solidFill>
+                <a:latin typeface="Consolas" panose="020B0609020204030204" pitchFamily="49" charset="0"/>
+                <a:cs typeface="Consolas" panose="020B0609020204030204" pitchFamily="49" charset="0"/>
+              </a:rPr>
+              <a:t>span</a:t>
+            </a:r>
+            <a:r>
+              <a:rPr lang="de-DE" altLang="de-DE" sz="1600" dirty="0">
+                <a:solidFill>
+                  <a:srgbClr val="000000"/>
+                </a:solidFill>
+                <a:latin typeface="Consolas" panose="020B0609020204030204" pitchFamily="49" charset="0"/>
+                <a:cs typeface="Consolas" panose="020B0609020204030204" pitchFamily="49" charset="0"/>
+              </a:rPr>
+              <a:t>&gt; mal geklickt.</a:t>
+            </a:r>
+            <a:endParaRPr lang="de-DE" altLang="de-DE" sz="4000" dirty="0">
+              <a:latin typeface="Consolas" panose="020B0609020204030204" pitchFamily="49" charset="0"/>
+              <a:cs typeface="Consolas" panose="020B0609020204030204" pitchFamily="49" charset="0"/>
+            </a:endParaRPr>
+          </a:p>
+        </p:txBody>
+      </p:sp>
+      <p:sp>
+        <p:nvSpPr>
+          <p:cNvPr id="17411" name="Rectangle 1062"/>
+          <p:cNvSpPr>
+            <a:spLocks noGrp="1" noChangeArrowheads="1"/>
+          </p:cNvSpPr>
+          <p:nvPr>
+            <p:ph type="title"/>
+          </p:nvPr>
+        </p:nvSpPr>
+        <p:spPr>
+          <a:xfrm>
+            <a:off x="285750" y="142875"/>
+            <a:ext cx="5654675" cy="706438"/>
+          </a:xfrm>
+        </p:spPr>
+        <p:txBody>
+          <a:bodyPr/>
+          <a:lstStyle/>
+          <a:p>
+            <a:r>
+              <a:rPr lang="de-DE" dirty="0"/>
+              <a:t>Ajax</a:t>
+            </a:r>
+          </a:p>
+        </p:txBody>
+      </p:sp>
+    </p:spTree>
+    <p:extLst>
+      <p:ext uri="{BB962C8B-B14F-4D97-AF65-F5344CB8AC3E}">
         <p14:creationId xmlns:p14="http://schemas.microsoft.com/office/powerpoint/2010/main" val="899148646"/>
       </p:ext>
     </p:extLst>
@@ -7341,7 +8789,7 @@
 </p:sld>
 </file>
 
-<file path=ppt/slides/slide12.xml><?xml version="1.0" encoding="utf-8"?>
+<file path=ppt/slides/slide13.xml><?xml version="1.0" encoding="utf-8"?>
 <p:sld xmlns:a="http://schemas.openxmlformats.org/drawingml/2006/main" xmlns:r="http://schemas.openxmlformats.org/officeDocument/2006/relationships" xmlns:p="http://schemas.openxmlformats.org/presentationml/2006/main">
   <p:cSld>
     <p:spTree>
@@ -8988,273 +10436,28 @@
           <a:bodyPr/>
           <a:lstStyle/>
           <a:p>
-            <a:pPr marL="0" indent="0">
-              <a:buNone/>
-            </a:pPr>
-            <a:r>
-              <a:rPr lang="de-DE" sz="2000" b="1" dirty="0"/>
-              <a:t>JavaScript</a:t>
-            </a:r>
-          </a:p>
-          <a:p>
-            <a:pPr>
-              <a:buFont typeface="Arial" panose="020B0604020202020204" pitchFamily="34" charset="0"/>
-              <a:buChar char="•"/>
-            </a:pPr>
-            <a:r>
-              <a:rPr lang="de-DE" sz="2000" dirty="0"/>
-              <a:t>Erzeugung von JS für Komponenten durch Framework</a:t>
-            </a:r>
-          </a:p>
-          <a:p>
-            <a:pPr>
-              <a:buFont typeface="Arial" panose="020B0604020202020204" pitchFamily="34" charset="0"/>
-              <a:buChar char="•"/>
-            </a:pPr>
-            <a:r>
-              <a:rPr lang="de-DE" sz="2000" dirty="0"/>
-              <a:t>Einbindung von </a:t>
-            </a:r>
-            <a:r>
-              <a:rPr lang="de-DE" sz="2000" dirty="0" err="1"/>
-              <a:t>jQuery</a:t>
-            </a:r>
-            <a:endParaRPr lang="de-DE" sz="2000" dirty="0"/>
-          </a:p>
-          <a:p>
-            <a:endParaRPr lang="de-DE" sz="800" dirty="0"/>
-          </a:p>
-          <a:p>
-            <a:pPr marL="400050" lvl="1" indent="0">
-              <a:buNone/>
-            </a:pPr>
-            <a:r>
-              <a:rPr lang="de-DE" altLang="de-DE" sz="1200" dirty="0" err="1">
-                <a:solidFill>
-                  <a:srgbClr val="000000"/>
-                </a:solidFill>
-                <a:latin typeface="Consolas" panose="020B0609020204030204" pitchFamily="49" charset="0"/>
-                <a:cs typeface="Consolas" panose="020B0609020204030204" pitchFamily="49" charset="0"/>
-              </a:rPr>
-              <a:t>JavaScriptLibrarySettings</a:t>
-            </a:r>
-            <a:r>
-              <a:rPr lang="de-DE" altLang="de-DE" sz="1200" dirty="0">
-                <a:solidFill>
-                  <a:srgbClr val="000000"/>
-                </a:solidFill>
-                <a:latin typeface="Consolas" panose="020B0609020204030204" pitchFamily="49" charset="0"/>
-                <a:cs typeface="Consolas" panose="020B0609020204030204" pitchFamily="49" charset="0"/>
-              </a:rPr>
-              <a:t> </a:t>
-            </a:r>
-            <a:r>
-              <a:rPr lang="de-DE" altLang="de-DE" sz="1200" dirty="0" err="1">
-                <a:solidFill>
-                  <a:srgbClr val="000000"/>
-                </a:solidFill>
-                <a:latin typeface="Consolas" panose="020B0609020204030204" pitchFamily="49" charset="0"/>
-                <a:cs typeface="Consolas" panose="020B0609020204030204" pitchFamily="49" charset="0"/>
-              </a:rPr>
-              <a:t>javaScriptSettings</a:t>
-            </a:r>
-            <a:r>
-              <a:rPr lang="de-DE" altLang="de-DE" sz="1200" dirty="0">
-                <a:solidFill>
-                  <a:srgbClr val="000000"/>
-                </a:solidFill>
-                <a:latin typeface="Consolas" panose="020B0609020204030204" pitchFamily="49" charset="0"/>
-                <a:cs typeface="Consolas" panose="020B0609020204030204" pitchFamily="49" charset="0"/>
-              </a:rPr>
-              <a:t> = </a:t>
-            </a:r>
-            <a:r>
-              <a:rPr lang="de-DE" altLang="de-DE" sz="1200" dirty="0" err="1">
-                <a:solidFill>
-                  <a:srgbClr val="000000"/>
-                </a:solidFill>
-                <a:latin typeface="Consolas" panose="020B0609020204030204" pitchFamily="49" charset="0"/>
-                <a:cs typeface="Consolas" panose="020B0609020204030204" pitchFamily="49" charset="0"/>
-              </a:rPr>
-              <a:t>getApplication</a:t>
-            </a:r>
-            <a:r>
-              <a:rPr lang="de-DE" altLang="de-DE" sz="1200" dirty="0">
-                <a:solidFill>
-                  <a:srgbClr val="000000"/>
-                </a:solidFill>
-                <a:latin typeface="Consolas" panose="020B0609020204030204" pitchFamily="49" charset="0"/>
-                <a:cs typeface="Consolas" panose="020B0609020204030204" pitchFamily="49" charset="0"/>
-              </a:rPr>
-              <a:t>().</a:t>
-            </a:r>
-            <a:r>
-              <a:rPr lang="de-DE" altLang="de-DE" sz="1200" dirty="0" err="1">
-                <a:solidFill>
-                  <a:srgbClr val="000000"/>
-                </a:solidFill>
-                <a:latin typeface="Consolas" panose="020B0609020204030204" pitchFamily="49" charset="0"/>
-                <a:cs typeface="Consolas" panose="020B0609020204030204" pitchFamily="49" charset="0"/>
-              </a:rPr>
-              <a:t>getJavaScriptLibrarySettings</a:t>
-            </a:r>
-            <a:r>
-              <a:rPr lang="de-DE" altLang="de-DE" sz="1200" dirty="0">
-                <a:solidFill>
-                  <a:srgbClr val="000000"/>
-                </a:solidFill>
-                <a:latin typeface="Consolas" panose="020B0609020204030204" pitchFamily="49" charset="0"/>
-                <a:cs typeface="Consolas" panose="020B0609020204030204" pitchFamily="49" charset="0"/>
-              </a:rPr>
-              <a:t>();</a:t>
-            </a:r>
-            <a:br>
-              <a:rPr lang="de-DE" altLang="de-DE" sz="1200" dirty="0">
-                <a:solidFill>
-                  <a:srgbClr val="000000"/>
-                </a:solidFill>
-                <a:latin typeface="Consolas" panose="020B0609020204030204" pitchFamily="49" charset="0"/>
-                <a:cs typeface="Consolas" panose="020B0609020204030204" pitchFamily="49" charset="0"/>
-              </a:rPr>
-            </a:br>
-            <a:endParaRPr lang="de-DE" altLang="de-DE" sz="1200" dirty="0">
-              <a:solidFill>
-                <a:srgbClr val="000000"/>
-              </a:solidFill>
-              <a:latin typeface="Consolas" panose="020B0609020204030204" pitchFamily="49" charset="0"/>
-              <a:cs typeface="Consolas" panose="020B0609020204030204" pitchFamily="49" charset="0"/>
+            <a:pPr marL="0" indent="0" algn="ctr">
+              <a:buNone/>
+            </a:pPr>
+            <a:endParaRPr lang="de-DE" sz="4000" b="1" dirty="0"/>
+          </a:p>
+          <a:p>
+            <a:pPr marL="0" indent="0" algn="ctr">
+              <a:buNone/>
+            </a:pPr>
+            <a:endParaRPr lang="de-DE" sz="4000" b="1" dirty="0"/>
+          </a:p>
+          <a:p>
+            <a:pPr marL="0" indent="0" algn="ctr">
+              <a:buNone/>
+            </a:pPr>
+            <a:r>
+              <a:rPr lang="de-DE" sz="4000" b="1" dirty="0"/>
+              <a:t>Ajax</a:t>
+            </a:r>
+            <a:endParaRPr lang="de-DE" sz="4000" b="1" dirty="0">
+              <a:sym typeface="Wingdings" panose="05000000000000000000" pitchFamily="2" charset="2"/>
             </a:endParaRPr>
-          </a:p>
-          <a:p>
-            <a:pPr marL="400050" lvl="1" indent="0">
-              <a:buNone/>
-            </a:pPr>
-            <a:r>
-              <a:rPr lang="de-DE" altLang="de-DE" sz="1200" dirty="0" err="1">
-                <a:solidFill>
-                  <a:srgbClr val="000000"/>
-                </a:solidFill>
-                <a:latin typeface="Consolas" panose="020B0609020204030204" pitchFamily="49" charset="0"/>
-                <a:cs typeface="Consolas" panose="020B0609020204030204" pitchFamily="49" charset="0"/>
-              </a:rPr>
-              <a:t>response.render</a:t>
-            </a:r>
-            <a:r>
-              <a:rPr lang="de-DE" altLang="de-DE" sz="1200" dirty="0">
-                <a:solidFill>
-                  <a:srgbClr val="000000"/>
-                </a:solidFill>
-                <a:latin typeface="Consolas" panose="020B0609020204030204" pitchFamily="49" charset="0"/>
-                <a:cs typeface="Consolas" panose="020B0609020204030204" pitchFamily="49" charset="0"/>
-              </a:rPr>
-              <a:t>(</a:t>
-            </a:r>
-            <a:r>
-              <a:rPr lang="de-DE" altLang="de-DE" sz="1200" dirty="0" err="1">
-                <a:solidFill>
-                  <a:srgbClr val="000000"/>
-                </a:solidFill>
-                <a:latin typeface="Consolas" panose="020B0609020204030204" pitchFamily="49" charset="0"/>
-                <a:cs typeface="Consolas" panose="020B0609020204030204" pitchFamily="49" charset="0"/>
-              </a:rPr>
-              <a:t>JavaScriptHeaderItem.forReference</a:t>
-            </a:r>
-            <a:r>
-              <a:rPr lang="de-DE" altLang="de-DE" sz="1200" dirty="0">
-                <a:solidFill>
-                  <a:srgbClr val="000000"/>
-                </a:solidFill>
-                <a:latin typeface="Consolas" panose="020B0609020204030204" pitchFamily="49" charset="0"/>
-                <a:cs typeface="Consolas" panose="020B0609020204030204" pitchFamily="49" charset="0"/>
-              </a:rPr>
-              <a:t>(</a:t>
-            </a:r>
-            <a:r>
-              <a:rPr lang="de-DE" altLang="de-DE" sz="1200" dirty="0" err="1">
-                <a:solidFill>
-                  <a:srgbClr val="000000"/>
-                </a:solidFill>
-                <a:latin typeface="Consolas" panose="020B0609020204030204" pitchFamily="49" charset="0"/>
-                <a:cs typeface="Consolas" panose="020B0609020204030204" pitchFamily="49" charset="0"/>
-              </a:rPr>
-              <a:t>javaScriptSettings.getJQueryReference</a:t>
-            </a:r>
-            <a:r>
-              <a:rPr lang="de-DE" altLang="de-DE" sz="1200" dirty="0">
-                <a:solidFill>
-                  <a:srgbClr val="000000"/>
-                </a:solidFill>
-                <a:latin typeface="Consolas" panose="020B0609020204030204" pitchFamily="49" charset="0"/>
-                <a:cs typeface="Consolas" panose="020B0609020204030204" pitchFamily="49" charset="0"/>
-              </a:rPr>
-              <a:t>()));</a:t>
-            </a:r>
-            <a:endParaRPr lang="de-DE" sz="1200" dirty="0">
-              <a:latin typeface="Consolas" panose="020B0609020204030204" pitchFamily="49" charset="0"/>
-              <a:cs typeface="Consolas" panose="020B0609020204030204" pitchFamily="49" charset="0"/>
-            </a:endParaRPr>
-          </a:p>
-          <a:p>
-            <a:endParaRPr lang="de-DE" sz="2000" dirty="0"/>
-          </a:p>
-          <a:p>
-            <a:pPr>
-              <a:buFont typeface="Arial" panose="020B0604020202020204" pitchFamily="34" charset="0"/>
-              <a:buChar char="•"/>
-            </a:pPr>
-            <a:r>
-              <a:rPr lang="de-DE" sz="2000" dirty="0"/>
-              <a:t>Einbindung von eigenen Skripten</a:t>
-            </a:r>
-          </a:p>
-          <a:p>
-            <a:pPr lvl="1">
-              <a:buFont typeface="Arial" panose="020B0604020202020204" pitchFamily="34" charset="0"/>
-              <a:buChar char="•"/>
-            </a:pPr>
-            <a:r>
-              <a:rPr lang="de-DE" sz="1600" dirty="0"/>
-              <a:t>.</a:t>
-            </a:r>
-            <a:r>
-              <a:rPr lang="de-DE" sz="1600" dirty="0" err="1"/>
-              <a:t>js</a:t>
-            </a:r>
-            <a:r>
-              <a:rPr lang="de-DE" sz="1600" dirty="0"/>
-              <a:t>-Dateien als </a:t>
-            </a:r>
-            <a:r>
-              <a:rPr lang="de-DE" sz="1600" dirty="0" err="1"/>
-              <a:t>Resourcen</a:t>
-            </a:r>
-            <a:endParaRPr lang="de-DE" sz="1600" dirty="0"/>
-          </a:p>
-          <a:p>
-            <a:pPr lvl="1">
-              <a:buFont typeface="Arial" panose="020B0604020202020204" pitchFamily="34" charset="0"/>
-              <a:buChar char="•"/>
-            </a:pPr>
-            <a:r>
-              <a:rPr lang="de-DE" sz="1600" dirty="0" err="1"/>
-              <a:t>JavaScriptHeaderItems</a:t>
-            </a:r>
-            <a:endParaRPr lang="de-DE" sz="1600" dirty="0"/>
-          </a:p>
-          <a:p>
-            <a:pPr lvl="1">
-              <a:buFont typeface="Arial" panose="020B0604020202020204" pitchFamily="34" charset="0"/>
-              <a:buChar char="•"/>
-            </a:pPr>
-            <a:r>
-              <a:rPr lang="de-DE" sz="1600" dirty="0" err="1"/>
-              <a:t>OnDomReadyHeaderItems</a:t>
-            </a:r>
-            <a:endParaRPr lang="de-DE" dirty="0"/>
-          </a:p>
-          <a:p>
-            <a:pPr lvl="1"/>
-            <a:endParaRPr lang="de-DE" sz="1600" dirty="0"/>
           </a:p>
         </p:txBody>
       </p:sp>
@@ -9278,17 +10481,14 @@
           <a:bodyPr/>
           <a:lstStyle/>
           <a:p>
-            <a:r>
-              <a:rPr lang="de-DE" dirty="0"/>
-              <a:t>Ajax</a:t>
-            </a:r>
+            <a:endParaRPr lang="de-DE" dirty="0"/>
           </a:p>
         </p:txBody>
       </p:sp>
     </p:spTree>
     <p:extLst>
       <p:ext uri="{BB962C8B-B14F-4D97-AF65-F5344CB8AC3E}">
-        <p14:creationId xmlns:p14="http://schemas.microsoft.com/office/powerpoint/2010/main" val="3298633017"/>
+        <p14:creationId xmlns:p14="http://schemas.microsoft.com/office/powerpoint/2010/main" val="2999269407"/>
       </p:ext>
     </p:extLst>
   </p:cSld>
@@ -9335,14 +10535,13 @@
           <a:bodyPr/>
           <a:lstStyle/>
           <a:p>
-            <a:pPr>
+            <a:pPr marL="0" indent="0">
               <a:buNone/>
             </a:pPr>
             <a:r>
               <a:rPr lang="de-DE" sz="2000" b="1" dirty="0"/>
-              <a:t>Grundlagen</a:t>
-            </a:r>
-            <a:endParaRPr lang="de-DE" b="1" dirty="0"/>
+              <a:t>JavaScript</a:t>
+            </a:r>
           </a:p>
           <a:p>
             <a:pPr>
@@ -9351,47 +10550,7 @@
             </a:pPr>
             <a:r>
               <a:rPr lang="de-DE" sz="2000" dirty="0"/>
-              <a:t>AJAX: </a:t>
-            </a:r>
-            <a:r>
-              <a:rPr lang="de-DE" sz="2000" b="1" dirty="0" err="1"/>
-              <a:t>A</a:t>
-            </a:r>
-            <a:r>
-              <a:rPr lang="de-DE" sz="2000" dirty="0" err="1"/>
-              <a:t>synchronous</a:t>
-            </a:r>
-            <a:r>
-              <a:rPr lang="de-DE" sz="2000" dirty="0"/>
-              <a:t> </a:t>
-            </a:r>
-            <a:r>
-              <a:rPr lang="de-DE" sz="2000" b="1" dirty="0"/>
-              <a:t>J</a:t>
-            </a:r>
-            <a:r>
-              <a:rPr lang="de-DE" sz="2000" dirty="0"/>
-              <a:t>avaScript </a:t>
-            </a:r>
-            <a:r>
-              <a:rPr lang="de-DE" sz="2000" b="1" dirty="0" err="1"/>
-              <a:t>a</a:t>
-            </a:r>
-            <a:r>
-              <a:rPr lang="de-DE" sz="2000" dirty="0" err="1"/>
-              <a:t>nd</a:t>
-            </a:r>
-            <a:r>
-              <a:rPr lang="de-DE" sz="2000" dirty="0"/>
-              <a:t> </a:t>
-            </a:r>
-            <a:r>
-              <a:rPr lang="de-DE" sz="2000" b="1" dirty="0"/>
-              <a:t>X</a:t>
-            </a:r>
-            <a:r>
-              <a:rPr lang="de-DE" sz="2000" dirty="0"/>
-              <a:t>ML</a:t>
+              <a:t>Erzeugung von JS für Komponenten durch Framework</a:t>
             </a:r>
           </a:p>
           <a:p>
@@ -9401,7 +10560,198 @@
             </a:pPr>
             <a:r>
               <a:rPr lang="de-DE" sz="2000" dirty="0"/>
-              <a:t>Funktionsweise</a:t>
+              <a:t>Einbindung von </a:t>
+            </a:r>
+            <a:r>
+              <a:rPr lang="de-DE" sz="2000" dirty="0" err="1"/>
+              <a:t>jQuery</a:t>
+            </a:r>
+            <a:endParaRPr lang="de-DE" sz="2000" dirty="0"/>
+          </a:p>
+          <a:p>
+            <a:endParaRPr lang="de-DE" sz="800" dirty="0"/>
+          </a:p>
+          <a:p>
+            <a:pPr marL="400050" lvl="1" indent="0">
+              <a:buNone/>
+            </a:pPr>
+            <a:r>
+              <a:rPr lang="de-DE" altLang="de-DE" sz="1200" dirty="0" err="1">
+                <a:solidFill>
+                  <a:srgbClr val="000000"/>
+                </a:solidFill>
+                <a:latin typeface="Consolas" panose="020B0609020204030204" pitchFamily="49" charset="0"/>
+                <a:cs typeface="Consolas" panose="020B0609020204030204" pitchFamily="49" charset="0"/>
+              </a:rPr>
+              <a:t>JavaScriptLibrarySettings</a:t>
+            </a:r>
+            <a:r>
+              <a:rPr lang="de-DE" altLang="de-DE" sz="1200" dirty="0">
+                <a:solidFill>
+                  <a:srgbClr val="000000"/>
+                </a:solidFill>
+                <a:latin typeface="Consolas" panose="020B0609020204030204" pitchFamily="49" charset="0"/>
+                <a:cs typeface="Consolas" panose="020B0609020204030204" pitchFamily="49" charset="0"/>
+              </a:rPr>
+              <a:t> </a:t>
+            </a:r>
+            <a:r>
+              <a:rPr lang="de-DE" altLang="de-DE" sz="1200" dirty="0" err="1">
+                <a:solidFill>
+                  <a:srgbClr val="000000"/>
+                </a:solidFill>
+                <a:latin typeface="Consolas" panose="020B0609020204030204" pitchFamily="49" charset="0"/>
+                <a:cs typeface="Consolas" panose="020B0609020204030204" pitchFamily="49" charset="0"/>
+              </a:rPr>
+              <a:t>javaScriptSettings</a:t>
+            </a:r>
+            <a:r>
+              <a:rPr lang="de-DE" altLang="de-DE" sz="1200" dirty="0">
+                <a:solidFill>
+                  <a:srgbClr val="000000"/>
+                </a:solidFill>
+                <a:latin typeface="Consolas" panose="020B0609020204030204" pitchFamily="49" charset="0"/>
+                <a:cs typeface="Consolas" panose="020B0609020204030204" pitchFamily="49" charset="0"/>
+              </a:rPr>
+              <a:t> = </a:t>
+            </a:r>
+            <a:r>
+              <a:rPr lang="de-DE" altLang="de-DE" sz="1200" dirty="0" err="1">
+                <a:solidFill>
+                  <a:srgbClr val="000000"/>
+                </a:solidFill>
+                <a:latin typeface="Consolas" panose="020B0609020204030204" pitchFamily="49" charset="0"/>
+                <a:cs typeface="Consolas" panose="020B0609020204030204" pitchFamily="49" charset="0"/>
+              </a:rPr>
+              <a:t>getApplication</a:t>
+            </a:r>
+            <a:r>
+              <a:rPr lang="de-DE" altLang="de-DE" sz="1200" dirty="0">
+                <a:solidFill>
+                  <a:srgbClr val="000000"/>
+                </a:solidFill>
+                <a:latin typeface="Consolas" panose="020B0609020204030204" pitchFamily="49" charset="0"/>
+                <a:cs typeface="Consolas" panose="020B0609020204030204" pitchFamily="49" charset="0"/>
+              </a:rPr>
+              <a:t>().</a:t>
+            </a:r>
+            <a:r>
+              <a:rPr lang="de-DE" altLang="de-DE" sz="1200" dirty="0" err="1">
+                <a:solidFill>
+                  <a:srgbClr val="000000"/>
+                </a:solidFill>
+                <a:latin typeface="Consolas" panose="020B0609020204030204" pitchFamily="49" charset="0"/>
+                <a:cs typeface="Consolas" panose="020B0609020204030204" pitchFamily="49" charset="0"/>
+              </a:rPr>
+              <a:t>getJavaScriptLibrarySettings</a:t>
+            </a:r>
+            <a:r>
+              <a:rPr lang="de-DE" altLang="de-DE" sz="1200" dirty="0">
+                <a:solidFill>
+                  <a:srgbClr val="000000"/>
+                </a:solidFill>
+                <a:latin typeface="Consolas" panose="020B0609020204030204" pitchFamily="49" charset="0"/>
+                <a:cs typeface="Consolas" panose="020B0609020204030204" pitchFamily="49" charset="0"/>
+              </a:rPr>
+              <a:t>();</a:t>
+            </a:r>
+            <a:br>
+              <a:rPr lang="de-DE" altLang="de-DE" sz="1200" dirty="0">
+                <a:solidFill>
+                  <a:srgbClr val="000000"/>
+                </a:solidFill>
+                <a:latin typeface="Consolas" panose="020B0609020204030204" pitchFamily="49" charset="0"/>
+                <a:cs typeface="Consolas" panose="020B0609020204030204" pitchFamily="49" charset="0"/>
+              </a:rPr>
+            </a:br>
+            <a:endParaRPr lang="de-DE" altLang="de-DE" sz="1200" dirty="0">
+              <a:solidFill>
+                <a:srgbClr val="000000"/>
+              </a:solidFill>
+              <a:latin typeface="Consolas" panose="020B0609020204030204" pitchFamily="49" charset="0"/>
+              <a:cs typeface="Consolas" panose="020B0609020204030204" pitchFamily="49" charset="0"/>
+            </a:endParaRPr>
+          </a:p>
+          <a:p>
+            <a:pPr marL="400050" lvl="1" indent="0">
+              <a:buNone/>
+            </a:pPr>
+            <a:r>
+              <a:rPr lang="de-DE" altLang="de-DE" sz="1200" dirty="0" err="1">
+                <a:solidFill>
+                  <a:srgbClr val="000000"/>
+                </a:solidFill>
+                <a:latin typeface="Consolas" panose="020B0609020204030204" pitchFamily="49" charset="0"/>
+                <a:cs typeface="Consolas" panose="020B0609020204030204" pitchFamily="49" charset="0"/>
+              </a:rPr>
+              <a:t>response.render</a:t>
+            </a:r>
+            <a:r>
+              <a:rPr lang="de-DE" altLang="de-DE" sz="1200" dirty="0">
+                <a:solidFill>
+                  <a:srgbClr val="000000"/>
+                </a:solidFill>
+                <a:latin typeface="Consolas" panose="020B0609020204030204" pitchFamily="49" charset="0"/>
+                <a:cs typeface="Consolas" panose="020B0609020204030204" pitchFamily="49" charset="0"/>
+              </a:rPr>
+              <a:t>(</a:t>
+            </a:r>
+            <a:r>
+              <a:rPr lang="de-DE" altLang="de-DE" sz="1200" dirty="0" err="1">
+                <a:solidFill>
+                  <a:srgbClr val="000000"/>
+                </a:solidFill>
+                <a:latin typeface="Consolas" panose="020B0609020204030204" pitchFamily="49" charset="0"/>
+                <a:cs typeface="Consolas" panose="020B0609020204030204" pitchFamily="49" charset="0"/>
+              </a:rPr>
+              <a:t>JavaScriptHeaderItem.forReference</a:t>
+            </a:r>
+            <a:r>
+              <a:rPr lang="de-DE" altLang="de-DE" sz="1200" dirty="0">
+                <a:solidFill>
+                  <a:srgbClr val="000000"/>
+                </a:solidFill>
+                <a:latin typeface="Consolas" panose="020B0609020204030204" pitchFamily="49" charset="0"/>
+                <a:cs typeface="Consolas" panose="020B0609020204030204" pitchFamily="49" charset="0"/>
+              </a:rPr>
+              <a:t>(</a:t>
+            </a:r>
+            <a:r>
+              <a:rPr lang="de-DE" altLang="de-DE" sz="1200" dirty="0" err="1">
+                <a:solidFill>
+                  <a:srgbClr val="000000"/>
+                </a:solidFill>
+                <a:latin typeface="Consolas" panose="020B0609020204030204" pitchFamily="49" charset="0"/>
+                <a:cs typeface="Consolas" panose="020B0609020204030204" pitchFamily="49" charset="0"/>
+              </a:rPr>
+              <a:t>javaScriptSettings.getJQueryReference</a:t>
+            </a:r>
+            <a:r>
+              <a:rPr lang="de-DE" altLang="de-DE" sz="1200" dirty="0">
+                <a:solidFill>
+                  <a:srgbClr val="000000"/>
+                </a:solidFill>
+                <a:latin typeface="Consolas" panose="020B0609020204030204" pitchFamily="49" charset="0"/>
+                <a:cs typeface="Consolas" panose="020B0609020204030204" pitchFamily="49" charset="0"/>
+              </a:rPr>
+              <a:t>()));</a:t>
+            </a:r>
+            <a:endParaRPr lang="de-DE" sz="1200" dirty="0">
+              <a:latin typeface="Consolas" panose="020B0609020204030204" pitchFamily="49" charset="0"/>
+              <a:cs typeface="Consolas" panose="020B0609020204030204" pitchFamily="49" charset="0"/>
+            </a:endParaRPr>
+          </a:p>
+          <a:p>
+            <a:endParaRPr lang="de-DE" sz="2000" dirty="0"/>
+          </a:p>
+          <a:p>
+            <a:pPr>
+              <a:buFont typeface="Arial" panose="020B0604020202020204" pitchFamily="34" charset="0"/>
+              <a:buChar char="•"/>
+            </a:pPr>
+            <a:r>
+              <a:rPr lang="de-DE" sz="2000" dirty="0"/>
+              <a:t>Einbindung von eigenen Skripten</a:t>
             </a:r>
           </a:p>
           <a:p>
@@ -9411,16 +10761,21 @@
             </a:pPr>
             <a:r>
               <a:rPr lang="de-DE" sz="1600" dirty="0"/>
-              <a:t>Kommunikation mit Server im Hintergrund (</a:t>
+              <a:t>.</a:t>
             </a:r>
             <a:r>
               <a:rPr lang="de-DE" sz="1600" dirty="0" err="1"/>
-              <a:t>XMLHttpRequest</a:t>
+              <a:t>js</a:t>
             </a:r>
             <a:r>
               <a:rPr lang="de-DE" sz="1600" dirty="0"/>
-              <a:t>)</a:t>
-            </a:r>
+              <a:t>-Dateien als </a:t>
+            </a:r>
+            <a:r>
+              <a:rPr lang="de-DE" sz="1600" dirty="0" err="1"/>
+              <a:t>Resourcen</a:t>
+            </a:r>
+            <a:endParaRPr lang="de-DE" sz="1600" dirty="0"/>
           </a:p>
           <a:p>
             <a:pPr lvl="1">
@@ -9428,9 +10783,10 @@
               <a:buChar char="•"/>
             </a:pPr>
             <a:r>
-              <a:rPr lang="de-DE" sz="1600" dirty="0"/>
-              <a:t>Dynamische Manipulation des DOMs</a:t>
-            </a:r>
+              <a:rPr lang="de-DE" sz="1600" dirty="0" err="1"/>
+              <a:t>JavaScriptHeaderItems</a:t>
+            </a:r>
+            <a:endParaRPr lang="de-DE" sz="1600" dirty="0"/>
           </a:p>
           <a:p>
             <a:pPr lvl="1">
@@ -9438,64 +10794,14 @@
               <a:buChar char="•"/>
             </a:pPr>
             <a:r>
-              <a:rPr lang="de-DE" sz="1600" dirty="0"/>
-              <a:t>Keine vollständigen Page </a:t>
-            </a:r>
-            <a:r>
               <a:rPr lang="de-DE" sz="1600" dirty="0" err="1"/>
-              <a:t>Reloads</a:t>
-            </a:r>
+              <a:t>OnDomReadyHeaderItems</a:t>
+            </a:r>
+            <a:endParaRPr lang="de-DE" dirty="0"/>
+          </a:p>
+          <a:p>
+            <a:pPr lvl="1"/>
             <a:endParaRPr lang="de-DE" sz="1600" dirty="0"/>
-          </a:p>
-          <a:p>
-            <a:pPr lvl="1">
-              <a:buFont typeface="Arial" panose="020B0604020202020204" pitchFamily="34" charset="0"/>
-              <a:buChar char="•"/>
-            </a:pPr>
-            <a:r>
-              <a:rPr lang="de-DE" sz="1600" dirty="0"/>
-              <a:t>Keine Blockierung der UI</a:t>
-            </a:r>
-          </a:p>
-          <a:p>
-            <a:pPr marL="342900" lvl="1" indent="-342900">
-              <a:buFont typeface="Arial" panose="020B0604020202020204" pitchFamily="34" charset="0"/>
-              <a:buChar char="•"/>
-            </a:pPr>
-            <a:r>
-              <a:rPr lang="de-DE" dirty="0"/>
-              <a:t>Basis moderner, interaktiver Web-Anwendungen</a:t>
-            </a:r>
-          </a:p>
-          <a:p>
-            <a:pPr>
-              <a:buFont typeface="Arial" panose="020B0604020202020204" pitchFamily="34" charset="0"/>
-              <a:buChar char="•"/>
-            </a:pPr>
-            <a:r>
-              <a:rPr lang="de-DE" sz="2000" dirty="0"/>
-              <a:t>Historie</a:t>
-            </a:r>
-          </a:p>
-          <a:p>
-            <a:pPr lvl="1">
-              <a:buFont typeface="Arial" panose="020B0604020202020204" pitchFamily="34" charset="0"/>
-              <a:buChar char="•"/>
-            </a:pPr>
-            <a:r>
-              <a:rPr lang="de-DE" sz="1600" dirty="0"/>
-              <a:t>1998: Microsoft ActiveX</a:t>
-            </a:r>
-          </a:p>
-          <a:p>
-            <a:pPr lvl="1">
-              <a:buFont typeface="Arial" panose="020B0604020202020204" pitchFamily="34" charset="0"/>
-              <a:buChar char="•"/>
-            </a:pPr>
-            <a:r>
-              <a:rPr lang="de-DE" sz="1600" dirty="0"/>
-              <a:t>2005: Prägung des Begriffs durch Jesse James Garrett</a:t>
-            </a:r>
           </a:p>
         </p:txBody>
       </p:sp>
@@ -9529,7 +10835,7 @@
     </p:spTree>
     <p:extLst>
       <p:ext uri="{BB962C8B-B14F-4D97-AF65-F5344CB8AC3E}">
-        <p14:creationId xmlns:p14="http://schemas.microsoft.com/office/powerpoint/2010/main" val="769770840"/>
+        <p14:creationId xmlns:p14="http://schemas.microsoft.com/office/powerpoint/2010/main" val="3298633017"/>
       </p:ext>
     </p:extLst>
   </p:cSld>
@@ -9579,6 +10885,247 @@
             <a:pPr>
               <a:buNone/>
             </a:pPr>
+            <a:r>
+              <a:rPr lang="de-DE" sz="2000" b="1" dirty="0"/>
+              <a:t>Grundlagen</a:t>
+            </a:r>
+            <a:endParaRPr lang="de-DE" b="1" dirty="0"/>
+          </a:p>
+          <a:p>
+            <a:pPr>
+              <a:buFont typeface="Arial" panose="020B0604020202020204" pitchFamily="34" charset="0"/>
+              <a:buChar char="•"/>
+            </a:pPr>
+            <a:r>
+              <a:rPr lang="de-DE" sz="2000" dirty="0"/>
+              <a:t>AJAX: </a:t>
+            </a:r>
+            <a:r>
+              <a:rPr lang="de-DE" sz="2000" b="1" dirty="0" err="1"/>
+              <a:t>A</a:t>
+            </a:r>
+            <a:r>
+              <a:rPr lang="de-DE" sz="2000" dirty="0" err="1"/>
+              <a:t>synchronous</a:t>
+            </a:r>
+            <a:r>
+              <a:rPr lang="de-DE" sz="2000" dirty="0"/>
+              <a:t> </a:t>
+            </a:r>
+            <a:r>
+              <a:rPr lang="de-DE" sz="2000" b="1" dirty="0"/>
+              <a:t>J</a:t>
+            </a:r>
+            <a:r>
+              <a:rPr lang="de-DE" sz="2000" dirty="0"/>
+              <a:t>avaScript </a:t>
+            </a:r>
+            <a:r>
+              <a:rPr lang="de-DE" sz="2000" b="1" dirty="0" err="1"/>
+              <a:t>a</a:t>
+            </a:r>
+            <a:r>
+              <a:rPr lang="de-DE" sz="2000" dirty="0" err="1"/>
+              <a:t>nd</a:t>
+            </a:r>
+            <a:r>
+              <a:rPr lang="de-DE" sz="2000" dirty="0"/>
+              <a:t> </a:t>
+            </a:r>
+            <a:r>
+              <a:rPr lang="de-DE" sz="2000" b="1" dirty="0"/>
+              <a:t>X</a:t>
+            </a:r>
+            <a:r>
+              <a:rPr lang="de-DE" sz="2000" dirty="0"/>
+              <a:t>ML</a:t>
+            </a:r>
+          </a:p>
+          <a:p>
+            <a:pPr>
+              <a:buFont typeface="Arial" panose="020B0604020202020204" pitchFamily="34" charset="0"/>
+              <a:buChar char="•"/>
+            </a:pPr>
+            <a:r>
+              <a:rPr lang="de-DE" sz="2000" dirty="0"/>
+              <a:t>Funktionsweise</a:t>
+            </a:r>
+          </a:p>
+          <a:p>
+            <a:pPr lvl="1">
+              <a:buFont typeface="Arial" panose="020B0604020202020204" pitchFamily="34" charset="0"/>
+              <a:buChar char="•"/>
+            </a:pPr>
+            <a:r>
+              <a:rPr lang="de-DE" sz="1600" dirty="0"/>
+              <a:t>Kommunikation mit Server im Hintergrund (</a:t>
+            </a:r>
+            <a:r>
+              <a:rPr lang="de-DE" sz="1600" dirty="0" err="1"/>
+              <a:t>XMLHttpRequest</a:t>
+            </a:r>
+            <a:r>
+              <a:rPr lang="de-DE" sz="1600" dirty="0"/>
+              <a:t>)</a:t>
+            </a:r>
+          </a:p>
+          <a:p>
+            <a:pPr lvl="1">
+              <a:buFont typeface="Arial" panose="020B0604020202020204" pitchFamily="34" charset="0"/>
+              <a:buChar char="•"/>
+            </a:pPr>
+            <a:r>
+              <a:rPr lang="de-DE" sz="1600" dirty="0"/>
+              <a:t>Dynamische Manipulation des DOMs</a:t>
+            </a:r>
+          </a:p>
+          <a:p>
+            <a:pPr lvl="1">
+              <a:buFont typeface="Arial" panose="020B0604020202020204" pitchFamily="34" charset="0"/>
+              <a:buChar char="•"/>
+            </a:pPr>
+            <a:r>
+              <a:rPr lang="de-DE" sz="1600" dirty="0"/>
+              <a:t>Keine vollständigen Page </a:t>
+            </a:r>
+            <a:r>
+              <a:rPr lang="de-DE" sz="1600" dirty="0" err="1"/>
+              <a:t>Reloads</a:t>
+            </a:r>
+            <a:endParaRPr lang="de-DE" sz="1600" dirty="0"/>
+          </a:p>
+          <a:p>
+            <a:pPr lvl="1">
+              <a:buFont typeface="Arial" panose="020B0604020202020204" pitchFamily="34" charset="0"/>
+              <a:buChar char="•"/>
+            </a:pPr>
+            <a:r>
+              <a:rPr lang="de-DE" sz="1600" dirty="0"/>
+              <a:t>Keine Blockierung der UI</a:t>
+            </a:r>
+          </a:p>
+          <a:p>
+            <a:pPr marL="342900" lvl="1" indent="-342900">
+              <a:buFont typeface="Arial" panose="020B0604020202020204" pitchFamily="34" charset="0"/>
+              <a:buChar char="•"/>
+            </a:pPr>
+            <a:r>
+              <a:rPr lang="de-DE" dirty="0"/>
+              <a:t>Basis moderner, interaktiver Web-Anwendungen</a:t>
+            </a:r>
+          </a:p>
+          <a:p>
+            <a:pPr>
+              <a:buFont typeface="Arial" panose="020B0604020202020204" pitchFamily="34" charset="0"/>
+              <a:buChar char="•"/>
+            </a:pPr>
+            <a:r>
+              <a:rPr lang="de-DE" sz="2000" dirty="0"/>
+              <a:t>Historie</a:t>
+            </a:r>
+          </a:p>
+          <a:p>
+            <a:pPr lvl="1">
+              <a:buFont typeface="Arial" panose="020B0604020202020204" pitchFamily="34" charset="0"/>
+              <a:buChar char="•"/>
+            </a:pPr>
+            <a:r>
+              <a:rPr lang="de-DE" sz="1600" dirty="0"/>
+              <a:t>1998: Microsoft ActiveX</a:t>
+            </a:r>
+          </a:p>
+          <a:p>
+            <a:pPr lvl="1">
+              <a:buFont typeface="Arial" panose="020B0604020202020204" pitchFamily="34" charset="0"/>
+              <a:buChar char="•"/>
+            </a:pPr>
+            <a:r>
+              <a:rPr lang="de-DE" sz="1600" dirty="0"/>
+              <a:t>2005: Prägung des Begriffs durch Jesse James Garrett</a:t>
+            </a:r>
+          </a:p>
+        </p:txBody>
+      </p:sp>
+      <p:sp>
+        <p:nvSpPr>
+          <p:cNvPr id="17411" name="Rectangle 1062"/>
+          <p:cNvSpPr>
+            <a:spLocks noGrp="1" noChangeArrowheads="1"/>
+          </p:cNvSpPr>
+          <p:nvPr>
+            <p:ph type="title"/>
+          </p:nvPr>
+        </p:nvSpPr>
+        <p:spPr>
+          <a:xfrm>
+            <a:off x="285750" y="142875"/>
+            <a:ext cx="5654675" cy="706438"/>
+          </a:xfrm>
+        </p:spPr>
+        <p:txBody>
+          <a:bodyPr/>
+          <a:lstStyle/>
+          <a:p>
+            <a:r>
+              <a:rPr lang="de-DE" dirty="0"/>
+              <a:t>Ajax</a:t>
+            </a:r>
+          </a:p>
+        </p:txBody>
+      </p:sp>
+    </p:spTree>
+    <p:extLst>
+      <p:ext uri="{BB962C8B-B14F-4D97-AF65-F5344CB8AC3E}">
+        <p14:creationId xmlns:p14="http://schemas.microsoft.com/office/powerpoint/2010/main" val="769770840"/>
+      </p:ext>
+    </p:extLst>
+  </p:cSld>
+  <p:clrMapOvr>
+    <a:masterClrMapping/>
+  </p:clrMapOvr>
+</p:sld>
+</file>
+
+<file path=ppt/slides/slide5.xml><?xml version="1.0" encoding="utf-8"?>
+<p:sld xmlns:a="http://schemas.openxmlformats.org/drawingml/2006/main" xmlns:r="http://schemas.openxmlformats.org/officeDocument/2006/relationships" xmlns:p="http://schemas.openxmlformats.org/presentationml/2006/main">
+  <p:cSld>
+    <p:spTree>
+      <p:nvGrpSpPr>
+        <p:cNvPr id="1" name=""/>
+        <p:cNvGrpSpPr/>
+        <p:nvPr/>
+      </p:nvGrpSpPr>
+      <p:grpSpPr>
+        <a:xfrm>
+          <a:off x="0" y="0"/>
+          <a:ext cx="0" cy="0"/>
+          <a:chOff x="0" y="0"/>
+          <a:chExt cx="0" cy="0"/>
+        </a:xfrm>
+      </p:grpSpPr>
+      <p:sp>
+        <p:nvSpPr>
+          <p:cNvPr id="17410" name="Inhaltsplatzhalter 2"/>
+          <p:cNvSpPr>
+            <a:spLocks noGrp="1"/>
+          </p:cNvSpPr>
+          <p:nvPr>
+            <p:ph idx="1"/>
+          </p:nvPr>
+        </p:nvSpPr>
+        <p:spPr>
+          <a:xfrm>
+            <a:off x="303213" y="1341438"/>
+            <a:ext cx="8589962" cy="4824412"/>
+          </a:xfrm>
+        </p:spPr>
+        <p:txBody>
+          <a:bodyPr/>
+          <a:lstStyle/>
+          <a:p>
+            <a:pPr>
+              <a:buNone/>
+            </a:pPr>
             <a:endParaRPr lang="de-DE" b="1" dirty="0"/>
           </a:p>
           <a:p>
@@ -9730,7 +11277,7 @@
 </p:sld>
 </file>
 
-<file path=ppt/slides/slide5.xml><?xml version="1.0" encoding="utf-8"?>
+<file path=ppt/slides/slide6.xml><?xml version="1.0" encoding="utf-8"?>
 <p:sld xmlns:a="http://schemas.openxmlformats.org/drawingml/2006/main" xmlns:r="http://schemas.openxmlformats.org/officeDocument/2006/relationships" xmlns:p="http://schemas.openxmlformats.org/presentationml/2006/main">
   <p:cSld>
     <p:spTree>
@@ -9921,240 +11468,6 @@
 </p:sld>
 </file>
 
-<file path=ppt/slides/slide6.xml><?xml version="1.0" encoding="utf-8"?>
-<p:sld xmlns:a="http://schemas.openxmlformats.org/drawingml/2006/main" xmlns:r="http://schemas.openxmlformats.org/officeDocument/2006/relationships" xmlns:p="http://schemas.openxmlformats.org/presentationml/2006/main">
-  <p:cSld>
-    <p:spTree>
-      <p:nvGrpSpPr>
-        <p:cNvPr id="1" name=""/>
-        <p:cNvGrpSpPr/>
-        <p:nvPr/>
-      </p:nvGrpSpPr>
-      <p:grpSpPr>
-        <a:xfrm>
-          <a:off x="0" y="0"/>
-          <a:ext cx="0" cy="0"/>
-          <a:chOff x="0" y="0"/>
-          <a:chExt cx="0" cy="0"/>
-        </a:xfrm>
-      </p:grpSpPr>
-      <p:sp>
-        <p:nvSpPr>
-          <p:cNvPr id="17410" name="Inhaltsplatzhalter 2"/>
-          <p:cNvSpPr>
-            <a:spLocks noGrp="1"/>
-          </p:cNvSpPr>
-          <p:nvPr>
-            <p:ph idx="1"/>
-          </p:nvPr>
-        </p:nvSpPr>
-        <p:spPr>
-          <a:xfrm>
-            <a:off x="303213" y="1341438"/>
-            <a:ext cx="8589962" cy="4824412"/>
-          </a:xfrm>
-        </p:spPr>
-        <p:txBody>
-          <a:bodyPr/>
-          <a:lstStyle/>
-          <a:p>
-            <a:pPr>
-              <a:buNone/>
-            </a:pPr>
-            <a:r>
-              <a:rPr lang="de-DE" sz="2000" b="1" dirty="0"/>
-              <a:t>Grundlagen</a:t>
-            </a:r>
-            <a:endParaRPr lang="de-DE" b="1" dirty="0"/>
-          </a:p>
-          <a:p>
-            <a:pPr>
-              <a:buFont typeface="Arial" panose="020B0604020202020204" pitchFamily="34" charset="0"/>
-              <a:buChar char="•"/>
-            </a:pPr>
-            <a:r>
-              <a:rPr lang="de-DE" sz="2000" dirty="0"/>
-              <a:t>Eigene Ajax-Komponenten</a:t>
-            </a:r>
-          </a:p>
-          <a:p>
-            <a:pPr lvl="1">
-              <a:buFont typeface="Arial" panose="020B0604020202020204" pitchFamily="34" charset="0"/>
-              <a:buChar char="•"/>
-            </a:pPr>
-            <a:r>
-              <a:rPr lang="de-DE" sz="1600" dirty="0"/>
-              <a:t>Links, Buttons</a:t>
-            </a:r>
-          </a:p>
-          <a:p>
-            <a:pPr lvl="1">
-              <a:buFont typeface="Arial" panose="020B0604020202020204" pitchFamily="34" charset="0"/>
-              <a:buChar char="•"/>
-            </a:pPr>
-            <a:r>
-              <a:rPr lang="de-DE" sz="1600" dirty="0"/>
-              <a:t>Checkboxen</a:t>
-            </a:r>
-          </a:p>
-          <a:p>
-            <a:pPr lvl="1">
-              <a:buFont typeface="Arial" panose="020B0604020202020204" pitchFamily="34" charset="0"/>
-              <a:buChar char="•"/>
-            </a:pPr>
-            <a:r>
-              <a:rPr lang="de-DE" sz="1600" dirty="0"/>
-              <a:t>Editierbare Labels</a:t>
-            </a:r>
-          </a:p>
-          <a:p>
-            <a:pPr lvl="1">
-              <a:buFont typeface="Arial" panose="020B0604020202020204" pitchFamily="34" charset="0"/>
-              <a:buChar char="•"/>
-            </a:pPr>
-            <a:r>
-              <a:rPr lang="de-DE" sz="1600" dirty="0"/>
-              <a:t>Textfelder (inkl. </a:t>
-            </a:r>
-            <a:r>
-              <a:rPr lang="de-DE" sz="1600" dirty="0" err="1"/>
-              <a:t>autocomplete</a:t>
-            </a:r>
-            <a:r>
-              <a:rPr lang="de-DE" sz="1600" dirty="0"/>
-              <a:t>)</a:t>
-            </a:r>
-          </a:p>
-          <a:p>
-            <a:pPr lvl="1">
-              <a:buFont typeface="Arial" panose="020B0604020202020204" pitchFamily="34" charset="0"/>
-              <a:buChar char="•"/>
-            </a:pPr>
-            <a:r>
-              <a:rPr lang="de-DE" sz="1600" dirty="0"/>
-              <a:t>Modale Fenster</a:t>
-            </a:r>
-          </a:p>
-          <a:p>
-            <a:pPr>
-              <a:buFont typeface="Arial" panose="020B0604020202020204" pitchFamily="34" charset="0"/>
-              <a:buChar char="•"/>
-            </a:pPr>
-            <a:r>
-              <a:rPr lang="de-DE" sz="2000" dirty="0"/>
-              <a:t>Binden von </a:t>
-            </a:r>
-            <a:r>
-              <a:rPr lang="de-DE" sz="2000" dirty="0" err="1"/>
-              <a:t>AjaxBehaviours</a:t>
-            </a:r>
-            <a:r>
-              <a:rPr lang="de-DE" sz="2000" dirty="0"/>
-              <a:t> an Komponenten</a:t>
-            </a:r>
-          </a:p>
-          <a:p>
-            <a:pPr>
-              <a:buFont typeface="Arial" panose="020B0604020202020204" pitchFamily="34" charset="0"/>
-              <a:buChar char="•"/>
-            </a:pPr>
-            <a:r>
-              <a:rPr lang="de-DE" sz="2000" dirty="0"/>
-              <a:t>Interaktion mit </a:t>
-            </a:r>
-            <a:r>
-              <a:rPr lang="de-DE" sz="2000" i="1" dirty="0" err="1"/>
-              <a:t>RequestTarget</a:t>
-            </a:r>
-            <a:r>
-              <a:rPr lang="de-DE" sz="2000" dirty="0"/>
-              <a:t> in </a:t>
-            </a:r>
-            <a:r>
-              <a:rPr lang="de-DE" sz="2000" i="1" dirty="0"/>
-              <a:t>Request Handlern</a:t>
-            </a:r>
-          </a:p>
-          <a:p>
-            <a:pPr lvl="1">
-              <a:buFont typeface="Arial" panose="020B0604020202020204" pitchFamily="34" charset="0"/>
-              <a:buChar char="•"/>
-            </a:pPr>
-            <a:r>
-              <a:rPr lang="de-DE" sz="1600" dirty="0"/>
-              <a:t>Als </a:t>
-            </a:r>
-            <a:r>
-              <a:rPr lang="de-DE" sz="1600" dirty="0" err="1"/>
-              <a:t>Renderer</a:t>
-            </a:r>
-            <a:r>
-              <a:rPr lang="de-DE" sz="1600" dirty="0"/>
-              <a:t> zu verstehen</a:t>
-            </a:r>
-          </a:p>
-          <a:p>
-            <a:pPr lvl="1">
-              <a:buFont typeface="Arial" panose="020B0604020202020204" pitchFamily="34" charset="0"/>
-              <a:buChar char="•"/>
-            </a:pPr>
-            <a:r>
-              <a:rPr lang="de-DE" sz="1600" dirty="0"/>
-              <a:t>Angabe zu aktualisierender Komponenten</a:t>
-            </a:r>
-          </a:p>
-          <a:p>
-            <a:pPr lvl="1">
-              <a:buFont typeface="Arial" panose="020B0604020202020204" pitchFamily="34" charset="0"/>
-              <a:buChar char="•"/>
-            </a:pPr>
-            <a:r>
-              <a:rPr lang="de-DE" sz="1600" dirty="0"/>
-              <a:t>Repeater: Umgebenden Container angeben</a:t>
-            </a:r>
-          </a:p>
-        </p:txBody>
-      </p:sp>
-      <p:sp>
-        <p:nvSpPr>
-          <p:cNvPr id="17411" name="Rectangle 1062"/>
-          <p:cNvSpPr>
-            <a:spLocks noGrp="1" noChangeArrowheads="1"/>
-          </p:cNvSpPr>
-          <p:nvPr>
-            <p:ph type="title"/>
-          </p:nvPr>
-        </p:nvSpPr>
-        <p:spPr>
-          <a:xfrm>
-            <a:off x="285750" y="142875"/>
-            <a:ext cx="5654675" cy="706438"/>
-          </a:xfrm>
-        </p:spPr>
-        <p:txBody>
-          <a:bodyPr/>
-          <a:lstStyle/>
-          <a:p>
-            <a:r>
-              <a:rPr lang="de-DE" dirty="0"/>
-              <a:t>Ajax</a:t>
-            </a:r>
-          </a:p>
-        </p:txBody>
-      </p:sp>
-    </p:spTree>
-    <p:extLst>
-      <p:ext uri="{BB962C8B-B14F-4D97-AF65-F5344CB8AC3E}">
-        <p14:creationId xmlns:p14="http://schemas.microsoft.com/office/powerpoint/2010/main" val="1986732129"/>
-      </p:ext>
-    </p:extLst>
-  </p:cSld>
-  <p:clrMapOvr>
-    <a:masterClrMapping/>
-  </p:clrMapOvr>
-</p:sld>
-</file>
-
 <file path=ppt/slides/slide7.xml><?xml version="1.0" encoding="utf-8"?>
 <p:sld xmlns:a="http://schemas.openxmlformats.org/drawingml/2006/main" xmlns:r="http://schemas.openxmlformats.org/officeDocument/2006/relationships" xmlns:p="http://schemas.openxmlformats.org/presentationml/2006/main">
   <p:cSld>
@@ -10199,6 +11512,7 @@
               <a:rPr lang="de-DE" sz="2000" b="1" dirty="0"/>
               <a:t>Grundlagen</a:t>
             </a:r>
+            <a:endParaRPr lang="de-DE" b="1" dirty="0"/>
           </a:p>
           <a:p>
             <a:pPr>
@@ -10207,962 +11521,144 @@
             </a:pPr>
             <a:r>
               <a:rPr lang="de-DE" sz="2000" dirty="0"/>
-              <a:t>Beispiel: Label</a:t>
-            </a:r>
-          </a:p>
-          <a:p>
-            <a:pPr lvl="0">
-              <a:buNone/>
-            </a:pPr>
-            <a:endParaRPr lang="de-DE" altLang="de-DE" sz="800" b="1" dirty="0">
-              <a:solidFill>
-                <a:srgbClr val="000080"/>
-              </a:solidFill>
-              <a:latin typeface="Consolas" panose="020B0609020204030204" pitchFamily="49" charset="0"/>
-              <a:cs typeface="Consolas" panose="020B0609020204030204" pitchFamily="49" charset="0"/>
-            </a:endParaRPr>
+              <a:t>Eigene Ajax-Komponenten</a:t>
+            </a:r>
           </a:p>
           <a:p>
             <a:pPr lvl="1">
-              <a:buNone/>
-            </a:pPr>
-            <a:r>
-              <a:rPr lang="de-DE" altLang="de-DE" sz="1600" dirty="0">
-                <a:solidFill>
-                  <a:srgbClr val="000000"/>
-                </a:solidFill>
-                <a:latin typeface="Consolas" panose="020B0609020204030204" pitchFamily="49" charset="0"/>
-                <a:cs typeface="Consolas" panose="020B0609020204030204" pitchFamily="49" charset="0"/>
-              </a:rPr>
-              <a:t>Label </a:t>
-            </a:r>
-            <a:r>
-              <a:rPr lang="de-DE" altLang="de-DE" sz="1600" dirty="0" err="1">
-                <a:solidFill>
-                  <a:srgbClr val="000000"/>
-                </a:solidFill>
-                <a:latin typeface="Consolas" panose="020B0609020204030204" pitchFamily="49" charset="0"/>
-                <a:cs typeface="Consolas" panose="020B0609020204030204" pitchFamily="49" charset="0"/>
-              </a:rPr>
-              <a:t>label</a:t>
-            </a:r>
-            <a:r>
-              <a:rPr lang="de-DE" altLang="de-DE" sz="1600" dirty="0">
-                <a:solidFill>
-                  <a:srgbClr val="000000"/>
-                </a:solidFill>
-                <a:latin typeface="Consolas" panose="020B0609020204030204" pitchFamily="49" charset="0"/>
-                <a:cs typeface="Consolas" panose="020B0609020204030204" pitchFamily="49" charset="0"/>
-              </a:rPr>
-              <a:t> = </a:t>
-            </a:r>
-            <a:r>
-              <a:rPr lang="de-DE" altLang="de-DE" sz="1600" b="1" dirty="0" err="1">
-                <a:solidFill>
-                  <a:srgbClr val="000080"/>
-                </a:solidFill>
-                <a:latin typeface="Consolas" panose="020B0609020204030204" pitchFamily="49" charset="0"/>
-                <a:cs typeface="Consolas" panose="020B0609020204030204" pitchFamily="49" charset="0"/>
-              </a:rPr>
-              <a:t>new</a:t>
-            </a:r>
-            <a:r>
-              <a:rPr lang="de-DE" altLang="de-DE" sz="1600" b="1" dirty="0">
-                <a:solidFill>
-                  <a:srgbClr val="000080"/>
-                </a:solidFill>
-                <a:latin typeface="Consolas" panose="020B0609020204030204" pitchFamily="49" charset="0"/>
-                <a:cs typeface="Consolas" panose="020B0609020204030204" pitchFamily="49" charset="0"/>
-              </a:rPr>
-              <a:t> </a:t>
-            </a:r>
-            <a:r>
-              <a:rPr lang="de-DE" altLang="de-DE" sz="1600" dirty="0">
-                <a:solidFill>
-                  <a:srgbClr val="000000"/>
-                </a:solidFill>
-                <a:latin typeface="Consolas" panose="020B0609020204030204" pitchFamily="49" charset="0"/>
-                <a:cs typeface="Consolas" panose="020B0609020204030204" pitchFamily="49" charset="0"/>
-              </a:rPr>
-              <a:t>Label(</a:t>
-            </a:r>
-            <a:r>
-              <a:rPr lang="de-DE" altLang="de-DE" sz="1600" b="1" dirty="0">
-                <a:solidFill>
-                  <a:srgbClr val="008000"/>
-                </a:solidFill>
-                <a:latin typeface="Consolas" panose="020B0609020204030204" pitchFamily="49" charset="0"/>
-                <a:cs typeface="Consolas" panose="020B0609020204030204" pitchFamily="49" charset="0"/>
-              </a:rPr>
-              <a:t>"</a:t>
-            </a:r>
-            <a:r>
-              <a:rPr lang="de-DE" altLang="de-DE" sz="1600" b="1" dirty="0" err="1">
-                <a:solidFill>
-                  <a:srgbClr val="008000"/>
-                </a:solidFill>
-                <a:latin typeface="Consolas" panose="020B0609020204030204" pitchFamily="49" charset="0"/>
-                <a:cs typeface="Consolas" panose="020B0609020204030204" pitchFamily="49" charset="0"/>
-              </a:rPr>
-              <a:t>label</a:t>
-            </a:r>
-            <a:r>
-              <a:rPr lang="de-DE" altLang="de-DE" sz="1600" b="1" dirty="0">
-                <a:solidFill>
-                  <a:srgbClr val="008000"/>
-                </a:solidFill>
-                <a:latin typeface="Consolas" panose="020B0609020204030204" pitchFamily="49" charset="0"/>
-                <a:cs typeface="Consolas" panose="020B0609020204030204" pitchFamily="49" charset="0"/>
-              </a:rPr>
-              <a:t>"</a:t>
-            </a:r>
-            <a:r>
-              <a:rPr lang="de-DE" altLang="de-DE" sz="1600" dirty="0">
-                <a:solidFill>
-                  <a:srgbClr val="000000"/>
-                </a:solidFill>
-                <a:latin typeface="Consolas" panose="020B0609020204030204" pitchFamily="49" charset="0"/>
-                <a:cs typeface="Consolas" panose="020B0609020204030204" pitchFamily="49" charset="0"/>
-              </a:rPr>
-              <a:t>, </a:t>
-            </a:r>
-            <a:r>
-              <a:rPr lang="de-DE" altLang="de-DE" sz="1600" dirty="0" err="1">
-                <a:solidFill>
-                  <a:srgbClr val="000000"/>
-                </a:solidFill>
-                <a:latin typeface="Consolas" panose="020B0609020204030204" pitchFamily="49" charset="0"/>
-                <a:cs typeface="Consolas" panose="020B0609020204030204" pitchFamily="49" charset="0"/>
-              </a:rPr>
-              <a:t>Model.of</a:t>
-            </a:r>
-            <a:r>
-              <a:rPr lang="de-DE" altLang="de-DE" sz="1600" dirty="0">
-                <a:solidFill>
-                  <a:srgbClr val="000000"/>
-                </a:solidFill>
-                <a:latin typeface="Consolas" panose="020B0609020204030204" pitchFamily="49" charset="0"/>
-                <a:cs typeface="Consolas" panose="020B0609020204030204" pitchFamily="49" charset="0"/>
-              </a:rPr>
-              <a:t>(</a:t>
-            </a:r>
-            <a:r>
-              <a:rPr lang="de-DE" altLang="de-DE" sz="1600" b="1" dirty="0">
-                <a:solidFill>
-                  <a:srgbClr val="008000"/>
-                </a:solidFill>
-                <a:latin typeface="Consolas" panose="020B0609020204030204" pitchFamily="49" charset="0"/>
-                <a:cs typeface="Consolas" panose="020B0609020204030204" pitchFamily="49" charset="0"/>
-              </a:rPr>
-              <a:t>"Initial </a:t>
-            </a:r>
-            <a:r>
-              <a:rPr lang="de-DE" altLang="de-DE" sz="1600" b="1" dirty="0" err="1">
-                <a:solidFill>
-                  <a:srgbClr val="008000"/>
-                </a:solidFill>
-                <a:latin typeface="Consolas" panose="020B0609020204030204" pitchFamily="49" charset="0"/>
-                <a:cs typeface="Consolas" panose="020B0609020204030204" pitchFamily="49" charset="0"/>
-              </a:rPr>
-              <a:t>value</a:t>
-            </a:r>
-            <a:r>
-              <a:rPr lang="de-DE" altLang="de-DE" sz="1600" b="1" dirty="0">
-                <a:solidFill>
-                  <a:srgbClr val="008000"/>
-                </a:solidFill>
-                <a:latin typeface="Consolas" panose="020B0609020204030204" pitchFamily="49" charset="0"/>
-                <a:cs typeface="Consolas" panose="020B0609020204030204" pitchFamily="49" charset="0"/>
-              </a:rPr>
-              <a:t>."</a:t>
-            </a:r>
-            <a:r>
-              <a:rPr lang="de-DE" altLang="de-DE" sz="1600" dirty="0">
-                <a:solidFill>
-                  <a:srgbClr val="000000"/>
-                </a:solidFill>
-                <a:latin typeface="Consolas" panose="020B0609020204030204" pitchFamily="49" charset="0"/>
-                <a:cs typeface="Consolas" panose="020B0609020204030204" pitchFamily="49" charset="0"/>
-              </a:rPr>
-              <a:t>));       </a:t>
-            </a:r>
-            <a:br>
-              <a:rPr lang="de-DE" altLang="de-DE" sz="1600" dirty="0">
-                <a:solidFill>
-                  <a:srgbClr val="000000"/>
-                </a:solidFill>
-                <a:latin typeface="Consolas" panose="020B0609020204030204" pitchFamily="49" charset="0"/>
-                <a:cs typeface="Consolas" panose="020B0609020204030204" pitchFamily="49" charset="0"/>
-              </a:rPr>
-            </a:br>
-            <a:r>
-              <a:rPr lang="de-DE" altLang="de-DE" sz="1600" i="1" dirty="0">
-                <a:solidFill>
-                  <a:srgbClr val="808080"/>
-                </a:solidFill>
-                <a:latin typeface="Consolas" panose="020B0609020204030204" pitchFamily="49" charset="0"/>
-                <a:cs typeface="Consolas" panose="020B0609020204030204" pitchFamily="49" charset="0"/>
-              </a:rPr>
-              <a:t>// Komponente benötigt HTML ID, um aktualisiert werden zu können</a:t>
-            </a:r>
-            <a:br>
-              <a:rPr lang="de-DE" altLang="de-DE" sz="1600" i="1" dirty="0">
-                <a:solidFill>
-                  <a:srgbClr val="808080"/>
-                </a:solidFill>
-                <a:latin typeface="Consolas" panose="020B0609020204030204" pitchFamily="49" charset="0"/>
-                <a:cs typeface="Consolas" panose="020B0609020204030204" pitchFamily="49" charset="0"/>
-              </a:rPr>
-            </a:br>
-            <a:r>
-              <a:rPr lang="de-DE" altLang="de-DE" sz="1600" dirty="0" err="1">
-                <a:solidFill>
-                  <a:srgbClr val="000000"/>
-                </a:solidFill>
-                <a:latin typeface="Consolas" panose="020B0609020204030204" pitchFamily="49" charset="0"/>
-                <a:cs typeface="Consolas" panose="020B0609020204030204" pitchFamily="49" charset="0"/>
-              </a:rPr>
-              <a:t>label.</a:t>
-            </a:r>
-            <a:r>
-              <a:rPr lang="de-DE" altLang="de-DE" sz="1600" b="1" dirty="0" err="1">
-                <a:solidFill>
-                  <a:srgbClr val="000000"/>
-                </a:solidFill>
-                <a:latin typeface="Consolas" panose="020B0609020204030204" pitchFamily="49" charset="0"/>
-                <a:cs typeface="Consolas" panose="020B0609020204030204" pitchFamily="49" charset="0"/>
-              </a:rPr>
-              <a:t>setOutputMarkupId</a:t>
-            </a:r>
-            <a:r>
-              <a:rPr lang="de-DE" altLang="de-DE" sz="1600" dirty="0">
-                <a:solidFill>
-                  <a:srgbClr val="000000"/>
-                </a:solidFill>
-                <a:latin typeface="Consolas" panose="020B0609020204030204" pitchFamily="49" charset="0"/>
-                <a:cs typeface="Consolas" panose="020B0609020204030204" pitchFamily="49" charset="0"/>
-              </a:rPr>
-              <a:t>(</a:t>
-            </a:r>
-            <a:r>
-              <a:rPr lang="de-DE" altLang="de-DE" sz="1600" b="1" dirty="0" err="1">
-                <a:solidFill>
-                  <a:srgbClr val="000080"/>
-                </a:solidFill>
-                <a:latin typeface="Consolas" panose="020B0609020204030204" pitchFamily="49" charset="0"/>
-                <a:cs typeface="Consolas" panose="020B0609020204030204" pitchFamily="49" charset="0"/>
-              </a:rPr>
-              <a:t>true</a:t>
-            </a:r>
-            <a:r>
-              <a:rPr lang="de-DE" altLang="de-DE" sz="1600" dirty="0">
-                <a:solidFill>
-                  <a:srgbClr val="000000"/>
-                </a:solidFill>
-                <a:latin typeface="Consolas" panose="020B0609020204030204" pitchFamily="49" charset="0"/>
-                <a:cs typeface="Consolas" panose="020B0609020204030204" pitchFamily="49" charset="0"/>
-              </a:rPr>
-              <a:t>);</a:t>
-            </a:r>
-            <a:br>
-              <a:rPr lang="de-DE" altLang="de-DE" sz="1600" dirty="0">
-                <a:solidFill>
-                  <a:srgbClr val="000000"/>
-                </a:solidFill>
-                <a:latin typeface="Consolas" panose="020B0609020204030204" pitchFamily="49" charset="0"/>
-                <a:cs typeface="Consolas" panose="020B0609020204030204" pitchFamily="49" charset="0"/>
-              </a:rPr>
-            </a:br>
-            <a:r>
-              <a:rPr lang="de-DE" altLang="de-DE" sz="1600" dirty="0" err="1">
-                <a:solidFill>
-                  <a:srgbClr val="000000"/>
-                </a:solidFill>
-                <a:latin typeface="Consolas" panose="020B0609020204030204" pitchFamily="49" charset="0"/>
-                <a:cs typeface="Consolas" panose="020B0609020204030204" pitchFamily="49" charset="0"/>
-              </a:rPr>
-              <a:t>add</a:t>
-            </a:r>
-            <a:r>
-              <a:rPr lang="de-DE" altLang="de-DE" sz="1600" dirty="0">
-                <a:solidFill>
-                  <a:srgbClr val="000000"/>
-                </a:solidFill>
-                <a:latin typeface="Consolas" panose="020B0609020204030204" pitchFamily="49" charset="0"/>
-                <a:cs typeface="Consolas" panose="020B0609020204030204" pitchFamily="49" charset="0"/>
-              </a:rPr>
-              <a:t>(</a:t>
-            </a:r>
-            <a:r>
-              <a:rPr lang="de-DE" altLang="de-DE" sz="1600" dirty="0" err="1">
-                <a:solidFill>
-                  <a:srgbClr val="000000"/>
-                </a:solidFill>
-                <a:latin typeface="Consolas" panose="020B0609020204030204" pitchFamily="49" charset="0"/>
-                <a:cs typeface="Consolas" panose="020B0609020204030204" pitchFamily="49" charset="0"/>
-              </a:rPr>
-              <a:t>label</a:t>
-            </a:r>
-            <a:r>
-              <a:rPr lang="de-DE" altLang="de-DE" sz="1600" dirty="0">
-                <a:solidFill>
-                  <a:srgbClr val="000000"/>
-                </a:solidFill>
-                <a:latin typeface="Consolas" panose="020B0609020204030204" pitchFamily="49" charset="0"/>
-                <a:cs typeface="Consolas" panose="020B0609020204030204" pitchFamily="49" charset="0"/>
-              </a:rPr>
-              <a:t>);</a:t>
-            </a:r>
-            <a:br>
-              <a:rPr lang="de-DE" altLang="de-DE" sz="1600" dirty="0">
-                <a:solidFill>
-                  <a:srgbClr val="000000"/>
-                </a:solidFill>
-                <a:latin typeface="Consolas" panose="020B0609020204030204" pitchFamily="49" charset="0"/>
-                <a:cs typeface="Consolas" panose="020B0609020204030204" pitchFamily="49" charset="0"/>
-              </a:rPr>
-            </a:br>
-            <a:r>
-              <a:rPr lang="de-DE" altLang="de-DE" sz="1600" dirty="0">
-                <a:solidFill>
-                  <a:srgbClr val="000000"/>
-                </a:solidFill>
-                <a:latin typeface="Consolas" panose="020B0609020204030204" pitchFamily="49" charset="0"/>
-                <a:cs typeface="Consolas" panose="020B0609020204030204" pitchFamily="49" charset="0"/>
-              </a:rPr>
-              <a:t>        </a:t>
-            </a:r>
-            <a:br>
-              <a:rPr lang="de-DE" altLang="de-DE" sz="1600" dirty="0">
-                <a:solidFill>
-                  <a:srgbClr val="000000"/>
-                </a:solidFill>
-                <a:latin typeface="Consolas" panose="020B0609020204030204" pitchFamily="49" charset="0"/>
-                <a:cs typeface="Consolas" panose="020B0609020204030204" pitchFamily="49" charset="0"/>
-              </a:rPr>
-            </a:br>
-            <a:r>
-              <a:rPr lang="de-DE" altLang="de-DE" sz="1600" i="1" dirty="0">
-                <a:solidFill>
-                  <a:srgbClr val="808080"/>
-                </a:solidFill>
-                <a:latin typeface="Consolas" panose="020B0609020204030204" pitchFamily="49" charset="0"/>
-                <a:cs typeface="Consolas" panose="020B0609020204030204" pitchFamily="49" charset="0"/>
-              </a:rPr>
-              <a:t>//…  </a:t>
+              <a:buFont typeface="Arial" panose="020B0604020202020204" pitchFamily="34" charset="0"/>
+              <a:buChar char="•"/>
+            </a:pPr>
+            <a:r>
+              <a:rPr lang="de-DE" sz="1600" dirty="0"/>
+              <a:t>Links, Buttons</a:t>
             </a:r>
           </a:p>
           <a:p>
             <a:pPr lvl="1">
-              <a:buNone/>
-            </a:pPr>
-            <a:r>
-              <a:rPr lang="de-DE" altLang="de-DE" sz="1600" b="1" i="1" dirty="0">
-                <a:solidFill>
-                  <a:srgbClr val="808080"/>
-                </a:solidFill>
-                <a:latin typeface="Consolas" panose="020B0609020204030204" pitchFamily="49" charset="0"/>
-                <a:cs typeface="Consolas" panose="020B0609020204030204" pitchFamily="49" charset="0"/>
-              </a:rPr>
-              <a:t>   </a:t>
-            </a:r>
-            <a:r>
-              <a:rPr lang="de-DE" altLang="de-DE" sz="1600" b="1" dirty="0" err="1">
-                <a:solidFill>
-                  <a:srgbClr val="000080"/>
-                </a:solidFill>
-                <a:latin typeface="Consolas" panose="020B0609020204030204" pitchFamily="49" charset="0"/>
-                <a:cs typeface="Consolas" panose="020B0609020204030204" pitchFamily="49" charset="0"/>
-              </a:rPr>
-              <a:t>new</a:t>
-            </a:r>
-            <a:r>
-              <a:rPr lang="de-DE" altLang="de-DE" sz="1600" b="1" dirty="0">
-                <a:solidFill>
-                  <a:srgbClr val="000080"/>
-                </a:solidFill>
-                <a:latin typeface="Consolas" panose="020B0609020204030204" pitchFamily="49" charset="0"/>
-                <a:cs typeface="Consolas" panose="020B0609020204030204" pitchFamily="49" charset="0"/>
-              </a:rPr>
-              <a:t> </a:t>
-            </a:r>
-            <a:r>
-              <a:rPr lang="de-DE" altLang="de-DE" sz="1600" dirty="0" err="1">
-                <a:solidFill>
-                  <a:srgbClr val="000000"/>
-                </a:solidFill>
-                <a:latin typeface="Consolas" panose="020B0609020204030204" pitchFamily="49" charset="0"/>
-                <a:cs typeface="Consolas" panose="020B0609020204030204" pitchFamily="49" charset="0"/>
-              </a:rPr>
-              <a:t>AjaxLink</a:t>
-            </a:r>
-            <a:r>
-              <a:rPr lang="de-DE" altLang="de-DE" sz="1600" dirty="0">
-                <a:solidFill>
-                  <a:srgbClr val="000000"/>
-                </a:solidFill>
-                <a:latin typeface="Consolas" panose="020B0609020204030204" pitchFamily="49" charset="0"/>
-                <a:cs typeface="Consolas" panose="020B0609020204030204" pitchFamily="49" charset="0"/>
-              </a:rPr>
-              <a:t>(</a:t>
-            </a:r>
-            <a:r>
-              <a:rPr lang="de-DE" altLang="de-DE" sz="1600" b="1" dirty="0">
-                <a:solidFill>
-                  <a:srgbClr val="008000"/>
-                </a:solidFill>
-                <a:latin typeface="Consolas" panose="020B0609020204030204" pitchFamily="49" charset="0"/>
-                <a:cs typeface="Consolas" panose="020B0609020204030204" pitchFamily="49" charset="0"/>
-              </a:rPr>
-              <a:t>"</a:t>
-            </a:r>
-            <a:r>
-              <a:rPr lang="de-DE" altLang="de-DE" sz="1600" b="1" dirty="0" err="1">
-                <a:solidFill>
-                  <a:srgbClr val="008000"/>
-                </a:solidFill>
-                <a:latin typeface="Consolas" panose="020B0609020204030204" pitchFamily="49" charset="0"/>
-                <a:cs typeface="Consolas" panose="020B0609020204030204" pitchFamily="49" charset="0"/>
-              </a:rPr>
-              <a:t>ajaxLink</a:t>
-            </a:r>
-            <a:r>
-              <a:rPr lang="de-DE" altLang="de-DE" sz="1600" b="1" dirty="0">
-                <a:solidFill>
-                  <a:srgbClr val="008000"/>
-                </a:solidFill>
-                <a:latin typeface="Consolas" panose="020B0609020204030204" pitchFamily="49" charset="0"/>
-                <a:cs typeface="Consolas" panose="020B0609020204030204" pitchFamily="49" charset="0"/>
-              </a:rPr>
-              <a:t>"</a:t>
-            </a:r>
-            <a:r>
-              <a:rPr lang="de-DE" altLang="de-DE" sz="1600" dirty="0">
-                <a:solidFill>
-                  <a:srgbClr val="000000"/>
-                </a:solidFill>
-                <a:latin typeface="Consolas" panose="020B0609020204030204" pitchFamily="49" charset="0"/>
-                <a:cs typeface="Consolas" panose="020B0609020204030204" pitchFamily="49" charset="0"/>
-              </a:rPr>
-              <a:t>) {</a:t>
-            </a:r>
-            <a:br>
-              <a:rPr lang="de-DE" altLang="de-DE" sz="1600" dirty="0">
-                <a:solidFill>
-                  <a:srgbClr val="000000"/>
-                </a:solidFill>
-                <a:latin typeface="Consolas" panose="020B0609020204030204" pitchFamily="49" charset="0"/>
-                <a:cs typeface="Consolas" panose="020B0609020204030204" pitchFamily="49" charset="0"/>
-              </a:rPr>
-            </a:br>
-            <a:r>
-              <a:rPr lang="de-DE" altLang="de-DE" sz="1600" dirty="0">
-                <a:solidFill>
-                  <a:srgbClr val="000000"/>
-                </a:solidFill>
-                <a:latin typeface="Consolas" panose="020B0609020204030204" pitchFamily="49" charset="0"/>
-                <a:cs typeface="Consolas" panose="020B0609020204030204" pitchFamily="49" charset="0"/>
-              </a:rPr>
-              <a:t>    @</a:t>
-            </a:r>
-            <a:r>
-              <a:rPr lang="de-DE" altLang="de-DE" sz="1600" dirty="0" err="1">
-                <a:solidFill>
-                  <a:srgbClr val="000000"/>
-                </a:solidFill>
-                <a:latin typeface="Consolas" panose="020B0609020204030204" pitchFamily="49" charset="0"/>
-                <a:cs typeface="Consolas" panose="020B0609020204030204" pitchFamily="49" charset="0"/>
-              </a:rPr>
-              <a:t>Override</a:t>
-            </a:r>
-            <a:r>
-              <a:rPr lang="de-DE" altLang="de-DE" sz="1600" dirty="0">
-                <a:solidFill>
-                  <a:srgbClr val="000000"/>
-                </a:solidFill>
-                <a:latin typeface="Consolas" panose="020B0609020204030204" pitchFamily="49" charset="0"/>
-                <a:cs typeface="Consolas" panose="020B0609020204030204" pitchFamily="49" charset="0"/>
-              </a:rPr>
-              <a:t/>
-            </a:r>
-            <a:br>
-              <a:rPr lang="de-DE" altLang="de-DE" sz="1600" dirty="0">
-                <a:solidFill>
-                  <a:srgbClr val="000000"/>
-                </a:solidFill>
-                <a:latin typeface="Consolas" panose="020B0609020204030204" pitchFamily="49" charset="0"/>
-                <a:cs typeface="Consolas" panose="020B0609020204030204" pitchFamily="49" charset="0"/>
-              </a:rPr>
-            </a:br>
-            <a:r>
-              <a:rPr lang="de-DE" altLang="de-DE" sz="1600" dirty="0">
-                <a:solidFill>
-                  <a:srgbClr val="000000"/>
-                </a:solidFill>
-                <a:latin typeface="Consolas" panose="020B0609020204030204" pitchFamily="49" charset="0"/>
-                <a:cs typeface="Consolas" panose="020B0609020204030204" pitchFamily="49" charset="0"/>
-              </a:rPr>
-              <a:t>    </a:t>
-            </a:r>
-            <a:r>
-              <a:rPr lang="de-DE" altLang="de-DE" sz="1600" b="1" dirty="0" err="1">
-                <a:solidFill>
-                  <a:srgbClr val="000080"/>
-                </a:solidFill>
-                <a:latin typeface="Consolas" panose="020B0609020204030204" pitchFamily="49" charset="0"/>
-                <a:cs typeface="Consolas" panose="020B0609020204030204" pitchFamily="49" charset="0"/>
-              </a:rPr>
-              <a:t>public</a:t>
-            </a:r>
-            <a:r>
-              <a:rPr lang="de-DE" altLang="de-DE" sz="1600" b="1" dirty="0">
-                <a:solidFill>
-                  <a:srgbClr val="000080"/>
-                </a:solidFill>
-                <a:latin typeface="Consolas" panose="020B0609020204030204" pitchFamily="49" charset="0"/>
-                <a:cs typeface="Consolas" panose="020B0609020204030204" pitchFamily="49" charset="0"/>
-              </a:rPr>
-              <a:t> </a:t>
-            </a:r>
-            <a:r>
-              <a:rPr lang="de-DE" altLang="de-DE" sz="1600" b="1" dirty="0" err="1">
-                <a:solidFill>
-                  <a:srgbClr val="000080"/>
-                </a:solidFill>
-                <a:latin typeface="Consolas" panose="020B0609020204030204" pitchFamily="49" charset="0"/>
-                <a:cs typeface="Consolas" panose="020B0609020204030204" pitchFamily="49" charset="0"/>
-              </a:rPr>
-              <a:t>void</a:t>
-            </a:r>
-            <a:r>
-              <a:rPr lang="de-DE" altLang="de-DE" sz="1600" b="1" dirty="0">
-                <a:solidFill>
-                  <a:srgbClr val="000080"/>
-                </a:solidFill>
-                <a:latin typeface="Consolas" panose="020B0609020204030204" pitchFamily="49" charset="0"/>
-                <a:cs typeface="Consolas" panose="020B0609020204030204" pitchFamily="49" charset="0"/>
-              </a:rPr>
-              <a:t> </a:t>
-            </a:r>
-            <a:r>
-              <a:rPr lang="de-DE" altLang="de-DE" sz="1600" dirty="0" err="1">
-                <a:solidFill>
-                  <a:srgbClr val="000000"/>
-                </a:solidFill>
-                <a:latin typeface="Consolas" panose="020B0609020204030204" pitchFamily="49" charset="0"/>
-                <a:cs typeface="Consolas" panose="020B0609020204030204" pitchFamily="49" charset="0"/>
-              </a:rPr>
-              <a:t>onClick</a:t>
-            </a:r>
-            <a:r>
-              <a:rPr lang="de-DE" altLang="de-DE" sz="1600" dirty="0">
-                <a:solidFill>
-                  <a:srgbClr val="000000"/>
-                </a:solidFill>
-                <a:latin typeface="Consolas" panose="020B0609020204030204" pitchFamily="49" charset="0"/>
-                <a:cs typeface="Consolas" panose="020B0609020204030204" pitchFamily="49" charset="0"/>
-              </a:rPr>
-              <a:t>(Optional&lt;</a:t>
-            </a:r>
-            <a:r>
-              <a:rPr lang="de-DE" altLang="de-DE" sz="1600" dirty="0" err="1">
-                <a:solidFill>
-                  <a:srgbClr val="000000"/>
-                </a:solidFill>
-                <a:latin typeface="Consolas" panose="020B0609020204030204" pitchFamily="49" charset="0"/>
-                <a:cs typeface="Consolas" panose="020B0609020204030204" pitchFamily="49" charset="0"/>
-              </a:rPr>
-              <a:t>AjaxRequestTarget</a:t>
-            </a:r>
-            <a:r>
-              <a:rPr lang="de-DE" altLang="de-DE" sz="1600" dirty="0">
-                <a:solidFill>
-                  <a:srgbClr val="000000"/>
-                </a:solidFill>
-                <a:latin typeface="Consolas" panose="020B0609020204030204" pitchFamily="49" charset="0"/>
-                <a:cs typeface="Consolas" panose="020B0609020204030204" pitchFamily="49" charset="0"/>
-              </a:rPr>
-              <a:t>&gt; </a:t>
-            </a:r>
-            <a:r>
-              <a:rPr lang="de-DE" altLang="de-DE" sz="1600" dirty="0" err="1">
-                <a:solidFill>
-                  <a:srgbClr val="000000"/>
-                </a:solidFill>
-                <a:latin typeface="Consolas" panose="020B0609020204030204" pitchFamily="49" charset="0"/>
-                <a:cs typeface="Consolas" panose="020B0609020204030204" pitchFamily="49" charset="0"/>
-              </a:rPr>
-              <a:t>target</a:t>
-            </a:r>
-            <a:r>
-              <a:rPr lang="de-DE" altLang="de-DE" sz="1600" dirty="0">
-                <a:solidFill>
-                  <a:srgbClr val="000000"/>
-                </a:solidFill>
-                <a:latin typeface="Consolas" panose="020B0609020204030204" pitchFamily="49" charset="0"/>
-                <a:cs typeface="Consolas" panose="020B0609020204030204" pitchFamily="49" charset="0"/>
-              </a:rPr>
-              <a:t>) {</a:t>
+              <a:buFont typeface="Arial" panose="020B0604020202020204" pitchFamily="34" charset="0"/>
+              <a:buChar char="•"/>
+            </a:pPr>
+            <a:r>
+              <a:rPr lang="de-DE" sz="1600" dirty="0"/>
+              <a:t>Checkboxen</a:t>
             </a:r>
           </a:p>
           <a:p>
             <a:pPr lvl="1">
-              <a:buNone/>
-            </a:pPr>
-            <a:r>
-              <a:rPr lang="de-DE" altLang="de-DE" sz="1600" dirty="0">
-                <a:solidFill>
-                  <a:srgbClr val="000000"/>
-                </a:solidFill>
-                <a:latin typeface="Consolas" panose="020B0609020204030204" pitchFamily="49" charset="0"/>
-                <a:cs typeface="Consolas" panose="020B0609020204030204" pitchFamily="49" charset="0"/>
-              </a:rPr>
-              <a:t>           </a:t>
-            </a:r>
-            <a:r>
-              <a:rPr lang="de-DE" altLang="de-DE" sz="1600" dirty="0" err="1">
-                <a:solidFill>
-                  <a:srgbClr val="000000"/>
-                </a:solidFill>
-                <a:latin typeface="Consolas" panose="020B0609020204030204" pitchFamily="49" charset="0"/>
-                <a:cs typeface="Consolas" panose="020B0609020204030204" pitchFamily="49" charset="0"/>
-              </a:rPr>
-              <a:t>if</a:t>
-            </a:r>
-            <a:r>
-              <a:rPr lang="de-DE" altLang="de-DE" sz="1600" dirty="0">
-                <a:solidFill>
-                  <a:srgbClr val="000000"/>
-                </a:solidFill>
-                <a:latin typeface="Consolas" panose="020B0609020204030204" pitchFamily="49" charset="0"/>
-                <a:cs typeface="Consolas" panose="020B0609020204030204" pitchFamily="49" charset="0"/>
-              </a:rPr>
-              <a:t> (</a:t>
-            </a:r>
-            <a:r>
-              <a:rPr lang="de-DE" altLang="de-DE" sz="1600" dirty="0" err="1">
-                <a:solidFill>
-                  <a:srgbClr val="000000"/>
-                </a:solidFill>
-                <a:latin typeface="Consolas" panose="020B0609020204030204" pitchFamily="49" charset="0"/>
-                <a:cs typeface="Consolas" panose="020B0609020204030204" pitchFamily="49" charset="0"/>
-              </a:rPr>
-              <a:t>target.isPresent</a:t>
-            </a:r>
-            <a:r>
-              <a:rPr lang="de-DE" altLang="de-DE" sz="1600" dirty="0">
-                <a:solidFill>
-                  <a:srgbClr val="000000"/>
-                </a:solidFill>
-                <a:latin typeface="Consolas" panose="020B0609020204030204" pitchFamily="49" charset="0"/>
-                <a:cs typeface="Consolas" panose="020B0609020204030204" pitchFamily="49" charset="0"/>
-              </a:rPr>
-              <a:t>()) {</a:t>
-            </a:r>
-            <a:br>
-              <a:rPr lang="de-DE" altLang="de-DE" sz="1600" dirty="0">
-                <a:solidFill>
-                  <a:srgbClr val="000000"/>
-                </a:solidFill>
-                <a:latin typeface="Consolas" panose="020B0609020204030204" pitchFamily="49" charset="0"/>
-                <a:cs typeface="Consolas" panose="020B0609020204030204" pitchFamily="49" charset="0"/>
-              </a:rPr>
-            </a:br>
-            <a:r>
-              <a:rPr lang="de-DE" altLang="de-DE" sz="1600" dirty="0">
-                <a:solidFill>
-                  <a:srgbClr val="000000"/>
-                </a:solidFill>
-                <a:latin typeface="Consolas" panose="020B0609020204030204" pitchFamily="49" charset="0"/>
-                <a:cs typeface="Consolas" panose="020B0609020204030204" pitchFamily="49" charset="0"/>
-              </a:rPr>
-              <a:t>            </a:t>
-            </a:r>
-            <a:r>
-              <a:rPr lang="de-DE" altLang="de-DE" sz="1600" i="1" dirty="0">
-                <a:solidFill>
-                  <a:srgbClr val="808080"/>
-                </a:solidFill>
-                <a:latin typeface="Consolas" panose="020B0609020204030204" pitchFamily="49" charset="0"/>
-                <a:cs typeface="Consolas" panose="020B0609020204030204" pitchFamily="49" charset="0"/>
-              </a:rPr>
-              <a:t>// Model </a:t>
-            </a:r>
-            <a:r>
-              <a:rPr lang="de-DE" altLang="de-DE" sz="1600" i="1" dirty="0" err="1">
-                <a:solidFill>
-                  <a:srgbClr val="808080"/>
-                </a:solidFill>
-                <a:latin typeface="Consolas" panose="020B0609020204030204" pitchFamily="49" charset="0"/>
-                <a:cs typeface="Consolas" panose="020B0609020204030204" pitchFamily="49" charset="0"/>
-              </a:rPr>
-              <a:t>Object</a:t>
-            </a:r>
-            <a:r>
-              <a:rPr lang="de-DE" altLang="de-DE" sz="1600" i="1" dirty="0">
-                <a:solidFill>
-                  <a:srgbClr val="808080"/>
-                </a:solidFill>
-                <a:latin typeface="Consolas" panose="020B0609020204030204" pitchFamily="49" charset="0"/>
-                <a:cs typeface="Consolas" panose="020B0609020204030204" pitchFamily="49" charset="0"/>
-              </a:rPr>
-              <a:t> verändern und Komponente neu rendern</a:t>
-            </a:r>
-            <a:br>
-              <a:rPr lang="de-DE" altLang="de-DE" sz="1600" i="1" dirty="0">
-                <a:solidFill>
-                  <a:srgbClr val="808080"/>
-                </a:solidFill>
-                <a:latin typeface="Consolas" panose="020B0609020204030204" pitchFamily="49" charset="0"/>
-                <a:cs typeface="Consolas" panose="020B0609020204030204" pitchFamily="49" charset="0"/>
-              </a:rPr>
-            </a:br>
-            <a:r>
-              <a:rPr lang="de-DE" altLang="de-DE" sz="1600" i="1" dirty="0">
-                <a:solidFill>
-                  <a:srgbClr val="808080"/>
-                </a:solidFill>
-                <a:latin typeface="Consolas" panose="020B0609020204030204" pitchFamily="49" charset="0"/>
-                <a:cs typeface="Consolas" panose="020B0609020204030204" pitchFamily="49" charset="0"/>
-              </a:rPr>
-              <a:t>            </a:t>
-            </a:r>
-            <a:r>
-              <a:rPr lang="de-DE" altLang="de-DE" sz="1600" dirty="0" err="1">
-                <a:solidFill>
-                  <a:srgbClr val="000000"/>
-                </a:solidFill>
-                <a:latin typeface="Consolas" panose="020B0609020204030204" pitchFamily="49" charset="0"/>
-                <a:cs typeface="Consolas" panose="020B0609020204030204" pitchFamily="49" charset="0"/>
-              </a:rPr>
-              <a:t>label.setDefaultModelObject</a:t>
-            </a:r>
-            <a:r>
-              <a:rPr lang="de-DE" altLang="de-DE" sz="1600" dirty="0">
-                <a:solidFill>
-                  <a:srgbClr val="000000"/>
-                </a:solidFill>
-                <a:latin typeface="Consolas" panose="020B0609020204030204" pitchFamily="49" charset="0"/>
-                <a:cs typeface="Consolas" panose="020B0609020204030204" pitchFamily="49" charset="0"/>
-              </a:rPr>
-              <a:t>(</a:t>
-            </a:r>
-            <a:r>
-              <a:rPr lang="de-DE" altLang="de-DE" sz="1600" b="1" dirty="0">
-                <a:solidFill>
-                  <a:srgbClr val="008000"/>
-                </a:solidFill>
-                <a:latin typeface="Consolas" panose="020B0609020204030204" pitchFamily="49" charset="0"/>
-                <a:cs typeface="Consolas" panose="020B0609020204030204" pitchFamily="49" charset="0"/>
-              </a:rPr>
-              <a:t>"</a:t>
-            </a:r>
-            <a:r>
-              <a:rPr lang="de-DE" altLang="de-DE" sz="1600" b="1" dirty="0" err="1">
-                <a:solidFill>
-                  <a:srgbClr val="008000"/>
-                </a:solidFill>
-                <a:latin typeface="Consolas" panose="020B0609020204030204" pitchFamily="49" charset="0"/>
-                <a:cs typeface="Consolas" panose="020B0609020204030204" pitchFamily="49" charset="0"/>
-              </a:rPr>
-              <a:t>Another</a:t>
-            </a:r>
-            <a:r>
-              <a:rPr lang="de-DE" altLang="de-DE" sz="1600" b="1" dirty="0">
-                <a:solidFill>
-                  <a:srgbClr val="008000"/>
-                </a:solidFill>
-                <a:latin typeface="Consolas" panose="020B0609020204030204" pitchFamily="49" charset="0"/>
-                <a:cs typeface="Consolas" panose="020B0609020204030204" pitchFamily="49" charset="0"/>
-              </a:rPr>
-              <a:t> </a:t>
-            </a:r>
-            <a:r>
-              <a:rPr lang="de-DE" altLang="de-DE" sz="1600" b="1" dirty="0" err="1">
-                <a:solidFill>
-                  <a:srgbClr val="008000"/>
-                </a:solidFill>
-                <a:latin typeface="Consolas" panose="020B0609020204030204" pitchFamily="49" charset="0"/>
-                <a:cs typeface="Consolas" panose="020B0609020204030204" pitchFamily="49" charset="0"/>
-              </a:rPr>
-              <a:t>value</a:t>
-            </a:r>
-            <a:r>
-              <a:rPr lang="de-DE" altLang="de-DE" sz="1600" b="1" dirty="0">
-                <a:solidFill>
-                  <a:srgbClr val="008000"/>
-                </a:solidFill>
-                <a:latin typeface="Consolas" panose="020B0609020204030204" pitchFamily="49" charset="0"/>
-                <a:cs typeface="Consolas" panose="020B0609020204030204" pitchFamily="49" charset="0"/>
-              </a:rPr>
-              <a:t> 4 </a:t>
-            </a:r>
-            <a:r>
-              <a:rPr lang="de-DE" altLang="de-DE" sz="1600" b="1" dirty="0" err="1">
-                <a:solidFill>
-                  <a:srgbClr val="008000"/>
-                </a:solidFill>
-                <a:latin typeface="Consolas" panose="020B0609020204030204" pitchFamily="49" charset="0"/>
-                <a:cs typeface="Consolas" panose="020B0609020204030204" pitchFamily="49" charset="0"/>
-              </a:rPr>
-              <a:t>label</a:t>
-            </a:r>
-            <a:r>
-              <a:rPr lang="de-DE" altLang="de-DE" sz="1600" b="1" dirty="0">
-                <a:solidFill>
-                  <a:srgbClr val="008000"/>
-                </a:solidFill>
-                <a:latin typeface="Consolas" panose="020B0609020204030204" pitchFamily="49" charset="0"/>
-                <a:cs typeface="Consolas" panose="020B0609020204030204" pitchFamily="49" charset="0"/>
-              </a:rPr>
-              <a:t>."</a:t>
-            </a:r>
-            <a:r>
-              <a:rPr lang="de-DE" altLang="de-DE" sz="1600" dirty="0">
-                <a:solidFill>
-                  <a:srgbClr val="000000"/>
-                </a:solidFill>
-                <a:latin typeface="Consolas" panose="020B0609020204030204" pitchFamily="49" charset="0"/>
-                <a:cs typeface="Consolas" panose="020B0609020204030204" pitchFamily="49" charset="0"/>
-              </a:rPr>
-              <a:t>);</a:t>
-            </a:r>
-            <a:br>
-              <a:rPr lang="de-DE" altLang="de-DE" sz="1600" dirty="0">
-                <a:solidFill>
-                  <a:srgbClr val="000000"/>
-                </a:solidFill>
-                <a:latin typeface="Consolas" panose="020B0609020204030204" pitchFamily="49" charset="0"/>
-                <a:cs typeface="Consolas" panose="020B0609020204030204" pitchFamily="49" charset="0"/>
-              </a:rPr>
-            </a:br>
-            <a:r>
-              <a:rPr lang="de-DE" altLang="de-DE" sz="1600" dirty="0">
-                <a:solidFill>
-                  <a:srgbClr val="000000"/>
-                </a:solidFill>
-                <a:latin typeface="Consolas" panose="020B0609020204030204" pitchFamily="49" charset="0"/>
-                <a:cs typeface="Consolas" panose="020B0609020204030204" pitchFamily="49" charset="0"/>
-              </a:rPr>
-              <a:t>            </a:t>
-            </a:r>
-            <a:r>
-              <a:rPr lang="de-DE" altLang="de-DE" sz="1600" dirty="0" err="1">
-                <a:solidFill>
-                  <a:srgbClr val="000000"/>
-                </a:solidFill>
-                <a:latin typeface="Consolas" panose="020B0609020204030204" pitchFamily="49" charset="0"/>
-                <a:cs typeface="Consolas" panose="020B0609020204030204" pitchFamily="49" charset="0"/>
-              </a:rPr>
-              <a:t>target.get</a:t>
-            </a:r>
-            <a:r>
-              <a:rPr lang="de-DE" altLang="de-DE" sz="1600" dirty="0">
-                <a:solidFill>
-                  <a:srgbClr val="000000"/>
-                </a:solidFill>
-                <a:latin typeface="Consolas" panose="020B0609020204030204" pitchFamily="49" charset="0"/>
-                <a:cs typeface="Consolas" panose="020B0609020204030204" pitchFamily="49" charset="0"/>
-              </a:rPr>
-              <a:t>().</a:t>
-            </a:r>
-            <a:r>
-              <a:rPr lang="de-DE" altLang="de-DE" sz="1600" dirty="0" err="1">
-                <a:solidFill>
-                  <a:srgbClr val="000000"/>
-                </a:solidFill>
-                <a:latin typeface="Consolas" panose="020B0609020204030204" pitchFamily="49" charset="0"/>
-                <a:cs typeface="Consolas" panose="020B0609020204030204" pitchFamily="49" charset="0"/>
-              </a:rPr>
-              <a:t>add</a:t>
-            </a:r>
-            <a:r>
-              <a:rPr lang="de-DE" altLang="de-DE" sz="1600" dirty="0">
-                <a:solidFill>
-                  <a:srgbClr val="000000"/>
-                </a:solidFill>
-                <a:latin typeface="Consolas" panose="020B0609020204030204" pitchFamily="49" charset="0"/>
-                <a:cs typeface="Consolas" panose="020B0609020204030204" pitchFamily="49" charset="0"/>
-              </a:rPr>
-              <a:t>(</a:t>
-            </a:r>
-            <a:r>
-              <a:rPr lang="de-DE" altLang="de-DE" sz="1600" dirty="0" err="1">
-                <a:solidFill>
-                  <a:srgbClr val="000000"/>
-                </a:solidFill>
-                <a:latin typeface="Consolas" panose="020B0609020204030204" pitchFamily="49" charset="0"/>
-                <a:cs typeface="Consolas" panose="020B0609020204030204" pitchFamily="49" charset="0"/>
-              </a:rPr>
-              <a:t>label</a:t>
-            </a:r>
-            <a:r>
-              <a:rPr lang="de-DE" altLang="de-DE" sz="1600" dirty="0">
-                <a:solidFill>
-                  <a:srgbClr val="000000"/>
-                </a:solidFill>
-                <a:latin typeface="Consolas" panose="020B0609020204030204" pitchFamily="49" charset="0"/>
-                <a:cs typeface="Consolas" panose="020B0609020204030204" pitchFamily="49" charset="0"/>
-              </a:rPr>
-              <a:t>);</a:t>
+              <a:buFont typeface="Arial" panose="020B0604020202020204" pitchFamily="34" charset="0"/>
+              <a:buChar char="•"/>
+            </a:pPr>
+            <a:r>
+              <a:rPr lang="de-DE" sz="1600" dirty="0"/>
+              <a:t>Editierbare Labels</a:t>
             </a:r>
           </a:p>
           <a:p>
             <a:pPr lvl="1">
-              <a:buNone/>
-            </a:pPr>
-            <a:r>
-              <a:rPr lang="de-DE" altLang="de-DE" sz="1600" dirty="0">
-                <a:solidFill>
-                  <a:srgbClr val="000000"/>
-                </a:solidFill>
-                <a:latin typeface="Consolas" panose="020B0609020204030204" pitchFamily="49" charset="0"/>
-                <a:cs typeface="Consolas" panose="020B0609020204030204" pitchFamily="49" charset="0"/>
-              </a:rPr>
-              <a:t>           }</a:t>
-            </a:r>
-            <a:br>
-              <a:rPr lang="de-DE" altLang="de-DE" sz="1600" dirty="0">
-                <a:solidFill>
-                  <a:srgbClr val="000000"/>
-                </a:solidFill>
-                <a:latin typeface="Consolas" panose="020B0609020204030204" pitchFamily="49" charset="0"/>
-                <a:cs typeface="Consolas" panose="020B0609020204030204" pitchFamily="49" charset="0"/>
-              </a:rPr>
-            </a:br>
-            <a:r>
-              <a:rPr lang="de-DE" altLang="de-DE" sz="1600" dirty="0">
-                <a:solidFill>
-                  <a:srgbClr val="000000"/>
-                </a:solidFill>
-                <a:latin typeface="Consolas" panose="020B0609020204030204" pitchFamily="49" charset="0"/>
-                <a:cs typeface="Consolas" panose="020B0609020204030204" pitchFamily="49" charset="0"/>
-              </a:rPr>
-              <a:t>    }</a:t>
-            </a:r>
-            <a:br>
-              <a:rPr lang="de-DE" altLang="de-DE" sz="1600" dirty="0">
-                <a:solidFill>
-                  <a:srgbClr val="000000"/>
-                </a:solidFill>
-                <a:latin typeface="Consolas" panose="020B0609020204030204" pitchFamily="49" charset="0"/>
-                <a:cs typeface="Consolas" panose="020B0609020204030204" pitchFamily="49" charset="0"/>
-              </a:rPr>
-            </a:br>
-            <a:r>
-              <a:rPr lang="de-DE" altLang="de-DE" sz="1600" dirty="0">
-                <a:solidFill>
-                  <a:srgbClr val="000000"/>
-                </a:solidFill>
-                <a:latin typeface="Consolas" panose="020B0609020204030204" pitchFamily="49" charset="0"/>
-                <a:cs typeface="Consolas" panose="020B0609020204030204" pitchFamily="49" charset="0"/>
-              </a:rPr>
-              <a:t>};</a:t>
-            </a:r>
-            <a:endParaRPr lang="de-DE" altLang="de-DE" sz="1600" dirty="0">
-              <a:latin typeface="Consolas" panose="020B0609020204030204" pitchFamily="49" charset="0"/>
-              <a:cs typeface="Consolas" panose="020B0609020204030204" pitchFamily="49" charset="0"/>
-            </a:endParaRPr>
+              <a:buFont typeface="Arial" panose="020B0604020202020204" pitchFamily="34" charset="0"/>
+              <a:buChar char="•"/>
+            </a:pPr>
+            <a:r>
+              <a:rPr lang="de-DE" sz="1600" dirty="0"/>
+              <a:t>Textfelder (inkl. </a:t>
+            </a:r>
+            <a:r>
+              <a:rPr lang="de-DE" sz="1600" dirty="0" err="1"/>
+              <a:t>autocomplete</a:t>
+            </a:r>
+            <a:r>
+              <a:rPr lang="de-DE" sz="1600" dirty="0"/>
+              <a:t>)</a:t>
+            </a:r>
+          </a:p>
+          <a:p>
+            <a:pPr lvl="1">
+              <a:buFont typeface="Arial" panose="020B0604020202020204" pitchFamily="34" charset="0"/>
+              <a:buChar char="•"/>
+            </a:pPr>
+            <a:r>
+              <a:rPr lang="de-DE" sz="1600" dirty="0"/>
+              <a:t>Modale Fenster</a:t>
+            </a:r>
+          </a:p>
+          <a:p>
+            <a:pPr>
+              <a:buFont typeface="Arial" panose="020B0604020202020204" pitchFamily="34" charset="0"/>
+              <a:buChar char="•"/>
+            </a:pPr>
+            <a:r>
+              <a:rPr lang="de-DE" sz="2000" dirty="0"/>
+              <a:t>Binden von </a:t>
+            </a:r>
+            <a:r>
+              <a:rPr lang="de-DE" sz="2000" dirty="0" err="1"/>
+              <a:t>AjaxBehaviours</a:t>
+            </a:r>
+            <a:r>
+              <a:rPr lang="de-DE" sz="2000" dirty="0"/>
+              <a:t> an Komponenten</a:t>
+            </a:r>
+          </a:p>
+          <a:p>
+            <a:pPr>
+              <a:buFont typeface="Arial" panose="020B0604020202020204" pitchFamily="34" charset="0"/>
+              <a:buChar char="•"/>
+            </a:pPr>
+            <a:r>
+              <a:rPr lang="de-DE" sz="2000" dirty="0"/>
+              <a:t>Interaktion mit </a:t>
+            </a:r>
+            <a:r>
+              <a:rPr lang="de-DE" sz="2000" i="1" dirty="0" err="1"/>
+              <a:t>RequestTarget</a:t>
+            </a:r>
+            <a:r>
+              <a:rPr lang="de-DE" sz="2000" dirty="0"/>
+              <a:t> in </a:t>
+            </a:r>
+            <a:r>
+              <a:rPr lang="de-DE" sz="2000" i="1" dirty="0"/>
+              <a:t>Request Handlern</a:t>
+            </a:r>
+          </a:p>
+          <a:p>
+            <a:pPr lvl="1">
+              <a:buFont typeface="Arial" panose="020B0604020202020204" pitchFamily="34" charset="0"/>
+              <a:buChar char="•"/>
+            </a:pPr>
+            <a:r>
+              <a:rPr lang="de-DE" sz="1600" dirty="0"/>
+              <a:t>Als </a:t>
+            </a:r>
+            <a:r>
+              <a:rPr lang="de-DE" sz="1600" dirty="0" err="1"/>
+              <a:t>Renderer</a:t>
+            </a:r>
+            <a:r>
+              <a:rPr lang="de-DE" sz="1600" dirty="0"/>
+              <a:t> zu verstehen</a:t>
+            </a:r>
+          </a:p>
+          <a:p>
+            <a:pPr lvl="1">
+              <a:buFont typeface="Arial" panose="020B0604020202020204" pitchFamily="34" charset="0"/>
+              <a:buChar char="•"/>
+            </a:pPr>
+            <a:r>
+              <a:rPr lang="de-DE" sz="1600" dirty="0"/>
+              <a:t>Angabe zu aktualisierender Komponenten</a:t>
+            </a:r>
+          </a:p>
+          <a:p>
+            <a:pPr lvl="1">
+              <a:buFont typeface="Arial" panose="020B0604020202020204" pitchFamily="34" charset="0"/>
+              <a:buChar char="•"/>
+            </a:pPr>
+            <a:r>
+              <a:rPr lang="de-DE" sz="1600" dirty="0"/>
+              <a:t>Repeater: Umgebenden Container angeben</a:t>
+            </a:r>
           </a:p>
         </p:txBody>
       </p:sp>
@@ -11196,7 +11692,7 @@
     </p:spTree>
     <p:extLst>
       <p:ext uri="{BB962C8B-B14F-4D97-AF65-F5344CB8AC3E}">
-        <p14:creationId xmlns:p14="http://schemas.microsoft.com/office/powerpoint/2010/main" val="1093222628"/>
+        <p14:creationId xmlns:p14="http://schemas.microsoft.com/office/powerpoint/2010/main" val="1986732129"/>
       </p:ext>
     </p:extLst>
   </p:cSld>
@@ -11258,7 +11754,7 @@
             </a:pPr>
             <a:r>
               <a:rPr lang="de-DE" sz="2000" dirty="0"/>
-              <a:t>Beispiel: Modales Fenster</a:t>
+              <a:t>Beispiel: Label</a:t>
             </a:r>
           </a:p>
           <a:p>
@@ -11274,11 +11770,7 @@
             </a:endParaRPr>
           </a:p>
           <a:p>
-            <a:pPr marL="400050" lvl="1" indent="0">
-              <a:spcBef>
-                <a:spcPct val="0"/>
-              </a:spcBef>
-              <a:buClrTx/>
+            <a:pPr lvl="1">
               <a:buNone/>
             </a:pPr>
             <a:r>
@@ -11289,7 +11781,37 @@
                 <a:latin typeface="Consolas" panose="020B0609020204030204" pitchFamily="49" charset="0"/>
                 <a:cs typeface="Consolas" panose="020B0609020204030204" pitchFamily="49" charset="0"/>
               </a:rPr>
-              <a:t>&lt;</a:t>
+              <a:t>Label </a:t>
+            </a:r>
+            <a:r>
+              <a:rPr lang="de-DE" altLang="de-DE" sz="1600" dirty="0" err="1">
+                <a:solidFill>
+                  <a:srgbClr val="000000"/>
+                </a:solidFill>
+                <a:latin typeface="Consolas" panose="020B0609020204030204" pitchFamily="49" charset="0"/>
+                <a:cs typeface="Consolas" panose="020B0609020204030204" pitchFamily="49" charset="0"/>
+              </a:rPr>
+              <a:t>label</a:t>
+            </a:r>
+            <a:r>
+              <a:rPr lang="de-DE" altLang="de-DE" sz="1600" dirty="0">
+                <a:solidFill>
+                  <a:srgbClr val="000000"/>
+                </a:solidFill>
+                <a:latin typeface="Consolas" panose="020B0609020204030204" pitchFamily="49" charset="0"/>
+                <a:cs typeface="Consolas" panose="020B0609020204030204" pitchFamily="49" charset="0"/>
+              </a:rPr>
+              <a:t> = </a:t>
+            </a:r>
+            <a:r>
+              <a:rPr lang="de-DE" altLang="de-DE" sz="1600" b="1" dirty="0" err="1">
+                <a:solidFill>
+                  <a:srgbClr val="000080"/>
+                </a:solidFill>
+                <a:latin typeface="Consolas" panose="020B0609020204030204" pitchFamily="49" charset="0"/>
+                <a:cs typeface="Consolas" panose="020B0609020204030204" pitchFamily="49" charset="0"/>
+              </a:rPr>
+              <a:t>new</a:t>
             </a:r>
             <a:r>
               <a:rPr lang="de-DE" altLang="de-DE" sz="1600" b="1" dirty="0">
@@ -11299,7 +11821,7 @@
                 <a:latin typeface="Consolas" panose="020B0609020204030204" pitchFamily="49" charset="0"/>
                 <a:cs typeface="Consolas" panose="020B0609020204030204" pitchFamily="49" charset="0"/>
               </a:rPr>
-              <a:t>h2</a:t>
+              <a:t> </a:t>
             </a:r>
             <a:r>
               <a:rPr lang="de-DE" altLang="de-DE" sz="1600" dirty="0">
@@ -11309,17 +11831,37 @@
                 <a:latin typeface="Consolas" panose="020B0609020204030204" pitchFamily="49" charset="0"/>
                 <a:cs typeface="Consolas" panose="020B0609020204030204" pitchFamily="49" charset="0"/>
               </a:rPr>
-              <a:t>&gt;Beispiel für ein Modal&lt;/</a:t>
+              <a:t>Label(</a:t>
             </a:r>
             <a:r>
               <a:rPr lang="de-DE" altLang="de-DE" sz="1600" b="1" dirty="0">
                 <a:solidFill>
-                  <a:srgbClr val="000080"/>
-                </a:solidFill>
-                <a:latin typeface="Consolas" panose="020B0609020204030204" pitchFamily="49" charset="0"/>
-                <a:cs typeface="Consolas" panose="020B0609020204030204" pitchFamily="49" charset="0"/>
-              </a:rPr>
-              <a:t>h2</a:t>
+                  <a:srgbClr val="008000"/>
+                </a:solidFill>
+                <a:latin typeface="Consolas" panose="020B0609020204030204" pitchFamily="49" charset="0"/>
+                <a:cs typeface="Consolas" panose="020B0609020204030204" pitchFamily="49" charset="0"/>
+              </a:rPr>
+              <a:t>"</a:t>
+            </a:r>
+            <a:r>
+              <a:rPr lang="de-DE" altLang="de-DE" sz="1600" b="1" dirty="0" err="1">
+                <a:solidFill>
+                  <a:srgbClr val="008000"/>
+                </a:solidFill>
+                <a:latin typeface="Consolas" panose="020B0609020204030204" pitchFamily="49" charset="0"/>
+                <a:cs typeface="Consolas" panose="020B0609020204030204" pitchFamily="49" charset="0"/>
+              </a:rPr>
+              <a:t>label</a:t>
+            </a:r>
+            <a:r>
+              <a:rPr lang="de-DE" altLang="de-DE" sz="1600" b="1" dirty="0">
+                <a:solidFill>
+                  <a:srgbClr val="008000"/>
+                </a:solidFill>
+                <a:latin typeface="Consolas" panose="020B0609020204030204" pitchFamily="49" charset="0"/>
+                <a:cs typeface="Consolas" panose="020B0609020204030204" pitchFamily="49" charset="0"/>
+              </a:rPr>
+              <a:t>"</a:t>
             </a:r>
             <a:r>
               <a:rPr lang="de-DE" altLang="de-DE" sz="1600" dirty="0">
@@ -11329,7 +11871,67 @@
                 <a:latin typeface="Consolas" panose="020B0609020204030204" pitchFamily="49" charset="0"/>
                 <a:cs typeface="Consolas" panose="020B0609020204030204" pitchFamily="49" charset="0"/>
               </a:rPr>
-              <a:t>&gt;</a:t>
+              <a:t>, </a:t>
+            </a:r>
+            <a:r>
+              <a:rPr lang="de-DE" altLang="de-DE" sz="1600" dirty="0" err="1">
+                <a:solidFill>
+                  <a:srgbClr val="000000"/>
+                </a:solidFill>
+                <a:latin typeface="Consolas" panose="020B0609020204030204" pitchFamily="49" charset="0"/>
+                <a:cs typeface="Consolas" panose="020B0609020204030204" pitchFamily="49" charset="0"/>
+              </a:rPr>
+              <a:t>Model.of</a:t>
+            </a:r>
+            <a:r>
+              <a:rPr lang="de-DE" altLang="de-DE" sz="1600" dirty="0">
+                <a:solidFill>
+                  <a:srgbClr val="000000"/>
+                </a:solidFill>
+                <a:latin typeface="Consolas" panose="020B0609020204030204" pitchFamily="49" charset="0"/>
+                <a:cs typeface="Consolas" panose="020B0609020204030204" pitchFamily="49" charset="0"/>
+              </a:rPr>
+              <a:t>(</a:t>
+            </a:r>
+            <a:r>
+              <a:rPr lang="de-DE" altLang="de-DE" sz="1600" b="1" dirty="0">
+                <a:solidFill>
+                  <a:srgbClr val="008000"/>
+                </a:solidFill>
+                <a:latin typeface="Consolas" panose="020B0609020204030204" pitchFamily="49" charset="0"/>
+                <a:cs typeface="Consolas" panose="020B0609020204030204" pitchFamily="49" charset="0"/>
+              </a:rPr>
+              <a:t>"Initial </a:t>
+            </a:r>
+            <a:r>
+              <a:rPr lang="de-DE" altLang="de-DE" sz="1600" b="1" dirty="0" err="1">
+                <a:solidFill>
+                  <a:srgbClr val="008000"/>
+                </a:solidFill>
+                <a:latin typeface="Consolas" panose="020B0609020204030204" pitchFamily="49" charset="0"/>
+                <a:cs typeface="Consolas" panose="020B0609020204030204" pitchFamily="49" charset="0"/>
+              </a:rPr>
+              <a:t>value</a:t>
+            </a:r>
+            <a:r>
+              <a:rPr lang="de-DE" altLang="de-DE" sz="1600" b="1" dirty="0">
+                <a:solidFill>
+                  <a:srgbClr val="008000"/>
+                </a:solidFill>
+                <a:latin typeface="Consolas" panose="020B0609020204030204" pitchFamily="49" charset="0"/>
+                <a:cs typeface="Consolas" panose="020B0609020204030204" pitchFamily="49" charset="0"/>
+              </a:rPr>
+              <a:t>."</a:t>
+            </a:r>
+            <a:r>
+              <a:rPr lang="de-DE" altLang="de-DE" sz="1600" dirty="0">
+                <a:solidFill>
+                  <a:srgbClr val="000000"/>
+                </a:solidFill>
+                <a:latin typeface="Consolas" panose="020B0609020204030204" pitchFamily="49" charset="0"/>
+                <a:cs typeface="Consolas" panose="020B0609020204030204" pitchFamily="49" charset="0"/>
+              </a:rPr>
+              <a:t>));       </a:t>
             </a:r>
             <a:br>
               <a:rPr lang="de-DE" altLang="de-DE" sz="1600" dirty="0">
@@ -11341,6 +11943,45 @@
               </a:rPr>
             </a:br>
             <a:r>
+              <a:rPr lang="de-DE" altLang="de-DE" sz="1600" i="1" dirty="0">
+                <a:solidFill>
+                  <a:srgbClr val="808080"/>
+                </a:solidFill>
+                <a:latin typeface="Consolas" panose="020B0609020204030204" pitchFamily="49" charset="0"/>
+                <a:cs typeface="Consolas" panose="020B0609020204030204" pitchFamily="49" charset="0"/>
+              </a:rPr>
+              <a:t>// Komponente benötigt HTML ID, um aktualisiert werden zu können</a:t>
+            </a:r>
+            <a:br>
+              <a:rPr lang="de-DE" altLang="de-DE" sz="1600" i="1" dirty="0">
+                <a:solidFill>
+                  <a:srgbClr val="808080"/>
+                </a:solidFill>
+                <a:latin typeface="Consolas" panose="020B0609020204030204" pitchFamily="49" charset="0"/>
+                <a:cs typeface="Consolas" panose="020B0609020204030204" pitchFamily="49" charset="0"/>
+              </a:rPr>
+            </a:br>
+            <a:r>
+              <a:rPr lang="de-DE" altLang="de-DE" sz="1600" dirty="0" err="1">
+                <a:solidFill>
+                  <a:srgbClr val="000000"/>
+                </a:solidFill>
+                <a:latin typeface="Consolas" panose="020B0609020204030204" pitchFamily="49" charset="0"/>
+                <a:cs typeface="Consolas" panose="020B0609020204030204" pitchFamily="49" charset="0"/>
+              </a:rPr>
+              <a:t>label.</a:t>
+            </a:r>
+            <a:r>
+              <a:rPr lang="de-DE" altLang="de-DE" sz="1600" b="1" dirty="0" err="1">
+                <a:solidFill>
+                  <a:srgbClr val="000000"/>
+                </a:solidFill>
+                <a:latin typeface="Consolas" panose="020B0609020204030204" pitchFamily="49" charset="0"/>
+                <a:cs typeface="Consolas" panose="020B0609020204030204" pitchFamily="49" charset="0"/>
+              </a:rPr>
+              <a:t>setOutputMarkupId</a:t>
+            </a:r>
+            <a:r>
               <a:rPr lang="de-DE" altLang="de-DE" sz="1600" dirty="0">
                 <a:solidFill>
                   <a:srgbClr val="000000"/>
@@ -11348,77 +11989,17 @@
                 <a:latin typeface="Consolas" panose="020B0609020204030204" pitchFamily="49" charset="0"/>
                 <a:cs typeface="Consolas" panose="020B0609020204030204" pitchFamily="49" charset="0"/>
               </a:rPr>
-              <a:t>&lt;</a:t>
-            </a:r>
-            <a:r>
-              <a:rPr lang="de-DE" altLang="de-DE" sz="1600" b="1" dirty="0">
+              <a:t>(</a:t>
+            </a:r>
+            <a:r>
+              <a:rPr lang="de-DE" altLang="de-DE" sz="1600" b="1" dirty="0" err="1">
                 <a:solidFill>
                   <a:srgbClr val="000080"/>
                 </a:solidFill>
                 <a:latin typeface="Consolas" panose="020B0609020204030204" pitchFamily="49" charset="0"/>
                 <a:cs typeface="Consolas" panose="020B0609020204030204" pitchFamily="49" charset="0"/>
               </a:rPr>
-              <a:t>a </a:t>
-            </a:r>
-            <a:r>
-              <a:rPr lang="de-DE" altLang="de-DE" sz="1600" b="1" dirty="0" err="1">
-                <a:solidFill>
-                  <a:srgbClr val="660E7A"/>
-                </a:solidFill>
-                <a:latin typeface="Consolas" panose="020B0609020204030204" pitchFamily="49" charset="0"/>
-                <a:cs typeface="Consolas" panose="020B0609020204030204" pitchFamily="49" charset="0"/>
-              </a:rPr>
-              <a:t>wicket</a:t>
-            </a:r>
-            <a:r>
-              <a:rPr lang="de-DE" altLang="de-DE" sz="1600" b="1" dirty="0" err="1">
-                <a:solidFill>
-                  <a:srgbClr val="0000FF"/>
-                </a:solidFill>
-                <a:latin typeface="Consolas" panose="020B0609020204030204" pitchFamily="49" charset="0"/>
-                <a:cs typeface="Consolas" panose="020B0609020204030204" pitchFamily="49" charset="0"/>
-              </a:rPr>
-              <a:t>:id</a:t>
-            </a:r>
-            <a:r>
-              <a:rPr lang="de-DE" altLang="de-DE" sz="1600" b="1" dirty="0">
-                <a:solidFill>
-                  <a:srgbClr val="0000FF"/>
-                </a:solidFill>
-                <a:latin typeface="Consolas" panose="020B0609020204030204" pitchFamily="49" charset="0"/>
-                <a:cs typeface="Consolas" panose="020B0609020204030204" pitchFamily="49" charset="0"/>
-              </a:rPr>
-              <a:t>=</a:t>
-            </a:r>
-            <a:r>
-              <a:rPr lang="de-DE" altLang="de-DE" sz="1600" b="1" dirty="0">
-                <a:solidFill>
-                  <a:srgbClr val="008000"/>
-                </a:solidFill>
-                <a:latin typeface="Consolas" panose="020B0609020204030204" pitchFamily="49" charset="0"/>
-                <a:cs typeface="Consolas" panose="020B0609020204030204" pitchFamily="49" charset="0"/>
-              </a:rPr>
-              <a:t>"</a:t>
-            </a:r>
-            <a:r>
-              <a:rPr lang="de-DE" altLang="de-DE" sz="1600" b="1" dirty="0" err="1">
-                <a:solidFill>
-                  <a:srgbClr val="FF0000"/>
-                </a:solidFill>
-                <a:latin typeface="Consolas" panose="020B0609020204030204" pitchFamily="49" charset="0"/>
-                <a:cs typeface="Consolas" panose="020B0609020204030204" pitchFamily="49" charset="0"/>
-              </a:rPr>
-              <a:t>openWindow</a:t>
-            </a:r>
-            <a:r>
-              <a:rPr lang="de-DE" altLang="de-DE" sz="1600" b="1" dirty="0">
-                <a:solidFill>
-                  <a:srgbClr val="008000"/>
-                </a:solidFill>
-                <a:latin typeface="Consolas" panose="020B0609020204030204" pitchFamily="49" charset="0"/>
-                <a:cs typeface="Consolas" panose="020B0609020204030204" pitchFamily="49" charset="0"/>
-              </a:rPr>
-              <a:t>"</a:t>
+              <a:t>true</a:t>
             </a:r>
             <a:r>
               <a:rPr lang="de-DE" altLang="de-DE" sz="1600" dirty="0">
@@ -11428,27 +12009,7 @@
                 <a:latin typeface="Consolas" panose="020B0609020204030204" pitchFamily="49" charset="0"/>
                 <a:cs typeface="Consolas" panose="020B0609020204030204" pitchFamily="49" charset="0"/>
               </a:rPr>
-              <a:t>&gt;Öffnen&lt;/</a:t>
-            </a:r>
-            <a:r>
-              <a:rPr lang="de-DE" altLang="de-DE" sz="1600" b="1" dirty="0">
-                <a:solidFill>
-                  <a:srgbClr val="000080"/>
-                </a:solidFill>
-                <a:latin typeface="Consolas" panose="020B0609020204030204" pitchFamily="49" charset="0"/>
-                <a:cs typeface="Consolas" panose="020B0609020204030204" pitchFamily="49" charset="0"/>
-              </a:rPr>
-              <a:t>a</a:t>
-            </a:r>
-            <a:r>
-              <a:rPr lang="de-DE" altLang="de-DE" sz="1600" dirty="0">
-                <a:solidFill>
-                  <a:srgbClr val="000000"/>
-                </a:solidFill>
-                <a:latin typeface="Consolas" panose="020B0609020204030204" pitchFamily="49" charset="0"/>
-                <a:cs typeface="Consolas" panose="020B0609020204030204" pitchFamily="49" charset="0"/>
-              </a:rPr>
-              <a:t>&gt;</a:t>
+              <a:t>);</a:t>
             </a:r>
             <a:br>
               <a:rPr lang="de-DE" altLang="de-DE" sz="1600" dirty="0">
@@ -11460,6 +12021,16 @@
               </a:rPr>
             </a:br>
             <a:r>
+              <a:rPr lang="de-DE" altLang="de-DE" sz="1600" dirty="0" err="1">
+                <a:solidFill>
+                  <a:srgbClr val="000000"/>
+                </a:solidFill>
+                <a:latin typeface="Consolas" panose="020B0609020204030204" pitchFamily="49" charset="0"/>
+                <a:cs typeface="Consolas" panose="020B0609020204030204" pitchFamily="49" charset="0"/>
+              </a:rPr>
+              <a:t>add</a:t>
+            </a:r>
+            <a:r>
               <a:rPr lang="de-DE" altLang="de-DE" sz="1600" dirty="0">
                 <a:solidFill>
                   <a:srgbClr val="000000"/>
@@ -11467,7 +12038,90 @@
                 <a:latin typeface="Consolas" panose="020B0609020204030204" pitchFamily="49" charset="0"/>
                 <a:cs typeface="Consolas" panose="020B0609020204030204" pitchFamily="49" charset="0"/>
               </a:rPr>
-              <a:t>&lt;</a:t>
+              <a:t>(</a:t>
+            </a:r>
+            <a:r>
+              <a:rPr lang="de-DE" altLang="de-DE" sz="1600" dirty="0" err="1">
+                <a:solidFill>
+                  <a:srgbClr val="000000"/>
+                </a:solidFill>
+                <a:latin typeface="Consolas" panose="020B0609020204030204" pitchFamily="49" charset="0"/>
+                <a:cs typeface="Consolas" panose="020B0609020204030204" pitchFamily="49" charset="0"/>
+              </a:rPr>
+              <a:t>label</a:t>
+            </a:r>
+            <a:r>
+              <a:rPr lang="de-DE" altLang="de-DE" sz="1600" dirty="0">
+                <a:solidFill>
+                  <a:srgbClr val="000000"/>
+                </a:solidFill>
+                <a:latin typeface="Consolas" panose="020B0609020204030204" pitchFamily="49" charset="0"/>
+                <a:cs typeface="Consolas" panose="020B0609020204030204" pitchFamily="49" charset="0"/>
+              </a:rPr>
+              <a:t>);</a:t>
+            </a:r>
+            <a:br>
+              <a:rPr lang="de-DE" altLang="de-DE" sz="1600" dirty="0">
+                <a:solidFill>
+                  <a:srgbClr val="000000"/>
+                </a:solidFill>
+                <a:latin typeface="Consolas" panose="020B0609020204030204" pitchFamily="49" charset="0"/>
+                <a:cs typeface="Consolas" panose="020B0609020204030204" pitchFamily="49" charset="0"/>
+              </a:rPr>
+            </a:br>
+            <a:r>
+              <a:rPr lang="de-DE" altLang="de-DE" sz="1600" dirty="0">
+                <a:solidFill>
+                  <a:srgbClr val="000000"/>
+                </a:solidFill>
+                <a:latin typeface="Consolas" panose="020B0609020204030204" pitchFamily="49" charset="0"/>
+                <a:cs typeface="Consolas" panose="020B0609020204030204" pitchFamily="49" charset="0"/>
+              </a:rPr>
+              <a:t>        </a:t>
+            </a:r>
+            <a:br>
+              <a:rPr lang="de-DE" altLang="de-DE" sz="1600" dirty="0">
+                <a:solidFill>
+                  <a:srgbClr val="000000"/>
+                </a:solidFill>
+                <a:latin typeface="Consolas" panose="020B0609020204030204" pitchFamily="49" charset="0"/>
+                <a:cs typeface="Consolas" panose="020B0609020204030204" pitchFamily="49" charset="0"/>
+              </a:rPr>
+            </a:br>
+            <a:r>
+              <a:rPr lang="de-DE" altLang="de-DE" sz="1600" i="1" dirty="0">
+                <a:solidFill>
+                  <a:srgbClr val="808080"/>
+                </a:solidFill>
+                <a:latin typeface="Consolas" panose="020B0609020204030204" pitchFamily="49" charset="0"/>
+                <a:cs typeface="Consolas" panose="020B0609020204030204" pitchFamily="49" charset="0"/>
+              </a:rPr>
+              <a:t>//…  </a:t>
+            </a:r>
+          </a:p>
+          <a:p>
+            <a:pPr lvl="1">
+              <a:buNone/>
+            </a:pPr>
+            <a:r>
+              <a:rPr lang="de-DE" altLang="de-DE" sz="1600" b="1" i="1" dirty="0">
+                <a:solidFill>
+                  <a:srgbClr val="808080"/>
+                </a:solidFill>
+                <a:latin typeface="Consolas" panose="020B0609020204030204" pitchFamily="49" charset="0"/>
+                <a:cs typeface="Consolas" panose="020B0609020204030204" pitchFamily="49" charset="0"/>
+              </a:rPr>
+              <a:t>   </a:t>
+            </a:r>
+            <a:r>
+              <a:rPr lang="de-DE" altLang="de-DE" sz="1600" b="1" dirty="0" err="1">
+                <a:solidFill>
+                  <a:srgbClr val="000080"/>
+                </a:solidFill>
+                <a:latin typeface="Consolas" panose="020B0609020204030204" pitchFamily="49" charset="0"/>
+                <a:cs typeface="Consolas" panose="020B0609020204030204" pitchFamily="49" charset="0"/>
+              </a:rPr>
+              <a:t>new</a:t>
             </a:r>
             <a:r>
               <a:rPr lang="de-DE" altLang="de-DE" sz="1600" b="1" dirty="0">
@@ -11477,41 +12131,372 @@
                 <a:latin typeface="Consolas" panose="020B0609020204030204" pitchFamily="49" charset="0"/>
                 <a:cs typeface="Consolas" panose="020B0609020204030204" pitchFamily="49" charset="0"/>
               </a:rPr>
-              <a:t>div </a:t>
+              <a:t> </a:t>
+            </a:r>
+            <a:r>
+              <a:rPr lang="de-DE" altLang="de-DE" sz="1600" dirty="0" err="1">
+                <a:solidFill>
+                  <a:srgbClr val="000000"/>
+                </a:solidFill>
+                <a:latin typeface="Consolas" panose="020B0609020204030204" pitchFamily="49" charset="0"/>
+                <a:cs typeface="Consolas" panose="020B0609020204030204" pitchFamily="49" charset="0"/>
+              </a:rPr>
+              <a:t>AjaxLink</a:t>
+            </a:r>
+            <a:r>
+              <a:rPr lang="de-DE" altLang="de-DE" sz="1600" dirty="0">
+                <a:solidFill>
+                  <a:srgbClr val="000000"/>
+                </a:solidFill>
+                <a:latin typeface="Consolas" panose="020B0609020204030204" pitchFamily="49" charset="0"/>
+                <a:cs typeface="Consolas" panose="020B0609020204030204" pitchFamily="49" charset="0"/>
+              </a:rPr>
+              <a:t>(</a:t>
+            </a:r>
+            <a:r>
+              <a:rPr lang="de-DE" altLang="de-DE" sz="1600" b="1" dirty="0">
+                <a:solidFill>
+                  <a:srgbClr val="008000"/>
+                </a:solidFill>
+                <a:latin typeface="Consolas" panose="020B0609020204030204" pitchFamily="49" charset="0"/>
+                <a:cs typeface="Consolas" panose="020B0609020204030204" pitchFamily="49" charset="0"/>
+              </a:rPr>
+              <a:t>"</a:t>
             </a:r>
             <a:r>
               <a:rPr lang="de-DE" altLang="de-DE" sz="1600" b="1" dirty="0" err="1">
                 <a:solidFill>
-                  <a:srgbClr val="660E7A"/>
-                </a:solidFill>
-                <a:latin typeface="Consolas" panose="020B0609020204030204" pitchFamily="49" charset="0"/>
-                <a:cs typeface="Consolas" panose="020B0609020204030204" pitchFamily="49" charset="0"/>
-              </a:rPr>
-              <a:t>wicket</a:t>
+                  <a:srgbClr val="008000"/>
+                </a:solidFill>
+                <a:latin typeface="Consolas" panose="020B0609020204030204" pitchFamily="49" charset="0"/>
+                <a:cs typeface="Consolas" panose="020B0609020204030204" pitchFamily="49" charset="0"/>
+              </a:rPr>
+              <a:t>ajaxLink</a:t>
+            </a:r>
+            <a:r>
+              <a:rPr lang="de-DE" altLang="de-DE" sz="1600" b="1" dirty="0">
+                <a:solidFill>
+                  <a:srgbClr val="008000"/>
+                </a:solidFill>
+                <a:latin typeface="Consolas" panose="020B0609020204030204" pitchFamily="49" charset="0"/>
+                <a:cs typeface="Consolas" panose="020B0609020204030204" pitchFamily="49" charset="0"/>
+              </a:rPr>
+              <a:t>"</a:t>
+            </a:r>
+            <a:r>
+              <a:rPr lang="de-DE" altLang="de-DE" sz="1600" dirty="0">
+                <a:solidFill>
+                  <a:srgbClr val="000000"/>
+                </a:solidFill>
+                <a:latin typeface="Consolas" panose="020B0609020204030204" pitchFamily="49" charset="0"/>
+                <a:cs typeface="Consolas" panose="020B0609020204030204" pitchFamily="49" charset="0"/>
+              </a:rPr>
+              <a:t>) {</a:t>
+            </a:r>
+            <a:br>
+              <a:rPr lang="de-DE" altLang="de-DE" sz="1600" dirty="0">
+                <a:solidFill>
+                  <a:srgbClr val="000000"/>
+                </a:solidFill>
+                <a:latin typeface="Consolas" panose="020B0609020204030204" pitchFamily="49" charset="0"/>
+                <a:cs typeface="Consolas" panose="020B0609020204030204" pitchFamily="49" charset="0"/>
+              </a:rPr>
+            </a:br>
+            <a:r>
+              <a:rPr lang="de-DE" altLang="de-DE" sz="1600" dirty="0">
+                <a:solidFill>
+                  <a:srgbClr val="000000"/>
+                </a:solidFill>
+                <a:latin typeface="Consolas" panose="020B0609020204030204" pitchFamily="49" charset="0"/>
+                <a:cs typeface="Consolas" panose="020B0609020204030204" pitchFamily="49" charset="0"/>
+              </a:rPr>
+              <a:t>    @</a:t>
+            </a:r>
+            <a:r>
+              <a:rPr lang="de-DE" altLang="de-DE" sz="1600" dirty="0" err="1">
+                <a:solidFill>
+                  <a:srgbClr val="000000"/>
+                </a:solidFill>
+                <a:latin typeface="Consolas" panose="020B0609020204030204" pitchFamily="49" charset="0"/>
+                <a:cs typeface="Consolas" panose="020B0609020204030204" pitchFamily="49" charset="0"/>
+              </a:rPr>
+              <a:t>Override</a:t>
+            </a:r>
+            <a:r>
+              <a:rPr lang="de-DE" altLang="de-DE" sz="1600" dirty="0">
+                <a:solidFill>
+                  <a:srgbClr val="000000"/>
+                </a:solidFill>
+                <a:latin typeface="Consolas" panose="020B0609020204030204" pitchFamily="49" charset="0"/>
+                <a:cs typeface="Consolas" panose="020B0609020204030204" pitchFamily="49" charset="0"/>
+              </a:rPr>
+              <a:t/>
+            </a:r>
+            <a:br>
+              <a:rPr lang="de-DE" altLang="de-DE" sz="1600" dirty="0">
+                <a:solidFill>
+                  <a:srgbClr val="000000"/>
+                </a:solidFill>
+                <a:latin typeface="Consolas" panose="020B0609020204030204" pitchFamily="49" charset="0"/>
+                <a:cs typeface="Consolas" panose="020B0609020204030204" pitchFamily="49" charset="0"/>
+              </a:rPr>
+            </a:br>
+            <a:r>
+              <a:rPr lang="de-DE" altLang="de-DE" sz="1600" dirty="0">
+                <a:solidFill>
+                  <a:srgbClr val="000000"/>
+                </a:solidFill>
+                <a:latin typeface="Consolas" panose="020B0609020204030204" pitchFamily="49" charset="0"/>
+                <a:cs typeface="Consolas" panose="020B0609020204030204" pitchFamily="49" charset="0"/>
+              </a:rPr>
+              <a:t>    </a:t>
             </a:r>
             <a:r>
               <a:rPr lang="de-DE" altLang="de-DE" sz="1600" b="1" dirty="0" err="1">
                 <a:solidFill>
-                  <a:srgbClr val="0000FF"/>
-                </a:solidFill>
-                <a:latin typeface="Consolas" panose="020B0609020204030204" pitchFamily="49" charset="0"/>
-                <a:cs typeface="Consolas" panose="020B0609020204030204" pitchFamily="49" charset="0"/>
-              </a:rPr>
-              <a:t>:id</a:t>
+                  <a:srgbClr val="000080"/>
+                </a:solidFill>
+                <a:latin typeface="Consolas" panose="020B0609020204030204" pitchFamily="49" charset="0"/>
+                <a:cs typeface="Consolas" panose="020B0609020204030204" pitchFamily="49" charset="0"/>
+              </a:rPr>
+              <a:t>public</a:t>
             </a:r>
             <a:r>
               <a:rPr lang="de-DE" altLang="de-DE" sz="1600" b="1" dirty="0">
                 <a:solidFill>
-                  <a:srgbClr val="0000FF"/>
-                </a:solidFill>
-                <a:latin typeface="Consolas" panose="020B0609020204030204" pitchFamily="49" charset="0"/>
-                <a:cs typeface="Consolas" panose="020B0609020204030204" pitchFamily="49" charset="0"/>
-              </a:rPr>
-              <a:t>=</a:t>
+                  <a:srgbClr val="000080"/>
+                </a:solidFill>
+                <a:latin typeface="Consolas" panose="020B0609020204030204" pitchFamily="49" charset="0"/>
+                <a:cs typeface="Consolas" panose="020B0609020204030204" pitchFamily="49" charset="0"/>
+              </a:rPr>
+              <a:t> </a:t>
+            </a:r>
+            <a:r>
+              <a:rPr lang="de-DE" altLang="de-DE" sz="1600" b="1" dirty="0" err="1">
+                <a:solidFill>
+                  <a:srgbClr val="000080"/>
+                </a:solidFill>
+                <a:latin typeface="Consolas" panose="020B0609020204030204" pitchFamily="49" charset="0"/>
+                <a:cs typeface="Consolas" panose="020B0609020204030204" pitchFamily="49" charset="0"/>
+              </a:rPr>
+              <a:t>void</a:t>
             </a:r>
             <a:r>
               <a:rPr lang="de-DE" altLang="de-DE" sz="1600" b="1" dirty="0">
                 <a:solidFill>
+                  <a:srgbClr val="000080"/>
+                </a:solidFill>
+                <a:latin typeface="Consolas" panose="020B0609020204030204" pitchFamily="49" charset="0"/>
+                <a:cs typeface="Consolas" panose="020B0609020204030204" pitchFamily="49" charset="0"/>
+              </a:rPr>
+              <a:t> </a:t>
+            </a:r>
+            <a:r>
+              <a:rPr lang="de-DE" altLang="de-DE" sz="1600" dirty="0" err="1">
+                <a:solidFill>
+                  <a:srgbClr val="000000"/>
+                </a:solidFill>
+                <a:latin typeface="Consolas" panose="020B0609020204030204" pitchFamily="49" charset="0"/>
+                <a:cs typeface="Consolas" panose="020B0609020204030204" pitchFamily="49" charset="0"/>
+              </a:rPr>
+              <a:t>onClick</a:t>
+            </a:r>
+            <a:r>
+              <a:rPr lang="de-DE" altLang="de-DE" sz="1600" dirty="0">
+                <a:solidFill>
+                  <a:srgbClr val="000000"/>
+                </a:solidFill>
+                <a:latin typeface="Consolas" panose="020B0609020204030204" pitchFamily="49" charset="0"/>
+                <a:cs typeface="Consolas" panose="020B0609020204030204" pitchFamily="49" charset="0"/>
+              </a:rPr>
+              <a:t>(Optional&lt;</a:t>
+            </a:r>
+            <a:r>
+              <a:rPr lang="de-DE" altLang="de-DE" sz="1600" dirty="0" err="1">
+                <a:solidFill>
+                  <a:srgbClr val="000000"/>
+                </a:solidFill>
+                <a:latin typeface="Consolas" panose="020B0609020204030204" pitchFamily="49" charset="0"/>
+                <a:cs typeface="Consolas" panose="020B0609020204030204" pitchFamily="49" charset="0"/>
+              </a:rPr>
+              <a:t>AjaxRequestTarget</a:t>
+            </a:r>
+            <a:r>
+              <a:rPr lang="de-DE" altLang="de-DE" sz="1600" dirty="0">
+                <a:solidFill>
+                  <a:srgbClr val="000000"/>
+                </a:solidFill>
+                <a:latin typeface="Consolas" panose="020B0609020204030204" pitchFamily="49" charset="0"/>
+                <a:cs typeface="Consolas" panose="020B0609020204030204" pitchFamily="49" charset="0"/>
+              </a:rPr>
+              <a:t>&gt; </a:t>
+            </a:r>
+            <a:r>
+              <a:rPr lang="de-DE" altLang="de-DE" sz="1600" dirty="0" err="1">
+                <a:solidFill>
+                  <a:srgbClr val="000000"/>
+                </a:solidFill>
+                <a:latin typeface="Consolas" panose="020B0609020204030204" pitchFamily="49" charset="0"/>
+                <a:cs typeface="Consolas" panose="020B0609020204030204" pitchFamily="49" charset="0"/>
+              </a:rPr>
+              <a:t>target</a:t>
+            </a:r>
+            <a:r>
+              <a:rPr lang="de-DE" altLang="de-DE" sz="1600" dirty="0">
+                <a:solidFill>
+                  <a:srgbClr val="000000"/>
+                </a:solidFill>
+                <a:latin typeface="Consolas" panose="020B0609020204030204" pitchFamily="49" charset="0"/>
+                <a:cs typeface="Consolas" panose="020B0609020204030204" pitchFamily="49" charset="0"/>
+              </a:rPr>
+              <a:t>) {</a:t>
+            </a:r>
+          </a:p>
+          <a:p>
+            <a:pPr lvl="1">
+              <a:buNone/>
+            </a:pPr>
+            <a:r>
+              <a:rPr lang="de-DE" altLang="de-DE" sz="1600" dirty="0">
+                <a:solidFill>
+                  <a:srgbClr val="000000"/>
+                </a:solidFill>
+                <a:latin typeface="Consolas" panose="020B0609020204030204" pitchFamily="49" charset="0"/>
+                <a:cs typeface="Consolas" panose="020B0609020204030204" pitchFamily="49" charset="0"/>
+              </a:rPr>
+              <a:t>           </a:t>
+            </a:r>
+            <a:r>
+              <a:rPr lang="de-DE" altLang="de-DE" sz="1600" dirty="0" err="1">
+                <a:solidFill>
+                  <a:srgbClr val="000000"/>
+                </a:solidFill>
+                <a:latin typeface="Consolas" panose="020B0609020204030204" pitchFamily="49" charset="0"/>
+                <a:cs typeface="Consolas" panose="020B0609020204030204" pitchFamily="49" charset="0"/>
+              </a:rPr>
+              <a:t>if</a:t>
+            </a:r>
+            <a:r>
+              <a:rPr lang="de-DE" altLang="de-DE" sz="1600" dirty="0">
+                <a:solidFill>
+                  <a:srgbClr val="000000"/>
+                </a:solidFill>
+                <a:latin typeface="Consolas" panose="020B0609020204030204" pitchFamily="49" charset="0"/>
+                <a:cs typeface="Consolas" panose="020B0609020204030204" pitchFamily="49" charset="0"/>
+              </a:rPr>
+              <a:t> (</a:t>
+            </a:r>
+            <a:r>
+              <a:rPr lang="de-DE" altLang="de-DE" sz="1600" dirty="0" err="1">
+                <a:solidFill>
+                  <a:srgbClr val="000000"/>
+                </a:solidFill>
+                <a:latin typeface="Consolas" panose="020B0609020204030204" pitchFamily="49" charset="0"/>
+                <a:cs typeface="Consolas" panose="020B0609020204030204" pitchFamily="49" charset="0"/>
+              </a:rPr>
+              <a:t>target.isPresent</a:t>
+            </a:r>
+            <a:r>
+              <a:rPr lang="de-DE" altLang="de-DE" sz="1600" dirty="0">
+                <a:solidFill>
+                  <a:srgbClr val="000000"/>
+                </a:solidFill>
+                <a:latin typeface="Consolas" panose="020B0609020204030204" pitchFamily="49" charset="0"/>
+                <a:cs typeface="Consolas" panose="020B0609020204030204" pitchFamily="49" charset="0"/>
+              </a:rPr>
+              <a:t>()) {</a:t>
+            </a:r>
+            <a:br>
+              <a:rPr lang="de-DE" altLang="de-DE" sz="1600" dirty="0">
+                <a:solidFill>
+                  <a:srgbClr val="000000"/>
+                </a:solidFill>
+                <a:latin typeface="Consolas" panose="020B0609020204030204" pitchFamily="49" charset="0"/>
+                <a:cs typeface="Consolas" panose="020B0609020204030204" pitchFamily="49" charset="0"/>
+              </a:rPr>
+            </a:br>
+            <a:r>
+              <a:rPr lang="de-DE" altLang="de-DE" sz="1600" dirty="0">
+                <a:solidFill>
+                  <a:srgbClr val="000000"/>
+                </a:solidFill>
+                <a:latin typeface="Consolas" panose="020B0609020204030204" pitchFamily="49" charset="0"/>
+                <a:cs typeface="Consolas" panose="020B0609020204030204" pitchFamily="49" charset="0"/>
+              </a:rPr>
+              <a:t>            </a:t>
+            </a:r>
+            <a:r>
+              <a:rPr lang="de-DE" altLang="de-DE" sz="1600" i="1" dirty="0">
+                <a:solidFill>
+                  <a:srgbClr val="808080"/>
+                </a:solidFill>
+                <a:latin typeface="Consolas" panose="020B0609020204030204" pitchFamily="49" charset="0"/>
+                <a:cs typeface="Consolas" panose="020B0609020204030204" pitchFamily="49" charset="0"/>
+              </a:rPr>
+              <a:t>// Model </a:t>
+            </a:r>
+            <a:r>
+              <a:rPr lang="de-DE" altLang="de-DE" sz="1600" i="1" dirty="0" err="1">
+                <a:solidFill>
+                  <a:srgbClr val="808080"/>
+                </a:solidFill>
+                <a:latin typeface="Consolas" panose="020B0609020204030204" pitchFamily="49" charset="0"/>
+                <a:cs typeface="Consolas" panose="020B0609020204030204" pitchFamily="49" charset="0"/>
+              </a:rPr>
+              <a:t>Object</a:t>
+            </a:r>
+            <a:r>
+              <a:rPr lang="de-DE" altLang="de-DE" sz="1600" i="1" dirty="0">
+                <a:solidFill>
+                  <a:srgbClr val="808080"/>
+                </a:solidFill>
+                <a:latin typeface="Consolas" panose="020B0609020204030204" pitchFamily="49" charset="0"/>
+                <a:cs typeface="Consolas" panose="020B0609020204030204" pitchFamily="49" charset="0"/>
+              </a:rPr>
+              <a:t> verändern und Komponente neu rendern</a:t>
+            </a:r>
+            <a:br>
+              <a:rPr lang="de-DE" altLang="de-DE" sz="1600" i="1" dirty="0">
+                <a:solidFill>
+                  <a:srgbClr val="808080"/>
+                </a:solidFill>
+                <a:latin typeface="Consolas" panose="020B0609020204030204" pitchFamily="49" charset="0"/>
+                <a:cs typeface="Consolas" panose="020B0609020204030204" pitchFamily="49" charset="0"/>
+              </a:rPr>
+            </a:br>
+            <a:r>
+              <a:rPr lang="de-DE" altLang="de-DE" sz="1600" i="1" dirty="0">
+                <a:solidFill>
+                  <a:srgbClr val="808080"/>
+                </a:solidFill>
+                <a:latin typeface="Consolas" panose="020B0609020204030204" pitchFamily="49" charset="0"/>
+                <a:cs typeface="Consolas" panose="020B0609020204030204" pitchFamily="49" charset="0"/>
+              </a:rPr>
+              <a:t>            </a:t>
+            </a:r>
+            <a:r>
+              <a:rPr lang="de-DE" altLang="de-DE" sz="1600" dirty="0" err="1">
+                <a:solidFill>
+                  <a:srgbClr val="000000"/>
+                </a:solidFill>
+                <a:latin typeface="Consolas" panose="020B0609020204030204" pitchFamily="49" charset="0"/>
+                <a:cs typeface="Consolas" panose="020B0609020204030204" pitchFamily="49" charset="0"/>
+              </a:rPr>
+              <a:t>label.setDefaultModelObject</a:t>
+            </a:r>
+            <a:r>
+              <a:rPr lang="de-DE" altLang="de-DE" sz="1600" dirty="0">
+                <a:solidFill>
+                  <a:srgbClr val="000000"/>
+                </a:solidFill>
+                <a:latin typeface="Consolas" panose="020B0609020204030204" pitchFamily="49" charset="0"/>
+                <a:cs typeface="Consolas" panose="020B0609020204030204" pitchFamily="49" charset="0"/>
+              </a:rPr>
+              <a:t>(</a:t>
+            </a:r>
+            <a:r>
+              <a:rPr lang="de-DE" altLang="de-DE" sz="1600" b="1" dirty="0">
+                <a:solidFill>
                   <a:srgbClr val="008000"/>
                 </a:solidFill>
                 <a:latin typeface="Consolas" panose="020B0609020204030204" pitchFamily="49" charset="0"/>
@@ -11522,12 +12507,12 @@
             <a:r>
               <a:rPr lang="de-DE" altLang="de-DE" sz="1600" b="1" dirty="0" err="1">
                 <a:solidFill>
-                  <a:srgbClr val="FFC000"/>
-                </a:solidFill>
-                <a:latin typeface="Consolas" panose="020B0609020204030204" pitchFamily="49" charset="0"/>
-                <a:cs typeface="Consolas" panose="020B0609020204030204" pitchFamily="49" charset="0"/>
-              </a:rPr>
-              <a:t>modalWindow</a:t>
+                  <a:srgbClr val="008000"/>
+                </a:solidFill>
+                <a:latin typeface="Consolas" panose="020B0609020204030204" pitchFamily="49" charset="0"/>
+                <a:cs typeface="Consolas" panose="020B0609020204030204" pitchFamily="49" charset="0"/>
+              </a:rPr>
+              <a:t>Another</a:t>
             </a:r>
             <a:r>
               <a:rPr lang="de-DE" altLang="de-DE" sz="1600" b="1" dirty="0">
@@ -11537,7 +12522,47 @@
                 <a:latin typeface="Consolas" panose="020B0609020204030204" pitchFamily="49" charset="0"/>
                 <a:cs typeface="Consolas" panose="020B0609020204030204" pitchFamily="49" charset="0"/>
               </a:rPr>
-              <a:t>"</a:t>
+              <a:t> </a:t>
+            </a:r>
+            <a:r>
+              <a:rPr lang="de-DE" altLang="de-DE" sz="1600" b="1" dirty="0" err="1">
+                <a:solidFill>
+                  <a:srgbClr val="008000"/>
+                </a:solidFill>
+                <a:latin typeface="Consolas" panose="020B0609020204030204" pitchFamily="49" charset="0"/>
+                <a:cs typeface="Consolas" panose="020B0609020204030204" pitchFamily="49" charset="0"/>
+              </a:rPr>
+              <a:t>value</a:t>
+            </a:r>
+            <a:r>
+              <a:rPr lang="de-DE" altLang="de-DE" sz="1600" b="1" dirty="0">
+                <a:solidFill>
+                  <a:srgbClr val="008000"/>
+                </a:solidFill>
+                <a:latin typeface="Consolas" panose="020B0609020204030204" pitchFamily="49" charset="0"/>
+                <a:cs typeface="Consolas" panose="020B0609020204030204" pitchFamily="49" charset="0"/>
+              </a:rPr>
+              <a:t> 4 </a:t>
+            </a:r>
+            <a:r>
+              <a:rPr lang="de-DE" altLang="de-DE" sz="1600" b="1" dirty="0" err="1">
+                <a:solidFill>
+                  <a:srgbClr val="008000"/>
+                </a:solidFill>
+                <a:latin typeface="Consolas" panose="020B0609020204030204" pitchFamily="49" charset="0"/>
+                <a:cs typeface="Consolas" panose="020B0609020204030204" pitchFamily="49" charset="0"/>
+              </a:rPr>
+              <a:t>label</a:t>
+            </a:r>
+            <a:r>
+              <a:rPr lang="de-DE" altLang="de-DE" sz="1600" b="1" dirty="0">
+                <a:solidFill>
+                  <a:srgbClr val="008000"/>
+                </a:solidFill>
+                <a:latin typeface="Consolas" panose="020B0609020204030204" pitchFamily="49" charset="0"/>
+                <a:cs typeface="Consolas" panose="020B0609020204030204" pitchFamily="49" charset="0"/>
+              </a:rPr>
+              <a:t>."</a:t>
             </a:r>
             <a:r>
               <a:rPr lang="de-DE" altLang="de-DE" sz="1600" dirty="0">
@@ -11547,19 +12572,9 @@
                 <a:latin typeface="Consolas" panose="020B0609020204030204" pitchFamily="49" charset="0"/>
                 <a:cs typeface="Consolas" panose="020B0609020204030204" pitchFamily="49" charset="0"/>
               </a:rPr>
-              <a:t>&gt;&lt;/</a:t>
-            </a:r>
-            <a:r>
-              <a:rPr lang="de-DE" altLang="de-DE" sz="1600" b="1" dirty="0">
-                <a:solidFill>
-                  <a:srgbClr val="000080"/>
-                </a:solidFill>
-                <a:latin typeface="Consolas" panose="020B0609020204030204" pitchFamily="49" charset="0"/>
-                <a:cs typeface="Consolas" panose="020B0609020204030204" pitchFamily="49" charset="0"/>
-              </a:rPr>
-              <a:t>div</a:t>
-            </a:r>
-            <a:r>
+              <a:t>);</a:t>
+            </a:r>
+            <a:br>
               <a:rPr lang="de-DE" altLang="de-DE" sz="1600" dirty="0">
                 <a:solidFill>
                   <a:srgbClr val="000000"/>
@@ -11567,7 +12582,129 @@
                 <a:latin typeface="Consolas" panose="020B0609020204030204" pitchFamily="49" charset="0"/>
                 <a:cs typeface="Consolas" panose="020B0609020204030204" pitchFamily="49" charset="0"/>
               </a:rPr>
-              <a:t>&gt;</a:t>
+            </a:br>
+            <a:r>
+              <a:rPr lang="de-DE" altLang="de-DE" sz="1600" dirty="0">
+                <a:solidFill>
+                  <a:srgbClr val="000000"/>
+                </a:solidFill>
+                <a:latin typeface="Consolas" panose="020B0609020204030204" pitchFamily="49" charset="0"/>
+                <a:cs typeface="Consolas" panose="020B0609020204030204" pitchFamily="49" charset="0"/>
+              </a:rPr>
+              <a:t>            </a:t>
+            </a:r>
+            <a:r>
+              <a:rPr lang="de-DE" altLang="de-DE" sz="1600" dirty="0" err="1">
+                <a:solidFill>
+                  <a:srgbClr val="000000"/>
+                </a:solidFill>
+                <a:latin typeface="Consolas" panose="020B0609020204030204" pitchFamily="49" charset="0"/>
+                <a:cs typeface="Consolas" panose="020B0609020204030204" pitchFamily="49" charset="0"/>
+              </a:rPr>
+              <a:t>target.get</a:t>
+            </a:r>
+            <a:r>
+              <a:rPr lang="de-DE" altLang="de-DE" sz="1600" dirty="0">
+                <a:solidFill>
+                  <a:srgbClr val="000000"/>
+                </a:solidFill>
+                <a:latin typeface="Consolas" panose="020B0609020204030204" pitchFamily="49" charset="0"/>
+                <a:cs typeface="Consolas" panose="020B0609020204030204" pitchFamily="49" charset="0"/>
+              </a:rPr>
+              <a:t>().</a:t>
+            </a:r>
+            <a:r>
+              <a:rPr lang="de-DE" altLang="de-DE" sz="1600" dirty="0" err="1">
+                <a:solidFill>
+                  <a:srgbClr val="000000"/>
+                </a:solidFill>
+                <a:latin typeface="Consolas" panose="020B0609020204030204" pitchFamily="49" charset="0"/>
+                <a:cs typeface="Consolas" panose="020B0609020204030204" pitchFamily="49" charset="0"/>
+              </a:rPr>
+              <a:t>add</a:t>
+            </a:r>
+            <a:r>
+              <a:rPr lang="de-DE" altLang="de-DE" sz="1600" dirty="0">
+                <a:solidFill>
+                  <a:srgbClr val="000000"/>
+                </a:solidFill>
+                <a:latin typeface="Consolas" panose="020B0609020204030204" pitchFamily="49" charset="0"/>
+                <a:cs typeface="Consolas" panose="020B0609020204030204" pitchFamily="49" charset="0"/>
+              </a:rPr>
+              <a:t>(</a:t>
+            </a:r>
+            <a:r>
+              <a:rPr lang="de-DE" altLang="de-DE" sz="1600" dirty="0" err="1">
+                <a:solidFill>
+                  <a:srgbClr val="000000"/>
+                </a:solidFill>
+                <a:latin typeface="Consolas" panose="020B0609020204030204" pitchFamily="49" charset="0"/>
+                <a:cs typeface="Consolas" panose="020B0609020204030204" pitchFamily="49" charset="0"/>
+              </a:rPr>
+              <a:t>label</a:t>
+            </a:r>
+            <a:r>
+              <a:rPr lang="de-DE" altLang="de-DE" sz="1600" dirty="0">
+                <a:solidFill>
+                  <a:srgbClr val="000000"/>
+                </a:solidFill>
+                <a:latin typeface="Consolas" panose="020B0609020204030204" pitchFamily="49" charset="0"/>
+                <a:cs typeface="Consolas" panose="020B0609020204030204" pitchFamily="49" charset="0"/>
+              </a:rPr>
+              <a:t>);</a:t>
+            </a:r>
+          </a:p>
+          <a:p>
+            <a:pPr lvl="1">
+              <a:buNone/>
+            </a:pPr>
+            <a:r>
+              <a:rPr lang="de-DE" altLang="de-DE" sz="1600" dirty="0">
+                <a:solidFill>
+                  <a:srgbClr val="000000"/>
+                </a:solidFill>
+                <a:latin typeface="Consolas" panose="020B0609020204030204" pitchFamily="49" charset="0"/>
+                <a:cs typeface="Consolas" panose="020B0609020204030204" pitchFamily="49" charset="0"/>
+              </a:rPr>
+              <a:t>           }</a:t>
+            </a:r>
+            <a:br>
+              <a:rPr lang="de-DE" altLang="de-DE" sz="1600" dirty="0">
+                <a:solidFill>
+                  <a:srgbClr val="000000"/>
+                </a:solidFill>
+                <a:latin typeface="Consolas" panose="020B0609020204030204" pitchFamily="49" charset="0"/>
+                <a:cs typeface="Consolas" panose="020B0609020204030204" pitchFamily="49" charset="0"/>
+              </a:rPr>
+            </a:br>
+            <a:r>
+              <a:rPr lang="de-DE" altLang="de-DE" sz="1600" dirty="0">
+                <a:solidFill>
+                  <a:srgbClr val="000000"/>
+                </a:solidFill>
+                <a:latin typeface="Consolas" panose="020B0609020204030204" pitchFamily="49" charset="0"/>
+                <a:cs typeface="Consolas" panose="020B0609020204030204" pitchFamily="49" charset="0"/>
+              </a:rPr>
+              <a:t>    }</a:t>
+            </a:r>
+            <a:br>
+              <a:rPr lang="de-DE" altLang="de-DE" sz="1600" dirty="0">
+                <a:solidFill>
+                  <a:srgbClr val="000000"/>
+                </a:solidFill>
+                <a:latin typeface="Consolas" panose="020B0609020204030204" pitchFamily="49" charset="0"/>
+                <a:cs typeface="Consolas" panose="020B0609020204030204" pitchFamily="49" charset="0"/>
+              </a:rPr>
+            </a:br>
+            <a:r>
+              <a:rPr lang="de-DE" altLang="de-DE" sz="1600" dirty="0">
+                <a:solidFill>
+                  <a:srgbClr val="000000"/>
+                </a:solidFill>
+                <a:latin typeface="Consolas" panose="020B0609020204030204" pitchFamily="49" charset="0"/>
+                <a:cs typeface="Consolas" panose="020B0609020204030204" pitchFamily="49" charset="0"/>
+              </a:rPr>
+              <a:t>};</a:t>
             </a:r>
             <a:endParaRPr lang="de-DE" altLang="de-DE" sz="1600" dirty="0">
               <a:latin typeface="Consolas" panose="020B0609020204030204" pitchFamily="49" charset="0"/>
@@ -11606,7 +12743,7 @@
     </p:spTree>
     <p:extLst>
       <p:ext uri="{BB962C8B-B14F-4D97-AF65-F5344CB8AC3E}">
-        <p14:creationId xmlns:p14="http://schemas.microsoft.com/office/powerpoint/2010/main" val="2996205730"/>
+        <p14:creationId xmlns:p14="http://schemas.microsoft.com/office/powerpoint/2010/main" val="1093222628"/>
       </p:ext>
     </p:extLst>
   </p:cSld>
@@ -11692,97 +12829,176 @@
               <a:buNone/>
             </a:pPr>
             <a:r>
-              <a:rPr lang="de-DE" altLang="de-DE" sz="1400" b="1" dirty="0" err="1">
+              <a:rPr lang="de-DE" altLang="de-DE" sz="1600" dirty="0">
+                <a:solidFill>
+                  <a:srgbClr val="000000"/>
+                </a:solidFill>
+                <a:latin typeface="Consolas" panose="020B0609020204030204" pitchFamily="49" charset="0"/>
+                <a:cs typeface="Consolas" panose="020B0609020204030204" pitchFamily="49" charset="0"/>
+              </a:rPr>
+              <a:t>&lt;</a:t>
+            </a:r>
+            <a:r>
+              <a:rPr lang="de-DE" altLang="de-DE" sz="1600" b="1" dirty="0">
                 <a:solidFill>
                   <a:srgbClr val="000080"/>
                 </a:solidFill>
                 <a:latin typeface="Consolas" panose="020B0609020204030204" pitchFamily="49" charset="0"/>
                 <a:cs typeface="Consolas" panose="020B0609020204030204" pitchFamily="49" charset="0"/>
               </a:rPr>
-              <a:t>public</a:t>
-            </a:r>
-            <a:r>
-              <a:rPr lang="de-DE" altLang="de-DE" sz="1400" b="1" dirty="0">
+              <a:t>h2</a:t>
+            </a:r>
+            <a:r>
+              <a:rPr lang="de-DE" altLang="de-DE" sz="1600" dirty="0">
+                <a:solidFill>
+                  <a:srgbClr val="000000"/>
+                </a:solidFill>
+                <a:latin typeface="Consolas" panose="020B0609020204030204" pitchFamily="49" charset="0"/>
+                <a:cs typeface="Consolas" panose="020B0609020204030204" pitchFamily="49" charset="0"/>
+              </a:rPr>
+              <a:t>&gt;Beispiel für ein Modal&lt;/</a:t>
+            </a:r>
+            <a:r>
+              <a:rPr lang="de-DE" altLang="de-DE" sz="1600" b="1" dirty="0">
                 <a:solidFill>
                   <a:srgbClr val="000080"/>
                 </a:solidFill>
                 <a:latin typeface="Consolas" panose="020B0609020204030204" pitchFamily="49" charset="0"/>
                 <a:cs typeface="Consolas" panose="020B0609020204030204" pitchFamily="49" charset="0"/>
               </a:rPr>
-              <a:t> </a:t>
-            </a:r>
-            <a:r>
-              <a:rPr lang="de-DE" altLang="de-DE" sz="1400" dirty="0" err="1">
-                <a:solidFill>
-                  <a:srgbClr val="000000"/>
-                </a:solidFill>
-                <a:latin typeface="Consolas" panose="020B0609020204030204" pitchFamily="49" charset="0"/>
-                <a:cs typeface="Consolas" panose="020B0609020204030204" pitchFamily="49" charset="0"/>
-              </a:rPr>
-              <a:t>ModalPage</a:t>
-            </a:r>
-            <a:r>
-              <a:rPr lang="de-DE" altLang="de-DE" sz="1400" dirty="0">
-                <a:solidFill>
-                  <a:srgbClr val="000000"/>
-                </a:solidFill>
-                <a:latin typeface="Consolas" panose="020B0609020204030204" pitchFamily="49" charset="0"/>
-                <a:cs typeface="Consolas" panose="020B0609020204030204" pitchFamily="49" charset="0"/>
-              </a:rPr>
-              <a:t>(</a:t>
-            </a:r>
-            <a:r>
-              <a:rPr lang="de-DE" altLang="de-DE" sz="1400" b="1" dirty="0">
+              <a:t>h2</a:t>
+            </a:r>
+            <a:r>
+              <a:rPr lang="de-DE" altLang="de-DE" sz="1600" dirty="0">
+                <a:solidFill>
+                  <a:srgbClr val="000000"/>
+                </a:solidFill>
+                <a:latin typeface="Consolas" panose="020B0609020204030204" pitchFamily="49" charset="0"/>
+                <a:cs typeface="Consolas" panose="020B0609020204030204" pitchFamily="49" charset="0"/>
+              </a:rPr>
+              <a:t>&gt;</a:t>
+            </a:r>
+            <a:br>
+              <a:rPr lang="de-DE" altLang="de-DE" sz="1600" dirty="0">
+                <a:solidFill>
+                  <a:srgbClr val="000000"/>
+                </a:solidFill>
+                <a:latin typeface="Consolas" panose="020B0609020204030204" pitchFamily="49" charset="0"/>
+                <a:cs typeface="Consolas" panose="020B0609020204030204" pitchFamily="49" charset="0"/>
+              </a:rPr>
+            </a:br>
+            <a:r>
+              <a:rPr lang="de-DE" altLang="de-DE" sz="1600" dirty="0">
+                <a:solidFill>
+                  <a:srgbClr val="000000"/>
+                </a:solidFill>
+                <a:latin typeface="Consolas" panose="020B0609020204030204" pitchFamily="49" charset="0"/>
+                <a:cs typeface="Consolas" panose="020B0609020204030204" pitchFamily="49" charset="0"/>
+              </a:rPr>
+              <a:t>&lt;</a:t>
+            </a:r>
+            <a:r>
+              <a:rPr lang="de-DE" altLang="de-DE" sz="1600" b="1" dirty="0">
                 <a:solidFill>
                   <a:srgbClr val="000080"/>
                 </a:solidFill>
                 <a:latin typeface="Consolas" panose="020B0609020204030204" pitchFamily="49" charset="0"/>
                 <a:cs typeface="Consolas" panose="020B0609020204030204" pitchFamily="49" charset="0"/>
               </a:rPr>
-              <a:t>final </a:t>
-            </a:r>
-            <a:r>
-              <a:rPr lang="de-DE" altLang="de-DE" sz="1400" dirty="0" err="1">
-                <a:solidFill>
-                  <a:srgbClr val="000000"/>
-                </a:solidFill>
-                <a:latin typeface="Consolas" panose="020B0609020204030204" pitchFamily="49" charset="0"/>
-                <a:cs typeface="Consolas" panose="020B0609020204030204" pitchFamily="49" charset="0"/>
-              </a:rPr>
-              <a:t>PageParameters</a:t>
-            </a:r>
-            <a:r>
-              <a:rPr lang="de-DE" altLang="de-DE" sz="1400" dirty="0">
-                <a:solidFill>
-                  <a:srgbClr val="000000"/>
-                </a:solidFill>
-                <a:latin typeface="Consolas" panose="020B0609020204030204" pitchFamily="49" charset="0"/>
-                <a:cs typeface="Consolas" panose="020B0609020204030204" pitchFamily="49" charset="0"/>
-              </a:rPr>
-              <a:t> </a:t>
-            </a:r>
-            <a:r>
-              <a:rPr lang="de-DE" altLang="de-DE" sz="1400" dirty="0" err="1">
-                <a:solidFill>
-                  <a:srgbClr val="000000"/>
-                </a:solidFill>
-                <a:latin typeface="Consolas" panose="020B0609020204030204" pitchFamily="49" charset="0"/>
-                <a:cs typeface="Consolas" panose="020B0609020204030204" pitchFamily="49" charset="0"/>
-              </a:rPr>
-              <a:t>parameters</a:t>
-            </a:r>
-            <a:r>
-              <a:rPr lang="de-DE" altLang="de-DE" sz="1400" dirty="0">
-                <a:solidFill>
-                  <a:srgbClr val="000000"/>
-                </a:solidFill>
-                <a:latin typeface="Consolas" panose="020B0609020204030204" pitchFamily="49" charset="0"/>
-                <a:cs typeface="Consolas" panose="020B0609020204030204" pitchFamily="49" charset="0"/>
-              </a:rPr>
-              <a:t>) {</a:t>
+              <a:t>a </a:t>
+            </a:r>
+            <a:r>
+              <a:rPr lang="de-DE" altLang="de-DE" sz="1600" b="1" dirty="0" err="1">
+                <a:solidFill>
+                  <a:srgbClr val="660E7A"/>
+                </a:solidFill>
+                <a:latin typeface="Consolas" panose="020B0609020204030204" pitchFamily="49" charset="0"/>
+                <a:cs typeface="Consolas" panose="020B0609020204030204" pitchFamily="49" charset="0"/>
+              </a:rPr>
+              <a:t>wicket</a:t>
+            </a:r>
+            <a:r>
+              <a:rPr lang="de-DE" altLang="de-DE" sz="1600" b="1" dirty="0" err="1">
+                <a:solidFill>
+                  <a:srgbClr val="0000FF"/>
+                </a:solidFill>
+                <a:latin typeface="Consolas" panose="020B0609020204030204" pitchFamily="49" charset="0"/>
+                <a:cs typeface="Consolas" panose="020B0609020204030204" pitchFamily="49" charset="0"/>
+              </a:rPr>
+              <a:t>:id</a:t>
+            </a:r>
+            <a:r>
+              <a:rPr lang="de-DE" altLang="de-DE" sz="1600" b="1" dirty="0">
+                <a:solidFill>
+                  <a:srgbClr val="0000FF"/>
+                </a:solidFill>
+                <a:latin typeface="Consolas" panose="020B0609020204030204" pitchFamily="49" charset="0"/>
+                <a:cs typeface="Consolas" panose="020B0609020204030204" pitchFamily="49" charset="0"/>
+              </a:rPr>
+              <a:t>=</a:t>
+            </a:r>
+            <a:r>
+              <a:rPr lang="de-DE" altLang="de-DE" sz="1600" b="1" dirty="0">
+                <a:solidFill>
+                  <a:srgbClr val="008000"/>
+                </a:solidFill>
+                <a:latin typeface="Consolas" panose="020B0609020204030204" pitchFamily="49" charset="0"/>
+                <a:cs typeface="Consolas" panose="020B0609020204030204" pitchFamily="49" charset="0"/>
+              </a:rPr>
+              <a:t>"</a:t>
+            </a:r>
+            <a:r>
+              <a:rPr lang="de-DE" altLang="de-DE" sz="1600" b="1" dirty="0" err="1">
+                <a:solidFill>
+                  <a:srgbClr val="FF0000"/>
+                </a:solidFill>
+                <a:latin typeface="Consolas" panose="020B0609020204030204" pitchFamily="49" charset="0"/>
+                <a:cs typeface="Consolas" panose="020B0609020204030204" pitchFamily="49" charset="0"/>
+              </a:rPr>
+              <a:t>openWindow</a:t>
+            </a:r>
+            <a:r>
+              <a:rPr lang="de-DE" altLang="de-DE" sz="1600" b="1" dirty="0">
+                <a:solidFill>
+                  <a:srgbClr val="008000"/>
+                </a:solidFill>
+                <a:latin typeface="Consolas" panose="020B0609020204030204" pitchFamily="49" charset="0"/>
+                <a:cs typeface="Consolas" panose="020B0609020204030204" pitchFamily="49" charset="0"/>
+              </a:rPr>
+              <a:t>"</a:t>
+            </a:r>
+            <a:r>
+              <a:rPr lang="de-DE" altLang="de-DE" sz="1600" dirty="0">
+                <a:solidFill>
+                  <a:srgbClr val="000000"/>
+                </a:solidFill>
+                <a:latin typeface="Consolas" panose="020B0609020204030204" pitchFamily="49" charset="0"/>
+                <a:cs typeface="Consolas" panose="020B0609020204030204" pitchFamily="49" charset="0"/>
+              </a:rPr>
+              <a:t>&gt;Öffnen&lt;/</a:t>
+            </a:r>
+            <a:r>
+              <a:rPr lang="de-DE" altLang="de-DE" sz="1600" b="1" dirty="0">
+                <a:solidFill>
+                  <a:srgbClr val="000080"/>
+                </a:solidFill>
+                <a:latin typeface="Consolas" panose="020B0609020204030204" pitchFamily="49" charset="0"/>
+                <a:cs typeface="Consolas" panose="020B0609020204030204" pitchFamily="49" charset="0"/>
+              </a:rPr>
+              <a:t>a</a:t>
+            </a:r>
+            <a:r>
+              <a:rPr lang="de-DE" altLang="de-DE" sz="1600" dirty="0">
+                <a:solidFill>
+                  <a:srgbClr val="000000"/>
+                </a:solidFill>
+                <a:latin typeface="Consolas" panose="020B0609020204030204" pitchFamily="49" charset="0"/>
+                <a:cs typeface="Consolas" panose="020B0609020204030204" pitchFamily="49" charset="0"/>
+              </a:rPr>
+              <a:t>&gt;</a:t>
             </a:r>
             <a:br>
-              <a:rPr lang="de-DE" altLang="de-DE" sz="1400" dirty="0">
+              <a:rPr lang="de-DE" altLang="de-DE" sz="1600" dirty="0">
                 <a:solidFill>
                   <a:srgbClr val="000000"/>
                 </a:solidFill>
@@ -11791,117 +13007,69 @@
               </a:rPr>
             </a:br>
             <a:r>
-              <a:rPr lang="de-DE" altLang="de-DE" sz="1400" dirty="0">
-                <a:solidFill>
-                  <a:srgbClr val="000000"/>
-                </a:solidFill>
-                <a:latin typeface="Consolas" panose="020B0609020204030204" pitchFamily="49" charset="0"/>
-                <a:cs typeface="Consolas" panose="020B0609020204030204" pitchFamily="49" charset="0"/>
-              </a:rPr>
-              <a:t>    </a:t>
-            </a:r>
-            <a:r>
-              <a:rPr lang="de-DE" altLang="de-DE" sz="1400" b="1" dirty="0">
+              <a:rPr lang="de-DE" altLang="de-DE" sz="1600" dirty="0">
+                <a:solidFill>
+                  <a:srgbClr val="000000"/>
+                </a:solidFill>
+                <a:latin typeface="Consolas" panose="020B0609020204030204" pitchFamily="49" charset="0"/>
+                <a:cs typeface="Consolas" panose="020B0609020204030204" pitchFamily="49" charset="0"/>
+              </a:rPr>
+              <a:t>&lt;</a:t>
+            </a:r>
+            <a:r>
+              <a:rPr lang="de-DE" altLang="de-DE" sz="1600" b="1" dirty="0">
                 <a:solidFill>
                   <a:srgbClr val="000080"/>
                 </a:solidFill>
                 <a:latin typeface="Consolas" panose="020B0609020204030204" pitchFamily="49" charset="0"/>
                 <a:cs typeface="Consolas" panose="020B0609020204030204" pitchFamily="49" charset="0"/>
               </a:rPr>
-              <a:t>super</a:t>
-            </a:r>
-            <a:r>
-              <a:rPr lang="de-DE" altLang="de-DE" sz="1400" dirty="0">
-                <a:solidFill>
-                  <a:srgbClr val="000000"/>
-                </a:solidFill>
-                <a:latin typeface="Consolas" panose="020B0609020204030204" pitchFamily="49" charset="0"/>
-                <a:cs typeface="Consolas" panose="020B0609020204030204" pitchFamily="49" charset="0"/>
-              </a:rPr>
-              <a:t>(</a:t>
-            </a:r>
-            <a:r>
-              <a:rPr lang="de-DE" altLang="de-DE" sz="1400" dirty="0" err="1">
-                <a:solidFill>
-                  <a:srgbClr val="000000"/>
-                </a:solidFill>
-                <a:latin typeface="Consolas" panose="020B0609020204030204" pitchFamily="49" charset="0"/>
-                <a:cs typeface="Consolas" panose="020B0609020204030204" pitchFamily="49" charset="0"/>
-              </a:rPr>
-              <a:t>parameters</a:t>
-            </a:r>
-            <a:r>
-              <a:rPr lang="de-DE" altLang="de-DE" sz="1400" dirty="0">
-                <a:solidFill>
-                  <a:srgbClr val="000000"/>
-                </a:solidFill>
-                <a:latin typeface="Consolas" panose="020B0609020204030204" pitchFamily="49" charset="0"/>
-                <a:cs typeface="Consolas" panose="020B0609020204030204" pitchFamily="49" charset="0"/>
-              </a:rPr>
-              <a:t>);</a:t>
-            </a:r>
-          </a:p>
-          <a:p>
-            <a:pPr marL="400050" lvl="1" indent="0">
-              <a:spcBef>
-                <a:spcPct val="0"/>
-              </a:spcBef>
-              <a:buClrTx/>
-              <a:buNone/>
-            </a:pPr>
-            <a:r>
-              <a:rPr lang="de-DE" altLang="de-DE" sz="1400" dirty="0">
-                <a:solidFill>
-                  <a:srgbClr val="000000"/>
-                </a:solidFill>
-                <a:latin typeface="Consolas" panose="020B0609020204030204" pitchFamily="49" charset="0"/>
-                <a:cs typeface="Consolas" panose="020B0609020204030204" pitchFamily="49" charset="0"/>
-              </a:rPr>
-              <a:t/>
-            </a:r>
-            <a:br>
-              <a:rPr lang="de-DE" altLang="de-DE" sz="1400" dirty="0">
-                <a:solidFill>
-                  <a:srgbClr val="000000"/>
-                </a:solidFill>
-                <a:latin typeface="Consolas" panose="020B0609020204030204" pitchFamily="49" charset="0"/>
-                <a:cs typeface="Consolas" panose="020B0609020204030204" pitchFamily="49" charset="0"/>
-              </a:rPr>
-            </a:br>
-            <a:r>
-              <a:rPr lang="de-DE" altLang="de-DE" sz="1400" dirty="0">
-                <a:solidFill>
-                  <a:srgbClr val="000000"/>
-                </a:solidFill>
-                <a:latin typeface="Consolas" panose="020B0609020204030204" pitchFamily="49" charset="0"/>
-                <a:cs typeface="Consolas" panose="020B0609020204030204" pitchFamily="49" charset="0"/>
-              </a:rPr>
-              <a:t>    </a:t>
-            </a:r>
-            <a:r>
-              <a:rPr lang="de-DE" altLang="de-DE" sz="1400" dirty="0" err="1">
-                <a:solidFill>
-                  <a:srgbClr val="000000"/>
-                </a:solidFill>
-                <a:latin typeface="Consolas" panose="020B0609020204030204" pitchFamily="49" charset="0"/>
-                <a:cs typeface="Consolas" panose="020B0609020204030204" pitchFamily="49" charset="0"/>
-              </a:rPr>
-              <a:t>ModalWindow</a:t>
-            </a:r>
-            <a:r>
-              <a:rPr lang="de-DE" altLang="de-DE" sz="1400" dirty="0">
-                <a:solidFill>
-                  <a:srgbClr val="000000"/>
-                </a:solidFill>
-                <a:latin typeface="Consolas" panose="020B0609020204030204" pitchFamily="49" charset="0"/>
-                <a:cs typeface="Consolas" panose="020B0609020204030204" pitchFamily="49" charset="0"/>
-              </a:rPr>
-              <a:t> </a:t>
-            </a:r>
-            <a:r>
-              <a:rPr lang="de-DE" altLang="de-DE" sz="1400" dirty="0" err="1">
-                <a:solidFill>
-                  <a:srgbClr val="000000"/>
+              <a:t>div </a:t>
+            </a:r>
+            <a:r>
+              <a:rPr lang="de-DE" altLang="de-DE" sz="1600" b="1" dirty="0" err="1">
+                <a:solidFill>
+                  <a:srgbClr val="660E7A"/>
+                </a:solidFill>
+                <a:latin typeface="Consolas" panose="020B0609020204030204" pitchFamily="49" charset="0"/>
+                <a:cs typeface="Consolas" panose="020B0609020204030204" pitchFamily="49" charset="0"/>
+              </a:rPr>
+              <a:t>wicket</a:t>
+            </a:r>
+            <a:r>
+              <a:rPr lang="de-DE" altLang="de-DE" sz="1600" b="1" dirty="0" err="1">
+                <a:solidFill>
+                  <a:srgbClr val="0000FF"/>
+                </a:solidFill>
+                <a:latin typeface="Consolas" panose="020B0609020204030204" pitchFamily="49" charset="0"/>
+                <a:cs typeface="Consolas" panose="020B0609020204030204" pitchFamily="49" charset="0"/>
+              </a:rPr>
+              <a:t>:id</a:t>
+            </a:r>
+            <a:r>
+              <a:rPr lang="de-DE" altLang="de-DE" sz="1600" b="1" dirty="0">
+                <a:solidFill>
+                  <a:srgbClr val="0000FF"/>
+                </a:solidFill>
+                <a:latin typeface="Consolas" panose="020B0609020204030204" pitchFamily="49" charset="0"/>
+                <a:cs typeface="Consolas" panose="020B0609020204030204" pitchFamily="49" charset="0"/>
+              </a:rPr>
+              <a:t>=</a:t>
+            </a:r>
+            <a:r>
+              <a:rPr lang="de-DE" altLang="de-DE" sz="1600" b="1" dirty="0">
+                <a:solidFill>
+                  <a:srgbClr val="008000"/>
+                </a:solidFill>
+                <a:latin typeface="Consolas" panose="020B0609020204030204" pitchFamily="49" charset="0"/>
+                <a:cs typeface="Consolas" panose="020B0609020204030204" pitchFamily="49" charset="0"/>
+              </a:rPr>
+              <a:t>"</a:t>
+            </a:r>
+            <a:r>
+              <a:rPr lang="de-DE" altLang="de-DE" sz="1600" b="1" dirty="0" err="1">
+                <a:solidFill>
+                  <a:srgbClr val="FFC000"/>
                 </a:solidFill>
                 <a:latin typeface="Consolas" panose="020B0609020204030204" pitchFamily="49" charset="0"/>
                 <a:cs typeface="Consolas" panose="020B0609020204030204" pitchFamily="49" charset="0"/>
@@ -11909,931 +13077,46 @@
               <a:t>modalWindow</a:t>
             </a:r>
             <a:r>
-              <a:rPr lang="de-DE" altLang="de-DE" sz="1400" dirty="0">
-                <a:solidFill>
-                  <a:srgbClr val="000000"/>
-                </a:solidFill>
-                <a:latin typeface="Consolas" panose="020B0609020204030204" pitchFamily="49" charset="0"/>
-                <a:cs typeface="Consolas" panose="020B0609020204030204" pitchFamily="49" charset="0"/>
-              </a:rPr>
-              <a:t> = </a:t>
-            </a:r>
-            <a:r>
-              <a:rPr lang="de-DE" altLang="de-DE" sz="1400" b="1" dirty="0" err="1">
+              <a:rPr lang="de-DE" altLang="de-DE" sz="1600" b="1" dirty="0">
+                <a:solidFill>
+                  <a:srgbClr val="008000"/>
+                </a:solidFill>
+                <a:latin typeface="Consolas" panose="020B0609020204030204" pitchFamily="49" charset="0"/>
+                <a:cs typeface="Consolas" panose="020B0609020204030204" pitchFamily="49" charset="0"/>
+              </a:rPr>
+              <a:t>"</a:t>
+            </a:r>
+            <a:r>
+              <a:rPr lang="de-DE" altLang="de-DE" sz="1600" dirty="0">
+                <a:solidFill>
+                  <a:srgbClr val="000000"/>
+                </a:solidFill>
+                <a:latin typeface="Consolas" panose="020B0609020204030204" pitchFamily="49" charset="0"/>
+                <a:cs typeface="Consolas" panose="020B0609020204030204" pitchFamily="49" charset="0"/>
+              </a:rPr>
+              <a:t>&gt;&lt;/</a:t>
+            </a:r>
+            <a:r>
+              <a:rPr lang="de-DE" altLang="de-DE" sz="1600" b="1" dirty="0">
                 <a:solidFill>
                   <a:srgbClr val="000080"/>
                 </a:solidFill>
                 <a:latin typeface="Consolas" panose="020B0609020204030204" pitchFamily="49" charset="0"/>
                 <a:cs typeface="Consolas" panose="020B0609020204030204" pitchFamily="49" charset="0"/>
               </a:rPr>
-              <a:t>new</a:t>
-            </a:r>
-            <a:r>
-              <a:rPr lang="de-DE" altLang="de-DE" sz="1400" b="1" dirty="0">
-                <a:solidFill>
-                  <a:srgbClr val="000080"/>
-                </a:solidFill>
-                <a:latin typeface="Consolas" panose="020B0609020204030204" pitchFamily="49" charset="0"/>
-                <a:cs typeface="Consolas" panose="020B0609020204030204" pitchFamily="49" charset="0"/>
-              </a:rPr>
-              <a:t> </a:t>
-            </a:r>
-            <a:r>
-              <a:rPr lang="de-DE" altLang="de-DE" sz="1400" dirty="0" err="1">
-                <a:solidFill>
-                  <a:srgbClr val="000000"/>
-                </a:solidFill>
-                <a:latin typeface="Consolas" panose="020B0609020204030204" pitchFamily="49" charset="0"/>
-                <a:cs typeface="Consolas" panose="020B0609020204030204" pitchFamily="49" charset="0"/>
-              </a:rPr>
-              <a:t>ModalWindow</a:t>
-            </a:r>
-            <a:r>
-              <a:rPr lang="de-DE" altLang="de-DE" sz="1400" dirty="0">
-                <a:solidFill>
-                  <a:srgbClr val="000000"/>
-                </a:solidFill>
-                <a:latin typeface="Consolas" panose="020B0609020204030204" pitchFamily="49" charset="0"/>
-                <a:cs typeface="Consolas" panose="020B0609020204030204" pitchFamily="49" charset="0"/>
-              </a:rPr>
-              <a:t>(</a:t>
-            </a:r>
-            <a:r>
-              <a:rPr lang="de-DE" altLang="de-DE" sz="1400" b="1" dirty="0">
-                <a:solidFill>
-                  <a:srgbClr val="008000"/>
-                </a:solidFill>
-                <a:latin typeface="Consolas" panose="020B0609020204030204" pitchFamily="49" charset="0"/>
-                <a:cs typeface="Consolas" panose="020B0609020204030204" pitchFamily="49" charset="0"/>
-              </a:rPr>
-              <a:t>"</a:t>
-            </a:r>
-            <a:r>
-              <a:rPr lang="de-DE" altLang="de-DE" sz="1400" b="1" dirty="0" err="1">
-                <a:solidFill>
-                  <a:srgbClr val="FFC000"/>
-                </a:solidFill>
-                <a:latin typeface="Consolas" panose="020B0609020204030204" pitchFamily="49" charset="0"/>
-                <a:cs typeface="Consolas" panose="020B0609020204030204" pitchFamily="49" charset="0"/>
-              </a:rPr>
-              <a:t>modalWindow</a:t>
-            </a:r>
-            <a:r>
-              <a:rPr lang="de-DE" altLang="de-DE" sz="1400" b="1" dirty="0">
-                <a:solidFill>
-                  <a:srgbClr val="008000"/>
-                </a:solidFill>
-                <a:latin typeface="Consolas" panose="020B0609020204030204" pitchFamily="49" charset="0"/>
-                <a:cs typeface="Consolas" panose="020B0609020204030204" pitchFamily="49" charset="0"/>
-              </a:rPr>
-              <a:t>"</a:t>
-            </a:r>
-            <a:r>
-              <a:rPr lang="de-DE" altLang="de-DE" sz="1400" dirty="0">
-                <a:solidFill>
-                  <a:srgbClr val="000000"/>
-                </a:solidFill>
-                <a:latin typeface="Consolas" panose="020B0609020204030204" pitchFamily="49" charset="0"/>
-                <a:cs typeface="Consolas" panose="020B0609020204030204" pitchFamily="49" charset="0"/>
-              </a:rPr>
-              <a:t>);</a:t>
-            </a:r>
-            <a:br>
-              <a:rPr lang="de-DE" altLang="de-DE" sz="1400" dirty="0">
-                <a:solidFill>
-                  <a:srgbClr val="000000"/>
-                </a:solidFill>
-                <a:latin typeface="Consolas" panose="020B0609020204030204" pitchFamily="49" charset="0"/>
-                <a:cs typeface="Consolas" panose="020B0609020204030204" pitchFamily="49" charset="0"/>
-              </a:rPr>
-            </a:br>
-            <a:r>
-              <a:rPr lang="de-DE" altLang="de-DE" sz="1400" dirty="0">
-                <a:solidFill>
-                  <a:srgbClr val="000000"/>
-                </a:solidFill>
-                <a:latin typeface="Consolas" panose="020B0609020204030204" pitchFamily="49" charset="0"/>
-                <a:cs typeface="Consolas" panose="020B0609020204030204" pitchFamily="49" charset="0"/>
-              </a:rPr>
-              <a:t>    Label </a:t>
-            </a:r>
-            <a:r>
-              <a:rPr lang="de-DE" altLang="de-DE" sz="1400" dirty="0" err="1">
-                <a:solidFill>
-                  <a:srgbClr val="000000"/>
-                </a:solidFill>
-                <a:latin typeface="Consolas" panose="020B0609020204030204" pitchFamily="49" charset="0"/>
-                <a:cs typeface="Consolas" panose="020B0609020204030204" pitchFamily="49" charset="0"/>
-              </a:rPr>
-              <a:t>label</a:t>
-            </a:r>
-            <a:r>
-              <a:rPr lang="de-DE" altLang="de-DE" sz="1400" dirty="0">
-                <a:solidFill>
-                  <a:srgbClr val="000000"/>
-                </a:solidFill>
-                <a:latin typeface="Consolas" panose="020B0609020204030204" pitchFamily="49" charset="0"/>
-                <a:cs typeface="Consolas" panose="020B0609020204030204" pitchFamily="49" charset="0"/>
-              </a:rPr>
-              <a:t> = </a:t>
-            </a:r>
-            <a:r>
-              <a:rPr lang="de-DE" altLang="de-DE" sz="1400" b="1" dirty="0" err="1">
-                <a:solidFill>
-                  <a:srgbClr val="000080"/>
-                </a:solidFill>
-                <a:latin typeface="Consolas" panose="020B0609020204030204" pitchFamily="49" charset="0"/>
-                <a:cs typeface="Consolas" panose="020B0609020204030204" pitchFamily="49" charset="0"/>
-              </a:rPr>
-              <a:t>new</a:t>
-            </a:r>
-            <a:r>
-              <a:rPr lang="de-DE" altLang="de-DE" sz="1400" b="1" dirty="0">
-                <a:solidFill>
-                  <a:srgbClr val="000080"/>
-                </a:solidFill>
-                <a:latin typeface="Consolas" panose="020B0609020204030204" pitchFamily="49" charset="0"/>
-                <a:cs typeface="Consolas" panose="020B0609020204030204" pitchFamily="49" charset="0"/>
-              </a:rPr>
-              <a:t> </a:t>
-            </a:r>
-            <a:r>
-              <a:rPr lang="de-DE" altLang="de-DE" sz="1400" dirty="0">
-                <a:solidFill>
-                  <a:srgbClr val="000000"/>
-                </a:solidFill>
-                <a:latin typeface="Consolas" panose="020B0609020204030204" pitchFamily="49" charset="0"/>
-                <a:cs typeface="Consolas" panose="020B0609020204030204" pitchFamily="49" charset="0"/>
-              </a:rPr>
-              <a:t>Label(</a:t>
-            </a:r>
-            <a:r>
-              <a:rPr lang="de-DE" altLang="de-DE" sz="1400" dirty="0" err="1">
-                <a:solidFill>
-                  <a:srgbClr val="000000"/>
-                </a:solidFill>
-                <a:latin typeface="Consolas" panose="020B0609020204030204" pitchFamily="49" charset="0"/>
-                <a:cs typeface="Consolas" panose="020B0609020204030204" pitchFamily="49" charset="0"/>
-              </a:rPr>
-              <a:t>modalWindow.getContentId</a:t>
-            </a:r>
-            <a:r>
-              <a:rPr lang="de-DE" altLang="de-DE" sz="1400" dirty="0">
-                <a:solidFill>
-                  <a:srgbClr val="000000"/>
-                </a:solidFill>
-                <a:latin typeface="Consolas" panose="020B0609020204030204" pitchFamily="49" charset="0"/>
-                <a:cs typeface="Consolas" panose="020B0609020204030204" pitchFamily="49" charset="0"/>
-              </a:rPr>
-              <a:t>(), </a:t>
-            </a:r>
-            <a:r>
-              <a:rPr lang="de-DE" altLang="de-DE" sz="1400" dirty="0" err="1">
-                <a:solidFill>
-                  <a:srgbClr val="000000"/>
-                </a:solidFill>
-                <a:latin typeface="Consolas" panose="020B0609020204030204" pitchFamily="49" charset="0"/>
-                <a:cs typeface="Consolas" panose="020B0609020204030204" pitchFamily="49" charset="0"/>
-              </a:rPr>
-              <a:t>Model.of</a:t>
-            </a:r>
-            <a:r>
-              <a:rPr lang="de-DE" altLang="de-DE" sz="1400" dirty="0">
-                <a:solidFill>
-                  <a:srgbClr val="000000"/>
-                </a:solidFill>
-                <a:latin typeface="Consolas" panose="020B0609020204030204" pitchFamily="49" charset="0"/>
-                <a:cs typeface="Consolas" panose="020B0609020204030204" pitchFamily="49" charset="0"/>
-              </a:rPr>
-              <a:t>(</a:t>
-            </a:r>
-            <a:r>
-              <a:rPr lang="de-DE" altLang="de-DE" sz="1400" b="1" dirty="0">
-                <a:solidFill>
-                  <a:srgbClr val="008000"/>
-                </a:solidFill>
-                <a:latin typeface="Consolas" panose="020B0609020204030204" pitchFamily="49" charset="0"/>
-                <a:cs typeface="Consolas" panose="020B0609020204030204" pitchFamily="49" charset="0"/>
-              </a:rPr>
-              <a:t>"Hey!"</a:t>
-            </a:r>
-            <a:r>
-              <a:rPr lang="de-DE" altLang="de-DE" sz="1400" dirty="0">
-                <a:solidFill>
-                  <a:srgbClr val="000000"/>
-                </a:solidFill>
-                <a:latin typeface="Consolas" panose="020B0609020204030204" pitchFamily="49" charset="0"/>
-                <a:cs typeface="Consolas" panose="020B0609020204030204" pitchFamily="49" charset="0"/>
-              </a:rPr>
-              <a:t>));</a:t>
-            </a:r>
-            <a:br>
-              <a:rPr lang="de-DE" altLang="de-DE" sz="1400" dirty="0">
-                <a:solidFill>
-                  <a:srgbClr val="000000"/>
-                </a:solidFill>
-                <a:latin typeface="Consolas" panose="020B0609020204030204" pitchFamily="49" charset="0"/>
-                <a:cs typeface="Consolas" panose="020B0609020204030204" pitchFamily="49" charset="0"/>
-              </a:rPr>
-            </a:br>
-            <a:r>
-              <a:rPr lang="de-DE" altLang="de-DE" sz="1400" dirty="0">
-                <a:solidFill>
-                  <a:srgbClr val="000000"/>
-                </a:solidFill>
-                <a:latin typeface="Consolas" panose="020B0609020204030204" pitchFamily="49" charset="0"/>
-                <a:cs typeface="Consolas" panose="020B0609020204030204" pitchFamily="49" charset="0"/>
-              </a:rPr>
-              <a:t/>
-            </a:r>
-            <a:br>
-              <a:rPr lang="de-DE" altLang="de-DE" sz="1400" dirty="0">
-                <a:solidFill>
-                  <a:srgbClr val="000000"/>
-                </a:solidFill>
-                <a:latin typeface="Consolas" panose="020B0609020204030204" pitchFamily="49" charset="0"/>
-                <a:cs typeface="Consolas" panose="020B0609020204030204" pitchFamily="49" charset="0"/>
-              </a:rPr>
-            </a:br>
-            <a:r>
-              <a:rPr lang="de-DE" altLang="de-DE" sz="1400" dirty="0">
-                <a:solidFill>
-                  <a:srgbClr val="000000"/>
-                </a:solidFill>
-                <a:latin typeface="Consolas" panose="020B0609020204030204" pitchFamily="49" charset="0"/>
-                <a:cs typeface="Consolas" panose="020B0609020204030204" pitchFamily="49" charset="0"/>
-              </a:rPr>
-              <a:t>    </a:t>
-            </a:r>
-            <a:r>
-              <a:rPr lang="de-DE" altLang="de-DE" sz="1400" dirty="0" err="1">
-                <a:solidFill>
-                  <a:srgbClr val="000000"/>
-                </a:solidFill>
-                <a:latin typeface="Consolas" panose="020B0609020204030204" pitchFamily="49" charset="0"/>
-                <a:cs typeface="Consolas" panose="020B0609020204030204" pitchFamily="49" charset="0"/>
-              </a:rPr>
-              <a:t>modalWindow.setContent</a:t>
-            </a:r>
-            <a:r>
-              <a:rPr lang="de-DE" altLang="de-DE" sz="1400" dirty="0">
-                <a:solidFill>
-                  <a:srgbClr val="000000"/>
-                </a:solidFill>
-                <a:latin typeface="Consolas" panose="020B0609020204030204" pitchFamily="49" charset="0"/>
-                <a:cs typeface="Consolas" panose="020B0609020204030204" pitchFamily="49" charset="0"/>
-              </a:rPr>
-              <a:t>(</a:t>
-            </a:r>
-            <a:r>
-              <a:rPr lang="de-DE" altLang="de-DE" sz="1400" dirty="0" err="1">
-                <a:solidFill>
-                  <a:srgbClr val="000000"/>
-                </a:solidFill>
-                <a:latin typeface="Consolas" panose="020B0609020204030204" pitchFamily="49" charset="0"/>
-                <a:cs typeface="Consolas" panose="020B0609020204030204" pitchFamily="49" charset="0"/>
-              </a:rPr>
-              <a:t>label</a:t>
-            </a:r>
-            <a:r>
-              <a:rPr lang="de-DE" altLang="de-DE" sz="1400" dirty="0">
-                <a:solidFill>
-                  <a:srgbClr val="000000"/>
-                </a:solidFill>
-                <a:latin typeface="Consolas" panose="020B0609020204030204" pitchFamily="49" charset="0"/>
-                <a:cs typeface="Consolas" panose="020B0609020204030204" pitchFamily="49" charset="0"/>
-              </a:rPr>
-              <a:t>);</a:t>
-            </a:r>
-            <a:br>
-              <a:rPr lang="de-DE" altLang="de-DE" sz="1400" dirty="0">
-                <a:solidFill>
-                  <a:srgbClr val="000000"/>
-                </a:solidFill>
-                <a:latin typeface="Consolas" panose="020B0609020204030204" pitchFamily="49" charset="0"/>
-                <a:cs typeface="Consolas" panose="020B0609020204030204" pitchFamily="49" charset="0"/>
-              </a:rPr>
-            </a:br>
-            <a:r>
-              <a:rPr lang="de-DE" altLang="de-DE" sz="1400" dirty="0">
-                <a:solidFill>
-                  <a:srgbClr val="000000"/>
-                </a:solidFill>
-                <a:latin typeface="Consolas" panose="020B0609020204030204" pitchFamily="49" charset="0"/>
-                <a:cs typeface="Consolas" panose="020B0609020204030204" pitchFamily="49" charset="0"/>
-              </a:rPr>
-              <a:t>    </a:t>
-            </a:r>
-            <a:r>
-              <a:rPr lang="de-DE" altLang="de-DE" sz="1400" dirty="0" err="1">
-                <a:solidFill>
-                  <a:srgbClr val="000000"/>
-                </a:solidFill>
-                <a:latin typeface="Consolas" panose="020B0609020204030204" pitchFamily="49" charset="0"/>
-                <a:cs typeface="Consolas" panose="020B0609020204030204" pitchFamily="49" charset="0"/>
-              </a:rPr>
-              <a:t>modalWindow.setTitle</a:t>
-            </a:r>
-            <a:r>
-              <a:rPr lang="de-DE" altLang="de-DE" sz="1400" dirty="0">
-                <a:solidFill>
-                  <a:srgbClr val="000000"/>
-                </a:solidFill>
-                <a:latin typeface="Consolas" panose="020B0609020204030204" pitchFamily="49" charset="0"/>
-                <a:cs typeface="Consolas" panose="020B0609020204030204" pitchFamily="49" charset="0"/>
-              </a:rPr>
-              <a:t>(</a:t>
-            </a:r>
-            <a:r>
-              <a:rPr lang="de-DE" altLang="de-DE" sz="1400" b="1" dirty="0">
-                <a:solidFill>
-                  <a:srgbClr val="008000"/>
-                </a:solidFill>
-                <a:latin typeface="Consolas" panose="020B0609020204030204" pitchFamily="49" charset="0"/>
-                <a:cs typeface="Consolas" panose="020B0609020204030204" pitchFamily="49" charset="0"/>
-              </a:rPr>
-              <a:t>"Modal </a:t>
-            </a:r>
-            <a:r>
-              <a:rPr lang="de-DE" altLang="de-DE" sz="1400" b="1" dirty="0" err="1">
-                <a:solidFill>
-                  <a:srgbClr val="008000"/>
-                </a:solidFill>
-                <a:latin typeface="Consolas" panose="020B0609020204030204" pitchFamily="49" charset="0"/>
-                <a:cs typeface="Consolas" panose="020B0609020204030204" pitchFamily="49" charset="0"/>
-              </a:rPr>
-              <a:t>Window</a:t>
-            </a:r>
-            <a:r>
-              <a:rPr lang="de-DE" altLang="de-DE" sz="1400" b="1" dirty="0">
-                <a:solidFill>
-                  <a:srgbClr val="008000"/>
-                </a:solidFill>
-                <a:latin typeface="Consolas" panose="020B0609020204030204" pitchFamily="49" charset="0"/>
-                <a:cs typeface="Consolas" panose="020B0609020204030204" pitchFamily="49" charset="0"/>
-              </a:rPr>
-              <a:t>"</a:t>
-            </a:r>
-            <a:r>
-              <a:rPr lang="de-DE" altLang="de-DE" sz="1400" dirty="0">
-                <a:solidFill>
-                  <a:srgbClr val="000000"/>
-                </a:solidFill>
-                <a:latin typeface="Consolas" panose="020B0609020204030204" pitchFamily="49" charset="0"/>
-                <a:cs typeface="Consolas" panose="020B0609020204030204" pitchFamily="49" charset="0"/>
-              </a:rPr>
-              <a:t>);</a:t>
-            </a:r>
-            <a:br>
-              <a:rPr lang="de-DE" altLang="de-DE" sz="1400" dirty="0">
-                <a:solidFill>
-                  <a:srgbClr val="000000"/>
-                </a:solidFill>
-                <a:latin typeface="Consolas" panose="020B0609020204030204" pitchFamily="49" charset="0"/>
-                <a:cs typeface="Consolas" panose="020B0609020204030204" pitchFamily="49" charset="0"/>
-              </a:rPr>
-            </a:br>
-            <a:r>
-              <a:rPr lang="de-DE" altLang="de-DE" sz="1400" dirty="0">
-                <a:solidFill>
-                  <a:srgbClr val="000000"/>
-                </a:solidFill>
-                <a:latin typeface="Consolas" panose="020B0609020204030204" pitchFamily="49" charset="0"/>
-                <a:cs typeface="Consolas" panose="020B0609020204030204" pitchFamily="49" charset="0"/>
-              </a:rPr>
-              <a:t/>
-            </a:r>
-            <a:br>
-              <a:rPr lang="de-DE" altLang="de-DE" sz="1400" dirty="0">
-                <a:solidFill>
-                  <a:srgbClr val="000000"/>
-                </a:solidFill>
-                <a:latin typeface="Consolas" panose="020B0609020204030204" pitchFamily="49" charset="0"/>
-                <a:cs typeface="Consolas" panose="020B0609020204030204" pitchFamily="49" charset="0"/>
-              </a:rPr>
-            </a:br>
-            <a:r>
-              <a:rPr lang="de-DE" altLang="de-DE" sz="1400" dirty="0">
-                <a:solidFill>
-                  <a:srgbClr val="000000"/>
-                </a:solidFill>
-                <a:latin typeface="Consolas" panose="020B0609020204030204" pitchFamily="49" charset="0"/>
-                <a:cs typeface="Consolas" panose="020B0609020204030204" pitchFamily="49" charset="0"/>
-              </a:rPr>
-              <a:t>    </a:t>
-            </a:r>
-            <a:r>
-              <a:rPr lang="de-DE" altLang="de-DE" sz="1400" dirty="0" err="1">
-                <a:solidFill>
-                  <a:srgbClr val="000000"/>
-                </a:solidFill>
-                <a:latin typeface="Consolas" panose="020B0609020204030204" pitchFamily="49" charset="0"/>
-                <a:cs typeface="Consolas" panose="020B0609020204030204" pitchFamily="49" charset="0"/>
-              </a:rPr>
-              <a:t>add</a:t>
-            </a:r>
-            <a:r>
-              <a:rPr lang="de-DE" altLang="de-DE" sz="1400" dirty="0">
-                <a:solidFill>
-                  <a:srgbClr val="000000"/>
-                </a:solidFill>
-                <a:latin typeface="Consolas" panose="020B0609020204030204" pitchFamily="49" charset="0"/>
-                <a:cs typeface="Consolas" panose="020B0609020204030204" pitchFamily="49" charset="0"/>
-              </a:rPr>
-              <a:t>(</a:t>
-            </a:r>
-            <a:r>
-              <a:rPr lang="de-DE" altLang="de-DE" sz="1400" dirty="0" err="1">
-                <a:solidFill>
-                  <a:srgbClr val="000000"/>
-                </a:solidFill>
-                <a:latin typeface="Consolas" panose="020B0609020204030204" pitchFamily="49" charset="0"/>
-                <a:cs typeface="Consolas" panose="020B0609020204030204" pitchFamily="49" charset="0"/>
-              </a:rPr>
-              <a:t>modalWindow</a:t>
-            </a:r>
-            <a:r>
-              <a:rPr lang="de-DE" altLang="de-DE" sz="1400" dirty="0">
-                <a:solidFill>
-                  <a:srgbClr val="000000"/>
-                </a:solidFill>
-                <a:latin typeface="Consolas" panose="020B0609020204030204" pitchFamily="49" charset="0"/>
-                <a:cs typeface="Consolas" panose="020B0609020204030204" pitchFamily="49" charset="0"/>
-              </a:rPr>
-              <a:t>);</a:t>
-            </a:r>
-            <a:br>
-              <a:rPr lang="de-DE" altLang="de-DE" sz="1400" dirty="0">
-                <a:solidFill>
-                  <a:srgbClr val="000000"/>
-                </a:solidFill>
-                <a:latin typeface="Consolas" panose="020B0609020204030204" pitchFamily="49" charset="0"/>
-                <a:cs typeface="Consolas" panose="020B0609020204030204" pitchFamily="49" charset="0"/>
-              </a:rPr>
-            </a:br>
-            <a:r>
-              <a:rPr lang="de-DE" altLang="de-DE" sz="1400" dirty="0">
-                <a:solidFill>
-                  <a:srgbClr val="000000"/>
-                </a:solidFill>
-                <a:latin typeface="Consolas" panose="020B0609020204030204" pitchFamily="49" charset="0"/>
-                <a:cs typeface="Consolas" panose="020B0609020204030204" pitchFamily="49" charset="0"/>
-              </a:rPr>
-              <a:t>    </a:t>
-            </a:r>
-            <a:r>
-              <a:rPr lang="de-DE" altLang="de-DE" sz="1400" dirty="0" err="1">
-                <a:solidFill>
-                  <a:srgbClr val="000000"/>
-                </a:solidFill>
-                <a:latin typeface="Consolas" panose="020B0609020204030204" pitchFamily="49" charset="0"/>
-                <a:cs typeface="Consolas" panose="020B0609020204030204" pitchFamily="49" charset="0"/>
-              </a:rPr>
-              <a:t>add</a:t>
-            </a:r>
-            <a:r>
-              <a:rPr lang="de-DE" altLang="de-DE" sz="1400" dirty="0">
-                <a:solidFill>
-                  <a:srgbClr val="000000"/>
-                </a:solidFill>
-                <a:latin typeface="Consolas" panose="020B0609020204030204" pitchFamily="49" charset="0"/>
-                <a:cs typeface="Consolas" panose="020B0609020204030204" pitchFamily="49" charset="0"/>
-              </a:rPr>
-              <a:t>(</a:t>
-            </a:r>
-            <a:r>
-              <a:rPr lang="de-DE" altLang="de-DE" sz="1400" b="1" dirty="0" err="1">
-                <a:solidFill>
-                  <a:srgbClr val="000080"/>
-                </a:solidFill>
-                <a:latin typeface="Consolas" panose="020B0609020204030204" pitchFamily="49" charset="0"/>
-                <a:cs typeface="Consolas" panose="020B0609020204030204" pitchFamily="49" charset="0"/>
-              </a:rPr>
-              <a:t>new</a:t>
-            </a:r>
-            <a:r>
-              <a:rPr lang="de-DE" altLang="de-DE" sz="1400" b="1" dirty="0">
-                <a:solidFill>
-                  <a:srgbClr val="000080"/>
-                </a:solidFill>
-                <a:latin typeface="Consolas" panose="020B0609020204030204" pitchFamily="49" charset="0"/>
-                <a:cs typeface="Consolas" panose="020B0609020204030204" pitchFamily="49" charset="0"/>
-              </a:rPr>
-              <a:t> </a:t>
-            </a:r>
-            <a:r>
-              <a:rPr lang="de-DE" altLang="de-DE" sz="1400" dirty="0" err="1">
-                <a:solidFill>
-                  <a:srgbClr val="000000"/>
-                </a:solidFill>
-                <a:latin typeface="Consolas" panose="020B0609020204030204" pitchFamily="49" charset="0"/>
-                <a:cs typeface="Consolas" panose="020B0609020204030204" pitchFamily="49" charset="0"/>
-              </a:rPr>
-              <a:t>AjaxLink</a:t>
-            </a:r>
-            <a:r>
-              <a:rPr lang="de-DE" altLang="de-DE" sz="1400" dirty="0">
-                <a:solidFill>
-                  <a:srgbClr val="000000"/>
-                </a:solidFill>
-                <a:latin typeface="Consolas" panose="020B0609020204030204" pitchFamily="49" charset="0"/>
-                <a:cs typeface="Consolas" panose="020B0609020204030204" pitchFamily="49" charset="0"/>
-              </a:rPr>
-              <a:t>(</a:t>
-            </a:r>
-            <a:r>
-              <a:rPr lang="de-DE" altLang="de-DE" sz="1400" b="1" dirty="0">
-                <a:solidFill>
-                  <a:srgbClr val="008000"/>
-                </a:solidFill>
-                <a:latin typeface="Consolas" panose="020B0609020204030204" pitchFamily="49" charset="0"/>
-                <a:cs typeface="Consolas" panose="020B0609020204030204" pitchFamily="49" charset="0"/>
-              </a:rPr>
-              <a:t>"</a:t>
-            </a:r>
-            <a:r>
-              <a:rPr lang="de-DE" altLang="de-DE" sz="1400" b="1" dirty="0" err="1">
-                <a:solidFill>
-                  <a:srgbClr val="FF0000"/>
-                </a:solidFill>
-                <a:latin typeface="Consolas" panose="020B0609020204030204" pitchFamily="49" charset="0"/>
-                <a:cs typeface="Consolas" panose="020B0609020204030204" pitchFamily="49" charset="0"/>
-              </a:rPr>
-              <a:t>openWindow</a:t>
-            </a:r>
-            <a:r>
-              <a:rPr lang="de-DE" altLang="de-DE" sz="1400" b="1" dirty="0">
-                <a:solidFill>
-                  <a:srgbClr val="008000"/>
-                </a:solidFill>
-                <a:latin typeface="Consolas" panose="020B0609020204030204" pitchFamily="49" charset="0"/>
-                <a:cs typeface="Consolas" panose="020B0609020204030204" pitchFamily="49" charset="0"/>
-              </a:rPr>
-              <a:t>"</a:t>
-            </a:r>
-            <a:r>
-              <a:rPr lang="de-DE" altLang="de-DE" sz="1400" dirty="0">
-                <a:solidFill>
-                  <a:srgbClr val="000000"/>
-                </a:solidFill>
-                <a:latin typeface="Consolas" panose="020B0609020204030204" pitchFamily="49" charset="0"/>
-                <a:cs typeface="Consolas" panose="020B0609020204030204" pitchFamily="49" charset="0"/>
-              </a:rPr>
-              <a:t>) {</a:t>
-            </a:r>
-            <a:br>
-              <a:rPr lang="de-DE" altLang="de-DE" sz="1400" dirty="0">
-                <a:solidFill>
-                  <a:srgbClr val="000000"/>
-                </a:solidFill>
-                <a:latin typeface="Consolas" panose="020B0609020204030204" pitchFamily="49" charset="0"/>
-                <a:cs typeface="Consolas" panose="020B0609020204030204" pitchFamily="49" charset="0"/>
-              </a:rPr>
-            </a:br>
-            <a:r>
-              <a:rPr lang="de-DE" altLang="de-DE" sz="1400" dirty="0">
-                <a:solidFill>
-                  <a:srgbClr val="000000"/>
-                </a:solidFill>
-                <a:latin typeface="Consolas" panose="020B0609020204030204" pitchFamily="49" charset="0"/>
-                <a:cs typeface="Consolas" panose="020B0609020204030204" pitchFamily="49" charset="0"/>
-              </a:rPr>
-              <a:t>        @</a:t>
-            </a:r>
-            <a:r>
-              <a:rPr lang="de-DE" altLang="de-DE" sz="1400" dirty="0" err="1">
-                <a:solidFill>
-                  <a:srgbClr val="000000"/>
-                </a:solidFill>
-                <a:latin typeface="Consolas" panose="020B0609020204030204" pitchFamily="49" charset="0"/>
-                <a:cs typeface="Consolas" panose="020B0609020204030204" pitchFamily="49" charset="0"/>
-              </a:rPr>
-              <a:t>Override</a:t>
-            </a:r>
-            <a:r>
-              <a:rPr lang="de-DE" altLang="de-DE" sz="1400" dirty="0">
-                <a:solidFill>
-                  <a:srgbClr val="000000"/>
-                </a:solidFill>
-                <a:latin typeface="Consolas" panose="020B0609020204030204" pitchFamily="49" charset="0"/>
-                <a:cs typeface="Consolas" panose="020B0609020204030204" pitchFamily="49" charset="0"/>
-              </a:rPr>
-              <a:t/>
-            </a:r>
-            <a:br>
-              <a:rPr lang="de-DE" altLang="de-DE" sz="1400" dirty="0">
-                <a:solidFill>
-                  <a:srgbClr val="000000"/>
-                </a:solidFill>
-                <a:latin typeface="Consolas" panose="020B0609020204030204" pitchFamily="49" charset="0"/>
-                <a:cs typeface="Consolas" panose="020B0609020204030204" pitchFamily="49" charset="0"/>
-              </a:rPr>
-            </a:br>
-            <a:r>
-              <a:rPr lang="de-DE" altLang="de-DE" sz="1400" dirty="0">
-                <a:solidFill>
-                  <a:srgbClr val="000000"/>
-                </a:solidFill>
-                <a:latin typeface="Consolas" panose="020B0609020204030204" pitchFamily="49" charset="0"/>
-                <a:cs typeface="Consolas" panose="020B0609020204030204" pitchFamily="49" charset="0"/>
-              </a:rPr>
-              <a:t>        </a:t>
-            </a:r>
-            <a:r>
-              <a:rPr lang="de-DE" altLang="de-DE" sz="1400" b="1" dirty="0" err="1">
-                <a:solidFill>
-                  <a:srgbClr val="000080"/>
-                </a:solidFill>
-                <a:latin typeface="Consolas" panose="020B0609020204030204" pitchFamily="49" charset="0"/>
-                <a:cs typeface="Consolas" panose="020B0609020204030204" pitchFamily="49" charset="0"/>
-              </a:rPr>
-              <a:t>public</a:t>
-            </a:r>
-            <a:r>
-              <a:rPr lang="de-DE" altLang="de-DE" sz="1400" b="1" dirty="0">
-                <a:solidFill>
-                  <a:srgbClr val="000080"/>
-                </a:solidFill>
-                <a:latin typeface="Consolas" panose="020B0609020204030204" pitchFamily="49" charset="0"/>
-                <a:cs typeface="Consolas" panose="020B0609020204030204" pitchFamily="49" charset="0"/>
-              </a:rPr>
-              <a:t> </a:t>
-            </a:r>
-            <a:r>
-              <a:rPr lang="de-DE" altLang="de-DE" sz="1400" b="1" dirty="0" err="1">
-                <a:solidFill>
-                  <a:srgbClr val="000080"/>
-                </a:solidFill>
-                <a:latin typeface="Consolas" panose="020B0609020204030204" pitchFamily="49" charset="0"/>
-                <a:cs typeface="Consolas" panose="020B0609020204030204" pitchFamily="49" charset="0"/>
-              </a:rPr>
-              <a:t>void</a:t>
-            </a:r>
-            <a:r>
-              <a:rPr lang="de-DE" altLang="de-DE" sz="1400" b="1" dirty="0">
-                <a:solidFill>
-                  <a:srgbClr val="000080"/>
-                </a:solidFill>
-                <a:latin typeface="Consolas" panose="020B0609020204030204" pitchFamily="49" charset="0"/>
-                <a:cs typeface="Consolas" panose="020B0609020204030204" pitchFamily="49" charset="0"/>
-              </a:rPr>
-              <a:t> </a:t>
-            </a:r>
-            <a:r>
-              <a:rPr lang="de-DE" altLang="de-DE" sz="1400" dirty="0" err="1">
-                <a:solidFill>
-                  <a:srgbClr val="000000"/>
-                </a:solidFill>
-                <a:latin typeface="Consolas" panose="020B0609020204030204" pitchFamily="49" charset="0"/>
-                <a:cs typeface="Consolas" panose="020B0609020204030204" pitchFamily="49" charset="0"/>
-              </a:rPr>
-              <a:t>onClick</a:t>
-            </a:r>
-            <a:r>
-              <a:rPr lang="de-DE" altLang="de-DE" sz="1400" dirty="0">
-                <a:solidFill>
-                  <a:srgbClr val="000000"/>
-                </a:solidFill>
-                <a:latin typeface="Consolas" panose="020B0609020204030204" pitchFamily="49" charset="0"/>
-                <a:cs typeface="Consolas" panose="020B0609020204030204" pitchFamily="49" charset="0"/>
-              </a:rPr>
-              <a:t>(Optional&lt;</a:t>
-            </a:r>
-            <a:r>
-              <a:rPr lang="de-DE" altLang="de-DE" sz="1400" dirty="0" err="1">
-                <a:solidFill>
-                  <a:srgbClr val="000000"/>
-                </a:solidFill>
-                <a:latin typeface="Consolas" panose="020B0609020204030204" pitchFamily="49" charset="0"/>
-                <a:cs typeface="Consolas" panose="020B0609020204030204" pitchFamily="49" charset="0"/>
-              </a:rPr>
-              <a:t>AjaxRequestTarget</a:t>
-            </a:r>
-            <a:r>
-              <a:rPr lang="de-DE" altLang="de-DE" sz="1400" dirty="0">
-                <a:solidFill>
-                  <a:srgbClr val="000000"/>
-                </a:solidFill>
-                <a:latin typeface="Consolas" panose="020B0609020204030204" pitchFamily="49" charset="0"/>
-                <a:cs typeface="Consolas" panose="020B0609020204030204" pitchFamily="49" charset="0"/>
-              </a:rPr>
-              <a:t>&gt; </a:t>
-            </a:r>
-            <a:r>
-              <a:rPr lang="de-DE" altLang="de-DE" sz="1400" dirty="0" err="1">
-                <a:solidFill>
-                  <a:srgbClr val="000000"/>
-                </a:solidFill>
-                <a:latin typeface="Consolas" panose="020B0609020204030204" pitchFamily="49" charset="0"/>
-                <a:cs typeface="Consolas" panose="020B0609020204030204" pitchFamily="49" charset="0"/>
-              </a:rPr>
-              <a:t>target</a:t>
-            </a:r>
-            <a:r>
-              <a:rPr lang="de-DE" altLang="de-DE" sz="1400" dirty="0">
-                <a:solidFill>
-                  <a:srgbClr val="000000"/>
-                </a:solidFill>
-                <a:latin typeface="Consolas" panose="020B0609020204030204" pitchFamily="49" charset="0"/>
-                <a:cs typeface="Consolas" panose="020B0609020204030204" pitchFamily="49" charset="0"/>
-              </a:rPr>
-              <a:t>) {</a:t>
-            </a:r>
-          </a:p>
-          <a:p>
-            <a:pPr marL="400050" lvl="1" indent="0">
-              <a:spcBef>
-                <a:spcPct val="0"/>
-              </a:spcBef>
-              <a:buClrTx/>
-              <a:buNone/>
-            </a:pPr>
-            <a:r>
-              <a:rPr lang="de-DE" altLang="de-DE" sz="1400" dirty="0">
-                <a:solidFill>
-                  <a:srgbClr val="000000"/>
-                </a:solidFill>
-                <a:latin typeface="Consolas" panose="020B0609020204030204" pitchFamily="49" charset="0"/>
-                <a:cs typeface="Consolas" panose="020B0609020204030204" pitchFamily="49" charset="0"/>
-              </a:rPr>
-              <a:t>            </a:t>
-            </a:r>
-            <a:r>
-              <a:rPr lang="de-DE" altLang="de-DE" sz="1400" dirty="0" err="1">
-                <a:solidFill>
-                  <a:srgbClr val="000000"/>
-                </a:solidFill>
-                <a:latin typeface="Consolas" panose="020B0609020204030204" pitchFamily="49" charset="0"/>
-                <a:cs typeface="Consolas" panose="020B0609020204030204" pitchFamily="49" charset="0"/>
-              </a:rPr>
-              <a:t>if</a:t>
-            </a:r>
-            <a:r>
-              <a:rPr lang="de-DE" altLang="de-DE" sz="1400" dirty="0">
-                <a:solidFill>
-                  <a:srgbClr val="000000"/>
-                </a:solidFill>
-                <a:latin typeface="Consolas" panose="020B0609020204030204" pitchFamily="49" charset="0"/>
-                <a:cs typeface="Consolas" panose="020B0609020204030204" pitchFamily="49" charset="0"/>
-              </a:rPr>
-              <a:t> (</a:t>
-            </a:r>
-            <a:r>
-              <a:rPr lang="de-DE" altLang="de-DE" sz="1400" dirty="0" err="1">
-                <a:solidFill>
-                  <a:srgbClr val="000000"/>
-                </a:solidFill>
-                <a:latin typeface="Consolas" panose="020B0609020204030204" pitchFamily="49" charset="0"/>
-                <a:cs typeface="Consolas" panose="020B0609020204030204" pitchFamily="49" charset="0"/>
-              </a:rPr>
-              <a:t>target.isPresent</a:t>
-            </a:r>
-            <a:r>
-              <a:rPr lang="de-DE" altLang="de-DE" sz="1400" dirty="0">
-                <a:solidFill>
-                  <a:srgbClr val="000000"/>
-                </a:solidFill>
-                <a:latin typeface="Consolas" panose="020B0609020204030204" pitchFamily="49" charset="0"/>
-                <a:cs typeface="Consolas" panose="020B0609020204030204" pitchFamily="49" charset="0"/>
-              </a:rPr>
-              <a:t>()) {</a:t>
-            </a:r>
-            <a:br>
-              <a:rPr lang="de-DE" altLang="de-DE" sz="1400" dirty="0">
-                <a:solidFill>
-                  <a:srgbClr val="000000"/>
-                </a:solidFill>
-                <a:latin typeface="Consolas" panose="020B0609020204030204" pitchFamily="49" charset="0"/>
-                <a:cs typeface="Consolas" panose="020B0609020204030204" pitchFamily="49" charset="0"/>
-              </a:rPr>
-            </a:br>
-            <a:r>
-              <a:rPr lang="de-DE" altLang="de-DE" sz="1400" dirty="0">
-                <a:solidFill>
-                  <a:srgbClr val="000000"/>
-                </a:solidFill>
-                <a:latin typeface="Consolas" panose="020B0609020204030204" pitchFamily="49" charset="0"/>
-                <a:cs typeface="Consolas" panose="020B0609020204030204" pitchFamily="49" charset="0"/>
-              </a:rPr>
-              <a:t>                </a:t>
-            </a:r>
-            <a:r>
-              <a:rPr lang="de-DE" altLang="de-DE" sz="1400" dirty="0" err="1">
-                <a:solidFill>
-                  <a:srgbClr val="000000"/>
-                </a:solidFill>
-                <a:latin typeface="Consolas" panose="020B0609020204030204" pitchFamily="49" charset="0"/>
-                <a:cs typeface="Consolas" panose="020B0609020204030204" pitchFamily="49" charset="0"/>
-              </a:rPr>
-              <a:t>modalWindow.show</a:t>
-            </a:r>
-            <a:r>
-              <a:rPr lang="de-DE" altLang="de-DE" sz="1400" dirty="0">
-                <a:solidFill>
-                  <a:srgbClr val="000000"/>
-                </a:solidFill>
-                <a:latin typeface="Consolas" panose="020B0609020204030204" pitchFamily="49" charset="0"/>
-                <a:cs typeface="Consolas" panose="020B0609020204030204" pitchFamily="49" charset="0"/>
-              </a:rPr>
-              <a:t>(</a:t>
-            </a:r>
-            <a:r>
-              <a:rPr lang="de-DE" altLang="de-DE" sz="1400" dirty="0" err="1">
-                <a:solidFill>
-                  <a:srgbClr val="000000"/>
-                </a:solidFill>
-                <a:latin typeface="Consolas" panose="020B0609020204030204" pitchFamily="49" charset="0"/>
-                <a:cs typeface="Consolas" panose="020B0609020204030204" pitchFamily="49" charset="0"/>
-              </a:rPr>
-              <a:t>target.get</a:t>
-            </a:r>
-            <a:r>
-              <a:rPr lang="de-DE" altLang="de-DE" sz="1400" dirty="0">
-                <a:solidFill>
-                  <a:srgbClr val="000000"/>
-                </a:solidFill>
-                <a:latin typeface="Consolas" panose="020B0609020204030204" pitchFamily="49" charset="0"/>
-                <a:cs typeface="Consolas" panose="020B0609020204030204" pitchFamily="49" charset="0"/>
-              </a:rPr>
-              <a:t>());</a:t>
-            </a:r>
-          </a:p>
-          <a:p>
-            <a:pPr marL="400050" lvl="1" indent="0">
-              <a:spcBef>
-                <a:spcPct val="0"/>
-              </a:spcBef>
-              <a:buClrTx/>
-              <a:buNone/>
-            </a:pPr>
-            <a:r>
-              <a:rPr lang="de-DE" altLang="de-DE" sz="1400" dirty="0">
-                <a:solidFill>
-                  <a:srgbClr val="000000"/>
-                </a:solidFill>
-                <a:latin typeface="Consolas" panose="020B0609020204030204" pitchFamily="49" charset="0"/>
-                <a:cs typeface="Consolas" panose="020B0609020204030204" pitchFamily="49" charset="0"/>
-              </a:rPr>
-              <a:t>            }</a:t>
-            </a:r>
-            <a:br>
-              <a:rPr lang="de-DE" altLang="de-DE" sz="1400" dirty="0">
-                <a:solidFill>
-                  <a:srgbClr val="000000"/>
-                </a:solidFill>
-                <a:latin typeface="Consolas" panose="020B0609020204030204" pitchFamily="49" charset="0"/>
-                <a:cs typeface="Consolas" panose="020B0609020204030204" pitchFamily="49" charset="0"/>
-              </a:rPr>
-            </a:br>
-            <a:r>
-              <a:rPr lang="de-DE" altLang="de-DE" sz="1400" dirty="0">
-                <a:solidFill>
-                  <a:srgbClr val="000000"/>
-                </a:solidFill>
-                <a:latin typeface="Consolas" panose="020B0609020204030204" pitchFamily="49" charset="0"/>
-                <a:cs typeface="Consolas" panose="020B0609020204030204" pitchFamily="49" charset="0"/>
-              </a:rPr>
-              <a:t>        }</a:t>
-            </a:r>
-            <a:br>
-              <a:rPr lang="de-DE" altLang="de-DE" sz="1400" dirty="0">
-                <a:solidFill>
-                  <a:srgbClr val="000000"/>
-                </a:solidFill>
-                <a:latin typeface="Consolas" panose="020B0609020204030204" pitchFamily="49" charset="0"/>
-                <a:cs typeface="Consolas" panose="020B0609020204030204" pitchFamily="49" charset="0"/>
-              </a:rPr>
-            </a:br>
-            <a:r>
-              <a:rPr lang="de-DE" altLang="de-DE" sz="1400" dirty="0">
-                <a:solidFill>
-                  <a:srgbClr val="000000"/>
-                </a:solidFill>
-                <a:latin typeface="Consolas" panose="020B0609020204030204" pitchFamily="49" charset="0"/>
-                <a:cs typeface="Consolas" panose="020B0609020204030204" pitchFamily="49" charset="0"/>
-              </a:rPr>
-              <a:t>    });</a:t>
-            </a:r>
-            <a:br>
-              <a:rPr lang="de-DE" altLang="de-DE" sz="1400" dirty="0">
-                <a:solidFill>
-                  <a:srgbClr val="000000"/>
-                </a:solidFill>
-                <a:latin typeface="Consolas" panose="020B0609020204030204" pitchFamily="49" charset="0"/>
-                <a:cs typeface="Consolas" panose="020B0609020204030204" pitchFamily="49" charset="0"/>
-              </a:rPr>
-            </a:br>
-            <a:r>
-              <a:rPr lang="de-DE" altLang="de-DE" sz="1400" dirty="0">
-                <a:solidFill>
-                  <a:srgbClr val="000000"/>
-                </a:solidFill>
-                <a:latin typeface="Consolas" panose="020B0609020204030204" pitchFamily="49" charset="0"/>
-                <a:cs typeface="Consolas" panose="020B0609020204030204" pitchFamily="49" charset="0"/>
-              </a:rPr>
-              <a:t>}</a:t>
-            </a:r>
-            <a:endParaRPr lang="de-DE" altLang="de-DE" sz="1400" dirty="0">
+              <a:t>div</a:t>
+            </a:r>
+            <a:r>
+              <a:rPr lang="de-DE" altLang="de-DE" sz="1600" dirty="0">
+                <a:solidFill>
+                  <a:srgbClr val="000000"/>
+                </a:solidFill>
+                <a:latin typeface="Consolas" panose="020B0609020204030204" pitchFamily="49" charset="0"/>
+                <a:cs typeface="Consolas" panose="020B0609020204030204" pitchFamily="49" charset="0"/>
+              </a:rPr>
+              <a:t>&gt;</a:t>
+            </a:r>
+            <a:endParaRPr lang="de-DE" altLang="de-DE" sz="1600" dirty="0">
               <a:latin typeface="Consolas" panose="020B0609020204030204" pitchFamily="49" charset="0"/>
               <a:cs typeface="Consolas" panose="020B0609020204030204" pitchFamily="49" charset="0"/>
             </a:endParaRPr>
@@ -12870,7 +13153,7 @@
     </p:spTree>
     <p:extLst>
       <p:ext uri="{BB962C8B-B14F-4D97-AF65-F5344CB8AC3E}">
-        <p14:creationId xmlns:p14="http://schemas.microsoft.com/office/powerpoint/2010/main" val="773029921"/>
+        <p14:creationId xmlns:p14="http://schemas.microsoft.com/office/powerpoint/2010/main" val="2996205730"/>
       </p:ext>
     </p:extLst>
   </p:cSld>

--- a/slides/Tag-2_4-Bestandteile_Ajax.pptx
+++ b/slides/Tag-2_4-Bestandteile_Ajax.pptx
@@ -4933,7 +4933,7 @@
               <a:pPr algn="ctr">
                 <a:defRPr/>
               </a:pPr>
-              <a:t>25.05.2021</a:t>
+              <a:t>08.02.2023</a:t>
             </a:fld>
             <a:endParaRPr lang="de-DE" sz="1000" dirty="0">
               <a:solidFill>
@@ -5391,30 +5391,6 @@
           </a:p>
         </p:txBody>
       </p:sp>
-      <p:pic>
-        <p:nvPicPr>
-          <p:cNvPr id="14" name="Grafik 13" descr="logoGFU.jpg"/>
-          <p:cNvPicPr>
-            <a:picLocks noChangeAspect="1"/>
-          </p:cNvPicPr>
-          <p:nvPr/>
-        </p:nvPicPr>
-        <p:blipFill>
-          <a:blip r:embed="rId16" cstate="print"/>
-          <a:stretch>
-            <a:fillRect/>
-          </a:stretch>
-        </p:blipFill>
-        <p:spPr>
-          <a:xfrm>
-            <a:off x="6805628" y="572040"/>
-            <a:ext cx="1785950" cy="385205"/>
-          </a:xfrm>
-          <a:prstGeom prst="rect">
-            <a:avLst/>
-          </a:prstGeom>
-        </p:spPr>
-      </p:pic>
       <p:sp>
         <p:nvSpPr>
           <p:cNvPr id="15" name="Text Box 24"/>
@@ -5509,13 +5485,22 @@
               <a:defRPr/>
             </a:pPr>
             <a:r>
-              <a:rPr lang="de-DE" sz="1000" dirty="0" smtClean="0">
+              <a:rPr lang="de-DE" sz="1000" dirty="0">
                 <a:solidFill>
                   <a:schemeClr val="bg1"/>
                 </a:solidFill>
                 <a:latin typeface="Arial" charset="0"/>
               </a:rPr>
-              <a:t>Patrick Möbius</a:t>
+              <a:t>Patrick </a:t>
+            </a:r>
+            <a:r>
+              <a:rPr lang="de-DE" sz="1000" dirty="0" err="1">
+                <a:solidFill>
+                  <a:schemeClr val="bg1"/>
+                </a:solidFill>
+                <a:latin typeface="Arial" charset="0"/>
+              </a:rPr>
+              <a:t>Ungewiß</a:t>
             </a:r>
             <a:endParaRPr lang="de-DE" sz="1000" dirty="0">
               <a:solidFill>
@@ -6988,13 +6973,6 @@
   <p:clrMapOvr>
     <a:masterClrMapping/>
   </p:clrMapOvr>
-  <p:timing>
-    <p:tnLst>
-      <p:par>
-        <p:cTn id="1" dur="indefinite" restart="never" nodeType="tmRoot"/>
-      </p:par>
-    </p:tnLst>
-  </p:timing>
 </p:sld>
 </file>
 
@@ -7231,16 +7209,6 @@
               <a:buClrTx/>
               <a:buNone/>
             </a:pPr>
-            <a:r>
-              <a:rPr lang="de-DE" altLang="de-DE" sz="1400" dirty="0">
-                <a:solidFill>
-                  <a:srgbClr val="000000"/>
-                </a:solidFill>
-                <a:latin typeface="Consolas" panose="020B0609020204030204" pitchFamily="49" charset="0"/>
-                <a:cs typeface="Consolas" panose="020B0609020204030204" pitchFamily="49" charset="0"/>
-              </a:rPr>
-              <a:t/>
-            </a:r>
             <a:br>
               <a:rPr lang="de-DE" altLang="de-DE" sz="1400" dirty="0">
                 <a:solidFill>
@@ -7518,16 +7486,6 @@
                 <a:cs typeface="Consolas" panose="020B0609020204030204" pitchFamily="49" charset="0"/>
               </a:rPr>
             </a:br>
-            <a:r>
-              <a:rPr lang="de-DE" altLang="de-DE" sz="1400" dirty="0">
-                <a:solidFill>
-                  <a:srgbClr val="000000"/>
-                </a:solidFill>
-                <a:latin typeface="Consolas" panose="020B0609020204030204" pitchFamily="49" charset="0"/>
-                <a:cs typeface="Consolas" panose="020B0609020204030204" pitchFamily="49" charset="0"/>
-              </a:rPr>
-              <a:t/>
-            </a:r>
             <a:br>
               <a:rPr lang="de-DE" altLang="de-DE" sz="1400" dirty="0">
                 <a:solidFill>
@@ -7675,16 +7633,6 @@
                 <a:cs typeface="Consolas" panose="020B0609020204030204" pitchFamily="49" charset="0"/>
               </a:rPr>
             </a:br>
-            <a:r>
-              <a:rPr lang="de-DE" altLang="de-DE" sz="1400" dirty="0">
-                <a:solidFill>
-                  <a:srgbClr val="000000"/>
-                </a:solidFill>
-                <a:latin typeface="Consolas" panose="020B0609020204030204" pitchFamily="49" charset="0"/>
-                <a:cs typeface="Consolas" panose="020B0609020204030204" pitchFamily="49" charset="0"/>
-              </a:rPr>
-              <a:t/>
-            </a:r>
             <a:br>
               <a:rPr lang="de-DE" altLang="de-DE" sz="1400" dirty="0">
                 <a:solidFill>
@@ -7891,16 +7839,6 @@
                 <a:cs typeface="Consolas" panose="020B0609020204030204" pitchFamily="49" charset="0"/>
               </a:rPr>
               <a:t>Override</a:t>
-            </a:r>
-            <a:r>
-              <a:rPr lang="de-DE" altLang="de-DE" sz="1400" dirty="0">
-                <a:solidFill>
-                  <a:srgbClr val="000000"/>
-                </a:solidFill>
-                <a:latin typeface="Consolas" panose="020B0609020204030204" pitchFamily="49" charset="0"/>
-                <a:cs typeface="Consolas" panose="020B0609020204030204" pitchFamily="49" charset="0"/>
-              </a:rPr>
-              <a:t/>
             </a:r>
             <a:br>
               <a:rPr lang="de-DE" altLang="de-DE" sz="1400" dirty="0">
@@ -9142,16 +9080,6 @@
                 <a:cs typeface="Consolas" panose="020B0609020204030204" pitchFamily="49" charset="0"/>
               </a:rPr>
             </a:br>
-            <a:r>
-              <a:rPr lang="de-DE" altLang="de-DE" sz="1100" dirty="0">
-                <a:solidFill>
-                  <a:srgbClr val="000000"/>
-                </a:solidFill>
-                <a:latin typeface="Consolas" panose="020B0609020204030204" pitchFamily="49" charset="0"/>
-                <a:cs typeface="Consolas" panose="020B0609020204030204" pitchFamily="49" charset="0"/>
-              </a:rPr>
-              <a:t/>
-            </a:r>
             <a:br>
               <a:rPr lang="de-DE" altLang="de-DE" sz="1100" dirty="0">
                 <a:solidFill>
@@ -9627,16 +9555,6 @@
               <a:buClrTx/>
               <a:buNone/>
             </a:pPr>
-            <a:r>
-              <a:rPr lang="de-DE" altLang="de-DE" sz="1100" dirty="0">
-                <a:solidFill>
-                  <a:srgbClr val="000000"/>
-                </a:solidFill>
-                <a:latin typeface="Consolas" panose="020B0609020204030204" pitchFamily="49" charset="0"/>
-                <a:cs typeface="Consolas" panose="020B0609020204030204" pitchFamily="49" charset="0"/>
-              </a:rPr>
-              <a:t/>
-            </a:r>
             <a:br>
               <a:rPr lang="de-DE" altLang="de-DE" sz="1100" dirty="0">
                 <a:solidFill>
@@ -9765,16 +9683,6 @@
                 <a:cs typeface="Consolas" panose="020B0609020204030204" pitchFamily="49" charset="0"/>
               </a:rPr>
             </a:br>
-            <a:r>
-              <a:rPr lang="de-DE" altLang="de-DE" sz="1100" dirty="0">
-                <a:solidFill>
-                  <a:srgbClr val="000000"/>
-                </a:solidFill>
-                <a:latin typeface="Consolas" panose="020B0609020204030204" pitchFamily="49" charset="0"/>
-                <a:cs typeface="Consolas" panose="020B0609020204030204" pitchFamily="49" charset="0"/>
-              </a:rPr>
-              <a:t/>
-            </a:r>
             <a:br>
               <a:rPr lang="de-DE" altLang="de-DE" sz="1100" dirty="0">
                 <a:solidFill>
@@ -9803,16 +9711,6 @@
                 <a:cs typeface="Consolas" panose="020B0609020204030204" pitchFamily="49" charset="0"/>
               </a:rPr>
               <a:t>Override</a:t>
-            </a:r>
-            <a:r>
-              <a:rPr lang="de-DE" altLang="de-DE" sz="1100" dirty="0">
-                <a:solidFill>
-                  <a:srgbClr val="000000"/>
-                </a:solidFill>
-                <a:latin typeface="Consolas" panose="020B0609020204030204" pitchFamily="49" charset="0"/>
-                <a:cs typeface="Consolas" panose="020B0609020204030204" pitchFamily="49" charset="0"/>
-              </a:rPr>
-              <a:t/>
             </a:r>
             <a:br>
               <a:rPr lang="de-DE" altLang="de-DE" sz="1100" dirty="0">
@@ -10176,16 +10074,6 @@
                 <a:cs typeface="Consolas" panose="020B0609020204030204" pitchFamily="49" charset="0"/>
               </a:rPr>
             </a:br>
-            <a:r>
-              <a:rPr lang="de-DE" altLang="de-DE" sz="1100" dirty="0">
-                <a:solidFill>
-                  <a:srgbClr val="000000"/>
-                </a:solidFill>
-                <a:latin typeface="Consolas" panose="020B0609020204030204" pitchFamily="49" charset="0"/>
-                <a:cs typeface="Consolas" panose="020B0609020204030204" pitchFamily="49" charset="0"/>
-              </a:rPr>
-              <a:t/>
-            </a:r>
             <a:br>
               <a:rPr lang="de-DE" altLang="de-DE" sz="1100" dirty="0">
                 <a:solidFill>
@@ -10322,16 +10210,6 @@
                 <a:cs typeface="Consolas" panose="020B0609020204030204" pitchFamily="49" charset="0"/>
               </a:rPr>
               <a:t>    }</a:t>
-            </a:r>
-            <a:r>
-              <a:rPr lang="de-DE" altLang="de-DE" sz="1200" dirty="0">
-                <a:solidFill>
-                  <a:srgbClr val="000000"/>
-                </a:solidFill>
-                <a:latin typeface="Consolas" panose="020B0609020204030204" pitchFamily="49" charset="0"/>
-                <a:cs typeface="Consolas" panose="020B0609020204030204" pitchFamily="49" charset="0"/>
-              </a:rPr>
-              <a:t/>
             </a:r>
             <a:br>
               <a:rPr lang="de-DE" altLang="de-DE" sz="1200" dirty="0">
@@ -12221,16 +12099,6 @@
                 <a:cs typeface="Consolas" panose="020B0609020204030204" pitchFamily="49" charset="0"/>
               </a:rPr>
               <a:t>Override</a:t>
-            </a:r>
-            <a:r>
-              <a:rPr lang="de-DE" altLang="de-DE" sz="1600" dirty="0">
-                <a:solidFill>
-                  <a:srgbClr val="000000"/>
-                </a:solidFill>
-                <a:latin typeface="Consolas" panose="020B0609020204030204" pitchFamily="49" charset="0"/>
-                <a:cs typeface="Consolas" panose="020B0609020204030204" pitchFamily="49" charset="0"/>
-              </a:rPr>
-              <a:t/>
             </a:r>
             <a:br>
               <a:rPr lang="de-DE" altLang="de-DE" sz="1600" dirty="0">

--- a/slides/Tag-2_4-Bestandteile_Ajax.pptx
+++ b/slides/Tag-2_4-Bestandteile_Ajax.pptx
@@ -4933,7 +4933,7 @@
               <a:pPr algn="ctr">
                 <a:defRPr/>
               </a:pPr>
-              <a:t>08.02.2023</a:t>
+              <a:t>10.02.2023</a:t>
             </a:fld>
             <a:endParaRPr lang="de-DE" sz="1000" dirty="0">
               <a:solidFill>
